--- a/inna/Занятие 1.pptx
+++ b/inna/Занятие 1.pptx
@@ -125,7 +125,7 @@
   </p:defaultTextStyle>
   <p:extLst>
     <p:ext uri="{EFAFB233-063F-42B5-8137-9DF3F51BA10A}">
-      <p15:sldGuideLst xmlns:p15="http://schemas.microsoft.com/office/powerpoint/2012/main" xmlns="">
+      <p15:sldGuideLst xmlns="" xmlns:p15="http://schemas.microsoft.com/office/powerpoint/2012/main">
         <p15:guide id="1" orient="horz" pos="2160">
           <p15:clr>
             <a:srgbClr val="A4A3A4"/>
@@ -394,7 +394,7 @@
     </p:spTree>
     <p:extLst>
       <p:ext uri="{BB962C8B-B14F-4D97-AF65-F5344CB8AC3E}">
-        <p14:creationId xmlns:p14="http://schemas.microsoft.com/office/powerpoint/2010/main" xmlns="" val="616035265"/>
+        <p14:creationId xmlns="" xmlns:p14="http://schemas.microsoft.com/office/powerpoint/2010/main" val="616035265"/>
       </p:ext>
     </p:extLst>
   </p:cSld>
@@ -1218,7 +1218,7 @@
           <a:lstStyle/>
           <a:p>
             <a:r>
-              <a:rPr lang="en-US" sz="1200" b="0" i="0" kern="1200" smtClean="0">
+              <a:rPr lang="en-US" sz="1200" b="0" i="0" kern="1200" dirty="0" smtClean="0">
                 <a:solidFill>
                   <a:schemeClr val="tx1"/>
                 </a:solidFill>
@@ -1226,7 +1226,7 @@
                 <a:ea typeface="+mn-ea"/>
                 <a:cs typeface="+mn-cs"/>
               </a:rPr>
-              <a:t>TEST</a:t>
+              <a:t>TEST1</a:t>
             </a:r>
             <a:endParaRPr lang="ru-RU" sz="1200" b="0" i="0" kern="1200" dirty="0" smtClean="0">
               <a:solidFill>
@@ -2989,7 +2989,6 @@
               <a:rPr lang="ru-RU" dirty="0" smtClean="0"/>
               <a:t>есток с программой, мягок с программистом</a:t>
             </a:r>
-            <a:endParaRPr lang="ru-RU" dirty="0" smtClean="0"/>
           </a:p>
         </p:txBody>
       </p:sp>
@@ -6098,25 +6097,7 @@
                   </a:outerShdw>
                 </a:effectLst>
               </a:rPr>
-              <a:t>Fundamentals </a:t>
-            </a:r>
-            <a:r>
-              <a:rPr lang="en-US" sz="3500" dirty="0" smtClean="0">
-                <a:solidFill>
-                  <a:schemeClr val="tx1">
-                    <a:lumMod val="65000"/>
-                    <a:lumOff val="35000"/>
-                  </a:schemeClr>
-                </a:solidFill>
-                <a:effectLst>
-                  <a:outerShdw blurRad="38100" dist="38100" dir="2700000" algn="tl">
-                    <a:srgbClr val="000000">
-                      <a:alpha val="43137"/>
-                    </a:srgbClr>
-                  </a:outerShdw>
-                </a:effectLst>
-              </a:rPr>
-              <a:t>of Testing</a:t>
+              <a:t>Fundamentals of Testing</a:t>
             </a:r>
             <a:endParaRPr lang="en-US" sz="3500" dirty="0">
               <a:solidFill>
@@ -6139,7 +6120,7 @@
     </p:spTree>
     <p:extLst>
       <p:ext uri="{BB962C8B-B14F-4D97-AF65-F5344CB8AC3E}">
-        <p14:creationId xmlns:p14="http://schemas.microsoft.com/office/powerpoint/2010/main" xmlns="" val="1766645597"/>
+        <p14:creationId xmlns="" xmlns:p14="http://schemas.microsoft.com/office/powerpoint/2010/main" val="1766645597"/>
       </p:ext>
     </p:extLst>
   </p:cSld>
@@ -6258,15 +6239,7 @@
             </a:r>
             <a:r>
               <a:rPr lang="en-US" dirty="0" smtClean="0"/>
-              <a:t>- </a:t>
-            </a:r>
-            <a:r>
-              <a:rPr lang="en-US" dirty="0" smtClean="0"/>
-              <a:t>the </a:t>
-            </a:r>
-            <a:r>
-              <a:rPr lang="en-US" dirty="0" smtClean="0"/>
-              <a:t>process of finding, analyzing and removing the causes of failures in software</a:t>
+              <a:t>- the process of finding, analyzing and removing the causes of failures in software</a:t>
             </a:r>
             <a:endParaRPr lang="en-US" dirty="0"/>
           </a:p>
@@ -6341,15 +6314,7 @@
             </a:r>
             <a:r>
               <a:rPr lang="en-US" dirty="0" smtClean="0"/>
-              <a:t>- </a:t>
-            </a:r>
-            <a:r>
-              <a:rPr lang="en-US" dirty="0" smtClean="0"/>
-              <a:t>a </a:t>
-            </a:r>
-            <a:r>
-              <a:rPr lang="en-US" dirty="0" smtClean="0"/>
-              <a:t>condition or capability needed by a user to solve a problem or achieve an objective that must be met or possessed by a system or system component to satisfy a contract, standard, specification, or other formally imposed document</a:t>
+              <a:t>- a condition or capability needed by a user to solve a problem or achieve an objective that must be met or possessed by a system or system component to satisfy a contract, standard, specification, or other formally imposed document</a:t>
             </a:r>
             <a:endParaRPr lang="en-US" dirty="0"/>
           </a:p>
@@ -6424,15 +6389,7 @@
             </a:r>
             <a:r>
               <a:rPr lang="en-US" dirty="0" smtClean="0"/>
-              <a:t>- </a:t>
-            </a:r>
-            <a:r>
-              <a:rPr lang="en-US" dirty="0" smtClean="0"/>
-              <a:t>an </a:t>
-            </a:r>
-            <a:r>
-              <a:rPr lang="en-US" dirty="0" smtClean="0"/>
-              <a:t>evaluation of a product or project status to ascertain discrepancies from planned results and to recommend improvements. Examples include management review, informal review, technical review, inspection, and walkthrough</a:t>
+              <a:t>- an evaluation of a product or project status to ascertain discrepancies from planned results and to recommend improvements. Examples include management review, informal review, technical review, inspection, and walkthrough</a:t>
             </a:r>
             <a:endParaRPr lang="en-US" dirty="0"/>
           </a:p>
@@ -6503,35 +6460,11 @@
           <a:p>
             <a:r>
               <a:rPr lang="en-US" u="sng" dirty="0" smtClean="0"/>
-              <a:t>Test </a:t>
-            </a:r>
-            <a:r>
-              <a:rPr lang="en-US" u="sng" dirty="0" smtClean="0"/>
-              <a:t>case</a:t>
-            </a:r>
-            <a:r>
-              <a:rPr lang="en-US" u="sng" dirty="0" smtClean="0"/>
-              <a:t> </a:t>
+              <a:t>Test case </a:t>
             </a:r>
             <a:r>
               <a:rPr lang="en-US" dirty="0" smtClean="0"/>
-              <a:t>- </a:t>
-            </a:r>
-            <a:r>
-              <a:rPr lang="en-US" dirty="0" smtClean="0"/>
-              <a:t>a </a:t>
-            </a:r>
-            <a:r>
-              <a:rPr lang="en-US" dirty="0" smtClean="0"/>
-              <a:t>set of input values, execution preconditions, expected results and execution </a:t>
-            </a:r>
-            <a:r>
-              <a:rPr lang="en-US" dirty="0" smtClean="0"/>
-              <a:t>post conditions</a:t>
-            </a:r>
-            <a:r>
-              <a:rPr lang="en-US" dirty="0" smtClean="0"/>
-              <a:t>, developed for a particular objective or test condition, such as to exercise a particular program path or to verify compliance with a specific requirement</a:t>
+              <a:t>- a set of input values, execution preconditions, expected results and execution post conditions, developed for a particular objective or test condition, such as to exercise a particular program path or to verify compliance with a specific requirement</a:t>
             </a:r>
             <a:endParaRPr lang="en-US" dirty="0"/>
           </a:p>
@@ -6582,7 +6515,7 @@
     </p:spTree>
     <p:extLst>
       <p:ext uri="{BB962C8B-B14F-4D97-AF65-F5344CB8AC3E}">
-        <p14:creationId xmlns:p14="http://schemas.microsoft.com/office/powerpoint/2010/main" xmlns="" val="4060775951"/>
+        <p14:creationId xmlns="" xmlns:p14="http://schemas.microsoft.com/office/powerpoint/2010/main" val="4060775951"/>
       </p:ext>
     </p:extLst>
   </p:cSld>
@@ -6590,7 +6523,7 @@
     <a:masterClrMapping/>
   </p:clrMapOvr>
   <mc:AlternateContent xmlns:mc="http://schemas.openxmlformats.org/markup-compatibility/2006">
-    <mc:Choice xmlns:p14="http://schemas.microsoft.com/office/powerpoint/2010/main" xmlns="" Requires="p14">
+    <mc:Choice xmlns="" xmlns:p14="http://schemas.microsoft.com/office/powerpoint/2010/main" Requires="p14">
       <p:transition spd="slow" p14:dur="2000"/>
     </mc:Choice>
     <mc:Fallback>
@@ -6709,15 +6642,7 @@
             </a:r>
             <a:r>
               <a:rPr lang="en-US" dirty="0" smtClean="0"/>
-              <a:t>- </a:t>
-            </a:r>
-            <a:r>
-              <a:rPr lang="en-US" dirty="0" smtClean="0"/>
-              <a:t>the </a:t>
-            </a:r>
-            <a:r>
-              <a:rPr lang="en-US" dirty="0" smtClean="0"/>
-              <a:t>process consisting of all life cycle activities, both static and dynamic, concerned with planning, preparation and evaluation of software products and related work products to determine that they satisfy specified requirements, to demonstrate that they are fit for purpose and to detect defects</a:t>
+              <a:t>- the process consisting of all life cycle activities, both static and dynamic, concerned with planning, preparation and evaluation of software products and related work products to determine that they satisfy specified requirements, to demonstrate that they are fit for purpose and to detect defects</a:t>
             </a:r>
             <a:endParaRPr lang="en-US" dirty="0"/>
           </a:p>
@@ -6788,27 +6713,11 @@
           <a:p>
             <a:r>
               <a:rPr lang="en-US" u="sng" dirty="0" smtClean="0"/>
-              <a:t>Test </a:t>
-            </a:r>
-            <a:r>
-              <a:rPr lang="en-US" u="sng" dirty="0" smtClean="0"/>
-              <a:t>objective</a:t>
-            </a:r>
-            <a:r>
-              <a:rPr lang="en-US" u="sng" dirty="0" smtClean="0"/>
-              <a:t> </a:t>
+              <a:t>Test objective </a:t>
             </a:r>
             <a:r>
               <a:rPr lang="en-US" dirty="0" smtClean="0"/>
-              <a:t>- </a:t>
-            </a:r>
-            <a:r>
-              <a:rPr lang="en-US" dirty="0" smtClean="0"/>
-              <a:t>a </a:t>
-            </a:r>
-            <a:r>
-              <a:rPr lang="en-US" dirty="0" smtClean="0"/>
-              <a:t>reason or purpose for designing and executing a test</a:t>
+              <a:t>- a reason or purpose for designing and executing a test</a:t>
             </a:r>
             <a:endParaRPr lang="en-US" dirty="0"/>
           </a:p>
@@ -6859,7 +6768,7 @@
     </p:spTree>
     <p:extLst>
       <p:ext uri="{BB962C8B-B14F-4D97-AF65-F5344CB8AC3E}">
-        <p14:creationId xmlns:p14="http://schemas.microsoft.com/office/powerpoint/2010/main" xmlns="" val="4060775951"/>
+        <p14:creationId xmlns="" xmlns:p14="http://schemas.microsoft.com/office/powerpoint/2010/main" val="4060775951"/>
       </p:ext>
     </p:extLst>
   </p:cSld>
@@ -6867,7 +6776,7 @@
     <a:masterClrMapping/>
   </p:clrMapOvr>
   <mc:AlternateContent xmlns:mc="http://schemas.openxmlformats.org/markup-compatibility/2006">
-    <mc:Choice xmlns:p14="http://schemas.microsoft.com/office/powerpoint/2010/main" xmlns="" Requires="p14">
+    <mc:Choice xmlns="" xmlns:p14="http://schemas.microsoft.com/office/powerpoint/2010/main" Requires="p14">
       <p:transition spd="slow" p14:dur="2000"/>
     </mc:Choice>
     <mc:Fallback>
@@ -7459,7 +7368,7 @@
     </p:spTree>
     <p:extLst>
       <p:ext uri="{BB962C8B-B14F-4D97-AF65-F5344CB8AC3E}">
-        <p14:creationId xmlns:p14="http://schemas.microsoft.com/office/powerpoint/2010/main" xmlns="" val="4060775951"/>
+        <p14:creationId xmlns="" xmlns:p14="http://schemas.microsoft.com/office/powerpoint/2010/main" val="4060775951"/>
       </p:ext>
     </p:extLst>
   </p:cSld>
@@ -7467,7 +7376,7 @@
     <a:masterClrMapping/>
   </p:clrMapOvr>
   <mc:AlternateContent xmlns:mc="http://schemas.openxmlformats.org/markup-compatibility/2006">
-    <mc:Choice xmlns:p14="http://schemas.microsoft.com/office/powerpoint/2010/main" xmlns="" Requires="p14">
+    <mc:Choice xmlns="" xmlns:p14="http://schemas.microsoft.com/office/powerpoint/2010/main" Requires="p14">
       <p:transition spd="slow" p14:dur="2000"/>
     </mc:Choice>
     <mc:Fallback>
@@ -7539,25 +7448,7 @@
                   </a:outerShdw>
                 </a:effectLst>
               </a:rPr>
-              <a:t>The Psychology of </a:t>
-            </a:r>
-            <a:r>
-              <a:rPr lang="en-US" sz="3500" dirty="0" smtClean="0">
-                <a:solidFill>
-                  <a:schemeClr val="tx1">
-                    <a:lumMod val="65000"/>
-                    <a:lumOff val="35000"/>
-                  </a:schemeClr>
-                </a:solidFill>
-                <a:effectLst>
-                  <a:outerShdw blurRad="38100" dist="38100" dir="2700000" algn="tl">
-                    <a:srgbClr val="000000">
-                      <a:alpha val="43137"/>
-                    </a:srgbClr>
-                  </a:outerShdw>
-                </a:effectLst>
-              </a:rPr>
-              <a:t>Testing</a:t>
+              <a:t>The Psychology of Testing</a:t>
             </a:r>
             <a:endParaRPr lang="en-US" sz="3500" dirty="0">
               <a:solidFill>
@@ -7892,7 +7783,7 @@
     </p:spTree>
     <p:extLst>
       <p:ext uri="{BB962C8B-B14F-4D97-AF65-F5344CB8AC3E}">
-        <p14:creationId xmlns:p14="http://schemas.microsoft.com/office/powerpoint/2010/main" xmlns="" val="4060775951"/>
+        <p14:creationId xmlns="" xmlns:p14="http://schemas.microsoft.com/office/powerpoint/2010/main" val="4060775951"/>
       </p:ext>
     </p:extLst>
   </p:cSld>
@@ -7900,7 +7791,7 @@
     <a:masterClrMapping/>
   </p:clrMapOvr>
   <mc:AlternateContent xmlns:mc="http://schemas.openxmlformats.org/markup-compatibility/2006">
-    <mc:Choice xmlns:p14="http://schemas.microsoft.com/office/powerpoint/2010/main" xmlns="" Requires="p14">
+    <mc:Choice xmlns="" xmlns:p14="http://schemas.microsoft.com/office/powerpoint/2010/main" Requires="p14">
       <p:transition spd="slow" p14:dur="2000"/>
     </mc:Choice>
     <mc:Fallback>
@@ -7972,43 +7863,7 @@
                   </a:outerShdw>
                 </a:effectLst>
               </a:rPr>
-              <a:t>The Psychology of </a:t>
-            </a:r>
-            <a:r>
-              <a:rPr lang="en-US" sz="3500" dirty="0" smtClean="0">
-                <a:solidFill>
-                  <a:schemeClr val="tx1">
-                    <a:lumMod val="65000"/>
-                    <a:lumOff val="35000"/>
-                  </a:schemeClr>
-                </a:solidFill>
-                <a:effectLst>
-                  <a:outerShdw blurRad="38100" dist="38100" dir="2700000" algn="tl">
-                    <a:srgbClr val="000000">
-                      <a:alpha val="43137"/>
-                    </a:srgbClr>
-                  </a:outerShdw>
-                </a:effectLst>
-              </a:rPr>
-              <a:t>Testing </a:t>
-            </a:r>
-            <a:r>
-              <a:rPr lang="en-US" sz="3500" dirty="0" smtClean="0">
-                <a:solidFill>
-                  <a:schemeClr val="tx1">
-                    <a:lumMod val="65000"/>
-                    <a:lumOff val="35000"/>
-                  </a:schemeClr>
-                </a:solidFill>
-                <a:effectLst>
-                  <a:outerShdw blurRad="38100" dist="38100" dir="2700000" algn="tl">
-                    <a:srgbClr val="000000">
-                      <a:alpha val="43137"/>
-                    </a:srgbClr>
-                  </a:outerShdw>
-                </a:effectLst>
-              </a:rPr>
-              <a:t>(continuation)</a:t>
+              <a:t>The Psychology of Testing (continuation)</a:t>
             </a:r>
             <a:endParaRPr lang="en-US" sz="3500" dirty="0">
               <a:solidFill>
@@ -8051,15 +7906,7 @@
           <a:p>
             <a:r>
               <a:rPr lang="en-US" dirty="0" smtClean="0"/>
-              <a:t>Start with </a:t>
-            </a:r>
-            <a:r>
-              <a:rPr lang="en-US" dirty="0" smtClean="0"/>
-              <a:t>collaboration rather than battles – remind everyone of the common goal of better </a:t>
-            </a:r>
-            <a:r>
-              <a:rPr lang="en-US" dirty="0" smtClean="0"/>
-              <a:t>quality</a:t>
+              <a:t>Start with collaboration rather than battles – remind everyone of the common goal of better quality</a:t>
             </a:r>
             <a:endParaRPr lang="en-US" dirty="0"/>
           </a:p>
@@ -8130,17 +7977,8 @@
           <a:p>
             <a:r>
               <a:rPr lang="en-US" b="1" dirty="0" smtClean="0"/>
-              <a:t>Ways </a:t>
-            </a:r>
-            <a:r>
-              <a:rPr lang="en-US" b="1" dirty="0" smtClean="0"/>
-              <a:t>to improve communication and relationships between testers and </a:t>
-            </a:r>
-            <a:r>
-              <a:rPr lang="en-US" b="1" dirty="0" smtClean="0"/>
-              <a:t>others</a:t>
-            </a:r>
-            <a:endParaRPr lang="en-US" b="1" dirty="0" smtClean="0"/>
+              <a:t>Ways to improve communication and relationships between testers and others</a:t>
+            </a:r>
           </a:p>
         </p:txBody>
       </p:sp>
@@ -8167,15 +8005,7 @@
           <a:p>
             <a:r>
               <a:rPr lang="en-US" dirty="0" smtClean="0"/>
-              <a:t>Communicate </a:t>
-            </a:r>
-            <a:r>
-              <a:rPr lang="en-US" dirty="0" smtClean="0"/>
-              <a:t>findings on the product in a neutral, fact-focused way without criticizing the person who created it, for example, write objective and factual incident reports and review </a:t>
-            </a:r>
-            <a:r>
-              <a:rPr lang="en-US" dirty="0" smtClean="0"/>
-              <a:t>findings</a:t>
+              <a:t>Communicate findings on the product in a neutral, fact-focused way without criticizing the person who created it, for example, write objective and factual incident reports and review findings</a:t>
             </a:r>
             <a:endParaRPr lang="en-US" dirty="0"/>
           </a:p>
@@ -8368,7 +8198,7 @@
     </p:spTree>
     <p:extLst>
       <p:ext uri="{BB962C8B-B14F-4D97-AF65-F5344CB8AC3E}">
-        <p14:creationId xmlns:p14="http://schemas.microsoft.com/office/powerpoint/2010/main" xmlns="" val="4060775951"/>
+        <p14:creationId xmlns="" xmlns:p14="http://schemas.microsoft.com/office/powerpoint/2010/main" val="4060775951"/>
       </p:ext>
     </p:extLst>
   </p:cSld>
@@ -8376,7 +8206,7 @@
     <a:masterClrMapping/>
   </p:clrMapOvr>
   <mc:AlternateContent xmlns:mc="http://schemas.openxmlformats.org/markup-compatibility/2006">
-    <mc:Choice xmlns:p14="http://schemas.microsoft.com/office/powerpoint/2010/main" xmlns="" Requires="p14">
+    <mc:Choice xmlns="" xmlns:p14="http://schemas.microsoft.com/office/powerpoint/2010/main" Requires="p14">
       <p:transition spd="slow" p14:dur="2000"/>
     </mc:Choice>
     <mc:Fallback>
@@ -8811,7 +8641,7 @@
     </p:spTree>
     <p:extLst>
       <p:ext uri="{BB962C8B-B14F-4D97-AF65-F5344CB8AC3E}">
-        <p14:creationId xmlns:p14="http://schemas.microsoft.com/office/powerpoint/2010/main" xmlns="" val="4060775951"/>
+        <p14:creationId xmlns="" xmlns:p14="http://schemas.microsoft.com/office/powerpoint/2010/main" val="4060775951"/>
       </p:ext>
     </p:extLst>
   </p:cSld>
@@ -8819,7 +8649,7 @@
     <a:masterClrMapping/>
   </p:clrMapOvr>
   <mc:AlternateContent xmlns:mc="http://schemas.openxmlformats.org/markup-compatibility/2006">
-    <mc:Choice xmlns:p14="http://schemas.microsoft.com/office/powerpoint/2010/main" xmlns="" Requires="p14">
+    <mc:Choice xmlns="" xmlns:p14="http://schemas.microsoft.com/office/powerpoint/2010/main" Requires="p14">
       <p:transition spd="slow" p14:dur="2000"/>
     </mc:Choice>
     <mc:Fallback>
@@ -8891,43 +8721,7 @@
                   </a:outerShdw>
                 </a:effectLst>
               </a:rPr>
-              <a:t>Code of </a:t>
-            </a:r>
-            <a:r>
-              <a:rPr lang="en-US" sz="3600" dirty="0" smtClean="0">
-                <a:solidFill>
-                  <a:schemeClr val="tx1">
-                    <a:lumMod val="65000"/>
-                    <a:lumOff val="35000"/>
-                  </a:schemeClr>
-                </a:solidFill>
-                <a:effectLst>
-                  <a:outerShdw blurRad="38100" dist="38100" dir="2700000" algn="tl">
-                    <a:srgbClr val="000000">
-                      <a:alpha val="43137"/>
-                    </a:srgbClr>
-                  </a:outerShdw>
-                </a:effectLst>
-              </a:rPr>
-              <a:t>Ethics (continuation</a:t>
-            </a:r>
-            <a:r>
-              <a:rPr lang="en-US" sz="3600" dirty="0" smtClean="0">
-                <a:solidFill>
-                  <a:schemeClr val="tx1">
-                    <a:lumMod val="65000"/>
-                    <a:lumOff val="35000"/>
-                  </a:schemeClr>
-                </a:solidFill>
-                <a:effectLst>
-                  <a:outerShdw blurRad="38100" dist="38100" dir="2700000" algn="tl">
-                    <a:srgbClr val="000000">
-                      <a:alpha val="43137"/>
-                    </a:srgbClr>
-                  </a:outerShdw>
-                </a:effectLst>
-              </a:rPr>
-              <a:t>)</a:t>
+              <a:t>Code of Ethics (continuation)</a:t>
             </a:r>
             <a:endParaRPr lang="en-US" sz="3600" dirty="0"/>
           </a:p>
@@ -9149,7 +8943,7 @@
     </p:spTree>
     <p:extLst>
       <p:ext uri="{BB962C8B-B14F-4D97-AF65-F5344CB8AC3E}">
-        <p14:creationId xmlns:p14="http://schemas.microsoft.com/office/powerpoint/2010/main" xmlns="" val="4060775951"/>
+        <p14:creationId xmlns="" xmlns:p14="http://schemas.microsoft.com/office/powerpoint/2010/main" val="4060775951"/>
       </p:ext>
     </p:extLst>
   </p:cSld>
@@ -9157,7 +8951,7 @@
     <a:masterClrMapping/>
   </p:clrMapOvr>
   <mc:AlternateContent xmlns:mc="http://schemas.openxmlformats.org/markup-compatibility/2006">
-    <mc:Choice xmlns:p14="http://schemas.microsoft.com/office/powerpoint/2010/main" xmlns="" Requires="p14">
+    <mc:Choice xmlns="" xmlns:p14="http://schemas.microsoft.com/office/powerpoint/2010/main" Requires="p14">
       <p:transition spd="slow" p14:dur="2000"/>
     </mc:Choice>
     <mc:Fallback>
@@ -9203,7 +8997,7 @@
           <a:blip r:embed="rId3" cstate="print">
             <a:extLst>
               <a:ext uri="{28A0092B-C50C-407E-A947-70E740481C1C}">
-                <a14:useLocalDpi xmlns:a14="http://schemas.microsoft.com/office/drawing/2010/main" xmlns="" val="0"/>
+                <a14:useLocalDpi xmlns="" xmlns:a14="http://schemas.microsoft.com/office/drawing/2010/main" val="0"/>
               </a:ext>
             </a:extLst>
           </a:blip>
@@ -9223,7 +9017,7 @@
           <a:noFill/>
           <a:extLst>
             <a:ext uri="{909E8E84-426E-40DD-AFC4-6F175D3DCCD1}">
-              <a14:hiddenFill xmlns:a14="http://schemas.microsoft.com/office/drawing/2010/main" xmlns="">
+              <a14:hiddenFill xmlns="" xmlns:a14="http://schemas.microsoft.com/office/drawing/2010/main">
                 <a:solidFill>
                   <a:srgbClr val="FFFFFF"/>
                 </a:solidFill>
@@ -9313,11 +9107,7 @@
           <a:p>
             <a:r>
               <a:rPr lang="en-US" b="1" dirty="0" smtClean="0"/>
-              <a:t>Test any household </a:t>
-            </a:r>
-            <a:r>
-              <a:rPr lang="en-US" b="1" dirty="0" smtClean="0"/>
-              <a:t>appliances</a:t>
+              <a:t>Test any household appliances</a:t>
             </a:r>
             <a:r>
               <a:rPr lang="ru-RU" b="1" dirty="0" smtClean="0"/>
@@ -9392,7 +9182,7 @@
     </p:spTree>
     <p:extLst>
       <p:ext uri="{BB962C8B-B14F-4D97-AF65-F5344CB8AC3E}">
-        <p14:creationId xmlns:p14="http://schemas.microsoft.com/office/powerpoint/2010/main" xmlns="" val="3400026356"/>
+        <p14:creationId xmlns="" xmlns:p14="http://schemas.microsoft.com/office/powerpoint/2010/main" val="3400026356"/>
       </p:ext>
     </p:extLst>
   </p:cSld>
@@ -9840,20 +9630,6 @@
               </a:rPr>
               <a:t>kinnao@ua.fm</a:t>
             </a:r>
-            <a:r>
-              <a:rPr lang="en-US" sz="1600" u="sng" dirty="0" smtClean="0">
-                <a:solidFill>
-                  <a:schemeClr val="tx2">
-                    <a:lumMod val="60000"/>
-                    <a:lumOff val="40000"/>
-                  </a:schemeClr>
-                </a:solidFill>
-                <a:latin typeface="Verdana" panose="020B0604030504040204" pitchFamily="34" charset="0"/>
-                <a:ea typeface="Verdana" panose="020B0604030504040204" pitchFamily="34" charset="0"/>
-                <a:cs typeface="Verdana" panose="020B0604030504040204" pitchFamily="34" charset="0"/>
-              </a:rPr>
-              <a:t/>
-            </a:r>
             <a:br>
               <a:rPr lang="en-US" sz="1600" u="sng" dirty="0" smtClean="0">
                 <a:solidFill>
@@ -9919,11 +9695,7 @@
             <a:pPr algn="ctr"/>
             <a:r>
               <a:rPr lang="en-US" sz="2000" b="1" dirty="0" smtClean="0"/>
-              <a:t>E</a:t>
-            </a:r>
-            <a:r>
-              <a:rPr lang="en-US" sz="2000" b="1" dirty="0" smtClean="0"/>
-              <a:t>xperience</a:t>
+              <a:t>Experience</a:t>
             </a:r>
             <a:r>
               <a:rPr lang="ru-RU" sz="2000" dirty="0" smtClean="0"/>
@@ -10001,7 +9773,7 @@
     </p:spTree>
     <p:extLst>
       <p:ext uri="{BB962C8B-B14F-4D97-AF65-F5344CB8AC3E}">
-        <p14:creationId xmlns:p14="http://schemas.microsoft.com/office/powerpoint/2010/main" xmlns="" val="3292176594"/>
+        <p14:creationId xmlns="" xmlns:p14="http://schemas.microsoft.com/office/powerpoint/2010/main" val="3292176594"/>
       </p:ext>
     </p:extLst>
   </p:cSld>
@@ -10262,21 +10034,6 @@
               </a:rPr>
               <a:t>About you</a:t>
             </a:r>
-            <a:endParaRPr lang="en-US" sz="3500" dirty="0" smtClean="0">
-              <a:solidFill>
-                <a:schemeClr val="tx1">
-                  <a:lumMod val="65000"/>
-                  <a:lumOff val="35000"/>
-                </a:schemeClr>
-              </a:solidFill>
-              <a:effectLst>
-                <a:outerShdw blurRad="38100" dist="38100" dir="2700000" algn="tl">
-                  <a:srgbClr val="000000">
-                    <a:alpha val="43137"/>
-                  </a:srgbClr>
-                </a:outerShdw>
-              </a:effectLst>
-            </a:endParaRPr>
           </a:p>
         </p:txBody>
       </p:sp>
@@ -10384,7 +10141,7 @@
     </p:spTree>
     <p:extLst>
       <p:ext uri="{BB962C8B-B14F-4D97-AF65-F5344CB8AC3E}">
-        <p14:creationId xmlns:p14="http://schemas.microsoft.com/office/powerpoint/2010/main" xmlns="" val="3292176594"/>
+        <p14:creationId xmlns="" xmlns:p14="http://schemas.microsoft.com/office/powerpoint/2010/main" val="3292176594"/>
       </p:ext>
     </p:extLst>
   </p:cSld>
@@ -10580,13 +10337,7 @@
               <a:rPr lang="en-US" dirty="0" smtClean="0">
                 <a:hlinkClick r:id="rId2"/>
               </a:rPr>
-              <a:t>http://</a:t>
-            </a:r>
-            <a:r>
-              <a:rPr lang="en-US" dirty="0" smtClean="0">
-                <a:hlinkClick r:id="rId2"/>
-              </a:rPr>
-              <a:t>www.istqb.org/downloads/viewdownload/16/15.html</a:t>
+              <a:t>http://www.istqb.org/downloads/viewdownload/16/15.html</a:t>
             </a:r>
             <a:endParaRPr lang="en-US" dirty="0" smtClean="0"/>
           </a:p>
@@ -10595,13 +10346,7 @@
               <a:rPr lang="en-US" dirty="0" smtClean="0">
                 <a:hlinkClick r:id="rId3"/>
               </a:rPr>
-              <a:t>http://</a:t>
-            </a:r>
-            <a:r>
-              <a:rPr lang="en-US" dirty="0" smtClean="0">
-                <a:hlinkClick r:id="rId3"/>
-              </a:rPr>
-              <a:t>www.istqb.org/downloads/viewcategory/20.html</a:t>
+              <a:t>http://www.istqb.org/downloads/viewcategory/20.html</a:t>
             </a:r>
             <a:endParaRPr lang="en-US" dirty="0" smtClean="0"/>
           </a:p>
@@ -10610,13 +10355,7 @@
               <a:rPr lang="en-US" dirty="0" smtClean="0">
                 <a:hlinkClick r:id="rId4"/>
               </a:rPr>
-              <a:t>http://www.software-testing.ru</a:t>
-            </a:r>
-            <a:r>
-              <a:rPr lang="en-US" dirty="0" smtClean="0">
-                <a:hlinkClick r:id="rId4"/>
-              </a:rPr>
-              <a:t>/</a:t>
+              <a:t>http://www.software-testing.ru/</a:t>
             </a:r>
             <a:endParaRPr lang="en-US" dirty="0" smtClean="0"/>
           </a:p>
@@ -10661,7 +10400,7 @@
     </p:spTree>
     <p:extLst>
       <p:ext uri="{BB962C8B-B14F-4D97-AF65-F5344CB8AC3E}">
-        <p14:creationId xmlns:p14="http://schemas.microsoft.com/office/powerpoint/2010/main" xmlns="" val="1923330547"/>
+        <p14:creationId xmlns="" xmlns:p14="http://schemas.microsoft.com/office/powerpoint/2010/main" val="1923330547"/>
       </p:ext>
     </p:extLst>
   </p:cSld>
@@ -10733,25 +10472,7 @@
                   </a:outerShdw>
                 </a:effectLst>
               </a:rPr>
-              <a:t>Example from </a:t>
-            </a:r>
-            <a:r>
-              <a:rPr lang="en-US" dirty="0" smtClean="0">
-                <a:solidFill>
-                  <a:schemeClr val="tx1">
-                    <a:lumMod val="65000"/>
-                    <a:lumOff val="35000"/>
-                  </a:schemeClr>
-                </a:solidFill>
-                <a:effectLst>
-                  <a:outerShdw blurRad="38100" dist="38100" dir="2700000" algn="tl">
-                    <a:srgbClr val="000000">
-                      <a:alpha val="43137"/>
-                    </a:srgbClr>
-                  </a:outerShdw>
-                </a:effectLst>
-              </a:rPr>
-              <a:t>life</a:t>
+              <a:t>Example from life</a:t>
             </a:r>
             <a:endParaRPr lang="ru-RU" dirty="0"/>
           </a:p>
@@ -10806,7 +10527,7 @@
     </p:spTree>
     <p:extLst>
       <p:ext uri="{BB962C8B-B14F-4D97-AF65-F5344CB8AC3E}">
-        <p14:creationId xmlns:p14="http://schemas.microsoft.com/office/powerpoint/2010/main" xmlns="" val="1923330547"/>
+        <p14:creationId xmlns="" xmlns:p14="http://schemas.microsoft.com/office/powerpoint/2010/main" val="1923330547"/>
       </p:ext>
     </p:extLst>
   </p:cSld>
@@ -10921,11 +10642,7 @@
           <a:p>
             <a:r>
               <a:rPr lang="en-US" dirty="0" smtClean="0"/>
-              <a:t>Why is </a:t>
-            </a:r>
-            <a:r>
-              <a:rPr lang="en-US" dirty="0" smtClean="0"/>
-              <a:t>testing necessary</a:t>
+              <a:t>Why is testing necessary</a:t>
             </a:r>
             <a:endParaRPr lang="en-US" dirty="0"/>
           </a:p>
@@ -10983,11 +10700,7 @@
           <a:p>
             <a:r>
               <a:rPr lang="en-US" dirty="0" smtClean="0"/>
-              <a:t>Wha</a:t>
-            </a:r>
-            <a:r>
-              <a:rPr lang="en-US" dirty="0" smtClean="0"/>
-              <a:t>t is testing</a:t>
+              <a:t>What is testing</a:t>
             </a:r>
             <a:endParaRPr lang="en-US" dirty="0"/>
           </a:p>
@@ -11142,11 +10855,7 @@
           <a:p>
             <a:r>
               <a:rPr lang="en-US" dirty="0" smtClean="0"/>
-              <a:t>Code of </a:t>
-            </a:r>
-            <a:r>
-              <a:rPr lang="en-US" dirty="0" smtClean="0"/>
-              <a:t>ethics</a:t>
+              <a:t>Code of ethics</a:t>
             </a:r>
             <a:endParaRPr lang="en-US" dirty="0"/>
           </a:p>
@@ -11217,19 +10926,7 @@
           <a:p>
             <a:r>
               <a:rPr lang="en-US" dirty="0" smtClean="0"/>
-              <a:t>The </a:t>
-            </a:r>
-            <a:r>
-              <a:rPr lang="en-US" dirty="0" smtClean="0"/>
-              <a:t>psychology </a:t>
-            </a:r>
-            <a:r>
-              <a:rPr lang="en-US" dirty="0" smtClean="0"/>
-              <a:t>of </a:t>
-            </a:r>
-            <a:r>
-              <a:rPr lang="en-US" dirty="0" smtClean="0"/>
-              <a:t>testing</a:t>
+              <a:t>The psychology of testing</a:t>
             </a:r>
             <a:endParaRPr lang="en-US" dirty="0"/>
           </a:p>
@@ -11280,7 +10977,7 @@
     </p:spTree>
     <p:extLst>
       <p:ext uri="{BB962C8B-B14F-4D97-AF65-F5344CB8AC3E}">
-        <p14:creationId xmlns:p14="http://schemas.microsoft.com/office/powerpoint/2010/main" xmlns="" val="4060775951"/>
+        <p14:creationId xmlns="" xmlns:p14="http://schemas.microsoft.com/office/powerpoint/2010/main" val="4060775951"/>
       </p:ext>
     </p:extLst>
   </p:cSld>
@@ -11288,7 +10985,7 @@
     <a:masterClrMapping/>
   </p:clrMapOvr>
   <mc:AlternateContent xmlns:mc="http://schemas.openxmlformats.org/markup-compatibility/2006">
-    <mc:Choice xmlns:p14="http://schemas.microsoft.com/office/powerpoint/2010/main" xmlns="" Requires="p14">
+    <mc:Choice xmlns="" xmlns:p14="http://schemas.microsoft.com/office/powerpoint/2010/main" Requires="p14">
       <p:transition spd="slow" p14:dur="2000"/>
     </mc:Choice>
     <mc:Fallback>
@@ -11403,11 +11100,7 @@
           <a:p>
             <a:r>
               <a:rPr lang="en-US" dirty="0" smtClean="0"/>
-              <a:t>Causes of </a:t>
-            </a:r>
-            <a:r>
-              <a:rPr lang="en-US" dirty="0" smtClean="0"/>
-              <a:t>software defects</a:t>
+              <a:t>Causes of software defects</a:t>
             </a:r>
             <a:endParaRPr lang="en-US" dirty="0"/>
           </a:p>
@@ -11436,11 +11129,7 @@
           <a:p>
             <a:r>
               <a:rPr lang="en-US" dirty="0" smtClean="0"/>
-              <a:t>Testing and </a:t>
-            </a:r>
-            <a:r>
-              <a:rPr lang="en-US" dirty="0" smtClean="0"/>
-              <a:t>quality</a:t>
+              <a:t>Testing and quality</a:t>
             </a:r>
             <a:endParaRPr lang="en-US" dirty="0"/>
           </a:p>
@@ -11469,35 +11158,7 @@
           <a:p>
             <a:r>
               <a:rPr lang="en-US" dirty="0" smtClean="0"/>
-              <a:t>Role of </a:t>
-            </a:r>
-            <a:r>
-              <a:rPr lang="en-US" dirty="0" smtClean="0"/>
-              <a:t>testing </a:t>
-            </a:r>
-            <a:r>
-              <a:rPr lang="en-US" dirty="0" smtClean="0"/>
-              <a:t>in </a:t>
-            </a:r>
-            <a:r>
-              <a:rPr lang="en-US" dirty="0" smtClean="0"/>
-              <a:t>software development</a:t>
-            </a:r>
-            <a:r>
-              <a:rPr lang="en-US" dirty="0" smtClean="0"/>
-              <a:t>, </a:t>
-            </a:r>
-            <a:r>
-              <a:rPr lang="en-US" dirty="0" smtClean="0"/>
-              <a:t>maintenance </a:t>
-            </a:r>
-            <a:r>
-              <a:rPr lang="en-US" dirty="0" smtClean="0"/>
-              <a:t>and </a:t>
-            </a:r>
-            <a:r>
-              <a:rPr lang="en-US" dirty="0" smtClean="0"/>
-              <a:t>operations</a:t>
+              <a:t>Role of testing in software development, maintenance and operations</a:t>
             </a:r>
             <a:endParaRPr lang="en-US" dirty="0"/>
           </a:p>
@@ -11526,11 +11187,7 @@
           <a:p>
             <a:r>
               <a:rPr lang="en-US" dirty="0" smtClean="0"/>
-              <a:t>Wha</a:t>
-            </a:r>
-            <a:r>
-              <a:rPr lang="en-US" dirty="0" smtClean="0"/>
-              <a:t>t is testing</a:t>
+              <a:t>What is testing</a:t>
             </a:r>
             <a:endParaRPr lang="en-US" dirty="0"/>
           </a:p>
@@ -11727,19 +11384,7 @@
           <a:p>
             <a:r>
               <a:rPr lang="en-US" dirty="0" smtClean="0"/>
-              <a:t>How </a:t>
-            </a:r>
-            <a:r>
-              <a:rPr lang="en-US" dirty="0" smtClean="0"/>
-              <a:t>much testing </a:t>
-            </a:r>
-            <a:r>
-              <a:rPr lang="en-US" dirty="0" smtClean="0"/>
-              <a:t>is </a:t>
-            </a:r>
-            <a:r>
-              <a:rPr lang="en-US" dirty="0" smtClean="0"/>
-              <a:t>enough</a:t>
+              <a:t>How much testing is enough</a:t>
             </a:r>
             <a:endParaRPr lang="en-US" dirty="0"/>
           </a:p>
@@ -11790,7 +11435,7 @@
     </p:spTree>
     <p:extLst>
       <p:ext uri="{BB962C8B-B14F-4D97-AF65-F5344CB8AC3E}">
-        <p14:creationId xmlns:p14="http://schemas.microsoft.com/office/powerpoint/2010/main" xmlns="" val="4060775951"/>
+        <p14:creationId xmlns="" xmlns:p14="http://schemas.microsoft.com/office/powerpoint/2010/main" val="4060775951"/>
       </p:ext>
     </p:extLst>
   </p:cSld>
@@ -11798,7 +11443,7 @@
     <a:masterClrMapping/>
   </p:clrMapOvr>
   <mc:AlternateContent xmlns:mc="http://schemas.openxmlformats.org/markup-compatibility/2006">
-    <mc:Choice xmlns:p14="http://schemas.microsoft.com/office/powerpoint/2010/main" xmlns="" Requires="p14">
+    <mc:Choice xmlns="" xmlns:p14="http://schemas.microsoft.com/office/powerpoint/2010/main" Requires="p14">
       <p:transition spd="slow" p14:dur="2000"/>
     </mc:Choice>
     <mc:Fallback>
@@ -11913,27 +11558,11 @@
           <a:p>
             <a:r>
               <a:rPr lang="en-US" u="sng" dirty="0" smtClean="0"/>
-              <a:t>Bug (defect, defect </a:t>
-            </a:r>
-            <a:r>
-              <a:rPr lang="en-US" u="sng" dirty="0" smtClean="0"/>
-              <a:t>report, fault) </a:t>
+              <a:t>Bug (defect, defect report, fault) </a:t>
             </a:r>
             <a:r>
               <a:rPr lang="en-US" dirty="0" smtClean="0"/>
-              <a:t>- </a:t>
-            </a:r>
-            <a:r>
-              <a:rPr lang="en-US" dirty="0" smtClean="0"/>
-              <a:t>a </a:t>
-            </a:r>
-            <a:r>
-              <a:rPr lang="en-US" dirty="0" smtClean="0"/>
-              <a:t>flaw in a component or system that can cause the component or system to fail to perform its required function, e.g. an incorrect statement or data definition. A defect, if encountered during execution, may cause a failure of the component or system</a:t>
-            </a:r>
-            <a:r>
-              <a:rPr lang="en-US" dirty="0" smtClean="0"/>
-              <a:t>.</a:t>
+              <a:t>- a flaw in a component or system that can cause the component or system to fail to perform its required function, e.g. an incorrect statement or data definition. A defect, if encountered during execution, may cause a failure of the component or system.</a:t>
             </a:r>
           </a:p>
           <a:p>
@@ -12014,19 +11643,7 @@
             </a:r>
             <a:r>
               <a:rPr lang="en-US" dirty="0" smtClean="0"/>
-              <a:t>- </a:t>
-            </a:r>
-            <a:r>
-              <a:rPr lang="en-US" dirty="0" smtClean="0"/>
-              <a:t>a</a:t>
-            </a:r>
-            <a:r>
-              <a:rPr lang="en-US" dirty="0" smtClean="0"/>
-              <a:t> </a:t>
-            </a:r>
-            <a:r>
-              <a:rPr lang="en-US" dirty="0" smtClean="0"/>
-              <a:t>human action that produces an incorrect result</a:t>
+              <a:t>- a human action that produces an incorrect result</a:t>
             </a:r>
             <a:endParaRPr lang="en-US" dirty="0"/>
           </a:p>
@@ -12101,15 +11718,7 @@
             </a:r>
             <a:r>
               <a:rPr lang="en-US" dirty="0" smtClean="0"/>
-              <a:t>- </a:t>
-            </a:r>
-            <a:r>
-              <a:rPr lang="en-US" dirty="0" smtClean="0"/>
-              <a:t>deviation </a:t>
-            </a:r>
-            <a:r>
-              <a:rPr lang="en-US" dirty="0" smtClean="0"/>
-              <a:t>of the component or system from its expected delivery, service or result</a:t>
+              <a:t>- deviation of the component or system from its expected delivery, service or result</a:t>
             </a:r>
             <a:endParaRPr lang="en-US" dirty="0"/>
           </a:p>
@@ -12184,19 +11793,7 @@
             </a:r>
             <a:r>
               <a:rPr lang="en-US" dirty="0" smtClean="0"/>
-              <a:t>- </a:t>
-            </a:r>
-            <a:r>
-              <a:rPr lang="en-US" dirty="0" smtClean="0"/>
-              <a:t>the </a:t>
-            </a:r>
-            <a:r>
-              <a:rPr lang="en-US" dirty="0" smtClean="0"/>
-              <a:t>degree to which a component, system or process meets specified requirements and/or user/customer needs and </a:t>
-            </a:r>
-            <a:r>
-              <a:rPr lang="en-US" dirty="0" smtClean="0"/>
-              <a:t>expectations </a:t>
+              <a:t>- the degree to which a component, system or process meets specified requirements and/or user/customer needs and expectations </a:t>
             </a:r>
             <a:endParaRPr lang="en-US" dirty="0"/>
           </a:p>
@@ -12271,15 +11868,7 @@
             </a:r>
             <a:r>
               <a:rPr lang="en-US" dirty="0" smtClean="0"/>
-              <a:t>- </a:t>
-            </a:r>
-            <a:r>
-              <a:rPr lang="en-US" dirty="0" smtClean="0"/>
-              <a:t>a </a:t>
-            </a:r>
-            <a:r>
-              <a:rPr lang="en-US" dirty="0" smtClean="0"/>
-              <a:t>factor that could result in future negative consequences; usually expressed as impact and likelihood</a:t>
+              <a:t>- a factor that could result in future negative consequences; usually expressed as impact and likelihood</a:t>
             </a:r>
             <a:endParaRPr lang="en-US" dirty="0"/>
           </a:p>
@@ -12330,7 +11919,7 @@
     </p:spTree>
     <p:extLst>
       <p:ext uri="{BB962C8B-B14F-4D97-AF65-F5344CB8AC3E}">
-        <p14:creationId xmlns:p14="http://schemas.microsoft.com/office/powerpoint/2010/main" xmlns="" val="4060775951"/>
+        <p14:creationId xmlns="" xmlns:p14="http://schemas.microsoft.com/office/powerpoint/2010/main" val="4060775951"/>
       </p:ext>
     </p:extLst>
   </p:cSld>
@@ -12338,7 +11927,7 @@
     <a:masterClrMapping/>
   </p:clrMapOvr>
   <mc:AlternateContent xmlns:mc="http://schemas.openxmlformats.org/markup-compatibility/2006">
-    <mc:Choice xmlns:p14="http://schemas.microsoft.com/office/powerpoint/2010/main" xmlns="" Requires="p14">
+    <mc:Choice xmlns="" xmlns:p14="http://schemas.microsoft.com/office/powerpoint/2010/main" Requires="p14">
       <p:transition spd="slow" p14:dur="2000"/>
     </mc:Choice>
     <mc:Fallback>
@@ -12453,11 +12042,7 @@
           <a:p>
             <a:r>
               <a:rPr lang="en-US" dirty="0" smtClean="0"/>
-              <a:t>Running tests </a:t>
-            </a:r>
-            <a:r>
-              <a:rPr lang="en-US" dirty="0" smtClean="0"/>
-              <a:t>is not  all of the testing activities. Test activities exist before and after test execution </a:t>
+              <a:t>Running tests is not  all of the testing activities. Test activities exist before and after test execution </a:t>
             </a:r>
             <a:endParaRPr lang="en-US" dirty="0"/>
           </a:p>
@@ -12486,11 +12071,7 @@
           <a:p>
             <a:r>
               <a:rPr lang="en-US" dirty="0" smtClean="0"/>
-              <a:t>Debugging </a:t>
-            </a:r>
-            <a:r>
-              <a:rPr lang="en-US" dirty="0" smtClean="0"/>
-              <a:t>and testing are different</a:t>
+              <a:t>Debugging and testing are different</a:t>
             </a:r>
             <a:endParaRPr lang="en-US" dirty="0"/>
           </a:p>
@@ -12548,11 +12129,7 @@
           <a:p>
             <a:r>
               <a:rPr lang="en-US" dirty="0" smtClean="0"/>
-              <a:t>Testing can have the following </a:t>
-            </a:r>
-            <a:r>
-              <a:rPr lang="en-US" dirty="0" smtClean="0"/>
-              <a:t>objectives:</a:t>
+              <a:t>Testing can have the following objectives:</a:t>
             </a:r>
           </a:p>
           <a:p>
@@ -12572,15 +12149,7 @@
             </a:pPr>
             <a:r>
               <a:rPr lang="en-US" dirty="0" smtClean="0"/>
-              <a:t>Gaining </a:t>
-            </a:r>
-            <a:r>
-              <a:rPr lang="en-US" dirty="0" smtClean="0"/>
-              <a:t>confidence about the level of </a:t>
-            </a:r>
-            <a:r>
-              <a:rPr lang="en-US" dirty="0" smtClean="0"/>
-              <a:t>quality</a:t>
+              <a:t>Gaining confidence about the level of quality</a:t>
             </a:r>
           </a:p>
           <a:p>
@@ -12590,15 +12159,7 @@
             </a:pPr>
             <a:r>
               <a:rPr lang="en-US" dirty="0" smtClean="0"/>
-              <a:t>Providing </a:t>
-            </a:r>
-            <a:r>
-              <a:rPr lang="en-US" dirty="0" smtClean="0"/>
-              <a:t>information for </a:t>
-            </a:r>
-            <a:r>
-              <a:rPr lang="en-US" dirty="0" smtClean="0"/>
-              <a:t>decision-making</a:t>
+              <a:t>Providing information for decision-making</a:t>
             </a:r>
           </a:p>
           <a:p>
@@ -12608,11 +12169,7 @@
             </a:pPr>
             <a:r>
               <a:rPr lang="en-US" dirty="0" smtClean="0"/>
-              <a:t>Preventing </a:t>
-            </a:r>
-            <a:r>
-              <a:rPr lang="en-US" dirty="0" smtClean="0"/>
-              <a:t>defects</a:t>
+              <a:t>Preventing defects</a:t>
             </a:r>
             <a:endParaRPr lang="en-US" dirty="0"/>
           </a:p>
@@ -12822,7 +12379,7 @@
     </p:spTree>
     <p:extLst>
       <p:ext uri="{BB962C8B-B14F-4D97-AF65-F5344CB8AC3E}">
-        <p14:creationId xmlns:p14="http://schemas.microsoft.com/office/powerpoint/2010/main" xmlns="" val="4060775951"/>
+        <p14:creationId xmlns="" xmlns:p14="http://schemas.microsoft.com/office/powerpoint/2010/main" val="4060775951"/>
       </p:ext>
     </p:extLst>
   </p:cSld>
@@ -12830,7 +12387,7 @@
     <a:masterClrMapping/>
   </p:clrMapOvr>
   <mc:AlternateContent xmlns:mc="http://schemas.openxmlformats.org/markup-compatibility/2006">
-    <mc:Choice xmlns:p14="http://schemas.microsoft.com/office/powerpoint/2010/main" xmlns="" Requires="p14">
+    <mc:Choice xmlns="" xmlns:p14="http://schemas.microsoft.com/office/powerpoint/2010/main" Requires="p14">
       <p:transition spd="slow" p14:dur="2000"/>
     </mc:Choice>
     <mc:Fallback>

--- a/inna/Занятие 1.pptx
+++ b/inna/Занятие 1.pptx
@@ -5,7 +5,7 @@
     <p:sldMasterId id="2147483648" r:id="rId1"/>
   </p:sldMasterIdLst>
   <p:notesMasterIdLst>
-    <p:notesMasterId r:id="rId19"/>
+    <p:notesMasterId r:id="rId22"/>
   </p:notesMasterIdLst>
   <p:sldIdLst>
     <p:sldId id="280" r:id="rId2"/>
@@ -20,11 +20,14 @@
     <p:sldId id="313" r:id="rId11"/>
     <p:sldId id="314" r:id="rId12"/>
     <p:sldId id="315" r:id="rId13"/>
-    <p:sldId id="319" r:id="rId14"/>
-    <p:sldId id="318" r:id="rId15"/>
-    <p:sldId id="320" r:id="rId16"/>
-    <p:sldId id="321" r:id="rId17"/>
-    <p:sldId id="286" r:id="rId18"/>
+    <p:sldId id="322" r:id="rId14"/>
+    <p:sldId id="323" r:id="rId15"/>
+    <p:sldId id="324" r:id="rId16"/>
+    <p:sldId id="319" r:id="rId17"/>
+    <p:sldId id="318" r:id="rId18"/>
+    <p:sldId id="320" r:id="rId19"/>
+    <p:sldId id="321" r:id="rId20"/>
+    <p:sldId id="286" r:id="rId21"/>
   </p:sldIdLst>
   <p:sldSz cx="9144000" cy="6858000" type="screen4x3"/>
   <p:notesSz cx="6858000" cy="9144000"/>
@@ -125,7 +128,7 @@
   </p:defaultTextStyle>
   <p:extLst>
     <p:ext uri="{EFAFB233-063F-42B5-8137-9DF3F51BA10A}">
-      <p15:sldGuideLst xmlns="" xmlns:p15="http://schemas.microsoft.com/office/powerpoint/2012/main">
+      <p15:sldGuideLst xmlns:p15="http://schemas.microsoft.com/office/powerpoint/2012/main" xmlns="">
         <p15:guide id="1" orient="horz" pos="2160">
           <p15:clr>
             <a:srgbClr val="A4A3A4"/>
@@ -394,7 +397,7 @@
     </p:spTree>
     <p:extLst>
       <p:ext uri="{BB962C8B-B14F-4D97-AF65-F5344CB8AC3E}">
-        <p14:creationId xmlns="" xmlns:p14="http://schemas.microsoft.com/office/powerpoint/2010/main" val="616035265"/>
+        <p14:creationId xmlns:p14="http://schemas.microsoft.com/office/powerpoint/2010/main" xmlns="" val="616035265"/>
       </p:ext>
     </p:extLst>
   </p:cSld>
@@ -936,81 +939,10 @@
         <p:spPr/>
         <p:txBody>
           <a:bodyPr>
-            <a:normAutofit/>
+            <a:normAutofit fontScale="92500"/>
           </a:bodyPr>
           <a:lstStyle/>
           <a:p>
-            <a:r>
-              <a:rPr lang="ru-RU" dirty="0" smtClean="0"/>
-              <a:t>Участие в тестировании программного обеспечения позволяет людям узнать конфиденциальную и секретную информацию. Одной из причин, зачем необходим кодекс этики, является необходимость гарантировать, что не будет утечки информации.  Признавая кодекс этики для инженеров  Ассоциации по вычислительной технике (ACM) и Института инженеров по электротехнике и радиоэлектронике (IEEE), ISTQB заявляет о следующем кодексе этики: </a:t>
-            </a:r>
-            <a:endParaRPr lang="en-US" dirty="0" smtClean="0"/>
-          </a:p>
-          <a:p>
-            <a:r>
-              <a:rPr lang="ru-RU" dirty="0" smtClean="0"/>
-              <a:t>ОБЩЕСТВО – Сертифицированные </a:t>
-            </a:r>
-            <a:r>
-              <a:rPr lang="ru-RU" dirty="0" err="1" smtClean="0"/>
-              <a:t>тестировщики</a:t>
-            </a:r>
-            <a:r>
-              <a:rPr lang="ru-RU" dirty="0" smtClean="0"/>
-              <a:t> программного обеспечения должны действовать согласно  интересам общества</a:t>
-            </a:r>
-            <a:endParaRPr lang="en-US" dirty="0" smtClean="0"/>
-          </a:p>
-          <a:p>
-            <a:r>
-              <a:rPr lang="ru-RU" dirty="0" smtClean="0"/>
-              <a:t>КЛИЕНТ И РАБОТОДАТЕЛЬ – Сертифицированные </a:t>
-            </a:r>
-            <a:r>
-              <a:rPr lang="ru-RU" dirty="0" err="1" smtClean="0"/>
-              <a:t>тестировщики</a:t>
-            </a:r>
-            <a:r>
-              <a:rPr lang="ru-RU" dirty="0" smtClean="0"/>
-              <a:t> программного обеспечения должны действовать согласно интересам клиента и работодателя, если они не противоречат интересам общества.</a:t>
-            </a:r>
-            <a:endParaRPr lang="en-US" dirty="0" smtClean="0"/>
-          </a:p>
-          <a:p>
-            <a:r>
-              <a:rPr lang="ru-RU" dirty="0" smtClean="0"/>
-              <a:t>ПРОДУКТ – Сертифицированные </a:t>
-            </a:r>
-            <a:r>
-              <a:rPr lang="ru-RU" dirty="0" err="1" smtClean="0"/>
-              <a:t>тестировщики</a:t>
-            </a:r>
-            <a:r>
-              <a:rPr lang="ru-RU" dirty="0" smtClean="0"/>
-              <a:t> программного обеспечения должны быть уверены в том, что компоненты, которые они проверяют (в тестируемых продуктах или системах), соответствуют наивысшим возможным профессиональным стандартам. </a:t>
-            </a:r>
-            <a:endParaRPr lang="en-US" dirty="0" smtClean="0"/>
-          </a:p>
-          <a:p>
-            <a:r>
-              <a:rPr lang="ru-RU" dirty="0" smtClean="0"/>
-              <a:t>ОЦЕНКИ – Сертифицированные </a:t>
-            </a:r>
-            <a:r>
-              <a:rPr lang="ru-RU" dirty="0" err="1" smtClean="0"/>
-              <a:t>тестировщики</a:t>
-            </a:r>
-            <a:r>
-              <a:rPr lang="ru-RU" dirty="0" smtClean="0"/>
-              <a:t> программного обеспечения должны поддерживать целостность и независимость своих профессиональных оценок. </a:t>
-            </a:r>
-            <a:endParaRPr lang="en-US" dirty="0" smtClean="0"/>
-          </a:p>
-          <a:p>
-            <a:r>
-              <a:rPr lang="ru-RU" dirty="0" smtClean="0"/>
-              <a:t>УПРАВЛЕНИЕ  –  Сертифицированные руководители тестирования программного обеспечения и ведущие специалисты должны присоединяться и продвигать этические подходы к управлению тестированием программного обеспечения. </a:t>
-            </a:r>
             <a:endParaRPr lang="ru-RU" dirty="0"/>
           </a:p>
         </p:txBody>
@@ -1089,53 +1021,102 @@
         <p:spPr/>
         <p:txBody>
           <a:bodyPr>
-            <a:normAutofit/>
+            <a:normAutofit fontScale="70000" lnSpcReduction="20000"/>
           </a:bodyPr>
           <a:lstStyle/>
           <a:p>
             <a:r>
               <a:rPr lang="ru-RU" dirty="0" smtClean="0"/>
-              <a:t>ПРОФЕССИЯ – Сертифицированные </a:t>
+              <a:t>Образ мышления, используемый при тестировании или рецензировании, отличается от того, который используется при разработке программного обеспечения. С соответствующим  образом мышления разработчики в состоянии протестировать свой собственный код, но разделение этой ответственности с  </a:t>
             </a:r>
             <a:r>
               <a:rPr lang="ru-RU" dirty="0" err="1" smtClean="0"/>
-              <a:t>тестировщики</a:t>
+              <a:t>тестировщиками</a:t>
             </a:r>
             <a:r>
               <a:rPr lang="ru-RU" dirty="0" smtClean="0"/>
-              <a:t> программного обеспечения должны поднимать престиж и репутацию своей профессии в интересах общества. </a:t>
+              <a:t> обычно делается для того, чтобы помочь сфокусировать усилия и обеспечить дополнительные выгоды, такие, как независимый взгляд обученными и профессиональными </a:t>
+            </a:r>
+            <a:r>
+              <a:rPr lang="ru-RU" dirty="0" err="1" smtClean="0"/>
+              <a:t>тестировщиками</a:t>
+            </a:r>
+            <a:r>
+              <a:rPr lang="ru-RU" dirty="0" smtClean="0"/>
+              <a:t>. </a:t>
             </a:r>
             <a:endParaRPr lang="en-US" dirty="0" smtClean="0"/>
           </a:p>
           <a:p>
+            <a:endParaRPr lang="en-US" dirty="0" smtClean="0"/>
+          </a:p>
+          <a:p>
             <a:r>
               <a:rPr lang="ru-RU" dirty="0" smtClean="0"/>
-              <a:t>КОЛЛЕГИ – Сертифицированные </a:t>
+              <a:t>Независимое тестирование можно проводить на любом уровне тестирования.  </a:t>
             </a:r>
             <a:r>
               <a:rPr lang="ru-RU" dirty="0" err="1" smtClean="0"/>
-              <a:t>тестировщики</a:t>
+              <a:t>Тестировщик</a:t>
             </a:r>
             <a:r>
               <a:rPr lang="ru-RU" dirty="0" smtClean="0"/>
-              <a:t> программного обеспечения должны быть справедливыми, оказывать поддержку своим коллегам, и содействовать сотрудничеству с разработчиками программного обеспечения. </a:t>
+              <a:t> с определенной степенью независимости (лишенный предвзятости автора) часто более эффективен при обнаружении дефектов и отказов. Однако независимость не является заменой знаний, поэтому и разработчики могут эффективно находить дефекты в собственном коде. </a:t>
             </a:r>
             <a:endParaRPr lang="en-US" dirty="0" smtClean="0"/>
           </a:p>
           <a:p>
+            <a:endParaRPr lang="en-US" dirty="0" smtClean="0"/>
+          </a:p>
+          <a:p>
             <a:r>
               <a:rPr lang="ru-RU" dirty="0" smtClean="0"/>
-              <a:t>ЛИЧНАЯ ОТВЕТСТВЕННОСТЬ – Сертифицированные </a:t>
+              <a:t>Ниже определены несколько уровней независимости от низкого до высокого: </a:t>
+            </a:r>
+            <a:endParaRPr lang="en-US" dirty="0" smtClean="0"/>
+          </a:p>
+          <a:p>
+            <a:r>
+              <a:rPr lang="ru-RU" dirty="0" smtClean="0"/>
+              <a:t>• Тесты разработаны человеком, который написал тестируемую программу (низкий уровень независимости) </a:t>
+            </a:r>
+            <a:endParaRPr lang="en-US" dirty="0" smtClean="0"/>
+          </a:p>
+          <a:p>
+            <a:r>
+              <a:rPr lang="ru-RU" dirty="0" smtClean="0"/>
+              <a:t>• Тесты разработаны другими людьми (например, из команды разработчиков) </a:t>
+            </a:r>
+            <a:endParaRPr lang="en-US" dirty="0" smtClean="0"/>
+          </a:p>
+          <a:p>
+            <a:r>
+              <a:rPr lang="ru-RU" dirty="0" smtClean="0"/>
+              <a:t>• Тесты разработаны людьми из другой организационной группы (например, независимая группа тестирования) или </a:t>
             </a:r>
             <a:r>
               <a:rPr lang="ru-RU" dirty="0" err="1" smtClean="0"/>
-              <a:t>тестировщики</a:t>
+              <a:t>специалистами-тестировщиками</a:t>
             </a:r>
             <a:r>
               <a:rPr lang="ru-RU" dirty="0" smtClean="0"/>
-              <a:t> программного обеспечения должны постоянно учиться навыкам своей профессии и способствовать продвижению этического подхода к своей деятельности. </a:t>
-            </a:r>
-            <a:endParaRPr lang="ru-RU" dirty="0"/>
+              <a:t> (например, специалистами по тестированию практичности или производительности) </a:t>
+            </a:r>
+            <a:endParaRPr lang="en-US" dirty="0" smtClean="0"/>
+          </a:p>
+          <a:p>
+            <a:r>
+              <a:rPr lang="ru-RU" dirty="0" smtClean="0"/>
+              <a:t>• Тесты разработаны людьми из другой организации или компании (например, </a:t>
+            </a:r>
+            <a:r>
+              <a:rPr lang="ru-RU" dirty="0" err="1" smtClean="0"/>
+              <a:t>аутсорсинг</a:t>
+            </a:r>
+            <a:r>
+              <a:rPr lang="ru-RU" dirty="0" smtClean="0"/>
+              <a:t> или сертификация силами внешней организации) </a:t>
+            </a:r>
           </a:p>
         </p:txBody>
       </p:sp>
@@ -1213,6 +1194,469 @@
         <p:spPr/>
         <p:txBody>
           <a:bodyPr>
+            <a:normAutofit fontScale="70000" lnSpcReduction="20000"/>
+          </a:bodyPr>
+          <a:lstStyle/>
+          <a:p>
+            <a:r>
+              <a:rPr lang="ru-RU" dirty="0" smtClean="0"/>
+              <a:t>Для людей и проектов характерна целевая направленность. Люди склонны корректировать свои планы согласно целям, установленным руководством и другими заинтересованными лицами, например, поиск дефектов или подтверждение того, что в программном обеспечении достигнуты цели. Поэтому важно ясно и точно определить цели тестирования.  Нахождение отказов во время тестирования может быть воспринято как критика продукта и его автора. Поэтому тестирование часто рассматривается как разрушительная деятельность, даже если она конструктивна с точки зрения управления рисками. Поиск отказов в системе требует любопытства, профессионального пессимизма, критического взгляда, внимания к деталям, хорошей коммуникации с разработчиками и опыта, на котором могут основываться предположения об ошибках. </a:t>
+            </a:r>
+          </a:p>
+          <a:p>
+            <a:endParaRPr lang="en-US" dirty="0" smtClean="0"/>
+          </a:p>
+          <a:p>
+            <a:r>
+              <a:rPr lang="ru-RU" dirty="0" smtClean="0"/>
+              <a:t>Если сообщения об ошибках, дефектах и отказах конструктивны, то плохих отношений между </a:t>
+            </a:r>
+            <a:r>
+              <a:rPr lang="ru-RU" dirty="0" err="1" smtClean="0"/>
+              <a:t>тестировщиками</a:t>
+            </a:r>
+            <a:r>
+              <a:rPr lang="ru-RU" dirty="0" smtClean="0"/>
+              <a:t> и аналитиками, проектировщиками и разработчиками  можно избежать. Это применимо и к дефектам, найденным во время рецензирования. </a:t>
+            </a:r>
+            <a:r>
+              <a:rPr lang="ru-RU" dirty="0" err="1" smtClean="0"/>
+              <a:t>Тестировщикам</a:t>
+            </a:r>
+            <a:r>
+              <a:rPr lang="ru-RU" dirty="0" smtClean="0"/>
+              <a:t> и ведущим специалистам по тестированию необходимы хорошие коммуникационные навыки, чтобы фактическая информация о дефектах, ходе работы и рисках сообщалась конструктивно.  Для авторов программного обеспечения или документации информация о дефекте может помочь усовершенствовать свои навыки. Дефекты, найденные и исправленные во время тестирования, позднее сэкономят время и деньги, уменьшат риски. </a:t>
+            </a:r>
+            <a:endParaRPr lang="en-US" dirty="0" smtClean="0"/>
+          </a:p>
+          <a:p>
+            <a:endParaRPr lang="en-US" dirty="0" smtClean="0"/>
+          </a:p>
+          <a:p>
+            <a:r>
+              <a:rPr lang="ru-RU" dirty="0" smtClean="0"/>
+              <a:t>Коммуникационные проблемы могут возникнуть, в частности, если </a:t>
+            </a:r>
+            <a:r>
+              <a:rPr lang="ru-RU" dirty="0" err="1" smtClean="0"/>
+              <a:t>тестировщики</a:t>
+            </a:r>
+            <a:r>
+              <a:rPr lang="ru-RU" dirty="0" smtClean="0"/>
+              <a:t> рассматриваются только как вестники нежелательных сообщений о дефектах. Однако есть несколько способов улучшить коммуникации и отношения между </a:t>
+            </a:r>
+            <a:r>
+              <a:rPr lang="ru-RU" dirty="0" err="1" smtClean="0"/>
+              <a:t>тестировщиками</a:t>
+            </a:r>
+            <a:r>
+              <a:rPr lang="ru-RU" dirty="0" smtClean="0"/>
+              <a:t> и другими коллегами: </a:t>
+            </a:r>
+            <a:endParaRPr lang="en-US" dirty="0" smtClean="0"/>
+          </a:p>
+          <a:p>
+            <a:r>
+              <a:rPr lang="ru-RU" dirty="0" smtClean="0"/>
+              <a:t> Начните с сотрудничества, а не сражения – напомните каждому об общей цели улучшения качества системы </a:t>
+            </a:r>
+            <a:endParaRPr lang="en-US" dirty="0" smtClean="0"/>
+          </a:p>
+          <a:p>
+            <a:r>
+              <a:rPr lang="ru-RU" dirty="0" smtClean="0"/>
+              <a:t> Сообщайте результаты о продукте нейтральным способом, сфокусированном на фактах, без критики автора, например, опишите цели, отчеты о фактических инцидентах и результаты рецензирования. </a:t>
+            </a:r>
+            <a:endParaRPr lang="en-US" dirty="0" smtClean="0"/>
+          </a:p>
+          <a:p>
+            <a:r>
+              <a:rPr lang="ru-RU" dirty="0" smtClean="0"/>
+              <a:t> Попытайтесь понять, что другие люди чувствуют и почему они так реагируют </a:t>
+            </a:r>
+            <a:endParaRPr lang="en-US" dirty="0" smtClean="0"/>
+          </a:p>
+          <a:p>
+            <a:r>
+              <a:rPr lang="ru-RU" dirty="0" smtClean="0"/>
+              <a:t> Убедитесь, что другой человек понял, что вы сказали, и наоборот </a:t>
+            </a:r>
+            <a:endParaRPr lang="en-US" dirty="0" smtClean="0"/>
+          </a:p>
+          <a:p>
+            <a:endParaRPr lang="en-US" dirty="0" smtClean="0"/>
+          </a:p>
+          <a:p>
+            <a:r>
+              <a:rPr lang="ru-RU" dirty="0" smtClean="0"/>
+              <a:t>Высказывание: Тестер</a:t>
+            </a:r>
+            <a:r>
+              <a:rPr lang="en-US" baseline="0" dirty="0" smtClean="0"/>
+              <a:t> </a:t>
+            </a:r>
+            <a:r>
+              <a:rPr lang="ru-RU" baseline="0" dirty="0" smtClean="0"/>
+              <a:t>ж</a:t>
+            </a:r>
+            <a:r>
+              <a:rPr lang="ru-RU" dirty="0" smtClean="0"/>
+              <a:t>есток с программой, мягок с программистом</a:t>
+            </a:r>
+          </a:p>
+        </p:txBody>
+      </p:sp>
+      <p:sp>
+        <p:nvSpPr>
+          <p:cNvPr id="4" name="Номер слайда 3"/>
+          <p:cNvSpPr>
+            <a:spLocks noGrp="1"/>
+          </p:cNvSpPr>
+          <p:nvPr>
+            <p:ph type="sldNum" sz="quarter" idx="10"/>
+          </p:nvPr>
+        </p:nvSpPr>
+        <p:spPr/>
+        <p:txBody>
+          <a:bodyPr/>
+          <a:lstStyle/>
+          <a:p>
+            <a:fld id="{D75B0C5A-EE92-4E92-8F5B-10699705BBE2}" type="slidenum">
+              <a:rPr lang="en-US" smtClean="0"/>
+              <a:pPr/>
+              <a:t>17</a:t>
+            </a:fld>
+            <a:endParaRPr lang="en-US"/>
+          </a:p>
+        </p:txBody>
+      </p:sp>
+    </p:spTree>
+  </p:cSld>
+  <p:clrMapOvr>
+    <a:masterClrMapping/>
+  </p:clrMapOvr>
+</p:notes>
+</file>
+
+<file path=ppt/notesSlides/notesSlide13.xml><?xml version="1.0" encoding="utf-8"?>
+<p:notes xmlns:a="http://schemas.openxmlformats.org/drawingml/2006/main" xmlns:r="http://schemas.openxmlformats.org/officeDocument/2006/relationships" xmlns:p="http://schemas.openxmlformats.org/presentationml/2006/main">
+  <p:cSld>
+    <p:spTree>
+      <p:nvGrpSpPr>
+        <p:cNvPr id="1" name=""/>
+        <p:cNvGrpSpPr/>
+        <p:nvPr/>
+      </p:nvGrpSpPr>
+      <p:grpSpPr>
+        <a:xfrm>
+          <a:off x="0" y="0"/>
+          <a:ext cx="0" cy="0"/>
+          <a:chOff x="0" y="0"/>
+          <a:chExt cx="0" cy="0"/>
+        </a:xfrm>
+      </p:grpSpPr>
+      <p:sp>
+        <p:nvSpPr>
+          <p:cNvPr id="2" name="Образ слайда 1"/>
+          <p:cNvSpPr>
+            <a:spLocks noGrp="1" noRot="1" noChangeAspect="1"/>
+          </p:cNvSpPr>
+          <p:nvPr>
+            <p:ph type="sldImg"/>
+          </p:nvPr>
+        </p:nvSpPr>
+        <p:spPr/>
+      </p:sp>
+      <p:sp>
+        <p:nvSpPr>
+          <p:cNvPr id="3" name="Заметки 2"/>
+          <p:cNvSpPr>
+            <a:spLocks noGrp="1"/>
+          </p:cNvSpPr>
+          <p:nvPr>
+            <p:ph type="body" idx="1"/>
+          </p:nvPr>
+        </p:nvSpPr>
+        <p:spPr/>
+        <p:txBody>
+          <a:bodyPr>
+            <a:normAutofit/>
+          </a:bodyPr>
+          <a:lstStyle/>
+          <a:p>
+            <a:r>
+              <a:rPr lang="ru-RU" dirty="0" smtClean="0"/>
+              <a:t>Участие в тестировании программного обеспечения позволяет людям узнать конфиденциальную и секретную информацию. Одной из причин, зачем необходим кодекс этики, является необходимость гарантировать, что не будет утечки информации.  Признавая кодекс этики для инженеров  Ассоциации по вычислительной технике (ACM) и Института инженеров по электротехнике и радиоэлектронике (IEEE), ISTQB заявляет о следующем кодексе этики: </a:t>
+            </a:r>
+            <a:endParaRPr lang="en-US" dirty="0" smtClean="0"/>
+          </a:p>
+          <a:p>
+            <a:r>
+              <a:rPr lang="ru-RU" dirty="0" smtClean="0"/>
+              <a:t>ОБЩЕСТВО – Сертифицированные </a:t>
+            </a:r>
+            <a:r>
+              <a:rPr lang="ru-RU" dirty="0" err="1" smtClean="0"/>
+              <a:t>тестировщики</a:t>
+            </a:r>
+            <a:r>
+              <a:rPr lang="ru-RU" dirty="0" smtClean="0"/>
+              <a:t> программного обеспечения должны действовать согласно  интересам общества</a:t>
+            </a:r>
+            <a:endParaRPr lang="en-US" dirty="0" smtClean="0"/>
+          </a:p>
+          <a:p>
+            <a:r>
+              <a:rPr lang="ru-RU" dirty="0" smtClean="0"/>
+              <a:t>КЛИЕНТ И РАБОТОДАТЕЛЬ – Сертифицированные </a:t>
+            </a:r>
+            <a:r>
+              <a:rPr lang="ru-RU" dirty="0" err="1" smtClean="0"/>
+              <a:t>тестировщики</a:t>
+            </a:r>
+            <a:r>
+              <a:rPr lang="ru-RU" dirty="0" smtClean="0"/>
+              <a:t> программного обеспечения должны действовать согласно интересам клиента и работодателя, если они не противоречат интересам общества.</a:t>
+            </a:r>
+            <a:endParaRPr lang="en-US" dirty="0" smtClean="0"/>
+          </a:p>
+          <a:p>
+            <a:r>
+              <a:rPr lang="ru-RU" dirty="0" smtClean="0"/>
+              <a:t>ПРОДУКТ – Сертифицированные </a:t>
+            </a:r>
+            <a:r>
+              <a:rPr lang="ru-RU" dirty="0" err="1" smtClean="0"/>
+              <a:t>тестировщики</a:t>
+            </a:r>
+            <a:r>
+              <a:rPr lang="ru-RU" dirty="0" smtClean="0"/>
+              <a:t> программного обеспечения должны быть уверены в том, что компоненты, которые они проверяют (в тестируемых продуктах или системах), соответствуют наивысшим возможным профессиональным стандартам. </a:t>
+            </a:r>
+            <a:endParaRPr lang="en-US" dirty="0" smtClean="0"/>
+          </a:p>
+          <a:p>
+            <a:r>
+              <a:rPr lang="ru-RU" dirty="0" smtClean="0"/>
+              <a:t>ОЦЕНКИ – Сертифицированные </a:t>
+            </a:r>
+            <a:r>
+              <a:rPr lang="ru-RU" dirty="0" err="1" smtClean="0"/>
+              <a:t>тестировщики</a:t>
+            </a:r>
+            <a:r>
+              <a:rPr lang="ru-RU" dirty="0" smtClean="0"/>
+              <a:t> программного обеспечения должны поддерживать целостность и независимость своих профессиональных оценок. </a:t>
+            </a:r>
+            <a:endParaRPr lang="en-US" dirty="0" smtClean="0"/>
+          </a:p>
+          <a:p>
+            <a:r>
+              <a:rPr lang="ru-RU" dirty="0" smtClean="0"/>
+              <a:t>УПРАВЛЕНИЕ  –  Сертифицированные руководители тестирования программного обеспечения и ведущие специалисты должны присоединяться и продвигать этические подходы к управлению тестированием программного обеспечения. </a:t>
+            </a:r>
+            <a:endParaRPr lang="ru-RU" dirty="0"/>
+          </a:p>
+        </p:txBody>
+      </p:sp>
+      <p:sp>
+        <p:nvSpPr>
+          <p:cNvPr id="4" name="Номер слайда 3"/>
+          <p:cNvSpPr>
+            <a:spLocks noGrp="1"/>
+          </p:cNvSpPr>
+          <p:nvPr>
+            <p:ph type="sldNum" sz="quarter" idx="10"/>
+          </p:nvPr>
+        </p:nvSpPr>
+        <p:spPr/>
+        <p:txBody>
+          <a:bodyPr/>
+          <a:lstStyle/>
+          <a:p>
+            <a:fld id="{D75B0C5A-EE92-4E92-8F5B-10699705BBE2}" type="slidenum">
+              <a:rPr lang="en-US" smtClean="0"/>
+              <a:pPr/>
+              <a:t>18</a:t>
+            </a:fld>
+            <a:endParaRPr lang="en-US"/>
+          </a:p>
+        </p:txBody>
+      </p:sp>
+    </p:spTree>
+  </p:cSld>
+  <p:clrMapOvr>
+    <a:masterClrMapping/>
+  </p:clrMapOvr>
+</p:notes>
+</file>
+
+<file path=ppt/notesSlides/notesSlide14.xml><?xml version="1.0" encoding="utf-8"?>
+<p:notes xmlns:a="http://schemas.openxmlformats.org/drawingml/2006/main" xmlns:r="http://schemas.openxmlformats.org/officeDocument/2006/relationships" xmlns:p="http://schemas.openxmlformats.org/presentationml/2006/main">
+  <p:cSld>
+    <p:spTree>
+      <p:nvGrpSpPr>
+        <p:cNvPr id="1" name=""/>
+        <p:cNvGrpSpPr/>
+        <p:nvPr/>
+      </p:nvGrpSpPr>
+      <p:grpSpPr>
+        <a:xfrm>
+          <a:off x="0" y="0"/>
+          <a:ext cx="0" cy="0"/>
+          <a:chOff x="0" y="0"/>
+          <a:chExt cx="0" cy="0"/>
+        </a:xfrm>
+      </p:grpSpPr>
+      <p:sp>
+        <p:nvSpPr>
+          <p:cNvPr id="2" name="Образ слайда 1"/>
+          <p:cNvSpPr>
+            <a:spLocks noGrp="1" noRot="1" noChangeAspect="1"/>
+          </p:cNvSpPr>
+          <p:nvPr>
+            <p:ph type="sldImg"/>
+          </p:nvPr>
+        </p:nvSpPr>
+        <p:spPr/>
+      </p:sp>
+      <p:sp>
+        <p:nvSpPr>
+          <p:cNvPr id="3" name="Заметки 2"/>
+          <p:cNvSpPr>
+            <a:spLocks noGrp="1"/>
+          </p:cNvSpPr>
+          <p:nvPr>
+            <p:ph type="body" idx="1"/>
+          </p:nvPr>
+        </p:nvSpPr>
+        <p:spPr/>
+        <p:txBody>
+          <a:bodyPr>
+            <a:normAutofit/>
+          </a:bodyPr>
+          <a:lstStyle/>
+          <a:p>
+            <a:r>
+              <a:rPr lang="ru-RU" dirty="0" smtClean="0"/>
+              <a:t>ПРОФЕССИЯ – Сертифицированные </a:t>
+            </a:r>
+            <a:r>
+              <a:rPr lang="ru-RU" dirty="0" err="1" smtClean="0"/>
+              <a:t>тестировщики</a:t>
+            </a:r>
+            <a:r>
+              <a:rPr lang="ru-RU" dirty="0" smtClean="0"/>
+              <a:t> программного обеспечения должны поднимать престиж и репутацию своей профессии в интересах общества. </a:t>
+            </a:r>
+            <a:endParaRPr lang="en-US" dirty="0" smtClean="0"/>
+          </a:p>
+          <a:p>
+            <a:r>
+              <a:rPr lang="ru-RU" dirty="0" smtClean="0"/>
+              <a:t>КОЛЛЕГИ – Сертифицированные </a:t>
+            </a:r>
+            <a:r>
+              <a:rPr lang="ru-RU" dirty="0" err="1" smtClean="0"/>
+              <a:t>тестировщики</a:t>
+            </a:r>
+            <a:r>
+              <a:rPr lang="ru-RU" dirty="0" smtClean="0"/>
+              <a:t> программного обеспечения должны быть справедливыми, оказывать поддержку своим коллегам, и содействовать сотрудничеству с разработчиками программного обеспечения. </a:t>
+            </a:r>
+            <a:endParaRPr lang="en-US" dirty="0" smtClean="0"/>
+          </a:p>
+          <a:p>
+            <a:r>
+              <a:rPr lang="ru-RU" dirty="0" smtClean="0"/>
+              <a:t>ЛИЧНАЯ ОТВЕТСТВЕННОСТЬ – Сертифицированные </a:t>
+            </a:r>
+            <a:r>
+              <a:rPr lang="ru-RU" dirty="0" err="1" smtClean="0"/>
+              <a:t>тестировщики</a:t>
+            </a:r>
+            <a:r>
+              <a:rPr lang="ru-RU" dirty="0" smtClean="0"/>
+              <a:t> программного обеспечения должны постоянно учиться навыкам своей профессии и способствовать продвижению этического подхода к своей деятельности. </a:t>
+            </a:r>
+            <a:endParaRPr lang="ru-RU" dirty="0"/>
+          </a:p>
+        </p:txBody>
+      </p:sp>
+      <p:sp>
+        <p:nvSpPr>
+          <p:cNvPr id="4" name="Номер слайда 3"/>
+          <p:cNvSpPr>
+            <a:spLocks noGrp="1"/>
+          </p:cNvSpPr>
+          <p:nvPr>
+            <p:ph type="sldNum" sz="quarter" idx="10"/>
+          </p:nvPr>
+        </p:nvSpPr>
+        <p:spPr/>
+        <p:txBody>
+          <a:bodyPr/>
+          <a:lstStyle/>
+          <a:p>
+            <a:fld id="{D75B0C5A-EE92-4E92-8F5B-10699705BBE2}" type="slidenum">
+              <a:rPr lang="en-US" smtClean="0"/>
+              <a:pPr/>
+              <a:t>19</a:t>
+            </a:fld>
+            <a:endParaRPr lang="en-US"/>
+          </a:p>
+        </p:txBody>
+      </p:sp>
+    </p:spTree>
+  </p:cSld>
+  <p:clrMapOvr>
+    <a:masterClrMapping/>
+  </p:clrMapOvr>
+</p:notes>
+</file>
+
+<file path=ppt/notesSlides/notesSlide15.xml><?xml version="1.0" encoding="utf-8"?>
+<p:notes xmlns:a="http://schemas.openxmlformats.org/drawingml/2006/main" xmlns:r="http://schemas.openxmlformats.org/officeDocument/2006/relationships" xmlns:p="http://schemas.openxmlformats.org/presentationml/2006/main">
+  <p:cSld>
+    <p:spTree>
+      <p:nvGrpSpPr>
+        <p:cNvPr id="1" name=""/>
+        <p:cNvGrpSpPr/>
+        <p:nvPr/>
+      </p:nvGrpSpPr>
+      <p:grpSpPr>
+        <a:xfrm>
+          <a:off x="0" y="0"/>
+          <a:ext cx="0" cy="0"/>
+          <a:chOff x="0" y="0"/>
+          <a:chExt cx="0" cy="0"/>
+        </a:xfrm>
+      </p:grpSpPr>
+      <p:sp>
+        <p:nvSpPr>
+          <p:cNvPr id="2" name="Образ слайда 1"/>
+          <p:cNvSpPr>
+            <a:spLocks noGrp="1" noRot="1" noChangeAspect="1"/>
+          </p:cNvSpPr>
+          <p:nvPr>
+            <p:ph type="sldImg"/>
+          </p:nvPr>
+        </p:nvSpPr>
+        <p:spPr/>
+      </p:sp>
+      <p:sp>
+        <p:nvSpPr>
+          <p:cNvPr id="3" name="Заметки 2"/>
+          <p:cNvSpPr>
+            <a:spLocks noGrp="1"/>
+          </p:cNvSpPr>
+          <p:nvPr>
+            <p:ph type="body" idx="1"/>
+          </p:nvPr>
+        </p:nvSpPr>
+        <p:spPr/>
+        <p:txBody>
+          <a:bodyPr>
             <a:normAutofit fontScale="92500" lnSpcReduction="10000"/>
           </a:bodyPr>
           <a:lstStyle/>
@@ -1841,61 +2285,6 @@
             <a:endParaRPr lang="en-US" baseline="0" dirty="0" smtClean="0"/>
           </a:p>
           <a:p>
-            <a:r>
-              <a:rPr lang="en-US" sz="1200" b="0" i="0" kern="1200" dirty="0" smtClean="0">
-                <a:solidFill>
-                  <a:schemeClr val="tx1"/>
-                </a:solidFill>
-                <a:latin typeface="+mn-lt"/>
-                <a:ea typeface="+mn-ea"/>
-                <a:cs typeface="+mn-cs"/>
-              </a:rPr>
-              <a:t>-----------------------------------------------------------------------------------------------------------</a:t>
-            </a:r>
-          </a:p>
-          <a:p>
-            <a:endParaRPr lang="en-US" baseline="0" dirty="0" smtClean="0"/>
-          </a:p>
-          <a:p>
-            <a:r>
-              <a:rPr lang="en-US" baseline="0" dirty="0" smtClean="0"/>
-              <a:t>Question 4</a:t>
-            </a:r>
-          </a:p>
-          <a:p>
-            <a:endParaRPr lang="en-US" baseline="0" dirty="0" smtClean="0"/>
-          </a:p>
-          <a:p>
-            <a:r>
-              <a:rPr lang="en-US" baseline="0" dirty="0" smtClean="0"/>
-              <a:t>Error guessing:</a:t>
-            </a:r>
-          </a:p>
-          <a:p>
-            <a:r>
-              <a:rPr lang="en-US" baseline="0" dirty="0" smtClean="0"/>
-              <a:t>A Supplements formal test design technologies</a:t>
-            </a:r>
-          </a:p>
-          <a:p>
-            <a:r>
-              <a:rPr lang="en-US" baseline="0" dirty="0" smtClean="0"/>
-              <a:t>B Can only be used in component, integration and system testing</a:t>
-            </a:r>
-          </a:p>
-          <a:p>
-            <a:r>
-              <a:rPr lang="en-US" baseline="0" dirty="0" smtClean="0"/>
-              <a:t>C Is only performed in user acceptance testing</a:t>
-            </a:r>
-          </a:p>
-          <a:p>
-            <a:r>
-              <a:rPr lang="en-US" baseline="0" dirty="0" smtClean="0"/>
-              <a:t>D Is not repeatable and should not be used</a:t>
-            </a:r>
-          </a:p>
-          <a:p>
             <a:endParaRPr lang="ru-RU" dirty="0"/>
           </a:p>
         </p:txBody>
@@ -1918,7 +2307,7 @@
             <a:fld id="{D75B0C5A-EE92-4E92-8F5B-10699705BBE2}" type="slidenum">
               <a:rPr lang="en-US" smtClean="0"/>
               <a:pPr/>
-              <a:t>17</a:t>
+              <a:t>20</a:t>
             </a:fld>
             <a:endParaRPr lang="en-US"/>
           </a:p>
@@ -1987,14 +2376,48 @@
           <a:p>
             <a:r>
               <a:rPr lang="ru-RU" dirty="0" smtClean="0"/>
-              <a:t>Человек может сделать ошибку (просчет), которая порождает дефект (недочет, помеху) в программном коде или документе. Если код с дефектом  выполнен, то система может быть не в состоянии сделать то, что должна делать (или сделать то, что от нее не ожидают), порождая отказ.  Дефекты в программном обеспечении, системах  или документах могут в  результате  привести  к  отказам, но не все дефекты  дают такой результат.  Дефекты встречаются,  потому что люди склонны ошибаться, существует нехватка времени, сложность кода, сложность инфраструктуры, изменения технологий и /или много системных взаимодействий. Отказы так же могут быть вызваны условиями окружающей среды.  Например,  радиация,  электромагнитные поля и загрязнения могут вызвать отказ в программно-аппаратных средствах или повлиять на выполнение программного обеспечения, изменяя условия работы аппаратных средств.</a:t>
-            </a:r>
-            <a:endParaRPr lang="en-US" dirty="0" smtClean="0"/>
-          </a:p>
-          <a:p>
+              <a:t>Человек может сделать ошибку (просчет), которая порождает дефект (недочет, помеху) в программном коде или документе. Если код с дефектом  выполнен, то система может быть не в состоянии сделать то, что должна делать (или сделать то, что от нее не ожидают), порождая отказ.  Дефекты в программном обеспечении, системах  или документах могут в  результате  привести  к  отказам, но не все дефекты  дают такой результат.  Дефекты встречаются,  потому что люди склонны ошибаться, существует нехватка времени, сложность кода, сложность инфраструктуры, изменения технологий и /или много системных взаимодействий. Отказы так же могут быть вызваны условиями окружающей среды.  Например,  радиация,  электромагнитные поля и загрязнения могут вызвать отказ в программно-аппаратных средствах или повлиять на выполнение программного обеспечения, изменяя условия работы аппаратных средств</a:t>
+            </a:r>
             <a:r>
               <a:rPr lang="ru-RU" dirty="0" smtClean="0"/>
-              <a:t>Доскональное  тестирование систем и документации может уменьшить риск возникновения проблем во время функционирования и способствует повышению качества системы  программного обеспечения, если найденные дефекты исправлены прежде, чем система передана в эксплуатацию. Тестирование программного обеспечения также может быть требованием для удовлетворения  контракту или требованиям законодательства, или специализированным промышленным стандартам.</a:t>
+              <a:t>.</a:t>
+            </a:r>
+          </a:p>
+          <a:p>
+            <a:r>
+              <a:rPr lang="ru-RU" dirty="0" smtClean="0"/>
+              <a:t>Примеры дефектов в распространенных программах,</a:t>
+            </a:r>
+            <a:r>
+              <a:rPr lang="ru-RU" baseline="0" dirty="0" smtClean="0"/>
+              <a:t> например, </a:t>
+            </a:r>
+            <a:r>
+              <a:rPr lang="en-US" baseline="0" dirty="0" smtClean="0"/>
+              <a:t>IE</a:t>
+            </a:r>
+            <a:r>
+              <a:rPr lang="ru-RU" dirty="0" smtClean="0"/>
+              <a:t>:</a:t>
+            </a:r>
+          </a:p>
+          <a:p>
+            <a:r>
+              <a:rPr lang="en-US" dirty="0" smtClean="0"/>
+              <a:t>http://code.tutsplus.com/tutorials/9-most-common-ie-bugs-and-how-to-fix-them--net-7764</a:t>
+            </a:r>
+          </a:p>
+          <a:p>
+            <a:endParaRPr lang="ru-RU" dirty="0" smtClean="0"/>
+          </a:p>
+          <a:p>
+            <a:r>
+              <a:rPr lang="ru-RU" dirty="0" smtClean="0"/>
+              <a:t>Доскональное  </a:t>
+            </a:r>
+            <a:r>
+              <a:rPr lang="ru-RU" dirty="0" smtClean="0"/>
+              <a:t>тестирование систем и документации может уменьшить риск возникновения проблем во время функционирования и способствует повышению качества системы  программного обеспечения, если найденные дефекты исправлены прежде, чем система передана в эксплуатацию. Тестирование программного обеспечения также может быть требованием для удовлетворения  контракту или требованиям законодательства, или специализированным промышленным стандартам.</a:t>
             </a:r>
             <a:endParaRPr lang="en-US" dirty="0" smtClean="0"/>
           </a:p>
@@ -2009,8 +2432,31 @@
             </a:r>
             <a:r>
               <a:rPr lang="ru-RU" dirty="0" smtClean="0"/>
-              <a:t> и переносимость). Для получения дополнительной информации о характеристиках качества программного обеспечения смотрите  стандарт ISO 9126 «Информационная технология. Оценка программного продукта»  Тестирование может породить уверенность в качестве программного обеспечения, если не найдены или найдено немного дефектов. Должным образом разработанный тест, который пройден успешно, уменьшает общий уровень риска в системе. Когда во время тестирования находятся ошибки, качество систем программного обеспечения повышается, если эти дефекты исправлены. Следует извлекать уроки из предыдущих проектов. Понимая первопричины дефектов, найденных в других проектах, можно улучшить процессы, что в свою очередь должно предотвратить повторное проявление этих дефектов и, как следствие, повышение качества будущих систем. Это и есть подход к обеспечению качества. Тестирование также является деятельностью по обеспечению качества (наравне с разработкой стандартов, обучением и анализом дефектов).</a:t>
-            </a:r>
+              <a:t> и переносимость</a:t>
+            </a:r>
+            <a:r>
+              <a:rPr lang="ru-RU" dirty="0" smtClean="0"/>
+              <a:t>).</a:t>
+            </a:r>
+          </a:p>
+          <a:p>
+            <a:endParaRPr lang="ru-RU" dirty="0" smtClean="0"/>
+          </a:p>
+          <a:p>
+            <a:r>
+              <a:rPr lang="ru-RU" dirty="0" smtClean="0"/>
+              <a:t>Тестирование </a:t>
+            </a:r>
+            <a:r>
+              <a:rPr lang="ru-RU" dirty="0" smtClean="0"/>
+              <a:t>может породить уверенность в качестве программного обеспечения, если не найдены или найдено немного дефектов. Должным образом разработанный тест, который пройден успешно, уменьшает общий уровень риска в системе. Когда во время тестирования находятся ошибки, качество систем программного обеспечения повышается, если эти дефекты исправлены. Следует извлекать уроки из предыдущих проектов. Понимая первопричины дефектов, найденных в других проектах, можно улучшить процессы, что в свою очередь должно предотвратить повторное проявление этих дефектов и, как следствие, повышение качества будущих систем. Это и есть подход к обеспечению качества. Тестирование также является деятельностью по обеспечению качества (наравне с разработкой стандартов, обучением и анализом дефектов</a:t>
+            </a:r>
+            <a:r>
+              <a:rPr lang="ru-RU" dirty="0" smtClean="0"/>
+              <a:t>).</a:t>
+            </a:r>
+          </a:p>
+          <a:p>
             <a:endParaRPr lang="en-US" dirty="0" smtClean="0"/>
           </a:p>
           <a:p>
@@ -2370,29 +2816,13 @@
             </a:r>
             <a:r>
               <a:rPr lang="en-US" dirty="0" smtClean="0"/>
-              <a:t>Debugging, requirement, review, test case, testing, test objective</a:t>
-            </a:r>
-          </a:p>
-          <a:p>
-            <a:r>
-              <a:rPr lang="ru-RU" dirty="0" smtClean="0"/>
-              <a:t>Анекдот</a:t>
-            </a:r>
-            <a:r>
-              <a:rPr lang="ru-RU" baseline="0" dirty="0" smtClean="0"/>
-              <a:t> про </a:t>
-            </a:r>
-            <a:r>
-              <a:rPr lang="ru-RU" baseline="0" dirty="0" err="1" smtClean="0"/>
-              <a:t>дебагинг</a:t>
-            </a:r>
-            <a:r>
-              <a:rPr lang="ru-RU" baseline="0" dirty="0" smtClean="0"/>
-              <a:t>:</a:t>
-            </a:r>
-          </a:p>
-          <a:p>
-            <a:endParaRPr lang="ru-RU" dirty="0"/>
+              <a:t>Debugging, requirement, review, test case, testing, test </a:t>
+            </a:r>
+            <a:r>
+              <a:rPr lang="en-US" dirty="0" smtClean="0"/>
+              <a:t>objective</a:t>
+            </a:r>
+            <a:endParaRPr lang="en-US" dirty="0" smtClean="0"/>
           </a:p>
         </p:txBody>
       </p:sp>
@@ -2707,102 +3137,127 @@
         <p:spPr/>
         <p:txBody>
           <a:bodyPr>
-            <a:normAutofit fontScale="70000" lnSpcReduction="20000"/>
+            <a:normAutofit fontScale="85000" lnSpcReduction="20000"/>
           </a:bodyPr>
           <a:lstStyle/>
           <a:p>
             <a:r>
               <a:rPr lang="ru-RU" dirty="0" smtClean="0"/>
-              <a:t>Образ мышления, используемый при тестировании или рецензировании, отличается от того, который используется при разработке программного обеспечения. С соответствующим  образом мышления разработчики в состоянии протестировать свой собственный код, но разделение этой ответственности с  </a:t>
-            </a:r>
-            <a:r>
-              <a:rPr lang="ru-RU" dirty="0" err="1" smtClean="0"/>
-              <a:t>тестировщиками</a:t>
-            </a:r>
+              <a:t>Активность тестирования, которую легче всего увидеть - это выполнение тестов. Но чтобы быть эффективным и рациональным, планы тестирования должны включать время, которое будет потрачено на планирование тестов, разработку тестовых сценариев, подготовку к выполнению и оценку результатов.</a:t>
+            </a:r>
+            <a:endParaRPr lang="en-US" dirty="0" smtClean="0"/>
+          </a:p>
+          <a:p>
             <a:r>
               <a:rPr lang="ru-RU" dirty="0" smtClean="0"/>
-              <a:t> обычно делается для того, чтобы помочь сфокусировать усилия и обеспечить дополнительные выгоды, такие, как независимый взгляд обученными и профессиональными </a:t>
-            </a:r>
-            <a:r>
-              <a:rPr lang="ru-RU" dirty="0" err="1" smtClean="0"/>
-              <a:t>тестировщиками</a:t>
-            </a:r>
+              <a:t>Основной процесс тестирования состоит из следующих направлений деятельности: </a:t>
+            </a:r>
+            <a:endParaRPr lang="en-US" dirty="0" smtClean="0"/>
+          </a:p>
+          <a:p>
             <a:r>
               <a:rPr lang="ru-RU" dirty="0" smtClean="0"/>
-              <a:t>. </a:t>
+              <a:t> Планирование и управление </a:t>
             </a:r>
             <a:endParaRPr lang="en-US" dirty="0" smtClean="0"/>
           </a:p>
           <a:p>
+            <a:r>
+              <a:rPr lang="ru-RU" dirty="0" smtClean="0"/>
+              <a:t> Анализ и проектирование </a:t>
+            </a:r>
             <a:endParaRPr lang="en-US" dirty="0" smtClean="0"/>
           </a:p>
           <a:p>
             <a:r>
               <a:rPr lang="ru-RU" dirty="0" smtClean="0"/>
-              <a:t>Независимое тестирование можно проводить на любом уровне тестирования.  </a:t>
-            </a:r>
-            <a:r>
-              <a:rPr lang="ru-RU" dirty="0" err="1" smtClean="0"/>
-              <a:t>Тестировщик</a:t>
-            </a:r>
+              <a:t> Внедрение и реализация </a:t>
+            </a:r>
+            <a:endParaRPr lang="en-US" dirty="0" smtClean="0"/>
+          </a:p>
+          <a:p>
             <a:r>
               <a:rPr lang="ru-RU" dirty="0" smtClean="0"/>
-              <a:t> с определенной степенью независимости (лишенный предвзятости автора) часто более эффективен при обнаружении дефектов и отказов. Однако независимость не является заменой знаний, поэтому и разработчики могут эффективно находить дефекты в собственном коде. </a:t>
+              <a:t> Оценка критериев выхода и создание отчетов </a:t>
             </a:r>
             <a:endParaRPr lang="en-US" dirty="0" smtClean="0"/>
           </a:p>
           <a:p>
+            <a:r>
+              <a:rPr lang="ru-RU" dirty="0" smtClean="0"/>
+              <a:t> Действия по завершению тестов </a:t>
+            </a:r>
             <a:endParaRPr lang="en-US" dirty="0" smtClean="0"/>
           </a:p>
           <a:p>
+            <a:endParaRPr lang="en-US" dirty="0" smtClean="0"/>
+          </a:p>
+          <a:p>
             <a:r>
               <a:rPr lang="ru-RU" dirty="0" smtClean="0"/>
-              <a:t>Ниже определены несколько уровней независимости от низкого до высокого: </a:t>
+              <a:t>Несмотря на логическую последовательность, действия в процессе могут накладываться друг на друга или происходить одновременно. Для конкретных системы и проекта обычно требуется адаптация этих направлений деятельности.</a:t>
             </a:r>
             <a:endParaRPr lang="en-US" dirty="0" smtClean="0"/>
           </a:p>
           <a:p>
+            <a:endParaRPr lang="en-US" dirty="0" smtClean="0"/>
+          </a:p>
+          <a:p>
             <a:r>
               <a:rPr lang="ru-RU" dirty="0" smtClean="0"/>
-              <a:t>• Тесты разработаны человеком, который написал тестируемую программу (низкий уровень независимости) </a:t>
+              <a:t>Планирование тестирования – это действия, направленные на определение целей тестирования и описание задач тестирования для достижения этих целей и миссии.</a:t>
             </a:r>
             <a:endParaRPr lang="en-US" dirty="0" smtClean="0"/>
           </a:p>
           <a:p>
             <a:r>
               <a:rPr lang="ru-RU" dirty="0" smtClean="0"/>
-              <a:t>• Тесты разработаны другими людьми (например, из команды разработчиков) </a:t>
+              <a:t>Управление тестированием – это постоянное сопоставление текущего положения дел с планом и отчетность о состоянии дел, включая отклонения от плана.</a:t>
             </a:r>
             <a:endParaRPr lang="en-US" dirty="0" smtClean="0"/>
           </a:p>
           <a:p>
+            <a:endParaRPr lang="en-US" dirty="0" smtClean="0"/>
+          </a:p>
+          <a:p>
             <a:r>
               <a:rPr lang="ru-RU" dirty="0" smtClean="0"/>
-              <a:t>• Тесты разработаны людьми из другой организационной группы (например, независимая группа тестирования) или </a:t>
-            </a:r>
-            <a:r>
-              <a:rPr lang="ru-RU" dirty="0" err="1" smtClean="0"/>
-              <a:t>специалистами-тестировщиками</a:t>
-            </a:r>
+              <a:t>Анализ и проектирование тестов - это деятельность, во время которой общие цели тестирования материализуются в тестовые условия и тестовые сценарии. </a:t>
+            </a:r>
+            <a:endParaRPr lang="en-US" dirty="0" smtClean="0"/>
+          </a:p>
+          <a:p>
+            <a:endParaRPr lang="en-US" dirty="0" smtClean="0"/>
+          </a:p>
+          <a:p>
             <a:r>
               <a:rPr lang="ru-RU" dirty="0" smtClean="0"/>
-              <a:t> (например, специалистами по тестированию практичности или производительности) </a:t>
+              <a:t>Реализация и выполнение тестов – это деятельность, где процедуры тестирования или автоматизированные сценарии задаются последовательностью тестовых сценариев, а также собирается любая информация, необходимая для выполнения тестов, разворачивается окружающая среда, и запускаются тесты.</a:t>
             </a:r>
             <a:endParaRPr lang="en-US" dirty="0" smtClean="0"/>
           </a:p>
           <a:p>
+            <a:endParaRPr lang="en-US" dirty="0" smtClean="0"/>
+          </a:p>
+          <a:p>
             <a:r>
               <a:rPr lang="ru-RU" dirty="0" smtClean="0"/>
-              <a:t>• Тесты разработаны людьми из другой организации или компании (например, </a:t>
-            </a:r>
-            <a:r>
-              <a:rPr lang="ru-RU" dirty="0" err="1" smtClean="0"/>
-              <a:t>аутсорсинг</a:t>
-            </a:r>
+              <a:t>Оценка критериев выхода - это деятельность, где выполнение тестов оценивается согласно определенным целям. Она должна быть выполнена для каждого уровня тестирования</a:t>
+            </a:r>
+            <a:r>
+              <a:rPr lang="en-US" dirty="0" smtClean="0"/>
+              <a:t>.</a:t>
+            </a:r>
+          </a:p>
+          <a:p>
+            <a:endParaRPr lang="en-US" dirty="0" smtClean="0"/>
+          </a:p>
+          <a:p>
             <a:r>
               <a:rPr lang="ru-RU" dirty="0" smtClean="0"/>
-              <a:t> или сертификация силами внешней организации) </a:t>
-            </a:r>
+              <a:t>Действия по завершению тестирования собирают данные о завершенных испытаниях для  объединения опыта, тестового обеспечения, фактов и цифр. Действия по завершению тестирования происходят на тех этапах проекта, когда система программного обеспечения выпущена, тестирование завершено (или прервано), этап был завершен, или релиз по сопровождению был закончен.</a:t>
+            </a:r>
+            <a:endParaRPr lang="ru-RU" dirty="0"/>
           </a:p>
         </p:txBody>
       </p:sp>
@@ -2880,115 +3335,67 @@
         <p:spPr/>
         <p:txBody>
           <a:bodyPr>
-            <a:normAutofit fontScale="70000" lnSpcReduction="20000"/>
+            <a:normAutofit fontScale="92500"/>
           </a:bodyPr>
           <a:lstStyle/>
           <a:p>
+            <a:pPr marL="0" marR="0" indent="0" algn="l" defTabSz="914400" rtl="0" eaLnBrk="1" fontAlgn="auto" latinLnBrk="0" hangingPunct="1">
+              <a:lnSpc>
+                <a:spcPct val="100000"/>
+              </a:lnSpc>
+              <a:spcBef>
+                <a:spcPts val="0"/>
+              </a:spcBef>
+              <a:spcAft>
+                <a:spcPts val="0"/>
+              </a:spcAft>
+              <a:buClrTx/>
+              <a:buSzTx/>
+              <a:buFontTx/>
+              <a:buNone/>
+              <a:tabLst/>
+              <a:defRPr/>
+            </a:pPr>
             <a:r>
               <a:rPr lang="ru-RU" dirty="0" smtClean="0"/>
-              <a:t>Для людей и проектов характерна целевая направленность. Люди склонны корректировать свои планы согласно целям, установленным руководством и другими заинтересованными лицами, например, поиск дефектов или подтверждение того, что в программном обеспечении достигнуты цели. Поэтому важно ясно и точно определить цели тестирования.  Нахождение отказов во время тестирования может быть воспринято как критика продукта и его автора. Поэтому тестирование часто рассматривается как разрушительная деятельность, даже если она конструктивна с точки зрения управления рисками. Поиск отказов в системе требует любопытства, профессионального пессимизма, критического взгляда, внимания к деталям, хорошей коммуникации с разработчиками и опыта, на котором могут основываться предположения об ошибках. </a:t>
-            </a:r>
-          </a:p>
-          <a:p>
-            <a:endParaRPr lang="en-US" dirty="0" smtClean="0"/>
-          </a:p>
-          <a:p>
+              <a:t>Русский перевод всех этих терминов можно посмотреть тут: </a:t>
+            </a:r>
+            <a:r>
+              <a:rPr lang="en-US" dirty="0" smtClean="0"/>
+              <a:t>https://dl.dropboxusercontent.com/u/15190453/Published/Books%20about%20testing/ISTQB_Glossary_Russian_v2_2.pdf</a:t>
+            </a:r>
             <a:r>
               <a:rPr lang="ru-RU" dirty="0" smtClean="0"/>
-              <a:t>Если сообщения об ошибках, дефектах и отказах конструктивны, то плохих отношений между </a:t>
-            </a:r>
-            <a:r>
-              <a:rPr lang="ru-RU" dirty="0" err="1" smtClean="0"/>
-              <a:t>тестировщиками</a:t>
-            </a:r>
+              <a:t>.</a:t>
+            </a:r>
+          </a:p>
+          <a:p>
+            <a:pPr marL="0" marR="0" indent="0" algn="l" defTabSz="914400" rtl="0" eaLnBrk="1" fontAlgn="auto" latinLnBrk="0" hangingPunct="1">
+              <a:lnSpc>
+                <a:spcPct val="100000"/>
+              </a:lnSpc>
+              <a:spcBef>
+                <a:spcPts val="0"/>
+              </a:spcBef>
+              <a:spcAft>
+                <a:spcPts val="0"/>
+              </a:spcAft>
+              <a:buClrTx/>
+              <a:buSzTx/>
+              <a:buFontTx/>
+              <a:buNone/>
+              <a:tabLst/>
+              <a:defRPr/>
+            </a:pPr>
             <a:r>
               <a:rPr lang="ru-RU" dirty="0" smtClean="0"/>
-              <a:t> и аналитиками, проектировщиками и разработчиками  можно избежать. Это применимо и к дефектам, найденным во время рецензирования. </a:t>
-            </a:r>
-            <a:r>
-              <a:rPr lang="ru-RU" dirty="0" err="1" smtClean="0"/>
-              <a:t>Тестировщикам</a:t>
-            </a:r>
-            <a:r>
-              <a:rPr lang="ru-RU" dirty="0" smtClean="0"/>
-              <a:t> и ведущим специалистам по тестированию необходимы хорошие коммуникационные навыки, чтобы фактическая информация о дефектах, ходе работы и рисках сообщалась конструктивно.  Для авторов программного обеспечения или документации информация о дефекте может помочь усовершенствовать свои навыки. Дефекты, найденные и исправленные во время тестирования, позднее сэкономят время и деньги, уменьшат риски. </a:t>
-            </a:r>
-            <a:endParaRPr lang="en-US" dirty="0" smtClean="0"/>
-          </a:p>
-          <a:p>
-            <a:endParaRPr lang="en-US" dirty="0" smtClean="0"/>
-          </a:p>
-          <a:p>
-            <a:r>
-              <a:rPr lang="ru-RU" dirty="0" smtClean="0"/>
-              <a:t>Коммуникационные проблемы могут возникнуть, в частности, если </a:t>
-            </a:r>
-            <a:r>
-              <a:rPr lang="ru-RU" dirty="0" err="1" smtClean="0"/>
-              <a:t>тестировщики</a:t>
-            </a:r>
-            <a:r>
-              <a:rPr lang="ru-RU" dirty="0" smtClean="0"/>
-              <a:t> рассматриваются только как вестники нежелательных сообщений о дефектах. Однако есть несколько способов улучшить коммуникации и отношения между </a:t>
-            </a:r>
-            <a:r>
-              <a:rPr lang="ru-RU" dirty="0" err="1" smtClean="0"/>
-              <a:t>тестировщиками</a:t>
-            </a:r>
-            <a:r>
-              <a:rPr lang="ru-RU" dirty="0" smtClean="0"/>
-              <a:t> и другими коллегами: </a:t>
-            </a:r>
-            <a:endParaRPr lang="en-US" dirty="0" smtClean="0"/>
-          </a:p>
-          <a:p>
-            <a:r>
-              <a:rPr lang="ru-RU" dirty="0" smtClean="0"/>
-              <a:t> Начните с сотрудничества, а не сражения – напомните каждому об общей цели улучшения качества системы </a:t>
-            </a:r>
-            <a:endParaRPr lang="en-US" dirty="0" smtClean="0"/>
-          </a:p>
-          <a:p>
-            <a:r>
-              <a:rPr lang="ru-RU" dirty="0" smtClean="0"/>
-              <a:t> Сообщайте результаты о продукте нейтральным способом, сфокусированном на фактах, без критики автора, например, опишите цели, отчеты о фактических инцидентах и результаты рецензирования. </a:t>
-            </a:r>
-            <a:endParaRPr lang="en-US" dirty="0" smtClean="0"/>
-          </a:p>
-          <a:p>
-            <a:r>
-              <a:rPr lang="ru-RU" dirty="0" smtClean="0"/>
-              <a:t> Попытайтесь понять, что другие люди чувствуют и почему они так реагируют </a:t>
-            </a:r>
-            <a:endParaRPr lang="en-US" dirty="0" smtClean="0"/>
-          </a:p>
-          <a:p>
-            <a:r>
-              <a:rPr lang="ru-RU" dirty="0" smtClean="0"/>
-              <a:t> Убедитесь, что другой человек понял, что вы сказали, и наоборот </a:t>
-            </a:r>
-            <a:endParaRPr lang="en-US" dirty="0" smtClean="0"/>
-          </a:p>
-          <a:p>
-            <a:endParaRPr lang="en-US" dirty="0" smtClean="0"/>
-          </a:p>
-          <a:p>
-            <a:r>
-              <a:rPr lang="ru-RU" dirty="0" smtClean="0"/>
-              <a:t>Высказывание: Тестер</a:t>
-            </a:r>
-            <a:r>
-              <a:rPr lang="en-US" baseline="0" dirty="0" smtClean="0"/>
-              <a:t> </a:t>
-            </a:r>
-            <a:r>
-              <a:rPr lang="ru-RU" baseline="0" dirty="0" smtClean="0"/>
-              <a:t>ж</a:t>
-            </a:r>
-            <a:r>
-              <a:rPr lang="ru-RU" dirty="0" smtClean="0"/>
-              <a:t>есток с программой, мягок с программистом</a:t>
-            </a:r>
+              <a:t>См. политика тестирования, план тестирования, процедура тестирования, критерии выхода = </a:t>
+            </a:r>
+            <a:r>
+              <a:rPr lang="en-US" dirty="0" smtClean="0"/>
+              <a:t>test policy, test plan, test procedure, exit criteria</a:t>
+            </a:r>
+            <a:endParaRPr lang="ru-RU" dirty="0" smtClean="0"/>
           </a:p>
         </p:txBody>
       </p:sp>
@@ -6120,7 +6527,7 @@
     </p:spTree>
     <p:extLst>
       <p:ext uri="{BB962C8B-B14F-4D97-AF65-F5344CB8AC3E}">
-        <p14:creationId xmlns="" xmlns:p14="http://schemas.microsoft.com/office/powerpoint/2010/main" val="1766645597"/>
+        <p14:creationId xmlns:p14="http://schemas.microsoft.com/office/powerpoint/2010/main" xmlns="" val="1766645597"/>
       </p:ext>
     </p:extLst>
   </p:cSld>
@@ -6515,7 +6922,7 @@
     </p:spTree>
     <p:extLst>
       <p:ext uri="{BB962C8B-B14F-4D97-AF65-F5344CB8AC3E}">
-        <p14:creationId xmlns="" xmlns:p14="http://schemas.microsoft.com/office/powerpoint/2010/main" val="4060775951"/>
+        <p14:creationId xmlns:p14="http://schemas.microsoft.com/office/powerpoint/2010/main" xmlns="" val="4060775951"/>
       </p:ext>
     </p:extLst>
   </p:cSld>
@@ -6523,7 +6930,7 @@
     <a:masterClrMapping/>
   </p:clrMapOvr>
   <mc:AlternateContent xmlns:mc="http://schemas.openxmlformats.org/markup-compatibility/2006">
-    <mc:Choice xmlns="" xmlns:p14="http://schemas.microsoft.com/office/powerpoint/2010/main" Requires="p14">
+    <mc:Choice xmlns:p14="http://schemas.microsoft.com/office/powerpoint/2010/main" xmlns="" Requires="p14">
       <p:transition spd="slow" p14:dur="2000"/>
     </mc:Choice>
     <mc:Fallback>
@@ -6768,7 +7175,7 @@
     </p:spTree>
     <p:extLst>
       <p:ext uri="{BB962C8B-B14F-4D97-AF65-F5344CB8AC3E}">
-        <p14:creationId xmlns="" xmlns:p14="http://schemas.microsoft.com/office/powerpoint/2010/main" val="4060775951"/>
+        <p14:creationId xmlns:p14="http://schemas.microsoft.com/office/powerpoint/2010/main" xmlns="" val="4060775951"/>
       </p:ext>
     </p:extLst>
   </p:cSld>
@@ -6776,7 +7183,7 @@
     <a:masterClrMapping/>
   </p:clrMapOvr>
   <mc:AlternateContent xmlns:mc="http://schemas.openxmlformats.org/markup-compatibility/2006">
-    <mc:Choice xmlns="" xmlns:p14="http://schemas.microsoft.com/office/powerpoint/2010/main" Requires="p14">
+    <mc:Choice xmlns:p14="http://schemas.microsoft.com/office/powerpoint/2010/main" xmlns="" Requires="p14">
       <p:transition spd="slow" p14:dur="2000"/>
     </mc:Choice>
     <mc:Fallback>
@@ -7368,7 +7775,7 @@
     </p:spTree>
     <p:extLst>
       <p:ext uri="{BB962C8B-B14F-4D97-AF65-F5344CB8AC3E}">
-        <p14:creationId xmlns="" xmlns:p14="http://schemas.microsoft.com/office/powerpoint/2010/main" val="4060775951"/>
+        <p14:creationId xmlns:p14="http://schemas.microsoft.com/office/powerpoint/2010/main" xmlns="" val="4060775951"/>
       </p:ext>
     </p:extLst>
   </p:cSld>
@@ -7376,7 +7783,7 @@
     <a:masterClrMapping/>
   </p:clrMapOvr>
   <mc:AlternateContent xmlns:mc="http://schemas.openxmlformats.org/markup-compatibility/2006">
-    <mc:Choice xmlns="" xmlns:p14="http://schemas.microsoft.com/office/powerpoint/2010/main" Requires="p14">
+    <mc:Choice xmlns:p14="http://schemas.microsoft.com/office/powerpoint/2010/main" xmlns="" Requires="p14">
       <p:transition spd="slow" p14:dur="2000"/>
     </mc:Choice>
     <mc:Fallback>
@@ -7419,7 +7826,7 @@
         <p:spPr>
           <a:xfrm>
             <a:off x="457200" y="533400"/>
-            <a:ext cx="4818948" cy="630942"/>
+            <a:ext cx="4898200" cy="630942"/>
           </a:xfrm>
           <a:prstGeom prst="rect">
             <a:avLst/>
@@ -7448,7 +7855,7 @@
                   </a:outerShdw>
                 </a:effectLst>
               </a:rPr>
-              <a:t>The Psychology of Testing</a:t>
+              <a:t>Fundamental Test Process</a:t>
             </a:r>
             <a:endParaRPr lang="en-US" sz="3500" dirty="0">
               <a:solidFill>
@@ -7470,14 +7877,55 @@
       </p:sp>
       <p:sp>
         <p:nvSpPr>
-          <p:cNvPr id="19" name="Rectangle 18"/>
+          <p:cNvPr id="4" name="Rectangle 3"/>
           <p:cNvSpPr/>
           <p:nvPr/>
         </p:nvSpPr>
         <p:spPr>
           <a:xfrm>
-            <a:off x="1295400" y="2060848"/>
-            <a:ext cx="6444952" cy="646331"/>
+            <a:off x="1249680" y="1362670"/>
+            <a:ext cx="4572000" cy="369332"/>
+          </a:xfrm>
+          <a:prstGeom prst="rect">
+            <a:avLst/>
+          </a:prstGeom>
+        </p:spPr>
+        <p:txBody>
+          <a:bodyPr>
+            <a:spAutoFit/>
+          </a:bodyPr>
+          <a:lstStyle/>
+          <a:p>
+            <a:r>
+              <a:rPr lang="en-US" dirty="0" smtClean="0"/>
+              <a:t>Test </a:t>
+            </a:r>
+            <a:r>
+              <a:rPr lang="en-US" dirty="0" smtClean="0"/>
+              <a:t>planning </a:t>
+            </a:r>
+            <a:r>
+              <a:rPr lang="en-US" dirty="0" smtClean="0"/>
+              <a:t>and </a:t>
+            </a:r>
+            <a:r>
+              <a:rPr lang="en-US" dirty="0" smtClean="0"/>
+              <a:t>control</a:t>
+            </a:r>
+            <a:endParaRPr lang="en-US" dirty="0"/>
+          </a:p>
+        </p:txBody>
+      </p:sp>
+      <p:sp>
+        <p:nvSpPr>
+          <p:cNvPr id="5" name="Rectangle 4"/>
+          <p:cNvSpPr/>
+          <p:nvPr/>
+        </p:nvSpPr>
+        <p:spPr>
+          <a:xfrm>
+            <a:off x="1295400" y="3048000"/>
+            <a:ext cx="6477000" cy="369332"/>
           </a:xfrm>
           <a:prstGeom prst="rect">
             <a:avLst/>
@@ -7491,7 +7939,19 @@
           <a:p>
             <a:r>
               <a:rPr lang="en-US" dirty="0" smtClean="0"/>
-              <a:t>Tests designed by the person(s) who wrote the software under test (low level of independence)</a:t>
+              <a:t>Evaluating </a:t>
+            </a:r>
+            <a:r>
+              <a:rPr lang="en-US" dirty="0" smtClean="0"/>
+              <a:t>exit criteria </a:t>
+            </a:r>
+            <a:r>
+              <a:rPr lang="en-US" dirty="0" smtClean="0"/>
+              <a:t>and </a:t>
+            </a:r>
+            <a:r>
+              <a:rPr lang="en-US" dirty="0" smtClean="0"/>
+              <a:t>reporting</a:t>
             </a:r>
             <a:endParaRPr lang="en-US" dirty="0"/>
           </a:p>
@@ -7499,13 +7959,95 @@
       </p:sp>
       <p:sp>
         <p:nvSpPr>
-          <p:cNvPr id="20" name="Flowchart: Connector 19"/>
+          <p:cNvPr id="6" name="Rectangle 5"/>
           <p:cNvSpPr/>
           <p:nvPr/>
         </p:nvSpPr>
         <p:spPr>
           <a:xfrm>
-            <a:off x="944740" y="2195746"/>
+            <a:off x="1295400" y="2450068"/>
+            <a:ext cx="4572000" cy="369332"/>
+          </a:xfrm>
+          <a:prstGeom prst="rect">
+            <a:avLst/>
+          </a:prstGeom>
+        </p:spPr>
+        <p:txBody>
+          <a:bodyPr>
+            <a:spAutoFit/>
+          </a:bodyPr>
+          <a:lstStyle/>
+          <a:p>
+            <a:r>
+              <a:rPr lang="en-US" dirty="0" smtClean="0"/>
+              <a:t>Test </a:t>
+            </a:r>
+            <a:r>
+              <a:rPr lang="en-US" dirty="0" smtClean="0"/>
+              <a:t>implementation </a:t>
+            </a:r>
+            <a:r>
+              <a:rPr lang="en-US" dirty="0" smtClean="0"/>
+              <a:t>and </a:t>
+            </a:r>
+            <a:r>
+              <a:rPr lang="en-US" dirty="0" smtClean="0"/>
+              <a:t>execution</a:t>
+            </a:r>
+            <a:endParaRPr lang="en-US" dirty="0"/>
+          </a:p>
+        </p:txBody>
+      </p:sp>
+      <p:sp>
+        <p:nvSpPr>
+          <p:cNvPr id="7" name="Rectangle 6"/>
+          <p:cNvSpPr/>
+          <p:nvPr/>
+        </p:nvSpPr>
+        <p:spPr>
+          <a:xfrm>
+            <a:off x="1249680" y="1916668"/>
+            <a:ext cx="2410083" cy="369332"/>
+          </a:xfrm>
+          <a:prstGeom prst="rect">
+            <a:avLst/>
+          </a:prstGeom>
+        </p:spPr>
+        <p:txBody>
+          <a:bodyPr wrap="none">
+            <a:spAutoFit/>
+          </a:bodyPr>
+          <a:lstStyle/>
+          <a:p>
+            <a:r>
+              <a:rPr lang="en-US" dirty="0" smtClean="0"/>
+              <a:t>Test </a:t>
+            </a:r>
+            <a:r>
+              <a:rPr lang="en-US" dirty="0" smtClean="0"/>
+              <a:t>analysis </a:t>
+            </a:r>
+            <a:r>
+              <a:rPr lang="en-US" dirty="0" smtClean="0"/>
+              <a:t>and </a:t>
+            </a:r>
+            <a:r>
+              <a:rPr lang="en-US" dirty="0" smtClean="0"/>
+              <a:t>design</a:t>
+            </a:r>
+            <a:endParaRPr lang="en-US" dirty="0"/>
+          </a:p>
+        </p:txBody>
+      </p:sp>
+      <p:sp>
+        <p:nvSpPr>
+          <p:cNvPr id="13" name="Flowchart: Connector 12"/>
+          <p:cNvSpPr/>
+          <p:nvPr/>
+        </p:nvSpPr>
+        <p:spPr>
+          <a:xfrm>
+            <a:off x="944741" y="1488043"/>
             <a:ext cx="84841" cy="99536"/>
           </a:xfrm>
           <a:prstGeom prst="flowChartConnector">
@@ -7541,70 +8083,13 @@
       </p:sp>
       <p:sp>
         <p:nvSpPr>
-          <p:cNvPr id="7" name="Rectangle 18"/>
+          <p:cNvPr id="14" name="Flowchart: Connector 13"/>
           <p:cNvSpPr/>
           <p:nvPr/>
         </p:nvSpPr>
         <p:spPr>
           <a:xfrm>
-            <a:off x="683568" y="1414517"/>
-            <a:ext cx="7165032" cy="369332"/>
-          </a:xfrm>
-          <a:prstGeom prst="rect">
-            <a:avLst/>
-          </a:prstGeom>
-        </p:spPr>
-        <p:txBody>
-          <a:bodyPr wrap="square">
-            <a:spAutoFit/>
-          </a:bodyPr>
-          <a:lstStyle/>
-          <a:p>
-            <a:r>
-              <a:rPr lang="en-US" b="1" dirty="0" smtClean="0"/>
-              <a:t>Levels of testing independence from low to high</a:t>
-            </a:r>
-          </a:p>
-        </p:txBody>
-      </p:sp>
-      <p:sp>
-        <p:nvSpPr>
-          <p:cNvPr id="8" name="Rectangle 18"/>
-          <p:cNvSpPr/>
-          <p:nvPr/>
-        </p:nvSpPr>
-        <p:spPr>
-          <a:xfrm>
-            <a:off x="1295400" y="2708920"/>
-            <a:ext cx="6444952" cy="646331"/>
-          </a:xfrm>
-          <a:prstGeom prst="rect">
-            <a:avLst/>
-          </a:prstGeom>
-        </p:spPr>
-        <p:txBody>
-          <a:bodyPr wrap="square">
-            <a:spAutoFit/>
-          </a:bodyPr>
-          <a:lstStyle/>
-          <a:p>
-            <a:r>
-              <a:rPr lang="en-US" dirty="0" smtClean="0"/>
-              <a:t>Tests designed by another person(s) (e.g., from the development team)</a:t>
-            </a:r>
-            <a:endParaRPr lang="en-US" dirty="0"/>
-          </a:p>
-        </p:txBody>
-      </p:sp>
-      <p:sp>
-        <p:nvSpPr>
-          <p:cNvPr id="9" name="Flowchart: Connector 19"/>
-          <p:cNvSpPr/>
-          <p:nvPr/>
-        </p:nvSpPr>
-        <p:spPr>
-          <a:xfrm>
-            <a:off x="944740" y="2843818"/>
+            <a:off x="931779" y="2051566"/>
             <a:ext cx="84841" cy="99536"/>
           </a:xfrm>
           <a:prstGeom prst="flowChartConnector">
@@ -7640,42 +8125,13 @@
       </p:sp>
       <p:sp>
         <p:nvSpPr>
-          <p:cNvPr id="10" name="Rectangle 18"/>
+          <p:cNvPr id="15" name="Flowchart: Connector 14"/>
           <p:cNvSpPr/>
           <p:nvPr/>
         </p:nvSpPr>
         <p:spPr>
           <a:xfrm>
-            <a:off x="1295400" y="3284984"/>
-            <a:ext cx="6444952" cy="923330"/>
-          </a:xfrm>
-          <a:prstGeom prst="rect">
-            <a:avLst/>
-          </a:prstGeom>
-        </p:spPr>
-        <p:txBody>
-          <a:bodyPr wrap="square">
-            <a:spAutoFit/>
-          </a:bodyPr>
-          <a:lstStyle/>
-          <a:p>
-            <a:r>
-              <a:rPr lang="en-US" dirty="0" smtClean="0"/>
-              <a:t>Tests designed by a person(s) from a different organizational group (e.g., an independent test team) or test specialists (e.g., usability or performance test specialists)</a:t>
-            </a:r>
-            <a:endParaRPr lang="en-US" dirty="0"/>
-          </a:p>
-        </p:txBody>
-      </p:sp>
-      <p:sp>
-        <p:nvSpPr>
-          <p:cNvPr id="11" name="Flowchart: Connector 19"/>
-          <p:cNvSpPr/>
-          <p:nvPr/>
-        </p:nvSpPr>
-        <p:spPr>
-          <a:xfrm>
-            <a:off x="944740" y="3419882"/>
+            <a:off x="945626" y="2584966"/>
             <a:ext cx="84841" cy="99536"/>
           </a:xfrm>
           <a:prstGeom prst="flowChartConnector">
@@ -7711,42 +8167,13 @@
       </p:sp>
       <p:sp>
         <p:nvSpPr>
-          <p:cNvPr id="12" name="Rectangle 18"/>
+          <p:cNvPr id="16" name="Flowchart: Connector 15"/>
           <p:cNvSpPr/>
           <p:nvPr/>
         </p:nvSpPr>
         <p:spPr>
           <a:xfrm>
-            <a:off x="1295400" y="4222829"/>
-            <a:ext cx="6444952" cy="646331"/>
-          </a:xfrm>
-          <a:prstGeom prst="rect">
-            <a:avLst/>
-          </a:prstGeom>
-        </p:spPr>
-        <p:txBody>
-          <a:bodyPr wrap="square">
-            <a:spAutoFit/>
-          </a:bodyPr>
-          <a:lstStyle/>
-          <a:p>
-            <a:r>
-              <a:rPr lang="en-US" dirty="0" smtClean="0"/>
-              <a:t>Tests designed by a person(s) from a different organization or company (i.e. outsourcing or certification by an external body)</a:t>
-            </a:r>
-            <a:endParaRPr lang="en-US" dirty="0"/>
-          </a:p>
-        </p:txBody>
-      </p:sp>
-      <p:sp>
-        <p:nvSpPr>
-          <p:cNvPr id="14" name="Flowchart: Connector 19"/>
-          <p:cNvSpPr/>
-          <p:nvPr/>
-        </p:nvSpPr>
-        <p:spPr>
-          <a:xfrm>
-            <a:off x="944740" y="4357727"/>
+            <a:off x="944742" y="3182898"/>
             <a:ext cx="84841" cy="99536"/>
           </a:xfrm>
           <a:prstGeom prst="flowChartConnector">
@@ -7780,10 +8207,85 @@
           </a:p>
         </p:txBody>
       </p:sp>
+      <p:sp>
+        <p:nvSpPr>
+          <p:cNvPr id="19" name="Rectangle 18"/>
+          <p:cNvSpPr/>
+          <p:nvPr/>
+        </p:nvSpPr>
+        <p:spPr>
+          <a:xfrm>
+            <a:off x="1295400" y="3646666"/>
+            <a:ext cx="6444952" cy="369332"/>
+          </a:xfrm>
+          <a:prstGeom prst="rect">
+            <a:avLst/>
+          </a:prstGeom>
+        </p:spPr>
+        <p:txBody>
+          <a:bodyPr wrap="square">
+            <a:spAutoFit/>
+          </a:bodyPr>
+          <a:lstStyle/>
+          <a:p>
+            <a:r>
+              <a:rPr lang="en-US" dirty="0" smtClean="0"/>
+              <a:t>Test </a:t>
+            </a:r>
+            <a:r>
+              <a:rPr lang="en-US" dirty="0" smtClean="0"/>
+              <a:t>closure activities</a:t>
+            </a:r>
+            <a:endParaRPr lang="en-US" dirty="0"/>
+          </a:p>
+        </p:txBody>
+      </p:sp>
+      <p:sp>
+        <p:nvSpPr>
+          <p:cNvPr id="20" name="Flowchart: Connector 19"/>
+          <p:cNvSpPr/>
+          <p:nvPr/>
+        </p:nvSpPr>
+        <p:spPr>
+          <a:xfrm>
+            <a:off x="944740" y="3781564"/>
+            <a:ext cx="84841" cy="99536"/>
+          </a:xfrm>
+          <a:prstGeom prst="flowChartConnector">
+            <a:avLst/>
+          </a:prstGeom>
+        </p:spPr>
+        <p:style>
+          <a:lnRef idx="1">
+            <a:schemeClr val="accent6"/>
+          </a:lnRef>
+          <a:fillRef idx="3">
+            <a:schemeClr val="accent6"/>
+          </a:fillRef>
+          <a:effectRef idx="2">
+            <a:schemeClr val="accent6"/>
+          </a:effectRef>
+          <a:fontRef idx="minor">
+            <a:schemeClr val="lt1"/>
+          </a:fontRef>
+        </p:style>
+        <p:txBody>
+          <a:bodyPr rtlCol="0" anchor="ctr"/>
+          <a:lstStyle/>
+          <a:p>
+            <a:pPr algn="ctr"/>
+            <a:endParaRPr lang="en-US">
+              <a:solidFill>
+                <a:schemeClr val="tx1"/>
+              </a:solidFill>
+            </a:endParaRPr>
+          </a:p>
+        </p:txBody>
+      </p:sp>
     </p:spTree>
     <p:extLst>
       <p:ext uri="{BB962C8B-B14F-4D97-AF65-F5344CB8AC3E}">
-        <p14:creationId xmlns="" xmlns:p14="http://schemas.microsoft.com/office/powerpoint/2010/main" val="4060775951"/>
+        <p14:creationId xmlns:p14="http://schemas.microsoft.com/office/powerpoint/2010/main" xmlns="" val="4060775951"/>
       </p:ext>
     </p:extLst>
   </p:cSld>
@@ -7791,7 +8293,7 @@
     <a:masterClrMapping/>
   </p:clrMapOvr>
   <mc:AlternateContent xmlns:mc="http://schemas.openxmlformats.org/markup-compatibility/2006">
-    <mc:Choice xmlns="" xmlns:p14="http://schemas.microsoft.com/office/powerpoint/2010/main" Requires="p14">
+    <mc:Choice xmlns:p14="http://schemas.microsoft.com/office/powerpoint/2010/main" xmlns="" Requires="p14">
       <p:transition spd="slow" p14:dur="2000"/>
     </mc:Choice>
     <mc:Fallback>
@@ -7834,7 +8336,7 @@
         <p:spPr>
           <a:xfrm>
             <a:off x="457200" y="533400"/>
-            <a:ext cx="7507953" cy="630942"/>
+            <a:ext cx="1278107" cy="630942"/>
           </a:xfrm>
           <a:prstGeom prst="rect">
             <a:avLst/>
@@ -7863,7 +8365,7 @@
                   </a:outerShdw>
                 </a:effectLst>
               </a:rPr>
-              <a:t>The Psychology of Testing (continuation)</a:t>
+              <a:t>Terms</a:t>
             </a:r>
             <a:endParaRPr lang="en-US" sz="3500" dirty="0">
               <a:solidFill>
@@ -7885,14 +8387,14 @@
       </p:sp>
       <p:sp>
         <p:nvSpPr>
-          <p:cNvPr id="19" name="Rectangle 18"/>
+          <p:cNvPr id="21" name="Rectangle 3"/>
           <p:cNvSpPr/>
           <p:nvPr/>
         </p:nvSpPr>
         <p:spPr>
           <a:xfrm>
-            <a:off x="1295400" y="2060848"/>
-            <a:ext cx="6444952" cy="646331"/>
+            <a:off x="1259632" y="2492896"/>
+            <a:ext cx="7066736" cy="2031325"/>
           </a:xfrm>
           <a:prstGeom prst="rect">
             <a:avLst/>
@@ -7905,8 +8407,20 @@
           <a:lstStyle/>
           <a:p>
             <a:r>
+              <a:rPr lang="en-US" u="sng" dirty="0" smtClean="0"/>
+              <a:t>Test plan</a:t>
+            </a:r>
+            <a:r>
               <a:rPr lang="en-US" dirty="0" smtClean="0"/>
-              <a:t>Start with collaboration rather than battles – remind everyone of the common goal of better quality</a:t>
+              <a:t>- </a:t>
+            </a:r>
+            <a:r>
+              <a:rPr lang="en-US" dirty="0" smtClean="0"/>
+              <a:t>a </a:t>
+            </a:r>
+            <a:r>
+              <a:rPr lang="en-US" dirty="0" smtClean="0"/>
+              <a:t>document describing the scope, approach, resources and schedule of intended test activities. It identifies amongst others test items, the features to be tested, the testing tasks, who will do each task, degree of tester independence, the test environment, the test design techniques and entry and exit criteria to be used, and the rationale for their choice, and any risks requiring contingency planning. It is a record of the test planning process</a:t>
             </a:r>
             <a:endParaRPr lang="en-US" dirty="0"/>
           </a:p>
@@ -7914,13 +8428,13 @@
       </p:sp>
       <p:sp>
         <p:nvSpPr>
-          <p:cNvPr id="20" name="Flowchart: Connector 19"/>
+          <p:cNvPr id="22" name="Flowchart: Connector 12"/>
           <p:cNvSpPr/>
           <p:nvPr/>
         </p:nvSpPr>
         <p:spPr>
           <a:xfrm>
-            <a:off x="944740" y="2195746"/>
+            <a:off x="899592" y="2635518"/>
             <a:ext cx="84841" cy="99536"/>
           </a:xfrm>
           <a:prstGeom prst="flowChartConnector">
@@ -7956,14 +8470,14 @@
       </p:sp>
       <p:sp>
         <p:nvSpPr>
-          <p:cNvPr id="7" name="Rectangle 18"/>
+          <p:cNvPr id="11" name="Rectangle 3"/>
           <p:cNvSpPr/>
           <p:nvPr/>
         </p:nvSpPr>
         <p:spPr>
           <a:xfrm>
-            <a:off x="683568" y="1414517"/>
-            <a:ext cx="7165032" cy="646331"/>
+            <a:off x="1249680" y="1556792"/>
+            <a:ext cx="7066736" cy="646331"/>
           </a:xfrm>
           <a:prstGeom prst="rect">
             <a:avLst/>
@@ -7976,50 +8490,34 @@
           <a:lstStyle/>
           <a:p>
             <a:r>
-              <a:rPr lang="en-US" b="1" dirty="0" smtClean="0"/>
-              <a:t>Ways to improve communication and relationships between testers and others</a:t>
-            </a:r>
-          </a:p>
-        </p:txBody>
-      </p:sp>
-      <p:sp>
-        <p:nvSpPr>
-          <p:cNvPr id="8" name="Rectangle 18"/>
+              <a:rPr lang="en-US" u="sng" dirty="0" smtClean="0"/>
+              <a:t>Test policy </a:t>
+            </a:r>
+            <a:r>
+              <a:rPr lang="en-US" dirty="0" smtClean="0"/>
+              <a:t>- </a:t>
+            </a:r>
+            <a:r>
+              <a:rPr lang="en-US" dirty="0" smtClean="0"/>
+              <a:t>a </a:t>
+            </a:r>
+            <a:r>
+              <a:rPr lang="en-US" dirty="0" smtClean="0"/>
+              <a:t>high level document describing the principles, approach and major objectives of the organization regarding testing</a:t>
+            </a:r>
+            <a:endParaRPr lang="en-US" dirty="0"/>
+          </a:p>
+        </p:txBody>
+      </p:sp>
+      <p:sp>
+        <p:nvSpPr>
+          <p:cNvPr id="12" name="Flowchart: Connector 12"/>
           <p:cNvSpPr/>
           <p:nvPr/>
         </p:nvSpPr>
         <p:spPr>
           <a:xfrm>
-            <a:off x="1295400" y="2708920"/>
-            <a:ext cx="6444952" cy="923330"/>
-          </a:xfrm>
-          <a:prstGeom prst="rect">
-            <a:avLst/>
-          </a:prstGeom>
-        </p:spPr>
-        <p:txBody>
-          <a:bodyPr wrap="square">
-            <a:spAutoFit/>
-          </a:bodyPr>
-          <a:lstStyle/>
-          <a:p>
-            <a:r>
-              <a:rPr lang="en-US" dirty="0" smtClean="0"/>
-              <a:t>Communicate findings on the product in a neutral, fact-focused way without criticizing the person who created it, for example, write objective and factual incident reports and review findings</a:t>
-            </a:r>
-            <a:endParaRPr lang="en-US" dirty="0"/>
-          </a:p>
-        </p:txBody>
-      </p:sp>
-      <p:sp>
-        <p:nvSpPr>
-          <p:cNvPr id="9" name="Flowchart: Connector 19"/>
-          <p:cNvSpPr/>
-          <p:nvPr/>
-        </p:nvSpPr>
-        <p:spPr>
-          <a:xfrm>
-            <a:off x="944740" y="2843818"/>
+            <a:off x="889640" y="1699414"/>
             <a:ext cx="84841" cy="99536"/>
           </a:xfrm>
           <a:prstGeom prst="flowChartConnector">
@@ -8053,152 +8551,10 @@
           </a:p>
         </p:txBody>
       </p:sp>
-      <p:sp>
-        <p:nvSpPr>
-          <p:cNvPr id="10" name="Rectangle 18"/>
-          <p:cNvSpPr/>
-          <p:nvPr/>
-        </p:nvSpPr>
-        <p:spPr>
-          <a:xfrm>
-            <a:off x="1295400" y="3585790"/>
-            <a:ext cx="6444952" cy="646331"/>
-          </a:xfrm>
-          <a:prstGeom prst="rect">
-            <a:avLst/>
-          </a:prstGeom>
-        </p:spPr>
-        <p:txBody>
-          <a:bodyPr wrap="square">
-            <a:spAutoFit/>
-          </a:bodyPr>
-          <a:lstStyle/>
-          <a:p>
-            <a:r>
-              <a:rPr lang="en-US" dirty="0" smtClean="0"/>
-              <a:t>Try to understand how the other person feels and why they react as they do</a:t>
-            </a:r>
-            <a:endParaRPr lang="en-US" dirty="0"/>
-          </a:p>
-        </p:txBody>
-      </p:sp>
-      <p:sp>
-        <p:nvSpPr>
-          <p:cNvPr id="11" name="Flowchart: Connector 19"/>
-          <p:cNvSpPr/>
-          <p:nvPr/>
-        </p:nvSpPr>
-        <p:spPr>
-          <a:xfrm>
-            <a:off x="944740" y="3720688"/>
-            <a:ext cx="84841" cy="99536"/>
-          </a:xfrm>
-          <a:prstGeom prst="flowChartConnector">
-            <a:avLst/>
-          </a:prstGeom>
-        </p:spPr>
-        <p:style>
-          <a:lnRef idx="1">
-            <a:schemeClr val="accent6"/>
-          </a:lnRef>
-          <a:fillRef idx="3">
-            <a:schemeClr val="accent6"/>
-          </a:fillRef>
-          <a:effectRef idx="2">
-            <a:schemeClr val="accent6"/>
-          </a:effectRef>
-          <a:fontRef idx="minor">
-            <a:schemeClr val="lt1"/>
-          </a:fontRef>
-        </p:style>
-        <p:txBody>
-          <a:bodyPr rtlCol="0" anchor="ctr"/>
-          <a:lstStyle/>
-          <a:p>
-            <a:pPr algn="ctr"/>
-            <a:endParaRPr lang="en-US">
-              <a:solidFill>
-                <a:schemeClr val="tx1"/>
-              </a:solidFill>
-            </a:endParaRPr>
-          </a:p>
-        </p:txBody>
-      </p:sp>
-      <p:sp>
-        <p:nvSpPr>
-          <p:cNvPr id="12" name="Rectangle 18"/>
-          <p:cNvSpPr/>
-          <p:nvPr/>
-        </p:nvSpPr>
-        <p:spPr>
-          <a:xfrm>
-            <a:off x="1295400" y="4222829"/>
-            <a:ext cx="6444952" cy="646331"/>
-          </a:xfrm>
-          <a:prstGeom prst="rect">
-            <a:avLst/>
-          </a:prstGeom>
-        </p:spPr>
-        <p:txBody>
-          <a:bodyPr wrap="square">
-            <a:spAutoFit/>
-          </a:bodyPr>
-          <a:lstStyle/>
-          <a:p>
-            <a:r>
-              <a:rPr lang="en-US" dirty="0" smtClean="0"/>
-              <a:t>Confirm that the other person has understood what you have said and vice versa</a:t>
-            </a:r>
-            <a:endParaRPr lang="en-US" dirty="0"/>
-          </a:p>
-        </p:txBody>
-      </p:sp>
-      <p:sp>
-        <p:nvSpPr>
-          <p:cNvPr id="14" name="Flowchart: Connector 19"/>
-          <p:cNvSpPr/>
-          <p:nvPr/>
-        </p:nvSpPr>
-        <p:spPr>
-          <a:xfrm>
-            <a:off x="944740" y="4357727"/>
-            <a:ext cx="84841" cy="99536"/>
-          </a:xfrm>
-          <a:prstGeom prst="flowChartConnector">
-            <a:avLst/>
-          </a:prstGeom>
-        </p:spPr>
-        <p:style>
-          <a:lnRef idx="1">
-            <a:schemeClr val="accent6"/>
-          </a:lnRef>
-          <a:fillRef idx="3">
-            <a:schemeClr val="accent6"/>
-          </a:fillRef>
-          <a:effectRef idx="2">
-            <a:schemeClr val="accent6"/>
-          </a:effectRef>
-          <a:fontRef idx="minor">
-            <a:schemeClr val="lt1"/>
-          </a:fontRef>
-        </p:style>
-        <p:txBody>
-          <a:bodyPr rtlCol="0" anchor="ctr"/>
-          <a:lstStyle/>
-          <a:p>
-            <a:pPr algn="ctr"/>
-            <a:endParaRPr lang="en-US">
-              <a:solidFill>
-                <a:schemeClr val="tx1"/>
-              </a:solidFill>
-            </a:endParaRPr>
-          </a:p>
-        </p:txBody>
-      </p:sp>
     </p:spTree>
     <p:extLst>
       <p:ext uri="{BB962C8B-B14F-4D97-AF65-F5344CB8AC3E}">
-        <p14:creationId xmlns="" xmlns:p14="http://schemas.microsoft.com/office/powerpoint/2010/main" val="4060775951"/>
+        <p14:creationId xmlns:p14="http://schemas.microsoft.com/office/powerpoint/2010/main" xmlns="" val="4060775951"/>
       </p:ext>
     </p:extLst>
   </p:cSld>
@@ -8206,7 +8562,7 @@
     <a:masterClrMapping/>
   </p:clrMapOvr>
   <mc:AlternateContent xmlns:mc="http://schemas.openxmlformats.org/markup-compatibility/2006">
-    <mc:Choice xmlns="" xmlns:p14="http://schemas.microsoft.com/office/powerpoint/2010/main" Requires="p14">
+    <mc:Choice xmlns:p14="http://schemas.microsoft.com/office/powerpoint/2010/main" xmlns="" Requires="p14">
       <p:transition spd="slow" p14:dur="2000"/>
     </mc:Choice>
     <mc:Fallback>
@@ -8249,7 +8605,7 @@
         <p:spPr>
           <a:xfrm>
             <a:off x="457200" y="533400"/>
-            <a:ext cx="2838662" cy="646331"/>
+            <a:ext cx="3967112" cy="630942"/>
           </a:xfrm>
           <a:prstGeom prst="rect">
             <a:avLst/>
@@ -8278,21 +8634,36 @@
                   </a:outerShdw>
                 </a:effectLst>
               </a:rPr>
-              <a:t>Code of Ethics</a:t>
-            </a:r>
-          </a:p>
-        </p:txBody>
-      </p:sp>
-      <p:sp>
-        <p:nvSpPr>
-          <p:cNvPr id="4" name="Rectangle 3"/>
+              <a:t>Terms (continuation)</a:t>
+            </a:r>
+            <a:endParaRPr lang="en-US" sz="3500" dirty="0">
+              <a:solidFill>
+                <a:schemeClr val="tx1">
+                  <a:lumMod val="65000"/>
+                  <a:lumOff val="35000"/>
+                </a:schemeClr>
+              </a:solidFill>
+              <a:effectLst>
+                <a:outerShdw blurRad="38100" dist="38100" dir="2700000" algn="tl">
+                  <a:srgbClr val="000000">
+                    <a:alpha val="43137"/>
+                  </a:srgbClr>
+                </a:outerShdw>
+              </a:effectLst>
+            </a:endParaRPr>
+          </a:p>
+        </p:txBody>
+      </p:sp>
+      <p:sp>
+        <p:nvSpPr>
+          <p:cNvPr id="23" name="Rectangle 3"/>
           <p:cNvSpPr/>
           <p:nvPr/>
         </p:nvSpPr>
         <p:spPr>
           <a:xfrm>
-            <a:off x="1249680" y="1362670"/>
-            <a:ext cx="6778704" cy="646331"/>
+            <a:off x="1259632" y="1412776"/>
+            <a:ext cx="7066736" cy="923330"/>
           </a:xfrm>
           <a:prstGeom prst="rect">
             <a:avLst/>
@@ -8305,8 +8676,32 @@
           <a:lstStyle/>
           <a:p>
             <a:r>
+              <a:rPr lang="en-US" u="sng" dirty="0" smtClean="0"/>
+              <a:t>Test procedure (test procedure </a:t>
+            </a:r>
+            <a:r>
+              <a:rPr lang="en-US" u="sng" dirty="0" err="1" smtClean="0"/>
+              <a:t>spacification</a:t>
+            </a:r>
+            <a:r>
+              <a:rPr lang="en-US" u="sng" dirty="0" smtClean="0"/>
+              <a:t>) </a:t>
+            </a:r>
+            <a:r>
               <a:rPr lang="en-US" dirty="0" smtClean="0"/>
-              <a:t>PUBLIC - Certified software testers shall act consistently with the public interest </a:t>
+              <a:t>- </a:t>
+            </a:r>
+            <a:r>
+              <a:rPr lang="en-US" dirty="0" smtClean="0"/>
+              <a:t>a</a:t>
+            </a:r>
+            <a:r>
+              <a:rPr lang="en-US" dirty="0" smtClean="0"/>
+              <a:t> </a:t>
+            </a:r>
+            <a:r>
+              <a:rPr lang="en-US" dirty="0" smtClean="0"/>
+              <a:t>document specifying a sequence of actions for the execution of a test. Also known as test script or manual test script</a:t>
             </a:r>
             <a:endParaRPr lang="en-US" dirty="0"/>
           </a:p>
@@ -8314,71 +8709,13 @@
       </p:sp>
       <p:sp>
         <p:nvSpPr>
-          <p:cNvPr id="6" name="Rectangle 5"/>
+          <p:cNvPr id="24" name="Flowchart: Connector 12"/>
           <p:cNvSpPr/>
           <p:nvPr/>
         </p:nvSpPr>
         <p:spPr>
           <a:xfrm>
-            <a:off x="1295400" y="2924944"/>
-            <a:ext cx="6804992" cy="923330"/>
-          </a:xfrm>
-          <a:prstGeom prst="rect">
-            <a:avLst/>
-          </a:prstGeom>
-        </p:spPr>
-        <p:txBody>
-          <a:bodyPr wrap="square">
-            <a:spAutoFit/>
-          </a:bodyPr>
-          <a:lstStyle/>
-          <a:p>
-            <a:r>
-              <a:rPr lang="en-US" dirty="0" smtClean="0"/>
-              <a:t>PRODUCT - Certified software testers shall ensure that the deliverables they provide (on the products and systems they test) meet the highest professional standards possible </a:t>
-            </a:r>
-            <a:endParaRPr lang="en-US" dirty="0"/>
-          </a:p>
-        </p:txBody>
-      </p:sp>
-      <p:sp>
-        <p:nvSpPr>
-          <p:cNvPr id="7" name="Rectangle 6"/>
-          <p:cNvSpPr/>
-          <p:nvPr/>
-        </p:nvSpPr>
-        <p:spPr>
-          <a:xfrm>
-            <a:off x="1259632" y="1988840"/>
-            <a:ext cx="7128792" cy="923330"/>
-          </a:xfrm>
-          <a:prstGeom prst="rect">
-            <a:avLst/>
-          </a:prstGeom>
-        </p:spPr>
-        <p:txBody>
-          <a:bodyPr wrap="square">
-            <a:spAutoFit/>
-          </a:bodyPr>
-          <a:lstStyle/>
-          <a:p>
-            <a:r>
-              <a:rPr lang="en-US" dirty="0" smtClean="0"/>
-              <a:t>CLIENT AND EMPLOYER - Certified software testers shall act in a manner that is in the best interests of their client and employer, consistent with the public interest </a:t>
-            </a:r>
-            <a:endParaRPr lang="en-US" dirty="0"/>
-          </a:p>
-        </p:txBody>
-      </p:sp>
-      <p:sp>
-        <p:nvSpPr>
-          <p:cNvPr id="13" name="Flowchart: Connector 12"/>
-          <p:cNvSpPr/>
-          <p:nvPr/>
-        </p:nvSpPr>
-        <p:spPr>
-          <a:xfrm>
-            <a:off x="944741" y="1488043"/>
+            <a:off x="899592" y="1555398"/>
             <a:ext cx="84841" cy="99536"/>
           </a:xfrm>
           <a:prstGeom prst="flowChartConnector">
@@ -8414,13 +8751,58 @@
       </p:sp>
       <p:sp>
         <p:nvSpPr>
-          <p:cNvPr id="14" name="Flowchart: Connector 13"/>
+          <p:cNvPr id="11" name="Rectangle 3"/>
           <p:cNvSpPr/>
           <p:nvPr/>
         </p:nvSpPr>
         <p:spPr>
           <a:xfrm>
-            <a:off x="931779" y="2114446"/>
+            <a:off x="1249680" y="2492896"/>
+            <a:ext cx="7354768" cy="1754326"/>
+          </a:xfrm>
+          <a:prstGeom prst="rect">
+            <a:avLst/>
+          </a:prstGeom>
+        </p:spPr>
+        <p:txBody>
+          <a:bodyPr wrap="square">
+            <a:spAutoFit/>
+          </a:bodyPr>
+          <a:lstStyle/>
+          <a:p>
+            <a:r>
+              <a:rPr lang="en-US" u="sng" dirty="0" smtClean="0"/>
+              <a:t>Exit criteria </a:t>
+            </a:r>
+            <a:r>
+              <a:rPr lang="en-US" dirty="0" smtClean="0"/>
+              <a:t>- </a:t>
+            </a:r>
+            <a:r>
+              <a:rPr lang="en-US" dirty="0" smtClean="0"/>
+              <a:t>t</a:t>
+            </a:r>
+            <a:r>
+              <a:rPr lang="en-US" dirty="0" smtClean="0"/>
+              <a:t>he </a:t>
+            </a:r>
+            <a:r>
+              <a:rPr lang="en-US" dirty="0" smtClean="0"/>
+              <a:t>set of generic and specific conditions, agreed upon with the stakeholders, for permitting a process to be officially completed. The purpose of exit criteria is to prevent a task from being considered completed when there are still outstanding parts of the task which have not been finished. Exit criteria are used to report against and to plan when to stop testing</a:t>
+            </a:r>
+            <a:endParaRPr lang="en-US" dirty="0"/>
+          </a:p>
+        </p:txBody>
+      </p:sp>
+      <p:sp>
+        <p:nvSpPr>
+          <p:cNvPr id="12" name="Flowchart: Connector 12"/>
+          <p:cNvSpPr/>
+          <p:nvPr/>
+        </p:nvSpPr>
+        <p:spPr>
+          <a:xfrm>
+            <a:off x="944741" y="2618269"/>
             <a:ext cx="84841" cy="99536"/>
           </a:xfrm>
           <a:prstGeom prst="flowChartConnector">
@@ -8454,194 +8836,10 @@
           </a:p>
         </p:txBody>
       </p:sp>
-      <p:sp>
-        <p:nvSpPr>
-          <p:cNvPr id="15" name="Flowchart: Connector 14"/>
-          <p:cNvSpPr/>
-          <p:nvPr/>
-        </p:nvSpPr>
-        <p:spPr>
-          <a:xfrm>
-            <a:off x="945626" y="3059842"/>
-            <a:ext cx="84841" cy="99536"/>
-          </a:xfrm>
-          <a:prstGeom prst="flowChartConnector">
-            <a:avLst/>
-          </a:prstGeom>
-        </p:spPr>
-        <p:style>
-          <a:lnRef idx="1">
-            <a:schemeClr val="accent6"/>
-          </a:lnRef>
-          <a:fillRef idx="3">
-            <a:schemeClr val="accent6"/>
-          </a:fillRef>
-          <a:effectRef idx="2">
-            <a:schemeClr val="accent6"/>
-          </a:effectRef>
-          <a:fontRef idx="minor">
-            <a:schemeClr val="lt1"/>
-          </a:fontRef>
-        </p:style>
-        <p:txBody>
-          <a:bodyPr rtlCol="0" anchor="ctr"/>
-          <a:lstStyle/>
-          <a:p>
-            <a:pPr algn="ctr"/>
-            <a:endParaRPr lang="en-US">
-              <a:solidFill>
-                <a:schemeClr val="tx1"/>
-              </a:solidFill>
-            </a:endParaRPr>
-          </a:p>
-        </p:txBody>
-      </p:sp>
-      <p:sp>
-        <p:nvSpPr>
-          <p:cNvPr id="17" name="Rectangle 16"/>
-          <p:cNvSpPr/>
-          <p:nvPr/>
-        </p:nvSpPr>
-        <p:spPr>
-          <a:xfrm>
-            <a:off x="1295400" y="4581128"/>
-            <a:ext cx="6477000" cy="923330"/>
-          </a:xfrm>
-          <a:prstGeom prst="rect">
-            <a:avLst/>
-          </a:prstGeom>
-        </p:spPr>
-        <p:txBody>
-          <a:bodyPr wrap="square">
-            <a:spAutoFit/>
-          </a:bodyPr>
-          <a:lstStyle/>
-          <a:p>
-            <a:r>
-              <a:rPr lang="en-US" dirty="0" smtClean="0"/>
-              <a:t>MANAGEMENT - Certified software test managers and leaders shall subscribe to and promote an ethical approach to the management of software testing </a:t>
-            </a:r>
-            <a:endParaRPr lang="en-US" dirty="0"/>
-          </a:p>
-        </p:txBody>
-      </p:sp>
-      <p:sp>
-        <p:nvSpPr>
-          <p:cNvPr id="18" name="Flowchart: Connector 17"/>
-          <p:cNvSpPr/>
-          <p:nvPr/>
-        </p:nvSpPr>
-        <p:spPr>
-          <a:xfrm>
-            <a:off x="944742" y="4735076"/>
-            <a:ext cx="84841" cy="99536"/>
-          </a:xfrm>
-          <a:prstGeom prst="flowChartConnector">
-            <a:avLst/>
-          </a:prstGeom>
-        </p:spPr>
-        <p:style>
-          <a:lnRef idx="1">
-            <a:schemeClr val="accent6"/>
-          </a:lnRef>
-          <a:fillRef idx="3">
-            <a:schemeClr val="accent6"/>
-          </a:fillRef>
-          <a:effectRef idx="2">
-            <a:schemeClr val="accent6"/>
-          </a:effectRef>
-          <a:fontRef idx="minor">
-            <a:schemeClr val="lt1"/>
-          </a:fontRef>
-        </p:style>
-        <p:txBody>
-          <a:bodyPr rtlCol="0" anchor="ctr"/>
-          <a:lstStyle/>
-          <a:p>
-            <a:pPr algn="ctr"/>
-            <a:endParaRPr lang="en-US">
-              <a:solidFill>
-                <a:schemeClr val="tx1"/>
-              </a:solidFill>
-            </a:endParaRPr>
-          </a:p>
-        </p:txBody>
-      </p:sp>
-      <p:sp>
-        <p:nvSpPr>
-          <p:cNvPr id="19" name="Rectangle 18"/>
-          <p:cNvSpPr/>
-          <p:nvPr/>
-        </p:nvSpPr>
-        <p:spPr>
-          <a:xfrm>
-            <a:off x="1295400" y="3933056"/>
-            <a:ext cx="6660976" cy="646331"/>
-          </a:xfrm>
-          <a:prstGeom prst="rect">
-            <a:avLst/>
-          </a:prstGeom>
-        </p:spPr>
-        <p:txBody>
-          <a:bodyPr wrap="square">
-            <a:spAutoFit/>
-          </a:bodyPr>
-          <a:lstStyle/>
-          <a:p>
-            <a:r>
-              <a:rPr lang="en-US" dirty="0" smtClean="0"/>
-              <a:t>JUDGMENT- Certified software testers shall maintain integrity and independence in their professional judgment </a:t>
-            </a:r>
-            <a:endParaRPr lang="en-US" dirty="0"/>
-          </a:p>
-        </p:txBody>
-      </p:sp>
-      <p:sp>
-        <p:nvSpPr>
-          <p:cNvPr id="20" name="Flowchart: Connector 19"/>
-          <p:cNvSpPr/>
-          <p:nvPr/>
-        </p:nvSpPr>
-        <p:spPr>
-          <a:xfrm>
-            <a:off x="944740" y="4067954"/>
-            <a:ext cx="84841" cy="99536"/>
-          </a:xfrm>
-          <a:prstGeom prst="flowChartConnector">
-            <a:avLst/>
-          </a:prstGeom>
-        </p:spPr>
-        <p:style>
-          <a:lnRef idx="1">
-            <a:schemeClr val="accent6"/>
-          </a:lnRef>
-          <a:fillRef idx="3">
-            <a:schemeClr val="accent6"/>
-          </a:fillRef>
-          <a:effectRef idx="2">
-            <a:schemeClr val="accent6"/>
-          </a:effectRef>
-          <a:fontRef idx="minor">
-            <a:schemeClr val="lt1"/>
-          </a:fontRef>
-        </p:style>
-        <p:txBody>
-          <a:bodyPr rtlCol="0" anchor="ctr"/>
-          <a:lstStyle/>
-          <a:p>
-            <a:pPr algn="ctr"/>
-            <a:endParaRPr lang="en-US">
-              <a:solidFill>
-                <a:schemeClr val="tx1"/>
-              </a:solidFill>
-            </a:endParaRPr>
-          </a:p>
-        </p:txBody>
-      </p:sp>
     </p:spTree>
     <p:extLst>
       <p:ext uri="{BB962C8B-B14F-4D97-AF65-F5344CB8AC3E}">
-        <p14:creationId xmlns="" xmlns:p14="http://schemas.microsoft.com/office/powerpoint/2010/main" val="4060775951"/>
+        <p14:creationId xmlns:p14="http://schemas.microsoft.com/office/powerpoint/2010/main" xmlns="" val="4060775951"/>
       </p:ext>
     </p:extLst>
   </p:cSld>
@@ -8649,7 +8847,7 @@
     <a:masterClrMapping/>
   </p:clrMapOvr>
   <mc:AlternateContent xmlns:mc="http://schemas.openxmlformats.org/markup-compatibility/2006">
-    <mc:Choice xmlns="" xmlns:p14="http://schemas.microsoft.com/office/powerpoint/2010/main" Requires="p14">
+    <mc:Choice xmlns:p14="http://schemas.microsoft.com/office/powerpoint/2010/main" xmlns="" Requires="p14">
       <p:transition spd="slow" p14:dur="2000"/>
     </mc:Choice>
     <mc:Fallback>
@@ -8692,7 +8890,7 @@
         <p:spPr>
           <a:xfrm>
             <a:off x="457200" y="533400"/>
-            <a:ext cx="7859216" cy="646331"/>
+            <a:ext cx="4818948" cy="630942"/>
           </a:xfrm>
           <a:prstGeom prst="rect">
             <a:avLst/>
@@ -8700,13 +8898,13 @@
           <a:noFill/>
         </p:spPr>
         <p:txBody>
-          <a:bodyPr wrap="square" rtlCol="0">
+          <a:bodyPr wrap="none" rtlCol="0">
             <a:spAutoFit/>
           </a:bodyPr>
           <a:lstStyle/>
           <a:p>
             <a:r>
-              <a:rPr lang="en-US" sz="3600" dirty="0" smtClean="0">
+              <a:rPr lang="en-US" sz="3500" dirty="0" smtClean="0">
                 <a:solidFill>
                   <a:schemeClr val="tx1">
                     <a:lumMod val="65000"/>
@@ -8721,22 +8919,36 @@
                   </a:outerShdw>
                 </a:effectLst>
               </a:rPr>
-              <a:t>Code of Ethics (continuation)</a:t>
-            </a:r>
-            <a:endParaRPr lang="en-US" sz="3600" dirty="0"/>
-          </a:p>
-        </p:txBody>
-      </p:sp>
-      <p:sp>
-        <p:nvSpPr>
-          <p:cNvPr id="4" name="Rectangle 3"/>
+              <a:t>The Psychology of Testing</a:t>
+            </a:r>
+            <a:endParaRPr lang="en-US" sz="3500" dirty="0">
+              <a:solidFill>
+                <a:schemeClr val="tx1">
+                  <a:lumMod val="65000"/>
+                  <a:lumOff val="35000"/>
+                </a:schemeClr>
+              </a:solidFill>
+              <a:effectLst>
+                <a:outerShdw blurRad="38100" dist="38100" dir="2700000" algn="tl">
+                  <a:srgbClr val="000000">
+                    <a:alpha val="43137"/>
+                  </a:srgbClr>
+                </a:outerShdw>
+              </a:effectLst>
+            </a:endParaRPr>
+          </a:p>
+        </p:txBody>
+      </p:sp>
+      <p:sp>
+        <p:nvSpPr>
+          <p:cNvPr id="19" name="Rectangle 18"/>
           <p:cNvSpPr/>
           <p:nvPr/>
         </p:nvSpPr>
         <p:spPr>
           <a:xfrm>
-            <a:off x="1249680" y="1362670"/>
-            <a:ext cx="6778704" cy="646331"/>
+            <a:off x="1295400" y="2060848"/>
+            <a:ext cx="6444952" cy="646331"/>
           </a:xfrm>
           <a:prstGeom prst="rect">
             <a:avLst/>
@@ -8750,7 +8962,7 @@
           <a:p>
             <a:r>
               <a:rPr lang="en-US" dirty="0" smtClean="0"/>
-              <a:t>PROFESSION - Certified software testers shall advance the integrity and reputation of the profession consistent with the public interest </a:t>
+              <a:t>Tests designed by the person(s) who wrote the software under test (low level of independence)</a:t>
             </a:r>
             <a:endParaRPr lang="en-US" dirty="0"/>
           </a:p>
@@ -8758,42 +8970,13 @@
       </p:sp>
       <p:sp>
         <p:nvSpPr>
-          <p:cNvPr id="7" name="Rectangle 6"/>
+          <p:cNvPr id="20" name="Flowchart: Connector 19"/>
           <p:cNvSpPr/>
           <p:nvPr/>
         </p:nvSpPr>
         <p:spPr>
           <a:xfrm>
-            <a:off x="1259632" y="1988840"/>
-            <a:ext cx="7128792" cy="646331"/>
-          </a:xfrm>
-          <a:prstGeom prst="rect">
-            <a:avLst/>
-          </a:prstGeom>
-        </p:spPr>
-        <p:txBody>
-          <a:bodyPr wrap="square">
-            <a:spAutoFit/>
-          </a:bodyPr>
-          <a:lstStyle/>
-          <a:p>
-            <a:r>
-              <a:rPr lang="en-US" dirty="0" smtClean="0"/>
-              <a:t>COLLEAGUES - Certified software testers shall be fair to and supportive of their colleagues, and promote cooperation with software developers</a:t>
-            </a:r>
-            <a:endParaRPr lang="en-US" dirty="0"/>
-          </a:p>
-        </p:txBody>
-      </p:sp>
-      <p:sp>
-        <p:nvSpPr>
-          <p:cNvPr id="13" name="Flowchart: Connector 12"/>
-          <p:cNvSpPr/>
-          <p:nvPr/>
-        </p:nvSpPr>
-        <p:spPr>
-          <a:xfrm>
-            <a:off x="944741" y="1488043"/>
+            <a:off x="944740" y="2195746"/>
             <a:ext cx="84841" cy="99536"/>
           </a:xfrm>
           <a:prstGeom prst="flowChartConnector">
@@ -8829,13 +9012,70 @@
       </p:sp>
       <p:sp>
         <p:nvSpPr>
-          <p:cNvPr id="14" name="Flowchart: Connector 13"/>
+          <p:cNvPr id="7" name="Rectangle 18"/>
           <p:cNvSpPr/>
           <p:nvPr/>
         </p:nvSpPr>
         <p:spPr>
           <a:xfrm>
-            <a:off x="931779" y="2114446"/>
+            <a:off x="683568" y="1414517"/>
+            <a:ext cx="7165032" cy="369332"/>
+          </a:xfrm>
+          <a:prstGeom prst="rect">
+            <a:avLst/>
+          </a:prstGeom>
+        </p:spPr>
+        <p:txBody>
+          <a:bodyPr wrap="square">
+            <a:spAutoFit/>
+          </a:bodyPr>
+          <a:lstStyle/>
+          <a:p>
+            <a:r>
+              <a:rPr lang="en-US" b="1" dirty="0" smtClean="0"/>
+              <a:t>Levels of testing independence from low to high</a:t>
+            </a:r>
+          </a:p>
+        </p:txBody>
+      </p:sp>
+      <p:sp>
+        <p:nvSpPr>
+          <p:cNvPr id="8" name="Rectangle 18"/>
+          <p:cNvSpPr/>
+          <p:nvPr/>
+        </p:nvSpPr>
+        <p:spPr>
+          <a:xfrm>
+            <a:off x="1295400" y="2708920"/>
+            <a:ext cx="6444952" cy="646331"/>
+          </a:xfrm>
+          <a:prstGeom prst="rect">
+            <a:avLst/>
+          </a:prstGeom>
+        </p:spPr>
+        <p:txBody>
+          <a:bodyPr wrap="square">
+            <a:spAutoFit/>
+          </a:bodyPr>
+          <a:lstStyle/>
+          <a:p>
+            <a:r>
+              <a:rPr lang="en-US" dirty="0" smtClean="0"/>
+              <a:t>Tests designed by another person(s) (e.g., from the development team)</a:t>
+            </a:r>
+            <a:endParaRPr lang="en-US" dirty="0"/>
+          </a:p>
+        </p:txBody>
+      </p:sp>
+      <p:sp>
+        <p:nvSpPr>
+          <p:cNvPr id="9" name="Flowchart: Connector 19"/>
+          <p:cNvSpPr/>
+          <p:nvPr/>
+        </p:nvSpPr>
+        <p:spPr>
+          <a:xfrm>
+            <a:off x="944740" y="2843818"/>
             <a:ext cx="84841" cy="99536"/>
           </a:xfrm>
           <a:prstGeom prst="flowChartConnector">
@@ -8871,14 +9111,14 @@
       </p:sp>
       <p:sp>
         <p:nvSpPr>
-          <p:cNvPr id="16" name="Rectangle 6"/>
+          <p:cNvPr id="10" name="Rectangle 18"/>
           <p:cNvSpPr/>
           <p:nvPr/>
         </p:nvSpPr>
         <p:spPr>
           <a:xfrm>
-            <a:off x="1259632" y="2636912"/>
-            <a:ext cx="7128792" cy="923330"/>
+            <a:off x="1295400" y="3284984"/>
+            <a:ext cx="6444952" cy="923330"/>
           </a:xfrm>
           <a:prstGeom prst="rect">
             <a:avLst/>
@@ -8892,7 +9132,7 @@
           <a:p>
             <a:r>
               <a:rPr lang="en-US" dirty="0" smtClean="0"/>
-              <a:t>SELF - Certified software testers shall participate in lifelong learning regarding the practice of their profession and shall promote an ethical approach to the practice of the profession</a:t>
+              <a:t>Tests designed by a person(s) from a different organizational group (e.g., an independent test team) or test specialists (e.g., usability or performance test specialists)</a:t>
             </a:r>
             <a:endParaRPr lang="en-US" dirty="0"/>
           </a:p>
@@ -8900,13 +9140,13 @@
       </p:sp>
       <p:sp>
         <p:nvSpPr>
-          <p:cNvPr id="21" name="Flowchart: Connector 13"/>
+          <p:cNvPr id="11" name="Flowchart: Connector 19"/>
           <p:cNvSpPr/>
           <p:nvPr/>
         </p:nvSpPr>
         <p:spPr>
           <a:xfrm>
-            <a:off x="931779" y="2762518"/>
+            <a:off x="944740" y="3419882"/>
             <a:ext cx="84841" cy="99536"/>
           </a:xfrm>
           <a:prstGeom prst="flowChartConnector">
@@ -8940,10 +9180,81 @@
           </a:p>
         </p:txBody>
       </p:sp>
+      <p:sp>
+        <p:nvSpPr>
+          <p:cNvPr id="12" name="Rectangle 18"/>
+          <p:cNvSpPr/>
+          <p:nvPr/>
+        </p:nvSpPr>
+        <p:spPr>
+          <a:xfrm>
+            <a:off x="1295400" y="4222829"/>
+            <a:ext cx="6444952" cy="646331"/>
+          </a:xfrm>
+          <a:prstGeom prst="rect">
+            <a:avLst/>
+          </a:prstGeom>
+        </p:spPr>
+        <p:txBody>
+          <a:bodyPr wrap="square">
+            <a:spAutoFit/>
+          </a:bodyPr>
+          <a:lstStyle/>
+          <a:p>
+            <a:r>
+              <a:rPr lang="en-US" dirty="0" smtClean="0"/>
+              <a:t>Tests designed by a person(s) from a different organization or company (i.e. outsourcing or certification by an external body)</a:t>
+            </a:r>
+            <a:endParaRPr lang="en-US" dirty="0"/>
+          </a:p>
+        </p:txBody>
+      </p:sp>
+      <p:sp>
+        <p:nvSpPr>
+          <p:cNvPr id="14" name="Flowchart: Connector 19"/>
+          <p:cNvSpPr/>
+          <p:nvPr/>
+        </p:nvSpPr>
+        <p:spPr>
+          <a:xfrm>
+            <a:off x="944740" y="4357727"/>
+            <a:ext cx="84841" cy="99536"/>
+          </a:xfrm>
+          <a:prstGeom prst="flowChartConnector">
+            <a:avLst/>
+          </a:prstGeom>
+        </p:spPr>
+        <p:style>
+          <a:lnRef idx="1">
+            <a:schemeClr val="accent6"/>
+          </a:lnRef>
+          <a:fillRef idx="3">
+            <a:schemeClr val="accent6"/>
+          </a:fillRef>
+          <a:effectRef idx="2">
+            <a:schemeClr val="accent6"/>
+          </a:effectRef>
+          <a:fontRef idx="minor">
+            <a:schemeClr val="lt1"/>
+          </a:fontRef>
+        </p:style>
+        <p:txBody>
+          <a:bodyPr rtlCol="0" anchor="ctr"/>
+          <a:lstStyle/>
+          <a:p>
+            <a:pPr algn="ctr"/>
+            <a:endParaRPr lang="en-US">
+              <a:solidFill>
+                <a:schemeClr val="tx1"/>
+              </a:solidFill>
+            </a:endParaRPr>
+          </a:p>
+        </p:txBody>
+      </p:sp>
     </p:spTree>
     <p:extLst>
       <p:ext uri="{BB962C8B-B14F-4D97-AF65-F5344CB8AC3E}">
-        <p14:creationId xmlns="" xmlns:p14="http://schemas.microsoft.com/office/powerpoint/2010/main" val="4060775951"/>
+        <p14:creationId xmlns:p14="http://schemas.microsoft.com/office/powerpoint/2010/main" xmlns="" val="4060775951"/>
       </p:ext>
     </p:extLst>
   </p:cSld>
@@ -8951,7 +9262,7 @@
     <a:masterClrMapping/>
   </p:clrMapOvr>
   <mc:AlternateContent xmlns:mc="http://schemas.openxmlformats.org/markup-compatibility/2006">
-    <mc:Choice xmlns="" xmlns:p14="http://schemas.microsoft.com/office/powerpoint/2010/main" Requires="p14">
+    <mc:Choice xmlns:p14="http://schemas.microsoft.com/office/powerpoint/2010/main" xmlns="" Requires="p14">
       <p:transition spd="slow" p14:dur="2000"/>
     </mc:Choice>
     <mc:Fallback>
@@ -8985,6 +9296,1643 @@
           <a:chExt cx="0" cy="0"/>
         </a:xfrm>
       </p:grpSpPr>
+      <p:sp>
+        <p:nvSpPr>
+          <p:cNvPr id="3" name="TextBox 2"/>
+          <p:cNvSpPr txBox="1"/>
+          <p:nvPr/>
+        </p:nvSpPr>
+        <p:spPr>
+          <a:xfrm>
+            <a:off x="457200" y="533400"/>
+            <a:ext cx="7507953" cy="630942"/>
+          </a:xfrm>
+          <a:prstGeom prst="rect">
+            <a:avLst/>
+          </a:prstGeom>
+          <a:noFill/>
+        </p:spPr>
+        <p:txBody>
+          <a:bodyPr wrap="none" rtlCol="0">
+            <a:spAutoFit/>
+          </a:bodyPr>
+          <a:lstStyle/>
+          <a:p>
+            <a:r>
+              <a:rPr lang="en-US" sz="3500" dirty="0" smtClean="0">
+                <a:solidFill>
+                  <a:schemeClr val="tx1">
+                    <a:lumMod val="65000"/>
+                    <a:lumOff val="35000"/>
+                  </a:schemeClr>
+                </a:solidFill>
+                <a:effectLst>
+                  <a:outerShdw blurRad="38100" dist="38100" dir="2700000" algn="tl">
+                    <a:srgbClr val="000000">
+                      <a:alpha val="43137"/>
+                    </a:srgbClr>
+                  </a:outerShdw>
+                </a:effectLst>
+              </a:rPr>
+              <a:t>The Psychology of Testing (continuation)</a:t>
+            </a:r>
+            <a:endParaRPr lang="en-US" sz="3500" dirty="0">
+              <a:solidFill>
+                <a:schemeClr val="tx1">
+                  <a:lumMod val="65000"/>
+                  <a:lumOff val="35000"/>
+                </a:schemeClr>
+              </a:solidFill>
+              <a:effectLst>
+                <a:outerShdw blurRad="38100" dist="38100" dir="2700000" algn="tl">
+                  <a:srgbClr val="000000">
+                    <a:alpha val="43137"/>
+                  </a:srgbClr>
+                </a:outerShdw>
+              </a:effectLst>
+            </a:endParaRPr>
+          </a:p>
+        </p:txBody>
+      </p:sp>
+      <p:sp>
+        <p:nvSpPr>
+          <p:cNvPr id="19" name="Rectangle 18"/>
+          <p:cNvSpPr/>
+          <p:nvPr/>
+        </p:nvSpPr>
+        <p:spPr>
+          <a:xfrm>
+            <a:off x="1295400" y="2060848"/>
+            <a:ext cx="6444952" cy="646331"/>
+          </a:xfrm>
+          <a:prstGeom prst="rect">
+            <a:avLst/>
+          </a:prstGeom>
+        </p:spPr>
+        <p:txBody>
+          <a:bodyPr wrap="square">
+            <a:spAutoFit/>
+          </a:bodyPr>
+          <a:lstStyle/>
+          <a:p>
+            <a:r>
+              <a:rPr lang="en-US" dirty="0" smtClean="0"/>
+              <a:t>Start with collaboration rather than battles – remind everyone of the common goal of better quality</a:t>
+            </a:r>
+            <a:endParaRPr lang="en-US" dirty="0"/>
+          </a:p>
+        </p:txBody>
+      </p:sp>
+      <p:sp>
+        <p:nvSpPr>
+          <p:cNvPr id="20" name="Flowchart: Connector 19"/>
+          <p:cNvSpPr/>
+          <p:nvPr/>
+        </p:nvSpPr>
+        <p:spPr>
+          <a:xfrm>
+            <a:off x="944740" y="2195746"/>
+            <a:ext cx="84841" cy="99536"/>
+          </a:xfrm>
+          <a:prstGeom prst="flowChartConnector">
+            <a:avLst/>
+          </a:prstGeom>
+        </p:spPr>
+        <p:style>
+          <a:lnRef idx="1">
+            <a:schemeClr val="accent6"/>
+          </a:lnRef>
+          <a:fillRef idx="3">
+            <a:schemeClr val="accent6"/>
+          </a:fillRef>
+          <a:effectRef idx="2">
+            <a:schemeClr val="accent6"/>
+          </a:effectRef>
+          <a:fontRef idx="minor">
+            <a:schemeClr val="lt1"/>
+          </a:fontRef>
+        </p:style>
+        <p:txBody>
+          <a:bodyPr rtlCol="0" anchor="ctr"/>
+          <a:lstStyle/>
+          <a:p>
+            <a:pPr algn="ctr"/>
+            <a:endParaRPr lang="en-US">
+              <a:solidFill>
+                <a:schemeClr val="tx1"/>
+              </a:solidFill>
+            </a:endParaRPr>
+          </a:p>
+        </p:txBody>
+      </p:sp>
+      <p:sp>
+        <p:nvSpPr>
+          <p:cNvPr id="7" name="Rectangle 18"/>
+          <p:cNvSpPr/>
+          <p:nvPr/>
+        </p:nvSpPr>
+        <p:spPr>
+          <a:xfrm>
+            <a:off x="683568" y="1414517"/>
+            <a:ext cx="7165032" cy="646331"/>
+          </a:xfrm>
+          <a:prstGeom prst="rect">
+            <a:avLst/>
+          </a:prstGeom>
+        </p:spPr>
+        <p:txBody>
+          <a:bodyPr wrap="square">
+            <a:spAutoFit/>
+          </a:bodyPr>
+          <a:lstStyle/>
+          <a:p>
+            <a:r>
+              <a:rPr lang="en-US" b="1" dirty="0" smtClean="0"/>
+              <a:t>Ways to improve communication and relationships between testers and others</a:t>
+            </a:r>
+          </a:p>
+        </p:txBody>
+      </p:sp>
+      <p:sp>
+        <p:nvSpPr>
+          <p:cNvPr id="8" name="Rectangle 18"/>
+          <p:cNvSpPr/>
+          <p:nvPr/>
+        </p:nvSpPr>
+        <p:spPr>
+          <a:xfrm>
+            <a:off x="1295400" y="2708920"/>
+            <a:ext cx="6444952" cy="923330"/>
+          </a:xfrm>
+          <a:prstGeom prst="rect">
+            <a:avLst/>
+          </a:prstGeom>
+        </p:spPr>
+        <p:txBody>
+          <a:bodyPr wrap="square">
+            <a:spAutoFit/>
+          </a:bodyPr>
+          <a:lstStyle/>
+          <a:p>
+            <a:r>
+              <a:rPr lang="en-US" dirty="0" smtClean="0"/>
+              <a:t>Communicate findings on the product in a neutral, fact-focused way without criticizing the person who created it, for example, write objective and factual incident reports and review findings</a:t>
+            </a:r>
+            <a:endParaRPr lang="en-US" dirty="0"/>
+          </a:p>
+        </p:txBody>
+      </p:sp>
+      <p:sp>
+        <p:nvSpPr>
+          <p:cNvPr id="9" name="Flowchart: Connector 19"/>
+          <p:cNvSpPr/>
+          <p:nvPr/>
+        </p:nvSpPr>
+        <p:spPr>
+          <a:xfrm>
+            <a:off x="944740" y="2843818"/>
+            <a:ext cx="84841" cy="99536"/>
+          </a:xfrm>
+          <a:prstGeom prst="flowChartConnector">
+            <a:avLst/>
+          </a:prstGeom>
+        </p:spPr>
+        <p:style>
+          <a:lnRef idx="1">
+            <a:schemeClr val="accent6"/>
+          </a:lnRef>
+          <a:fillRef idx="3">
+            <a:schemeClr val="accent6"/>
+          </a:fillRef>
+          <a:effectRef idx="2">
+            <a:schemeClr val="accent6"/>
+          </a:effectRef>
+          <a:fontRef idx="minor">
+            <a:schemeClr val="lt1"/>
+          </a:fontRef>
+        </p:style>
+        <p:txBody>
+          <a:bodyPr rtlCol="0" anchor="ctr"/>
+          <a:lstStyle/>
+          <a:p>
+            <a:pPr algn="ctr"/>
+            <a:endParaRPr lang="en-US">
+              <a:solidFill>
+                <a:schemeClr val="tx1"/>
+              </a:solidFill>
+            </a:endParaRPr>
+          </a:p>
+        </p:txBody>
+      </p:sp>
+      <p:sp>
+        <p:nvSpPr>
+          <p:cNvPr id="10" name="Rectangle 18"/>
+          <p:cNvSpPr/>
+          <p:nvPr/>
+        </p:nvSpPr>
+        <p:spPr>
+          <a:xfrm>
+            <a:off x="1295400" y="3585790"/>
+            <a:ext cx="6444952" cy="646331"/>
+          </a:xfrm>
+          <a:prstGeom prst="rect">
+            <a:avLst/>
+          </a:prstGeom>
+        </p:spPr>
+        <p:txBody>
+          <a:bodyPr wrap="square">
+            <a:spAutoFit/>
+          </a:bodyPr>
+          <a:lstStyle/>
+          <a:p>
+            <a:r>
+              <a:rPr lang="en-US" dirty="0" smtClean="0"/>
+              <a:t>Try to understand how the other person feels and why they react as they do</a:t>
+            </a:r>
+            <a:endParaRPr lang="en-US" dirty="0"/>
+          </a:p>
+        </p:txBody>
+      </p:sp>
+      <p:sp>
+        <p:nvSpPr>
+          <p:cNvPr id="11" name="Flowchart: Connector 19"/>
+          <p:cNvSpPr/>
+          <p:nvPr/>
+        </p:nvSpPr>
+        <p:spPr>
+          <a:xfrm>
+            <a:off x="944740" y="3720688"/>
+            <a:ext cx="84841" cy="99536"/>
+          </a:xfrm>
+          <a:prstGeom prst="flowChartConnector">
+            <a:avLst/>
+          </a:prstGeom>
+        </p:spPr>
+        <p:style>
+          <a:lnRef idx="1">
+            <a:schemeClr val="accent6"/>
+          </a:lnRef>
+          <a:fillRef idx="3">
+            <a:schemeClr val="accent6"/>
+          </a:fillRef>
+          <a:effectRef idx="2">
+            <a:schemeClr val="accent6"/>
+          </a:effectRef>
+          <a:fontRef idx="minor">
+            <a:schemeClr val="lt1"/>
+          </a:fontRef>
+        </p:style>
+        <p:txBody>
+          <a:bodyPr rtlCol="0" anchor="ctr"/>
+          <a:lstStyle/>
+          <a:p>
+            <a:pPr algn="ctr"/>
+            <a:endParaRPr lang="en-US">
+              <a:solidFill>
+                <a:schemeClr val="tx1"/>
+              </a:solidFill>
+            </a:endParaRPr>
+          </a:p>
+        </p:txBody>
+      </p:sp>
+      <p:sp>
+        <p:nvSpPr>
+          <p:cNvPr id="12" name="Rectangle 18"/>
+          <p:cNvSpPr/>
+          <p:nvPr/>
+        </p:nvSpPr>
+        <p:spPr>
+          <a:xfrm>
+            <a:off x="1295400" y="4222829"/>
+            <a:ext cx="6444952" cy="646331"/>
+          </a:xfrm>
+          <a:prstGeom prst="rect">
+            <a:avLst/>
+          </a:prstGeom>
+        </p:spPr>
+        <p:txBody>
+          <a:bodyPr wrap="square">
+            <a:spAutoFit/>
+          </a:bodyPr>
+          <a:lstStyle/>
+          <a:p>
+            <a:r>
+              <a:rPr lang="en-US" dirty="0" smtClean="0"/>
+              <a:t>Confirm that the other person has understood what you have said and vice versa</a:t>
+            </a:r>
+            <a:endParaRPr lang="en-US" dirty="0"/>
+          </a:p>
+        </p:txBody>
+      </p:sp>
+      <p:sp>
+        <p:nvSpPr>
+          <p:cNvPr id="14" name="Flowchart: Connector 19"/>
+          <p:cNvSpPr/>
+          <p:nvPr/>
+        </p:nvSpPr>
+        <p:spPr>
+          <a:xfrm>
+            <a:off x="944740" y="4357727"/>
+            <a:ext cx="84841" cy="99536"/>
+          </a:xfrm>
+          <a:prstGeom prst="flowChartConnector">
+            <a:avLst/>
+          </a:prstGeom>
+        </p:spPr>
+        <p:style>
+          <a:lnRef idx="1">
+            <a:schemeClr val="accent6"/>
+          </a:lnRef>
+          <a:fillRef idx="3">
+            <a:schemeClr val="accent6"/>
+          </a:fillRef>
+          <a:effectRef idx="2">
+            <a:schemeClr val="accent6"/>
+          </a:effectRef>
+          <a:fontRef idx="minor">
+            <a:schemeClr val="lt1"/>
+          </a:fontRef>
+        </p:style>
+        <p:txBody>
+          <a:bodyPr rtlCol="0" anchor="ctr"/>
+          <a:lstStyle/>
+          <a:p>
+            <a:pPr algn="ctr"/>
+            <a:endParaRPr lang="en-US">
+              <a:solidFill>
+                <a:schemeClr val="tx1"/>
+              </a:solidFill>
+            </a:endParaRPr>
+          </a:p>
+        </p:txBody>
+      </p:sp>
+    </p:spTree>
+    <p:extLst>
+      <p:ext uri="{BB962C8B-B14F-4D97-AF65-F5344CB8AC3E}">
+        <p14:creationId xmlns:p14="http://schemas.microsoft.com/office/powerpoint/2010/main" xmlns="" val="4060775951"/>
+      </p:ext>
+    </p:extLst>
+  </p:cSld>
+  <p:clrMapOvr>
+    <a:masterClrMapping/>
+  </p:clrMapOvr>
+  <mc:AlternateContent xmlns:mc="http://schemas.openxmlformats.org/markup-compatibility/2006">
+    <mc:Choice xmlns:p14="http://schemas.microsoft.com/office/powerpoint/2010/main" xmlns="" Requires="p14">
+      <p:transition spd="slow" p14:dur="2000"/>
+    </mc:Choice>
+    <mc:Fallback>
+      <p:transition spd="slow"/>
+    </mc:Fallback>
+  </mc:AlternateContent>
+  <p:timing>
+    <p:tnLst>
+      <p:par>
+        <p:cTn id="1" dur="indefinite" restart="never" nodeType="tmRoot"/>
+      </p:par>
+    </p:tnLst>
+  </p:timing>
+</p:sld>
+</file>
+
+<file path=ppt/slides/slide18.xml><?xml version="1.0" encoding="utf-8"?>
+<p:sld xmlns:a="http://schemas.openxmlformats.org/drawingml/2006/main" xmlns:r="http://schemas.openxmlformats.org/officeDocument/2006/relationships" xmlns:p="http://schemas.openxmlformats.org/presentationml/2006/main">
+  <p:cSld>
+    <p:spTree>
+      <p:nvGrpSpPr>
+        <p:cNvPr id="1" name=""/>
+        <p:cNvGrpSpPr/>
+        <p:nvPr/>
+      </p:nvGrpSpPr>
+      <p:grpSpPr>
+        <a:xfrm>
+          <a:off x="0" y="0"/>
+          <a:ext cx="0" cy="0"/>
+          <a:chOff x="0" y="0"/>
+          <a:chExt cx="0" cy="0"/>
+        </a:xfrm>
+      </p:grpSpPr>
+      <p:sp>
+        <p:nvSpPr>
+          <p:cNvPr id="3" name="TextBox 2"/>
+          <p:cNvSpPr txBox="1"/>
+          <p:nvPr/>
+        </p:nvSpPr>
+        <p:spPr>
+          <a:xfrm>
+            <a:off x="457200" y="533400"/>
+            <a:ext cx="2838662" cy="646331"/>
+          </a:xfrm>
+          <a:prstGeom prst="rect">
+            <a:avLst/>
+          </a:prstGeom>
+          <a:noFill/>
+        </p:spPr>
+        <p:txBody>
+          <a:bodyPr wrap="none" rtlCol="0">
+            <a:spAutoFit/>
+          </a:bodyPr>
+          <a:lstStyle/>
+          <a:p>
+            <a:r>
+              <a:rPr lang="en-US" sz="3500" dirty="0" smtClean="0">
+                <a:solidFill>
+                  <a:schemeClr val="tx1">
+                    <a:lumMod val="65000"/>
+                    <a:lumOff val="35000"/>
+                  </a:schemeClr>
+                </a:solidFill>
+                <a:effectLst>
+                  <a:outerShdw blurRad="38100" dist="38100" dir="2700000" algn="tl">
+                    <a:srgbClr val="000000">
+                      <a:alpha val="43137"/>
+                    </a:srgbClr>
+                  </a:outerShdw>
+                </a:effectLst>
+              </a:rPr>
+              <a:t>Code of Ethics</a:t>
+            </a:r>
+          </a:p>
+        </p:txBody>
+      </p:sp>
+      <p:sp>
+        <p:nvSpPr>
+          <p:cNvPr id="4" name="Rectangle 3"/>
+          <p:cNvSpPr/>
+          <p:nvPr/>
+        </p:nvSpPr>
+        <p:spPr>
+          <a:xfrm>
+            <a:off x="1249680" y="1362670"/>
+            <a:ext cx="6778704" cy="646331"/>
+          </a:xfrm>
+          <a:prstGeom prst="rect">
+            <a:avLst/>
+          </a:prstGeom>
+        </p:spPr>
+        <p:txBody>
+          <a:bodyPr wrap="square">
+            <a:spAutoFit/>
+          </a:bodyPr>
+          <a:lstStyle/>
+          <a:p>
+            <a:r>
+              <a:rPr lang="en-US" dirty="0" smtClean="0"/>
+              <a:t>PUBLIC - Certified software testers shall act consistently with the public interest </a:t>
+            </a:r>
+            <a:endParaRPr lang="en-US" dirty="0"/>
+          </a:p>
+        </p:txBody>
+      </p:sp>
+      <p:sp>
+        <p:nvSpPr>
+          <p:cNvPr id="6" name="Rectangle 5"/>
+          <p:cNvSpPr/>
+          <p:nvPr/>
+        </p:nvSpPr>
+        <p:spPr>
+          <a:xfrm>
+            <a:off x="1295400" y="2924944"/>
+            <a:ext cx="6804992" cy="923330"/>
+          </a:xfrm>
+          <a:prstGeom prst="rect">
+            <a:avLst/>
+          </a:prstGeom>
+        </p:spPr>
+        <p:txBody>
+          <a:bodyPr wrap="square">
+            <a:spAutoFit/>
+          </a:bodyPr>
+          <a:lstStyle/>
+          <a:p>
+            <a:r>
+              <a:rPr lang="en-US" dirty="0" smtClean="0"/>
+              <a:t>PRODUCT - Certified software testers shall ensure that the deliverables they provide (on the products and systems they test) meet the highest professional standards possible </a:t>
+            </a:r>
+            <a:endParaRPr lang="en-US" dirty="0"/>
+          </a:p>
+        </p:txBody>
+      </p:sp>
+      <p:sp>
+        <p:nvSpPr>
+          <p:cNvPr id="7" name="Rectangle 6"/>
+          <p:cNvSpPr/>
+          <p:nvPr/>
+        </p:nvSpPr>
+        <p:spPr>
+          <a:xfrm>
+            <a:off x="1259632" y="1988840"/>
+            <a:ext cx="7128792" cy="923330"/>
+          </a:xfrm>
+          <a:prstGeom prst="rect">
+            <a:avLst/>
+          </a:prstGeom>
+        </p:spPr>
+        <p:txBody>
+          <a:bodyPr wrap="square">
+            <a:spAutoFit/>
+          </a:bodyPr>
+          <a:lstStyle/>
+          <a:p>
+            <a:r>
+              <a:rPr lang="en-US" dirty="0" smtClean="0"/>
+              <a:t>CLIENT AND EMPLOYER - Certified software testers shall act in a manner that is in the best interests of their client and employer, consistent with the public interest </a:t>
+            </a:r>
+            <a:endParaRPr lang="en-US" dirty="0"/>
+          </a:p>
+        </p:txBody>
+      </p:sp>
+      <p:sp>
+        <p:nvSpPr>
+          <p:cNvPr id="13" name="Flowchart: Connector 12"/>
+          <p:cNvSpPr/>
+          <p:nvPr/>
+        </p:nvSpPr>
+        <p:spPr>
+          <a:xfrm>
+            <a:off x="944741" y="1488043"/>
+            <a:ext cx="84841" cy="99536"/>
+          </a:xfrm>
+          <a:prstGeom prst="flowChartConnector">
+            <a:avLst/>
+          </a:prstGeom>
+        </p:spPr>
+        <p:style>
+          <a:lnRef idx="1">
+            <a:schemeClr val="accent6"/>
+          </a:lnRef>
+          <a:fillRef idx="3">
+            <a:schemeClr val="accent6"/>
+          </a:fillRef>
+          <a:effectRef idx="2">
+            <a:schemeClr val="accent6"/>
+          </a:effectRef>
+          <a:fontRef idx="minor">
+            <a:schemeClr val="lt1"/>
+          </a:fontRef>
+        </p:style>
+        <p:txBody>
+          <a:bodyPr rtlCol="0" anchor="ctr"/>
+          <a:lstStyle/>
+          <a:p>
+            <a:pPr algn="ctr"/>
+            <a:endParaRPr lang="en-US">
+              <a:solidFill>
+                <a:schemeClr val="tx1"/>
+              </a:solidFill>
+            </a:endParaRPr>
+          </a:p>
+        </p:txBody>
+      </p:sp>
+      <p:sp>
+        <p:nvSpPr>
+          <p:cNvPr id="14" name="Flowchart: Connector 13"/>
+          <p:cNvSpPr/>
+          <p:nvPr/>
+        </p:nvSpPr>
+        <p:spPr>
+          <a:xfrm>
+            <a:off x="931779" y="2114446"/>
+            <a:ext cx="84841" cy="99536"/>
+          </a:xfrm>
+          <a:prstGeom prst="flowChartConnector">
+            <a:avLst/>
+          </a:prstGeom>
+        </p:spPr>
+        <p:style>
+          <a:lnRef idx="1">
+            <a:schemeClr val="accent6"/>
+          </a:lnRef>
+          <a:fillRef idx="3">
+            <a:schemeClr val="accent6"/>
+          </a:fillRef>
+          <a:effectRef idx="2">
+            <a:schemeClr val="accent6"/>
+          </a:effectRef>
+          <a:fontRef idx="minor">
+            <a:schemeClr val="lt1"/>
+          </a:fontRef>
+        </p:style>
+        <p:txBody>
+          <a:bodyPr rtlCol="0" anchor="ctr"/>
+          <a:lstStyle/>
+          <a:p>
+            <a:pPr algn="ctr"/>
+            <a:endParaRPr lang="en-US">
+              <a:solidFill>
+                <a:schemeClr val="tx1"/>
+              </a:solidFill>
+            </a:endParaRPr>
+          </a:p>
+        </p:txBody>
+      </p:sp>
+      <p:sp>
+        <p:nvSpPr>
+          <p:cNvPr id="15" name="Flowchart: Connector 14"/>
+          <p:cNvSpPr/>
+          <p:nvPr/>
+        </p:nvSpPr>
+        <p:spPr>
+          <a:xfrm>
+            <a:off x="945626" y="3059842"/>
+            <a:ext cx="84841" cy="99536"/>
+          </a:xfrm>
+          <a:prstGeom prst="flowChartConnector">
+            <a:avLst/>
+          </a:prstGeom>
+        </p:spPr>
+        <p:style>
+          <a:lnRef idx="1">
+            <a:schemeClr val="accent6"/>
+          </a:lnRef>
+          <a:fillRef idx="3">
+            <a:schemeClr val="accent6"/>
+          </a:fillRef>
+          <a:effectRef idx="2">
+            <a:schemeClr val="accent6"/>
+          </a:effectRef>
+          <a:fontRef idx="minor">
+            <a:schemeClr val="lt1"/>
+          </a:fontRef>
+        </p:style>
+        <p:txBody>
+          <a:bodyPr rtlCol="0" anchor="ctr"/>
+          <a:lstStyle/>
+          <a:p>
+            <a:pPr algn="ctr"/>
+            <a:endParaRPr lang="en-US">
+              <a:solidFill>
+                <a:schemeClr val="tx1"/>
+              </a:solidFill>
+            </a:endParaRPr>
+          </a:p>
+        </p:txBody>
+      </p:sp>
+      <p:sp>
+        <p:nvSpPr>
+          <p:cNvPr id="17" name="Rectangle 16"/>
+          <p:cNvSpPr/>
+          <p:nvPr/>
+        </p:nvSpPr>
+        <p:spPr>
+          <a:xfrm>
+            <a:off x="1295400" y="4581128"/>
+            <a:ext cx="6477000" cy="923330"/>
+          </a:xfrm>
+          <a:prstGeom prst="rect">
+            <a:avLst/>
+          </a:prstGeom>
+        </p:spPr>
+        <p:txBody>
+          <a:bodyPr wrap="square">
+            <a:spAutoFit/>
+          </a:bodyPr>
+          <a:lstStyle/>
+          <a:p>
+            <a:r>
+              <a:rPr lang="en-US" dirty="0" smtClean="0"/>
+              <a:t>MANAGEMENT - Certified software test managers and leaders shall subscribe to and promote an ethical approach to the management of software testing </a:t>
+            </a:r>
+            <a:endParaRPr lang="en-US" dirty="0"/>
+          </a:p>
+        </p:txBody>
+      </p:sp>
+      <p:sp>
+        <p:nvSpPr>
+          <p:cNvPr id="18" name="Flowchart: Connector 17"/>
+          <p:cNvSpPr/>
+          <p:nvPr/>
+        </p:nvSpPr>
+        <p:spPr>
+          <a:xfrm>
+            <a:off x="944742" y="4735076"/>
+            <a:ext cx="84841" cy="99536"/>
+          </a:xfrm>
+          <a:prstGeom prst="flowChartConnector">
+            <a:avLst/>
+          </a:prstGeom>
+        </p:spPr>
+        <p:style>
+          <a:lnRef idx="1">
+            <a:schemeClr val="accent6"/>
+          </a:lnRef>
+          <a:fillRef idx="3">
+            <a:schemeClr val="accent6"/>
+          </a:fillRef>
+          <a:effectRef idx="2">
+            <a:schemeClr val="accent6"/>
+          </a:effectRef>
+          <a:fontRef idx="minor">
+            <a:schemeClr val="lt1"/>
+          </a:fontRef>
+        </p:style>
+        <p:txBody>
+          <a:bodyPr rtlCol="0" anchor="ctr"/>
+          <a:lstStyle/>
+          <a:p>
+            <a:pPr algn="ctr"/>
+            <a:endParaRPr lang="en-US">
+              <a:solidFill>
+                <a:schemeClr val="tx1"/>
+              </a:solidFill>
+            </a:endParaRPr>
+          </a:p>
+        </p:txBody>
+      </p:sp>
+      <p:sp>
+        <p:nvSpPr>
+          <p:cNvPr id="19" name="Rectangle 18"/>
+          <p:cNvSpPr/>
+          <p:nvPr/>
+        </p:nvSpPr>
+        <p:spPr>
+          <a:xfrm>
+            <a:off x="1295400" y="3933056"/>
+            <a:ext cx="6660976" cy="646331"/>
+          </a:xfrm>
+          <a:prstGeom prst="rect">
+            <a:avLst/>
+          </a:prstGeom>
+        </p:spPr>
+        <p:txBody>
+          <a:bodyPr wrap="square">
+            <a:spAutoFit/>
+          </a:bodyPr>
+          <a:lstStyle/>
+          <a:p>
+            <a:r>
+              <a:rPr lang="en-US" dirty="0" smtClean="0"/>
+              <a:t>JUDGMENT- Certified software testers shall maintain integrity and independence in their professional judgment </a:t>
+            </a:r>
+            <a:endParaRPr lang="en-US" dirty="0"/>
+          </a:p>
+        </p:txBody>
+      </p:sp>
+      <p:sp>
+        <p:nvSpPr>
+          <p:cNvPr id="20" name="Flowchart: Connector 19"/>
+          <p:cNvSpPr/>
+          <p:nvPr/>
+        </p:nvSpPr>
+        <p:spPr>
+          <a:xfrm>
+            <a:off x="944740" y="4067954"/>
+            <a:ext cx="84841" cy="99536"/>
+          </a:xfrm>
+          <a:prstGeom prst="flowChartConnector">
+            <a:avLst/>
+          </a:prstGeom>
+        </p:spPr>
+        <p:style>
+          <a:lnRef idx="1">
+            <a:schemeClr val="accent6"/>
+          </a:lnRef>
+          <a:fillRef idx="3">
+            <a:schemeClr val="accent6"/>
+          </a:fillRef>
+          <a:effectRef idx="2">
+            <a:schemeClr val="accent6"/>
+          </a:effectRef>
+          <a:fontRef idx="minor">
+            <a:schemeClr val="lt1"/>
+          </a:fontRef>
+        </p:style>
+        <p:txBody>
+          <a:bodyPr rtlCol="0" anchor="ctr"/>
+          <a:lstStyle/>
+          <a:p>
+            <a:pPr algn="ctr"/>
+            <a:endParaRPr lang="en-US">
+              <a:solidFill>
+                <a:schemeClr val="tx1"/>
+              </a:solidFill>
+            </a:endParaRPr>
+          </a:p>
+        </p:txBody>
+      </p:sp>
+    </p:spTree>
+    <p:extLst>
+      <p:ext uri="{BB962C8B-B14F-4D97-AF65-F5344CB8AC3E}">
+        <p14:creationId xmlns:p14="http://schemas.microsoft.com/office/powerpoint/2010/main" xmlns="" val="4060775951"/>
+      </p:ext>
+    </p:extLst>
+  </p:cSld>
+  <p:clrMapOvr>
+    <a:masterClrMapping/>
+  </p:clrMapOvr>
+  <mc:AlternateContent xmlns:mc="http://schemas.openxmlformats.org/markup-compatibility/2006">
+    <mc:Choice xmlns:p14="http://schemas.microsoft.com/office/powerpoint/2010/main" xmlns="" Requires="p14">
+      <p:transition spd="slow" p14:dur="2000"/>
+    </mc:Choice>
+    <mc:Fallback>
+      <p:transition spd="slow"/>
+    </mc:Fallback>
+  </mc:AlternateContent>
+  <p:timing>
+    <p:tnLst>
+      <p:par>
+        <p:cTn id="1" dur="indefinite" restart="never" nodeType="tmRoot"/>
+      </p:par>
+    </p:tnLst>
+  </p:timing>
+</p:sld>
+</file>
+
+<file path=ppt/slides/slide19.xml><?xml version="1.0" encoding="utf-8"?>
+<p:sld xmlns:a="http://schemas.openxmlformats.org/drawingml/2006/main" xmlns:r="http://schemas.openxmlformats.org/officeDocument/2006/relationships" xmlns:p="http://schemas.openxmlformats.org/presentationml/2006/main">
+  <p:cSld>
+    <p:spTree>
+      <p:nvGrpSpPr>
+        <p:cNvPr id="1" name=""/>
+        <p:cNvGrpSpPr/>
+        <p:nvPr/>
+      </p:nvGrpSpPr>
+      <p:grpSpPr>
+        <a:xfrm>
+          <a:off x="0" y="0"/>
+          <a:ext cx="0" cy="0"/>
+          <a:chOff x="0" y="0"/>
+          <a:chExt cx="0" cy="0"/>
+        </a:xfrm>
+      </p:grpSpPr>
+      <p:sp>
+        <p:nvSpPr>
+          <p:cNvPr id="3" name="TextBox 2"/>
+          <p:cNvSpPr txBox="1"/>
+          <p:nvPr/>
+        </p:nvSpPr>
+        <p:spPr>
+          <a:xfrm>
+            <a:off x="457200" y="533400"/>
+            <a:ext cx="7859216" cy="646331"/>
+          </a:xfrm>
+          <a:prstGeom prst="rect">
+            <a:avLst/>
+          </a:prstGeom>
+          <a:noFill/>
+        </p:spPr>
+        <p:txBody>
+          <a:bodyPr wrap="square" rtlCol="0">
+            <a:spAutoFit/>
+          </a:bodyPr>
+          <a:lstStyle/>
+          <a:p>
+            <a:r>
+              <a:rPr lang="en-US" sz="3600" dirty="0" smtClean="0">
+                <a:solidFill>
+                  <a:schemeClr val="tx1">
+                    <a:lumMod val="65000"/>
+                    <a:lumOff val="35000"/>
+                  </a:schemeClr>
+                </a:solidFill>
+                <a:effectLst>
+                  <a:outerShdw blurRad="38100" dist="38100" dir="2700000" algn="tl">
+                    <a:srgbClr val="000000">
+                      <a:alpha val="43137"/>
+                    </a:srgbClr>
+                  </a:outerShdw>
+                </a:effectLst>
+              </a:rPr>
+              <a:t>Code of Ethics (continuation)</a:t>
+            </a:r>
+            <a:endParaRPr lang="en-US" sz="3600" dirty="0"/>
+          </a:p>
+        </p:txBody>
+      </p:sp>
+      <p:sp>
+        <p:nvSpPr>
+          <p:cNvPr id="4" name="Rectangle 3"/>
+          <p:cNvSpPr/>
+          <p:nvPr/>
+        </p:nvSpPr>
+        <p:spPr>
+          <a:xfrm>
+            <a:off x="1249680" y="1362670"/>
+            <a:ext cx="6778704" cy="646331"/>
+          </a:xfrm>
+          <a:prstGeom prst="rect">
+            <a:avLst/>
+          </a:prstGeom>
+        </p:spPr>
+        <p:txBody>
+          <a:bodyPr wrap="square">
+            <a:spAutoFit/>
+          </a:bodyPr>
+          <a:lstStyle/>
+          <a:p>
+            <a:r>
+              <a:rPr lang="en-US" dirty="0" smtClean="0"/>
+              <a:t>PROFESSION - Certified software testers shall advance the integrity and reputation of the profession consistent with the public interest </a:t>
+            </a:r>
+            <a:endParaRPr lang="en-US" dirty="0"/>
+          </a:p>
+        </p:txBody>
+      </p:sp>
+      <p:sp>
+        <p:nvSpPr>
+          <p:cNvPr id="7" name="Rectangle 6"/>
+          <p:cNvSpPr/>
+          <p:nvPr/>
+        </p:nvSpPr>
+        <p:spPr>
+          <a:xfrm>
+            <a:off x="1259632" y="1988840"/>
+            <a:ext cx="7128792" cy="646331"/>
+          </a:xfrm>
+          <a:prstGeom prst="rect">
+            <a:avLst/>
+          </a:prstGeom>
+        </p:spPr>
+        <p:txBody>
+          <a:bodyPr wrap="square">
+            <a:spAutoFit/>
+          </a:bodyPr>
+          <a:lstStyle/>
+          <a:p>
+            <a:r>
+              <a:rPr lang="en-US" dirty="0" smtClean="0"/>
+              <a:t>COLLEAGUES - Certified software testers shall be fair to and supportive of their colleagues, and promote cooperation with software developers</a:t>
+            </a:r>
+            <a:endParaRPr lang="en-US" dirty="0"/>
+          </a:p>
+        </p:txBody>
+      </p:sp>
+      <p:sp>
+        <p:nvSpPr>
+          <p:cNvPr id="13" name="Flowchart: Connector 12"/>
+          <p:cNvSpPr/>
+          <p:nvPr/>
+        </p:nvSpPr>
+        <p:spPr>
+          <a:xfrm>
+            <a:off x="944741" y="1488043"/>
+            <a:ext cx="84841" cy="99536"/>
+          </a:xfrm>
+          <a:prstGeom prst="flowChartConnector">
+            <a:avLst/>
+          </a:prstGeom>
+        </p:spPr>
+        <p:style>
+          <a:lnRef idx="1">
+            <a:schemeClr val="accent6"/>
+          </a:lnRef>
+          <a:fillRef idx="3">
+            <a:schemeClr val="accent6"/>
+          </a:fillRef>
+          <a:effectRef idx="2">
+            <a:schemeClr val="accent6"/>
+          </a:effectRef>
+          <a:fontRef idx="minor">
+            <a:schemeClr val="lt1"/>
+          </a:fontRef>
+        </p:style>
+        <p:txBody>
+          <a:bodyPr rtlCol="0" anchor="ctr"/>
+          <a:lstStyle/>
+          <a:p>
+            <a:pPr algn="ctr"/>
+            <a:endParaRPr lang="en-US">
+              <a:solidFill>
+                <a:schemeClr val="tx1"/>
+              </a:solidFill>
+            </a:endParaRPr>
+          </a:p>
+        </p:txBody>
+      </p:sp>
+      <p:sp>
+        <p:nvSpPr>
+          <p:cNvPr id="14" name="Flowchart: Connector 13"/>
+          <p:cNvSpPr/>
+          <p:nvPr/>
+        </p:nvSpPr>
+        <p:spPr>
+          <a:xfrm>
+            <a:off x="931779" y="2114446"/>
+            <a:ext cx="84841" cy="99536"/>
+          </a:xfrm>
+          <a:prstGeom prst="flowChartConnector">
+            <a:avLst/>
+          </a:prstGeom>
+        </p:spPr>
+        <p:style>
+          <a:lnRef idx="1">
+            <a:schemeClr val="accent6"/>
+          </a:lnRef>
+          <a:fillRef idx="3">
+            <a:schemeClr val="accent6"/>
+          </a:fillRef>
+          <a:effectRef idx="2">
+            <a:schemeClr val="accent6"/>
+          </a:effectRef>
+          <a:fontRef idx="minor">
+            <a:schemeClr val="lt1"/>
+          </a:fontRef>
+        </p:style>
+        <p:txBody>
+          <a:bodyPr rtlCol="0" anchor="ctr"/>
+          <a:lstStyle/>
+          <a:p>
+            <a:pPr algn="ctr"/>
+            <a:endParaRPr lang="en-US">
+              <a:solidFill>
+                <a:schemeClr val="tx1"/>
+              </a:solidFill>
+            </a:endParaRPr>
+          </a:p>
+        </p:txBody>
+      </p:sp>
+      <p:sp>
+        <p:nvSpPr>
+          <p:cNvPr id="16" name="Rectangle 6"/>
+          <p:cNvSpPr/>
+          <p:nvPr/>
+        </p:nvSpPr>
+        <p:spPr>
+          <a:xfrm>
+            <a:off x="1259632" y="2636912"/>
+            <a:ext cx="7128792" cy="923330"/>
+          </a:xfrm>
+          <a:prstGeom prst="rect">
+            <a:avLst/>
+          </a:prstGeom>
+        </p:spPr>
+        <p:txBody>
+          <a:bodyPr wrap="square">
+            <a:spAutoFit/>
+          </a:bodyPr>
+          <a:lstStyle/>
+          <a:p>
+            <a:r>
+              <a:rPr lang="en-US" dirty="0" smtClean="0"/>
+              <a:t>SELF - Certified software testers shall participate in lifelong learning regarding the practice of their profession and shall promote an ethical approach to the practice of the profession</a:t>
+            </a:r>
+            <a:endParaRPr lang="en-US" dirty="0"/>
+          </a:p>
+        </p:txBody>
+      </p:sp>
+      <p:sp>
+        <p:nvSpPr>
+          <p:cNvPr id="21" name="Flowchart: Connector 13"/>
+          <p:cNvSpPr/>
+          <p:nvPr/>
+        </p:nvSpPr>
+        <p:spPr>
+          <a:xfrm>
+            <a:off x="931779" y="2762518"/>
+            <a:ext cx="84841" cy="99536"/>
+          </a:xfrm>
+          <a:prstGeom prst="flowChartConnector">
+            <a:avLst/>
+          </a:prstGeom>
+        </p:spPr>
+        <p:style>
+          <a:lnRef idx="1">
+            <a:schemeClr val="accent6"/>
+          </a:lnRef>
+          <a:fillRef idx="3">
+            <a:schemeClr val="accent6"/>
+          </a:fillRef>
+          <a:effectRef idx="2">
+            <a:schemeClr val="accent6"/>
+          </a:effectRef>
+          <a:fontRef idx="minor">
+            <a:schemeClr val="lt1"/>
+          </a:fontRef>
+        </p:style>
+        <p:txBody>
+          <a:bodyPr rtlCol="0" anchor="ctr"/>
+          <a:lstStyle/>
+          <a:p>
+            <a:pPr algn="ctr"/>
+            <a:endParaRPr lang="en-US">
+              <a:solidFill>
+                <a:schemeClr val="tx1"/>
+              </a:solidFill>
+            </a:endParaRPr>
+          </a:p>
+        </p:txBody>
+      </p:sp>
+    </p:spTree>
+    <p:extLst>
+      <p:ext uri="{BB962C8B-B14F-4D97-AF65-F5344CB8AC3E}">
+        <p14:creationId xmlns:p14="http://schemas.microsoft.com/office/powerpoint/2010/main" xmlns="" val="4060775951"/>
+      </p:ext>
+    </p:extLst>
+  </p:cSld>
+  <p:clrMapOvr>
+    <a:masterClrMapping/>
+  </p:clrMapOvr>
+  <mc:AlternateContent xmlns:mc="http://schemas.openxmlformats.org/markup-compatibility/2006">
+    <mc:Choice xmlns:p14="http://schemas.microsoft.com/office/powerpoint/2010/main" xmlns="" Requires="p14">
+      <p:transition spd="slow" p14:dur="2000"/>
+    </mc:Choice>
+    <mc:Fallback>
+      <p:transition spd="slow"/>
+    </mc:Fallback>
+  </mc:AlternateContent>
+  <p:timing>
+    <p:tnLst>
+      <p:par>
+        <p:cTn id="1" dur="indefinite" restart="never" nodeType="tmRoot"/>
+      </p:par>
+    </p:tnLst>
+  </p:timing>
+</p:sld>
+</file>
+
+<file path=ppt/slides/slide2.xml><?xml version="1.0" encoding="utf-8"?>
+<p:sld xmlns:a="http://schemas.openxmlformats.org/drawingml/2006/main" xmlns:r="http://schemas.openxmlformats.org/officeDocument/2006/relationships" xmlns:p="http://schemas.openxmlformats.org/presentationml/2006/main">
+  <p:cSld>
+    <p:spTree>
+      <p:nvGrpSpPr>
+        <p:cNvPr id="1" name=""/>
+        <p:cNvGrpSpPr/>
+        <p:nvPr/>
+      </p:nvGrpSpPr>
+      <p:grpSpPr>
+        <a:xfrm>
+          <a:off x="0" y="0"/>
+          <a:ext cx="0" cy="0"/>
+          <a:chOff x="0" y="0"/>
+          <a:chExt cx="0" cy="0"/>
+        </a:xfrm>
+      </p:grpSpPr>
+      <p:sp>
+        <p:nvSpPr>
+          <p:cNvPr id="3" name="TextBox 2"/>
+          <p:cNvSpPr txBox="1"/>
+          <p:nvPr/>
+        </p:nvSpPr>
+        <p:spPr>
+          <a:xfrm>
+            <a:off x="457200" y="533400"/>
+            <a:ext cx="1986441" cy="630942"/>
+          </a:xfrm>
+          <a:prstGeom prst="rect">
+            <a:avLst/>
+          </a:prstGeom>
+          <a:noFill/>
+        </p:spPr>
+        <p:txBody>
+          <a:bodyPr wrap="none" rtlCol="0">
+            <a:spAutoFit/>
+          </a:bodyPr>
+          <a:lstStyle/>
+          <a:p>
+            <a:r>
+              <a:rPr lang="en-US" sz="3500" dirty="0" smtClean="0">
+                <a:solidFill>
+                  <a:schemeClr val="tx1">
+                    <a:lumMod val="65000"/>
+                    <a:lumOff val="35000"/>
+                  </a:schemeClr>
+                </a:solidFill>
+                <a:effectLst>
+                  <a:outerShdw blurRad="38100" dist="38100" dir="2700000" algn="tl">
+                    <a:srgbClr val="000000">
+                      <a:alpha val="43137"/>
+                    </a:srgbClr>
+                  </a:outerShdw>
+                </a:effectLst>
+              </a:rPr>
+              <a:t>About me</a:t>
+            </a:r>
+          </a:p>
+        </p:txBody>
+      </p:sp>
+      <p:sp>
+        <p:nvSpPr>
+          <p:cNvPr id="4" name="Rectangle 3"/>
+          <p:cNvSpPr/>
+          <p:nvPr/>
+        </p:nvSpPr>
+        <p:spPr>
+          <a:xfrm>
+            <a:off x="2195736" y="1268760"/>
+            <a:ext cx="4752528" cy="646331"/>
+          </a:xfrm>
+          <a:prstGeom prst="rect">
+            <a:avLst/>
+          </a:prstGeom>
+        </p:spPr>
+        <p:txBody>
+          <a:bodyPr wrap="square">
+            <a:spAutoFit/>
+          </a:bodyPr>
+          <a:lstStyle/>
+          <a:p>
+            <a:pPr algn="ctr"/>
+            <a:r>
+              <a:rPr lang="en-US" sz="3600" b="1" dirty="0" smtClean="0"/>
+              <a:t>Inna </a:t>
+            </a:r>
+            <a:r>
+              <a:rPr lang="en-US" sz="3600" b="1" dirty="0" err="1" smtClean="0"/>
+              <a:t>Marchenko</a:t>
+            </a:r>
+            <a:endParaRPr lang="en-US" sz="3600" b="1" dirty="0"/>
+          </a:p>
+        </p:txBody>
+      </p:sp>
+      <p:sp>
+        <p:nvSpPr>
+          <p:cNvPr id="5" name="Rectangle 4"/>
+          <p:cNvSpPr/>
+          <p:nvPr/>
+        </p:nvSpPr>
+        <p:spPr>
+          <a:xfrm>
+            <a:off x="2915816" y="1916832"/>
+            <a:ext cx="3456384" cy="584775"/>
+          </a:xfrm>
+          <a:prstGeom prst="rect">
+            <a:avLst/>
+          </a:prstGeom>
+        </p:spPr>
+        <p:txBody>
+          <a:bodyPr wrap="square">
+            <a:spAutoFit/>
+          </a:bodyPr>
+          <a:lstStyle/>
+          <a:p>
+            <a:pPr algn="ctr"/>
+            <a:r>
+              <a:rPr lang="en-US" sz="1600" u="sng" dirty="0" smtClean="0">
+                <a:solidFill>
+                  <a:schemeClr val="tx2">
+                    <a:lumMod val="60000"/>
+                    <a:lumOff val="40000"/>
+                  </a:schemeClr>
+                </a:solidFill>
+                <a:latin typeface="Verdana" panose="020B0604030504040204" pitchFamily="34" charset="0"/>
+                <a:ea typeface="Verdana" panose="020B0604030504040204" pitchFamily="34" charset="0"/>
+                <a:cs typeface="Verdana" panose="020B0604030504040204" pitchFamily="34" charset="0"/>
+              </a:rPr>
+              <a:t>kinnao@ua.fm</a:t>
+            </a:r>
+            <a:br>
+              <a:rPr lang="en-US" sz="1600" u="sng" dirty="0" smtClean="0">
+                <a:solidFill>
+                  <a:schemeClr val="tx2">
+                    <a:lumMod val="60000"/>
+                    <a:lumOff val="40000"/>
+                  </a:schemeClr>
+                </a:solidFill>
+                <a:latin typeface="Verdana" panose="020B0604030504040204" pitchFamily="34" charset="0"/>
+                <a:ea typeface="Verdana" panose="020B0604030504040204" pitchFamily="34" charset="0"/>
+                <a:cs typeface="Verdana" panose="020B0604030504040204" pitchFamily="34" charset="0"/>
+              </a:rPr>
+            </a:br>
+            <a:r>
+              <a:rPr lang="en-US" sz="1600" dirty="0" smtClean="0">
+                <a:solidFill>
+                  <a:schemeClr val="tx2">
+                    <a:lumMod val="60000"/>
+                    <a:lumOff val="40000"/>
+                  </a:schemeClr>
+                </a:solidFill>
+                <a:latin typeface="Verdana" panose="020B0604030504040204" pitchFamily="34" charset="0"/>
+                <a:ea typeface="Verdana" panose="020B0604030504040204" pitchFamily="34" charset="0"/>
+                <a:cs typeface="Verdana" panose="020B0604030504040204" pitchFamily="34" charset="0"/>
+              </a:rPr>
+              <a:t>099-256-84-18</a:t>
+            </a:r>
+            <a:endParaRPr lang="en-US" dirty="0">
+              <a:solidFill>
+                <a:schemeClr val="tx2">
+                  <a:lumMod val="60000"/>
+                  <a:lumOff val="40000"/>
+                </a:schemeClr>
+              </a:solidFill>
+              <a:latin typeface="Verdana" panose="020B0604030504040204" pitchFamily="34" charset="0"/>
+              <a:ea typeface="Verdana" panose="020B0604030504040204" pitchFamily="34" charset="0"/>
+              <a:cs typeface="Verdana" panose="020B0604030504040204" pitchFamily="34" charset="0"/>
+            </a:endParaRPr>
+          </a:p>
+        </p:txBody>
+      </p:sp>
+      <p:sp>
+        <p:nvSpPr>
+          <p:cNvPr id="6" name="Rectangle 5"/>
+          <p:cNvSpPr/>
+          <p:nvPr/>
+        </p:nvSpPr>
+        <p:spPr>
+          <a:xfrm>
+            <a:off x="1475656" y="2924944"/>
+            <a:ext cx="6408712" cy="2246769"/>
+          </a:xfrm>
+          <a:prstGeom prst="rect">
+            <a:avLst/>
+          </a:prstGeom>
+        </p:spPr>
+        <p:txBody>
+          <a:bodyPr wrap="square">
+            <a:spAutoFit/>
+          </a:bodyPr>
+          <a:lstStyle/>
+          <a:p>
+            <a:pPr algn="ctr"/>
+            <a:r>
+              <a:rPr lang="en-US" sz="2000" b="1" dirty="0" smtClean="0"/>
+              <a:t>Experience</a:t>
+            </a:r>
+            <a:r>
+              <a:rPr lang="ru-RU" sz="2000" dirty="0" smtClean="0"/>
+              <a:t>:</a:t>
+            </a:r>
+            <a:endParaRPr lang="en-US" sz="2000" dirty="0" smtClean="0"/>
+          </a:p>
+          <a:p>
+            <a:pPr algn="ctr"/>
+            <a:endParaRPr lang="ru-RU" sz="2000" dirty="0" smtClean="0"/>
+          </a:p>
+          <a:p>
+            <a:pPr>
+              <a:buFont typeface="Wingdings" pitchFamily="2" charset="2"/>
+              <a:buChar char="ü"/>
+            </a:pPr>
+            <a:r>
+              <a:rPr lang="ru-RU" sz="2000" i="1" dirty="0" smtClean="0"/>
+              <a:t> </a:t>
+            </a:r>
+            <a:r>
+              <a:rPr lang="en-US" sz="2000" i="1" dirty="0" smtClean="0"/>
+              <a:t>Sitecore Ukraine, QA Department Manager, 2006-2010</a:t>
+            </a:r>
+          </a:p>
+          <a:p>
+            <a:pPr>
+              <a:buFont typeface="Wingdings" pitchFamily="2" charset="2"/>
+              <a:buChar char="ü"/>
+            </a:pPr>
+            <a:endParaRPr lang="en-US" sz="2000" i="1" dirty="0" smtClean="0"/>
+          </a:p>
+          <a:p>
+            <a:pPr>
+              <a:buFont typeface="Wingdings" pitchFamily="2" charset="2"/>
+              <a:buChar char="ü"/>
+            </a:pPr>
+            <a:r>
+              <a:rPr lang="ru-RU" sz="2000" i="1" dirty="0" smtClean="0"/>
+              <a:t> </a:t>
+            </a:r>
+            <a:r>
+              <a:rPr lang="en-US" sz="2000" i="1" dirty="0" smtClean="0"/>
+              <a:t>ITG Ukraine, Product Specialist, 2005-2006</a:t>
+            </a:r>
+          </a:p>
+          <a:p>
+            <a:pPr>
+              <a:buFont typeface="Wingdings" pitchFamily="2" charset="2"/>
+              <a:buChar char="ü"/>
+            </a:pPr>
+            <a:endParaRPr lang="en-US" sz="2000" i="1" dirty="0" smtClean="0"/>
+          </a:p>
+          <a:p>
+            <a:pPr>
+              <a:buFont typeface="Wingdings" pitchFamily="2" charset="2"/>
+              <a:buChar char="ü"/>
+            </a:pPr>
+            <a:r>
+              <a:rPr lang="ru-RU" sz="2000" i="1" dirty="0" smtClean="0"/>
+              <a:t> </a:t>
+            </a:r>
+            <a:r>
+              <a:rPr lang="en-US" sz="2000" i="1" dirty="0" err="1" smtClean="0"/>
+              <a:t>Apriorit</a:t>
+            </a:r>
+            <a:r>
+              <a:rPr lang="en-US" sz="2000" i="1" dirty="0" smtClean="0"/>
+              <a:t>, Tester, 2004-2005</a:t>
+            </a:r>
+            <a:endParaRPr lang="en-US" sz="2000" i="1" dirty="0"/>
+          </a:p>
+        </p:txBody>
+      </p:sp>
+    </p:spTree>
+    <p:extLst>
+      <p:ext uri="{BB962C8B-B14F-4D97-AF65-F5344CB8AC3E}">
+        <p14:creationId xmlns:p14="http://schemas.microsoft.com/office/powerpoint/2010/main" xmlns="" val="3292176594"/>
+      </p:ext>
+    </p:extLst>
+  </p:cSld>
+  <p:clrMapOvr>
+    <a:masterClrMapping/>
+  </p:clrMapOvr>
+  <p:timing>
+    <p:tnLst>
+      <p:par>
+        <p:cTn id="1" dur="indefinite" restart="never" nodeType="tmRoot">
+          <p:childTnLst>
+            <p:seq concurrent="1" nextAc="seek">
+              <p:cTn id="2" dur="indefinite" nodeType="mainSeq">
+                <p:childTnLst>
+                  <p:par>
+                    <p:cTn id="3" fill="hold">
+                      <p:stCondLst>
+                        <p:cond delay="indefinite"/>
+                      </p:stCondLst>
+                      <p:childTnLst>
+                        <p:par>
+                          <p:cTn id="4" fill="hold">
+                            <p:stCondLst>
+                              <p:cond delay="0"/>
+                            </p:stCondLst>
+                            <p:childTnLst>
+                              <p:par>
+                                <p:cTn id="5" presetID="10" presetClass="entr" presetSubtype="0" fill="hold" grpId="0" nodeType="clickEffect">
+                                  <p:stCondLst>
+                                    <p:cond delay="0"/>
+                                  </p:stCondLst>
+                                  <p:childTnLst>
+                                    <p:set>
+                                      <p:cBhvr>
+                                        <p:cTn id="6" dur="1" fill="hold">
+                                          <p:stCondLst>
+                                            <p:cond delay="0"/>
+                                          </p:stCondLst>
+                                        </p:cTn>
+                                        <p:tgtEl>
+                                          <p:spTgt spid="4"/>
+                                        </p:tgtEl>
+                                        <p:attrNameLst>
+                                          <p:attrName>style.visibility</p:attrName>
+                                        </p:attrNameLst>
+                                      </p:cBhvr>
+                                      <p:to>
+                                        <p:strVal val="visible"/>
+                                      </p:to>
+                                    </p:set>
+                                    <p:animEffect transition="in" filter="fade">
+                                      <p:cBhvr>
+                                        <p:cTn id="7" dur="500"/>
+                                        <p:tgtEl>
+                                          <p:spTgt spid="4"/>
+                                        </p:tgtEl>
+                                      </p:cBhvr>
+                                    </p:animEffect>
+                                  </p:childTnLst>
+                                </p:cTn>
+                              </p:par>
+                            </p:childTnLst>
+                          </p:cTn>
+                        </p:par>
+                      </p:childTnLst>
+                    </p:cTn>
+                  </p:par>
+                  <p:par>
+                    <p:cTn id="8" fill="hold">
+                      <p:stCondLst>
+                        <p:cond delay="indefinite"/>
+                      </p:stCondLst>
+                      <p:childTnLst>
+                        <p:par>
+                          <p:cTn id="9" fill="hold">
+                            <p:stCondLst>
+                              <p:cond delay="0"/>
+                            </p:stCondLst>
+                            <p:childTnLst>
+                              <p:par>
+                                <p:cTn id="10" presetID="10" presetClass="entr" presetSubtype="0" fill="hold" grpId="0" nodeType="clickEffect">
+                                  <p:stCondLst>
+                                    <p:cond delay="0"/>
+                                  </p:stCondLst>
+                                  <p:childTnLst>
+                                    <p:set>
+                                      <p:cBhvr>
+                                        <p:cTn id="11" dur="1" fill="hold">
+                                          <p:stCondLst>
+                                            <p:cond delay="0"/>
+                                          </p:stCondLst>
+                                        </p:cTn>
+                                        <p:tgtEl>
+                                          <p:spTgt spid="5"/>
+                                        </p:tgtEl>
+                                        <p:attrNameLst>
+                                          <p:attrName>style.visibility</p:attrName>
+                                        </p:attrNameLst>
+                                      </p:cBhvr>
+                                      <p:to>
+                                        <p:strVal val="visible"/>
+                                      </p:to>
+                                    </p:set>
+                                    <p:animEffect transition="in" filter="fade">
+                                      <p:cBhvr>
+                                        <p:cTn id="12" dur="500"/>
+                                        <p:tgtEl>
+                                          <p:spTgt spid="5"/>
+                                        </p:tgtEl>
+                                      </p:cBhvr>
+                                    </p:animEffect>
+                                  </p:childTnLst>
+                                </p:cTn>
+                              </p:par>
+                            </p:childTnLst>
+                          </p:cTn>
+                        </p:par>
+                      </p:childTnLst>
+                    </p:cTn>
+                  </p:par>
+                  <p:par>
+                    <p:cTn id="13" fill="hold">
+                      <p:stCondLst>
+                        <p:cond delay="indefinite"/>
+                      </p:stCondLst>
+                      <p:childTnLst>
+                        <p:par>
+                          <p:cTn id="14" fill="hold">
+                            <p:stCondLst>
+                              <p:cond delay="0"/>
+                            </p:stCondLst>
+                            <p:childTnLst>
+                              <p:par>
+                                <p:cTn id="15" presetID="10" presetClass="entr" presetSubtype="0" fill="hold" grpId="0" nodeType="clickEffect">
+                                  <p:stCondLst>
+                                    <p:cond delay="0"/>
+                                  </p:stCondLst>
+                                  <p:childTnLst>
+                                    <p:set>
+                                      <p:cBhvr>
+                                        <p:cTn id="16" dur="1" fill="hold">
+                                          <p:stCondLst>
+                                            <p:cond delay="0"/>
+                                          </p:stCondLst>
+                                        </p:cTn>
+                                        <p:tgtEl>
+                                          <p:spTgt spid="6"/>
+                                        </p:tgtEl>
+                                        <p:attrNameLst>
+                                          <p:attrName>style.visibility</p:attrName>
+                                        </p:attrNameLst>
+                                      </p:cBhvr>
+                                      <p:to>
+                                        <p:strVal val="visible"/>
+                                      </p:to>
+                                    </p:set>
+                                    <p:animEffect transition="in" filter="fade">
+                                      <p:cBhvr>
+                                        <p:cTn id="17" dur="500"/>
+                                        <p:tgtEl>
+                                          <p:spTgt spid="6"/>
+                                        </p:tgtEl>
+                                      </p:cBhvr>
+                                    </p:animEffect>
+                                  </p:childTnLst>
+                                </p:cTn>
+                              </p:par>
+                            </p:childTnLst>
+                          </p:cTn>
+                        </p:par>
+                      </p:childTnLst>
+                    </p:cTn>
+                  </p:par>
+                </p:childTnLst>
+              </p:cTn>
+              <p:prevCondLst>
+                <p:cond evt="onPrev" delay="0">
+                  <p:tgtEl>
+                    <p:sldTgt/>
+                  </p:tgtEl>
+                </p:cond>
+              </p:prevCondLst>
+              <p:nextCondLst>
+                <p:cond evt="onNext" delay="0">
+                  <p:tgtEl>
+                    <p:sldTgt/>
+                  </p:tgtEl>
+                </p:cond>
+              </p:nextCondLst>
+            </p:seq>
+          </p:childTnLst>
+        </p:cTn>
+      </p:par>
+    </p:tnLst>
+    <p:bldLst>
+      <p:bldP spid="4" grpId="0"/>
+      <p:bldP spid="5" grpId="0"/>
+      <p:bldP spid="6" grpId="0"/>
+    </p:bldLst>
+  </p:timing>
+</p:sld>
+</file>
+
+<file path=ppt/slides/slide20.xml><?xml version="1.0" encoding="utf-8"?>
+<p:sld xmlns:a="http://schemas.openxmlformats.org/drawingml/2006/main" xmlns:r="http://schemas.openxmlformats.org/officeDocument/2006/relationships" xmlns:p="http://schemas.openxmlformats.org/presentationml/2006/main">
+  <p:cSld>
+    <p:spTree>
+      <p:nvGrpSpPr>
+        <p:cNvPr id="1" name=""/>
+        <p:cNvGrpSpPr/>
+        <p:nvPr/>
+      </p:nvGrpSpPr>
+      <p:grpSpPr>
+        <a:xfrm>
+          <a:off x="0" y="0"/>
+          <a:ext cx="0" cy="0"/>
+          <a:chOff x="0" y="0"/>
+          <a:chExt cx="0" cy="0"/>
+        </a:xfrm>
+      </p:grpSpPr>
       <p:pic>
         <p:nvPicPr>
           <p:cNvPr id="1026" name="Picture 2" descr="C:\Users\jkad\Desktop\Trainings\SoftReports\Pictures\1238776843_pic_id14985.jpeg"/>
@@ -8997,7 +10945,7 @@
           <a:blip r:embed="rId3" cstate="print">
             <a:extLst>
               <a:ext uri="{28A0092B-C50C-407E-A947-70E740481C1C}">
-                <a14:useLocalDpi xmlns="" xmlns:a14="http://schemas.microsoft.com/office/drawing/2010/main" val="0"/>
+                <a14:useLocalDpi xmlns:a14="http://schemas.microsoft.com/office/drawing/2010/main" xmlns="" val="0"/>
               </a:ext>
             </a:extLst>
           </a:blip>
@@ -9017,7 +10965,7 @@
           <a:noFill/>
           <a:extLst>
             <a:ext uri="{909E8E84-426E-40DD-AFC4-6F175D3DCCD1}">
-              <a14:hiddenFill xmlns="" xmlns:a14="http://schemas.microsoft.com/office/drawing/2010/main">
+              <a14:hiddenFill xmlns:a14="http://schemas.microsoft.com/office/drawing/2010/main" xmlns="">
                 <a:solidFill>
                   <a:srgbClr val="FFFFFF"/>
                 </a:solidFill>
@@ -9092,7 +11040,7 @@
         </p:nvSpPr>
         <p:spPr>
           <a:xfrm>
-            <a:off x="683568" y="3430741"/>
+            <a:off x="683568" y="3923764"/>
             <a:ext cx="6336704" cy="646331"/>
           </a:xfrm>
           <a:prstGeom prst="rect">
@@ -9129,7 +11077,7 @@
         </p:nvSpPr>
         <p:spPr>
           <a:xfrm>
-            <a:off x="683568" y="2503929"/>
+            <a:off x="683568" y="2996952"/>
             <a:ext cx="7391400" cy="369332"/>
           </a:xfrm>
           <a:prstGeom prst="rect">
@@ -9159,7 +11107,7 @@
         <p:spPr>
           <a:xfrm>
             <a:off x="683567" y="1547500"/>
-            <a:ext cx="7373913" cy="369332"/>
+            <a:ext cx="7373913" cy="923330"/>
           </a:xfrm>
           <a:prstGeom prst="rect">
             <a:avLst/>
@@ -9173,16 +11121,30 @@
           <a:p>
             <a:r>
               <a:rPr lang="en-US" b="1" dirty="0" smtClean="0"/>
-              <a:t>Remember and understand terms from the lesson </a:t>
-            </a:r>
-            <a:endParaRPr lang="en-US" b="1" dirty="0"/>
+              <a:t>Remember and understand terms from the </a:t>
+            </a:r>
+            <a:r>
+              <a:rPr lang="en-US" b="1" dirty="0" smtClean="0"/>
+              <a:t>lesson</a:t>
+            </a:r>
+          </a:p>
+          <a:p>
+            <a:r>
+              <a:rPr lang="en-US" b="1" dirty="0" smtClean="0"/>
+              <a:t> </a:t>
+            </a:r>
+            <a:r>
+              <a:rPr lang="en-US" b="1" i="1" dirty="0" smtClean="0"/>
+              <a:t>bug, error, failure, quality, risk, debugging, requirement, review, test case, testing, test plan</a:t>
+            </a:r>
+            <a:endParaRPr lang="en-US" b="1" i="1" dirty="0"/>
           </a:p>
         </p:txBody>
       </p:sp>
     </p:spTree>
     <p:extLst>
       <p:ext uri="{BB962C8B-B14F-4D97-AF65-F5344CB8AC3E}">
-        <p14:creationId xmlns="" xmlns:p14="http://schemas.microsoft.com/office/powerpoint/2010/main" val="3400026356"/>
+        <p14:creationId xmlns:p14="http://schemas.microsoft.com/office/powerpoint/2010/main" xmlns="" val="3400026356"/>
       </p:ext>
     </p:extLst>
   </p:cSld>
@@ -9500,483 +11462,6 @@
 </p:sld>
 </file>
 
-<file path=ppt/slides/slide2.xml><?xml version="1.0" encoding="utf-8"?>
-<p:sld xmlns:a="http://schemas.openxmlformats.org/drawingml/2006/main" xmlns:r="http://schemas.openxmlformats.org/officeDocument/2006/relationships" xmlns:p="http://schemas.openxmlformats.org/presentationml/2006/main">
-  <p:cSld>
-    <p:spTree>
-      <p:nvGrpSpPr>
-        <p:cNvPr id="1" name=""/>
-        <p:cNvGrpSpPr/>
-        <p:nvPr/>
-      </p:nvGrpSpPr>
-      <p:grpSpPr>
-        <a:xfrm>
-          <a:off x="0" y="0"/>
-          <a:ext cx="0" cy="0"/>
-          <a:chOff x="0" y="0"/>
-          <a:chExt cx="0" cy="0"/>
-        </a:xfrm>
-      </p:grpSpPr>
-      <p:sp>
-        <p:nvSpPr>
-          <p:cNvPr id="3" name="TextBox 2"/>
-          <p:cNvSpPr txBox="1"/>
-          <p:nvPr/>
-        </p:nvSpPr>
-        <p:spPr>
-          <a:xfrm>
-            <a:off x="457200" y="533400"/>
-            <a:ext cx="1986441" cy="630942"/>
-          </a:xfrm>
-          <a:prstGeom prst="rect">
-            <a:avLst/>
-          </a:prstGeom>
-          <a:noFill/>
-        </p:spPr>
-        <p:txBody>
-          <a:bodyPr wrap="none" rtlCol="0">
-            <a:spAutoFit/>
-          </a:bodyPr>
-          <a:lstStyle/>
-          <a:p>
-            <a:r>
-              <a:rPr lang="en-US" sz="3500" dirty="0" smtClean="0">
-                <a:solidFill>
-                  <a:schemeClr val="tx1">
-                    <a:lumMod val="65000"/>
-                    <a:lumOff val="35000"/>
-                  </a:schemeClr>
-                </a:solidFill>
-                <a:effectLst>
-                  <a:outerShdw blurRad="38100" dist="38100" dir="2700000" algn="tl">
-                    <a:srgbClr val="000000">
-                      <a:alpha val="43137"/>
-                    </a:srgbClr>
-                  </a:outerShdw>
-                </a:effectLst>
-              </a:rPr>
-              <a:t>About me</a:t>
-            </a:r>
-          </a:p>
-        </p:txBody>
-      </p:sp>
-      <p:sp>
-        <p:nvSpPr>
-          <p:cNvPr id="4" name="Rectangle 3"/>
-          <p:cNvSpPr/>
-          <p:nvPr/>
-        </p:nvSpPr>
-        <p:spPr>
-          <a:xfrm>
-            <a:off x="2195736" y="1268760"/>
-            <a:ext cx="4752528" cy="646331"/>
-          </a:xfrm>
-          <a:prstGeom prst="rect">
-            <a:avLst/>
-          </a:prstGeom>
-        </p:spPr>
-        <p:txBody>
-          <a:bodyPr wrap="square">
-            <a:spAutoFit/>
-          </a:bodyPr>
-          <a:lstStyle/>
-          <a:p>
-            <a:pPr algn="ctr"/>
-            <a:r>
-              <a:rPr lang="en-US" sz="3600" b="1" dirty="0" smtClean="0"/>
-              <a:t>Inna </a:t>
-            </a:r>
-            <a:r>
-              <a:rPr lang="en-US" sz="3600" b="1" dirty="0" err="1" smtClean="0"/>
-              <a:t>Marchenko</a:t>
-            </a:r>
-            <a:endParaRPr lang="en-US" sz="3600" b="1" dirty="0"/>
-          </a:p>
-        </p:txBody>
-      </p:sp>
-      <p:sp>
-        <p:nvSpPr>
-          <p:cNvPr id="5" name="Rectangle 4"/>
-          <p:cNvSpPr/>
-          <p:nvPr/>
-        </p:nvSpPr>
-        <p:spPr>
-          <a:xfrm>
-            <a:off x="2915816" y="1916832"/>
-            <a:ext cx="3456384" cy="584775"/>
-          </a:xfrm>
-          <a:prstGeom prst="rect">
-            <a:avLst/>
-          </a:prstGeom>
-        </p:spPr>
-        <p:txBody>
-          <a:bodyPr wrap="square">
-            <a:spAutoFit/>
-          </a:bodyPr>
-          <a:lstStyle/>
-          <a:p>
-            <a:pPr algn="ctr"/>
-            <a:r>
-              <a:rPr lang="en-US" sz="1600" u="sng" dirty="0" smtClean="0">
-                <a:solidFill>
-                  <a:schemeClr val="tx2">
-                    <a:lumMod val="60000"/>
-                    <a:lumOff val="40000"/>
-                  </a:schemeClr>
-                </a:solidFill>
-                <a:latin typeface="Verdana" panose="020B0604030504040204" pitchFamily="34" charset="0"/>
-                <a:ea typeface="Verdana" panose="020B0604030504040204" pitchFamily="34" charset="0"/>
-                <a:cs typeface="Verdana" panose="020B0604030504040204" pitchFamily="34" charset="0"/>
-              </a:rPr>
-              <a:t>kinnao@ua.fm</a:t>
-            </a:r>
-            <a:br>
-              <a:rPr lang="en-US" sz="1600" u="sng" dirty="0" smtClean="0">
-                <a:solidFill>
-                  <a:schemeClr val="tx2">
-                    <a:lumMod val="60000"/>
-                    <a:lumOff val="40000"/>
-                  </a:schemeClr>
-                </a:solidFill>
-                <a:latin typeface="Verdana" panose="020B0604030504040204" pitchFamily="34" charset="0"/>
-                <a:ea typeface="Verdana" panose="020B0604030504040204" pitchFamily="34" charset="0"/>
-                <a:cs typeface="Verdana" panose="020B0604030504040204" pitchFamily="34" charset="0"/>
-              </a:rPr>
-            </a:br>
-            <a:r>
-              <a:rPr lang="en-US" sz="1600" dirty="0" smtClean="0">
-                <a:solidFill>
-                  <a:schemeClr val="tx2">
-                    <a:lumMod val="60000"/>
-                    <a:lumOff val="40000"/>
-                  </a:schemeClr>
-                </a:solidFill>
-                <a:latin typeface="Verdana" panose="020B0604030504040204" pitchFamily="34" charset="0"/>
-                <a:ea typeface="Verdana" panose="020B0604030504040204" pitchFamily="34" charset="0"/>
-                <a:cs typeface="Verdana" panose="020B0604030504040204" pitchFamily="34" charset="0"/>
-              </a:rPr>
-              <a:t>099-256-84-18</a:t>
-            </a:r>
-            <a:endParaRPr lang="en-US" dirty="0">
-              <a:solidFill>
-                <a:schemeClr val="tx2">
-                  <a:lumMod val="60000"/>
-                  <a:lumOff val="40000"/>
-                </a:schemeClr>
-              </a:solidFill>
-              <a:latin typeface="Verdana" panose="020B0604030504040204" pitchFamily="34" charset="0"/>
-              <a:ea typeface="Verdana" panose="020B0604030504040204" pitchFamily="34" charset="0"/>
-              <a:cs typeface="Verdana" panose="020B0604030504040204" pitchFamily="34" charset="0"/>
-            </a:endParaRPr>
-          </a:p>
-        </p:txBody>
-      </p:sp>
-      <p:sp>
-        <p:nvSpPr>
-          <p:cNvPr id="6" name="Rectangle 5"/>
-          <p:cNvSpPr/>
-          <p:nvPr/>
-        </p:nvSpPr>
-        <p:spPr>
-          <a:xfrm>
-            <a:off x="1475656" y="2924944"/>
-            <a:ext cx="6408712" cy="2246769"/>
-          </a:xfrm>
-          <a:prstGeom prst="rect">
-            <a:avLst/>
-          </a:prstGeom>
-        </p:spPr>
-        <p:txBody>
-          <a:bodyPr wrap="square">
-            <a:spAutoFit/>
-          </a:bodyPr>
-          <a:lstStyle/>
-          <a:p>
-            <a:pPr algn="ctr"/>
-            <a:r>
-              <a:rPr lang="en-US" sz="2000" b="1" dirty="0" smtClean="0"/>
-              <a:t>Experience</a:t>
-            </a:r>
-            <a:r>
-              <a:rPr lang="ru-RU" sz="2000" dirty="0" smtClean="0"/>
-              <a:t>:</a:t>
-            </a:r>
-            <a:endParaRPr lang="en-US" sz="2000" dirty="0" smtClean="0"/>
-          </a:p>
-          <a:p>
-            <a:pPr algn="ctr"/>
-            <a:endParaRPr lang="ru-RU" sz="2000" dirty="0" smtClean="0"/>
-          </a:p>
-          <a:p>
-            <a:pPr>
-              <a:buFont typeface="Wingdings" pitchFamily="2" charset="2"/>
-              <a:buChar char="ü"/>
-            </a:pPr>
-            <a:r>
-              <a:rPr lang="ru-RU" sz="2000" i="1" dirty="0" smtClean="0"/>
-              <a:t> </a:t>
-            </a:r>
-            <a:r>
-              <a:rPr lang="en-US" sz="2000" i="1" dirty="0" smtClean="0"/>
-              <a:t>Sitecore Ukraine, QA Department Manager, 2006-2010</a:t>
-            </a:r>
-          </a:p>
-          <a:p>
-            <a:pPr>
-              <a:buFont typeface="Wingdings" pitchFamily="2" charset="2"/>
-              <a:buChar char="ü"/>
-            </a:pPr>
-            <a:endParaRPr lang="en-US" sz="2000" i="1" dirty="0" smtClean="0"/>
-          </a:p>
-          <a:p>
-            <a:pPr>
-              <a:buFont typeface="Wingdings" pitchFamily="2" charset="2"/>
-              <a:buChar char="ü"/>
-            </a:pPr>
-            <a:r>
-              <a:rPr lang="ru-RU" sz="2000" i="1" dirty="0" smtClean="0"/>
-              <a:t> </a:t>
-            </a:r>
-            <a:r>
-              <a:rPr lang="en-US" sz="2000" i="1" dirty="0" smtClean="0"/>
-              <a:t>ITG Ukraine, Product Specialist, 2005-2006</a:t>
-            </a:r>
-          </a:p>
-          <a:p>
-            <a:pPr>
-              <a:buFont typeface="Wingdings" pitchFamily="2" charset="2"/>
-              <a:buChar char="ü"/>
-            </a:pPr>
-            <a:endParaRPr lang="en-US" sz="2000" i="1" dirty="0" smtClean="0"/>
-          </a:p>
-          <a:p>
-            <a:pPr>
-              <a:buFont typeface="Wingdings" pitchFamily="2" charset="2"/>
-              <a:buChar char="ü"/>
-            </a:pPr>
-            <a:r>
-              <a:rPr lang="ru-RU" sz="2000" i="1" dirty="0" smtClean="0"/>
-              <a:t> </a:t>
-            </a:r>
-            <a:r>
-              <a:rPr lang="en-US" sz="2000" i="1" dirty="0" err="1" smtClean="0"/>
-              <a:t>Apriorit</a:t>
-            </a:r>
-            <a:r>
-              <a:rPr lang="en-US" sz="2000" i="1" dirty="0" smtClean="0"/>
-              <a:t>, Tester, 2004-2005</a:t>
-            </a:r>
-            <a:endParaRPr lang="en-US" sz="2000" i="1" dirty="0"/>
-          </a:p>
-        </p:txBody>
-      </p:sp>
-    </p:spTree>
-    <p:extLst>
-      <p:ext uri="{BB962C8B-B14F-4D97-AF65-F5344CB8AC3E}">
-        <p14:creationId xmlns="" xmlns:p14="http://schemas.microsoft.com/office/powerpoint/2010/main" val="3292176594"/>
-      </p:ext>
-    </p:extLst>
-  </p:cSld>
-  <p:clrMapOvr>
-    <a:masterClrMapping/>
-  </p:clrMapOvr>
-  <p:timing>
-    <p:tnLst>
-      <p:par>
-        <p:cTn id="1" dur="indefinite" restart="never" nodeType="tmRoot">
-          <p:childTnLst>
-            <p:seq concurrent="1" nextAc="seek">
-              <p:cTn id="2" dur="indefinite" nodeType="mainSeq">
-                <p:childTnLst>
-                  <p:par>
-                    <p:cTn id="3" fill="hold">
-                      <p:stCondLst>
-                        <p:cond delay="indefinite"/>
-                      </p:stCondLst>
-                      <p:childTnLst>
-                        <p:par>
-                          <p:cTn id="4" fill="hold">
-                            <p:stCondLst>
-                              <p:cond delay="0"/>
-                            </p:stCondLst>
-                            <p:childTnLst>
-                              <p:par>
-                                <p:cTn id="5" presetID="10" presetClass="entr" presetSubtype="0" fill="hold" grpId="0" nodeType="clickEffect">
-                                  <p:stCondLst>
-                                    <p:cond delay="0"/>
-                                  </p:stCondLst>
-                                  <p:childTnLst>
-                                    <p:set>
-                                      <p:cBhvr>
-                                        <p:cTn id="6" dur="1" fill="hold">
-                                          <p:stCondLst>
-                                            <p:cond delay="0"/>
-                                          </p:stCondLst>
-                                        </p:cTn>
-                                        <p:tgtEl>
-                                          <p:spTgt spid="4"/>
-                                        </p:tgtEl>
-                                        <p:attrNameLst>
-                                          <p:attrName>style.visibility</p:attrName>
-                                        </p:attrNameLst>
-                                      </p:cBhvr>
-                                      <p:to>
-                                        <p:strVal val="visible"/>
-                                      </p:to>
-                                    </p:set>
-                                    <p:animEffect transition="in" filter="fade">
-                                      <p:cBhvr>
-                                        <p:cTn id="7" dur="500"/>
-                                        <p:tgtEl>
-                                          <p:spTgt spid="4"/>
-                                        </p:tgtEl>
-                                      </p:cBhvr>
-                                    </p:animEffect>
-                                  </p:childTnLst>
-                                </p:cTn>
-                              </p:par>
-                            </p:childTnLst>
-                          </p:cTn>
-                        </p:par>
-                      </p:childTnLst>
-                    </p:cTn>
-                  </p:par>
-                  <p:par>
-                    <p:cTn id="8" fill="hold">
-                      <p:stCondLst>
-                        <p:cond delay="indefinite"/>
-                      </p:stCondLst>
-                      <p:childTnLst>
-                        <p:par>
-                          <p:cTn id="9" fill="hold">
-                            <p:stCondLst>
-                              <p:cond delay="0"/>
-                            </p:stCondLst>
-                            <p:childTnLst>
-                              <p:par>
-                                <p:cTn id="10" presetID="10" presetClass="entr" presetSubtype="0" fill="hold" grpId="0" nodeType="clickEffect">
-                                  <p:stCondLst>
-                                    <p:cond delay="0"/>
-                                  </p:stCondLst>
-                                  <p:childTnLst>
-                                    <p:set>
-                                      <p:cBhvr>
-                                        <p:cTn id="11" dur="1" fill="hold">
-                                          <p:stCondLst>
-                                            <p:cond delay="0"/>
-                                          </p:stCondLst>
-                                        </p:cTn>
-                                        <p:tgtEl>
-                                          <p:spTgt spid="5"/>
-                                        </p:tgtEl>
-                                        <p:attrNameLst>
-                                          <p:attrName>style.visibility</p:attrName>
-                                        </p:attrNameLst>
-                                      </p:cBhvr>
-                                      <p:to>
-                                        <p:strVal val="visible"/>
-                                      </p:to>
-                                    </p:set>
-                                    <p:animEffect transition="in" filter="fade">
-                                      <p:cBhvr>
-                                        <p:cTn id="12" dur="500"/>
-                                        <p:tgtEl>
-                                          <p:spTgt spid="5"/>
-                                        </p:tgtEl>
-                                      </p:cBhvr>
-                                    </p:animEffect>
-                                  </p:childTnLst>
-                                </p:cTn>
-                              </p:par>
-                            </p:childTnLst>
-                          </p:cTn>
-                        </p:par>
-                      </p:childTnLst>
-                    </p:cTn>
-                  </p:par>
-                  <p:par>
-                    <p:cTn id="13" fill="hold">
-                      <p:stCondLst>
-                        <p:cond delay="indefinite"/>
-                      </p:stCondLst>
-                      <p:childTnLst>
-                        <p:par>
-                          <p:cTn id="14" fill="hold">
-                            <p:stCondLst>
-                              <p:cond delay="0"/>
-                            </p:stCondLst>
-                            <p:childTnLst>
-                              <p:par>
-                                <p:cTn id="15" presetID="10" presetClass="entr" presetSubtype="0" fill="hold" grpId="0" nodeType="clickEffect">
-                                  <p:stCondLst>
-                                    <p:cond delay="0"/>
-                                  </p:stCondLst>
-                                  <p:childTnLst>
-                                    <p:set>
-                                      <p:cBhvr>
-                                        <p:cTn id="16" dur="1" fill="hold">
-                                          <p:stCondLst>
-                                            <p:cond delay="0"/>
-                                          </p:stCondLst>
-                                        </p:cTn>
-                                        <p:tgtEl>
-                                          <p:spTgt spid="6"/>
-                                        </p:tgtEl>
-                                        <p:attrNameLst>
-                                          <p:attrName>style.visibility</p:attrName>
-                                        </p:attrNameLst>
-                                      </p:cBhvr>
-                                      <p:to>
-                                        <p:strVal val="visible"/>
-                                      </p:to>
-                                    </p:set>
-                                    <p:animEffect transition="in" filter="fade">
-                                      <p:cBhvr>
-                                        <p:cTn id="17" dur="500"/>
-                                        <p:tgtEl>
-                                          <p:spTgt spid="6"/>
-                                        </p:tgtEl>
-                                      </p:cBhvr>
-                                    </p:animEffect>
-                                  </p:childTnLst>
-                                </p:cTn>
-                              </p:par>
-                            </p:childTnLst>
-                          </p:cTn>
-                        </p:par>
-                      </p:childTnLst>
-                    </p:cTn>
-                  </p:par>
-                </p:childTnLst>
-              </p:cTn>
-              <p:prevCondLst>
-                <p:cond evt="onPrev" delay="0">
-                  <p:tgtEl>
-                    <p:sldTgt/>
-                  </p:tgtEl>
-                </p:cond>
-              </p:prevCondLst>
-              <p:nextCondLst>
-                <p:cond evt="onNext" delay="0">
-                  <p:tgtEl>
-                    <p:sldTgt/>
-                  </p:tgtEl>
-                </p:cond>
-              </p:nextCondLst>
-            </p:seq>
-          </p:childTnLst>
-        </p:cTn>
-      </p:par>
-    </p:tnLst>
-    <p:bldLst>
-      <p:bldP spid="4" grpId="0"/>
-      <p:bldP spid="5" grpId="0"/>
-      <p:bldP spid="6" grpId="0"/>
-    </p:bldLst>
-  </p:timing>
-</p:sld>
-</file>
-
 <file path=ppt/slides/slide3.xml><?xml version="1.0" encoding="utf-8"?>
 <p:sld xmlns:a="http://schemas.openxmlformats.org/drawingml/2006/main" xmlns:r="http://schemas.openxmlformats.org/officeDocument/2006/relationships" xmlns:p="http://schemas.openxmlformats.org/presentationml/2006/main">
   <p:cSld>
@@ -10141,7 +11626,7 @@
     </p:spTree>
     <p:extLst>
       <p:ext uri="{BB962C8B-B14F-4D97-AF65-F5344CB8AC3E}">
-        <p14:creationId xmlns="" xmlns:p14="http://schemas.microsoft.com/office/powerpoint/2010/main" val="3292176594"/>
+        <p14:creationId xmlns:p14="http://schemas.microsoft.com/office/powerpoint/2010/main" xmlns="" val="3292176594"/>
       </p:ext>
     </p:extLst>
   </p:cSld>
@@ -10400,7 +11885,7 @@
     </p:spTree>
     <p:extLst>
       <p:ext uri="{BB962C8B-B14F-4D97-AF65-F5344CB8AC3E}">
-        <p14:creationId xmlns="" xmlns:p14="http://schemas.microsoft.com/office/powerpoint/2010/main" val="1923330547"/>
+        <p14:creationId xmlns:p14="http://schemas.microsoft.com/office/powerpoint/2010/main" xmlns="" val="1923330547"/>
       </p:ext>
     </p:extLst>
   </p:cSld>
@@ -10527,7 +12012,7 @@
     </p:spTree>
     <p:extLst>
       <p:ext uri="{BB962C8B-B14F-4D97-AF65-F5344CB8AC3E}">
-        <p14:creationId xmlns="" xmlns:p14="http://schemas.microsoft.com/office/powerpoint/2010/main" val="1923330547"/>
+        <p14:creationId xmlns:p14="http://schemas.microsoft.com/office/powerpoint/2010/main" xmlns="" val="1923330547"/>
       </p:ext>
     </p:extLst>
   </p:cSld>
@@ -10840,7 +12325,7 @@
         </p:nvSpPr>
         <p:spPr>
           <a:xfrm>
-            <a:off x="1295400" y="3563724"/>
+            <a:off x="1295400" y="3995772"/>
             <a:ext cx="6477000" cy="369332"/>
           </a:xfrm>
           <a:prstGeom prst="rect">
@@ -10869,7 +12354,7 @@
         </p:nvSpPr>
         <p:spPr>
           <a:xfrm>
-            <a:off x="944742" y="3717672"/>
+            <a:off x="944742" y="4149720"/>
             <a:ext cx="84841" cy="99536"/>
           </a:xfrm>
           <a:prstGeom prst="flowChartConnector">
@@ -10926,7 +12411,7 @@
           <a:p>
             <a:r>
               <a:rPr lang="en-US" dirty="0" smtClean="0"/>
-              <a:t>The psychology of testing</a:t>
+              <a:t>Fundamental Test Process</a:t>
             </a:r>
             <a:endParaRPr lang="en-US" dirty="0"/>
           </a:p>
@@ -10974,10 +12459,81 @@
           </a:p>
         </p:txBody>
       </p:sp>
+      <p:sp>
+        <p:nvSpPr>
+          <p:cNvPr id="16" name="Rectangle 18"/>
+          <p:cNvSpPr/>
+          <p:nvPr/>
+        </p:nvSpPr>
+        <p:spPr>
+          <a:xfrm>
+            <a:off x="1295400" y="3491716"/>
+            <a:ext cx="6444952" cy="369332"/>
+          </a:xfrm>
+          <a:prstGeom prst="rect">
+            <a:avLst/>
+          </a:prstGeom>
+        </p:spPr>
+        <p:txBody>
+          <a:bodyPr wrap="square">
+            <a:spAutoFit/>
+          </a:bodyPr>
+          <a:lstStyle/>
+          <a:p>
+            <a:r>
+              <a:rPr lang="en-US" dirty="0" smtClean="0"/>
+              <a:t>The psychology of testing</a:t>
+            </a:r>
+            <a:endParaRPr lang="en-US" dirty="0"/>
+          </a:p>
+        </p:txBody>
+      </p:sp>
+      <p:sp>
+        <p:nvSpPr>
+          <p:cNvPr id="21" name="Flowchart: Connector 19"/>
+          <p:cNvSpPr/>
+          <p:nvPr/>
+        </p:nvSpPr>
+        <p:spPr>
+          <a:xfrm>
+            <a:off x="944740" y="3626614"/>
+            <a:ext cx="84841" cy="99536"/>
+          </a:xfrm>
+          <a:prstGeom prst="flowChartConnector">
+            <a:avLst/>
+          </a:prstGeom>
+        </p:spPr>
+        <p:style>
+          <a:lnRef idx="1">
+            <a:schemeClr val="accent6"/>
+          </a:lnRef>
+          <a:fillRef idx="3">
+            <a:schemeClr val="accent6"/>
+          </a:fillRef>
+          <a:effectRef idx="2">
+            <a:schemeClr val="accent6"/>
+          </a:effectRef>
+          <a:fontRef idx="minor">
+            <a:schemeClr val="lt1"/>
+          </a:fontRef>
+        </p:style>
+        <p:txBody>
+          <a:bodyPr rtlCol="0" anchor="ctr"/>
+          <a:lstStyle/>
+          <a:p>
+            <a:pPr algn="ctr"/>
+            <a:endParaRPr lang="en-US">
+              <a:solidFill>
+                <a:schemeClr val="tx1"/>
+              </a:solidFill>
+            </a:endParaRPr>
+          </a:p>
+        </p:txBody>
+      </p:sp>
     </p:spTree>
     <p:extLst>
       <p:ext uri="{BB962C8B-B14F-4D97-AF65-F5344CB8AC3E}">
-        <p14:creationId xmlns="" xmlns:p14="http://schemas.microsoft.com/office/powerpoint/2010/main" val="4060775951"/>
+        <p14:creationId xmlns:p14="http://schemas.microsoft.com/office/powerpoint/2010/main" xmlns="" val="4060775951"/>
       </p:ext>
     </p:extLst>
   </p:cSld>
@@ -10985,7 +12541,7 @@
     <a:masterClrMapping/>
   </p:clrMapOvr>
   <mc:AlternateContent xmlns:mc="http://schemas.openxmlformats.org/markup-compatibility/2006">
-    <mc:Choice xmlns="" xmlns:p14="http://schemas.microsoft.com/office/powerpoint/2010/main" Requires="p14">
+    <mc:Choice xmlns:p14="http://schemas.microsoft.com/office/powerpoint/2010/main" xmlns="" Requires="p14">
       <p:transition spd="slow" p14:dur="2000"/>
     </mc:Choice>
     <mc:Fallback>
@@ -11435,7 +12991,7 @@
     </p:spTree>
     <p:extLst>
       <p:ext uri="{BB962C8B-B14F-4D97-AF65-F5344CB8AC3E}">
-        <p14:creationId xmlns="" xmlns:p14="http://schemas.microsoft.com/office/powerpoint/2010/main" val="4060775951"/>
+        <p14:creationId xmlns:p14="http://schemas.microsoft.com/office/powerpoint/2010/main" xmlns="" val="4060775951"/>
       </p:ext>
     </p:extLst>
   </p:cSld>
@@ -11443,7 +12999,7 @@
     <a:masterClrMapping/>
   </p:clrMapOvr>
   <mc:AlternateContent xmlns:mc="http://schemas.openxmlformats.org/markup-compatibility/2006">
-    <mc:Choice xmlns="" xmlns:p14="http://schemas.microsoft.com/office/powerpoint/2010/main" Requires="p14">
+    <mc:Choice xmlns:p14="http://schemas.microsoft.com/office/powerpoint/2010/main" xmlns="" Requires="p14">
       <p:transition spd="slow" p14:dur="2000"/>
     </mc:Choice>
     <mc:Fallback>
@@ -11919,7 +13475,7 @@
     </p:spTree>
     <p:extLst>
       <p:ext uri="{BB962C8B-B14F-4D97-AF65-F5344CB8AC3E}">
-        <p14:creationId xmlns="" xmlns:p14="http://schemas.microsoft.com/office/powerpoint/2010/main" val="4060775951"/>
+        <p14:creationId xmlns:p14="http://schemas.microsoft.com/office/powerpoint/2010/main" xmlns="" val="4060775951"/>
       </p:ext>
     </p:extLst>
   </p:cSld>
@@ -11927,7 +13483,7 @@
     <a:masterClrMapping/>
   </p:clrMapOvr>
   <mc:AlternateContent xmlns:mc="http://schemas.openxmlformats.org/markup-compatibility/2006">
-    <mc:Choice xmlns="" xmlns:p14="http://schemas.microsoft.com/office/powerpoint/2010/main" Requires="p14">
+    <mc:Choice xmlns:p14="http://schemas.microsoft.com/office/powerpoint/2010/main" xmlns="" Requires="p14">
       <p:transition spd="slow" p14:dur="2000"/>
     </mc:Choice>
     <mc:Fallback>
@@ -12379,7 +13935,7 @@
     </p:spTree>
     <p:extLst>
       <p:ext uri="{BB962C8B-B14F-4D97-AF65-F5344CB8AC3E}">
-        <p14:creationId xmlns="" xmlns:p14="http://schemas.microsoft.com/office/powerpoint/2010/main" val="4060775951"/>
+        <p14:creationId xmlns:p14="http://schemas.microsoft.com/office/powerpoint/2010/main" xmlns="" val="4060775951"/>
       </p:ext>
     </p:extLst>
   </p:cSld>
@@ -12387,7 +13943,7 @@
     <a:masterClrMapping/>
   </p:clrMapOvr>
   <mc:AlternateContent xmlns:mc="http://schemas.openxmlformats.org/markup-compatibility/2006">
-    <mc:Choice xmlns="" xmlns:p14="http://schemas.microsoft.com/office/powerpoint/2010/main" Requires="p14">
+    <mc:Choice xmlns:p14="http://schemas.microsoft.com/office/powerpoint/2010/main" xmlns="" Requires="p14">
       <p:transition spd="slow" p14:dur="2000"/>
     </mc:Choice>
     <mc:Fallback>

--- a/inna/Занятие 1.pptx
+++ b/inna/Занятие 1.pptx
@@ -128,7 +128,7 @@
   </p:defaultTextStyle>
   <p:extLst>
     <p:ext uri="{EFAFB233-063F-42B5-8137-9DF3F51BA10A}">
-      <p15:sldGuideLst xmlns:p15="http://schemas.microsoft.com/office/powerpoint/2012/main" xmlns="">
+      <p15:sldGuideLst xmlns="" xmlns:p15="http://schemas.microsoft.com/office/powerpoint/2012/main">
         <p15:guide id="1" orient="horz" pos="2160">
           <p15:clr>
             <a:srgbClr val="A4A3A4"/>
@@ -228,7 +228,7 @@
             <a:fld id="{7FCDCAFE-ED6D-40DE-BB2A-6C2FAE0E1B23}" type="datetimeFigureOut">
               <a:rPr lang="en-US" smtClean="0"/>
               <a:pPr/>
-              <a:t>22-Dec-14</a:t>
+              <a:t>23-Dec-14</a:t>
             </a:fld>
             <a:endParaRPr lang="en-US"/>
           </a:p>
@@ -397,7 +397,7 @@
     </p:spTree>
     <p:extLst>
       <p:ext uri="{BB962C8B-B14F-4D97-AF65-F5344CB8AC3E}">
-        <p14:creationId xmlns:p14="http://schemas.microsoft.com/office/powerpoint/2010/main" xmlns="" val="616035265"/>
+        <p14:creationId xmlns="" xmlns:p14="http://schemas.microsoft.com/office/powerpoint/2010/main" val="616035265"/>
       </p:ext>
     </p:extLst>
   </p:cSld>
@@ -2376,11 +2376,7 @@
           <a:p>
             <a:r>
               <a:rPr lang="ru-RU" dirty="0" smtClean="0"/>
-              <a:t>Человек может сделать ошибку (просчет), которая порождает дефект (недочет, помеху) в программном коде или документе. Если код с дефектом  выполнен, то система может быть не в состоянии сделать то, что должна делать (или сделать то, что от нее не ожидают), порождая отказ.  Дефекты в программном обеспечении, системах  или документах могут в  результате  привести  к  отказам, но не все дефекты  дают такой результат.  Дефекты встречаются,  потому что люди склонны ошибаться, существует нехватка времени, сложность кода, сложность инфраструктуры, изменения технологий и /или много системных взаимодействий. Отказы так же могут быть вызваны условиями окружающей среды.  Например,  радиация,  электромагнитные поля и загрязнения могут вызвать отказ в программно-аппаратных средствах или повлиять на выполнение программного обеспечения, изменяя условия работы аппаратных средств</a:t>
-            </a:r>
-            <a:r>
-              <a:rPr lang="ru-RU" dirty="0" smtClean="0"/>
-              <a:t>.</a:t>
+              <a:t>Человек может сделать ошибку (просчет), которая порождает дефект (недочет, помеху) в программном коде или документе. Если код с дефектом  выполнен, то система может быть не в состоянии сделать то, что должна делать (или сделать то, что от нее не ожидают), порождая отказ.  Дефекты в программном обеспечении, системах  или документах могут в  результате  привести  к  отказам, но не все дефекты  дают такой результат.  Дефекты встречаются,  потому что люди склонны ошибаться, существует нехватка времени, сложность кода, сложность инфраструктуры, изменения технологий и /или много системных взаимодействий. Отказы так же могут быть вызваны условиями окружающей среды.  Например,  радиация,  электромагнитные поля и загрязнения могут вызвать отказ в программно-аппаратных средствах или повлиять на выполнение программного обеспечения, изменяя условия работы аппаратных средств.</a:t>
             </a:r>
           </a:p>
           <a:p>
@@ -2413,11 +2409,7 @@
           <a:p>
             <a:r>
               <a:rPr lang="ru-RU" dirty="0" smtClean="0"/>
-              <a:t>Доскональное  </a:t>
-            </a:r>
-            <a:r>
-              <a:rPr lang="ru-RU" dirty="0" smtClean="0"/>
-              <a:t>тестирование систем и документации может уменьшить риск возникновения проблем во время функционирования и способствует повышению качества системы  программного обеспечения, если найденные дефекты исправлены прежде, чем система передана в эксплуатацию. Тестирование программного обеспечения также может быть требованием для удовлетворения  контракту или требованиям законодательства, или специализированным промышленным стандартам.</a:t>
+              <a:t>Доскональное  тестирование систем и документации может уменьшить риск возникновения проблем во время функционирования и способствует повышению качества системы  программного обеспечения, если найденные дефекты исправлены прежде, чем система передана в эксплуатацию. Тестирование программного обеспечения также может быть требованием для удовлетворения  контракту или требованиям законодательства, или специализированным промышленным стандартам.</a:t>
             </a:r>
             <a:endParaRPr lang="en-US" dirty="0" smtClean="0"/>
           </a:p>
@@ -2432,28 +2424,16 @@
             </a:r>
             <a:r>
               <a:rPr lang="ru-RU" dirty="0" smtClean="0"/>
-              <a:t> и переносимость</a:t>
-            </a:r>
+              <a:t> и переносимость).</a:t>
+            </a:r>
+          </a:p>
+          <a:p>
+            <a:endParaRPr lang="ru-RU" dirty="0" smtClean="0"/>
+          </a:p>
+          <a:p>
             <a:r>
               <a:rPr lang="ru-RU" dirty="0" smtClean="0"/>
-              <a:t>).</a:t>
-            </a:r>
-          </a:p>
-          <a:p>
-            <a:endParaRPr lang="ru-RU" dirty="0" smtClean="0"/>
-          </a:p>
-          <a:p>
-            <a:r>
-              <a:rPr lang="ru-RU" dirty="0" smtClean="0"/>
-              <a:t>Тестирование </a:t>
-            </a:r>
-            <a:r>
-              <a:rPr lang="ru-RU" dirty="0" smtClean="0"/>
-              <a:t>может породить уверенность в качестве программного обеспечения, если не найдены или найдено немного дефектов. Должным образом разработанный тест, который пройден успешно, уменьшает общий уровень риска в системе. Когда во время тестирования находятся ошибки, качество систем программного обеспечения повышается, если эти дефекты исправлены. Следует извлекать уроки из предыдущих проектов. Понимая первопричины дефектов, найденных в других проектах, можно улучшить процессы, что в свою очередь должно предотвратить повторное проявление этих дефектов и, как следствие, повышение качества будущих систем. Это и есть подход к обеспечению качества. Тестирование также является деятельностью по обеспечению качества (наравне с разработкой стандартов, обучением и анализом дефектов</a:t>
-            </a:r>
-            <a:r>
-              <a:rPr lang="ru-RU" dirty="0" smtClean="0"/>
-              <a:t>).</a:t>
+              <a:t>Тестирование может породить уверенность в качестве программного обеспечения, если не найдены или найдено немного дефектов. Должным образом разработанный тест, который пройден успешно, уменьшает общий уровень риска в системе. Когда во время тестирования находятся ошибки, качество систем программного обеспечения повышается, если эти дефекты исправлены. Следует извлекать уроки из предыдущих проектов. Понимая первопричины дефектов, найденных в других проектах, можно улучшить процессы, что в свою очередь должно предотвратить повторное проявление этих дефектов и, как следствие, повышение качества будущих систем. Это и есть подход к обеспечению качества. Тестирование также является деятельностью по обеспечению качества (наравне с разработкой стандартов, обучением и анализом дефектов).</a:t>
             </a:r>
           </a:p>
           <a:p>
@@ -2816,13 +2796,8 @@
             </a:r>
             <a:r>
               <a:rPr lang="en-US" dirty="0" smtClean="0"/>
-              <a:t>Debugging, requirement, review, test case, testing, test </a:t>
-            </a:r>
-            <a:r>
-              <a:rPr lang="en-US" dirty="0" smtClean="0"/>
-              <a:t>objective</a:t>
-            </a:r>
-            <a:endParaRPr lang="en-US" dirty="0" smtClean="0"/>
+              <a:t>Debugging, requirement, review, test case, testing, test objective</a:t>
+            </a:r>
           </a:p>
         </p:txBody>
       </p:sp>
@@ -3613,7 +3588,7 @@
             <a:fld id="{1D8BD707-D9CF-40AE-B4C6-C98DA3205C09}" type="datetimeFigureOut">
               <a:rPr lang="en-US" smtClean="0"/>
               <a:pPr/>
-              <a:t>22-Dec-14</a:t>
+              <a:t>23-Dec-14</a:t>
             </a:fld>
             <a:endParaRPr lang="en-US"/>
           </a:p>
@@ -3780,7 +3755,7 @@
             <a:fld id="{1D8BD707-D9CF-40AE-B4C6-C98DA3205C09}" type="datetimeFigureOut">
               <a:rPr lang="en-US" smtClean="0"/>
               <a:pPr/>
-              <a:t>22-Dec-14</a:t>
+              <a:t>23-Dec-14</a:t>
             </a:fld>
             <a:endParaRPr lang="en-US"/>
           </a:p>
@@ -3957,7 +3932,7 @@
             <a:fld id="{1D8BD707-D9CF-40AE-B4C6-C98DA3205C09}" type="datetimeFigureOut">
               <a:rPr lang="en-US" smtClean="0"/>
               <a:pPr/>
-              <a:t>22-Dec-14</a:t>
+              <a:t>23-Dec-14</a:t>
             </a:fld>
             <a:endParaRPr lang="en-US"/>
           </a:p>
@@ -4124,7 +4099,7 @@
             <a:fld id="{1D8BD707-D9CF-40AE-B4C6-C98DA3205C09}" type="datetimeFigureOut">
               <a:rPr lang="en-US" smtClean="0"/>
               <a:pPr/>
-              <a:t>22-Dec-14</a:t>
+              <a:t>23-Dec-14</a:t>
             </a:fld>
             <a:endParaRPr lang="en-US"/>
           </a:p>
@@ -4367,7 +4342,7 @@
             <a:fld id="{1D8BD707-D9CF-40AE-B4C6-C98DA3205C09}" type="datetimeFigureOut">
               <a:rPr lang="en-US" smtClean="0"/>
               <a:pPr/>
-              <a:t>22-Dec-14</a:t>
+              <a:t>23-Dec-14</a:t>
             </a:fld>
             <a:endParaRPr lang="en-US"/>
           </a:p>
@@ -4652,7 +4627,7 @@
             <a:fld id="{1D8BD707-D9CF-40AE-B4C6-C98DA3205C09}" type="datetimeFigureOut">
               <a:rPr lang="en-US" smtClean="0"/>
               <a:pPr/>
-              <a:t>22-Dec-14</a:t>
+              <a:t>23-Dec-14</a:t>
             </a:fld>
             <a:endParaRPr lang="en-US"/>
           </a:p>
@@ -5071,7 +5046,7 @@
             <a:fld id="{1D8BD707-D9CF-40AE-B4C6-C98DA3205C09}" type="datetimeFigureOut">
               <a:rPr lang="en-US" smtClean="0"/>
               <a:pPr/>
-              <a:t>22-Dec-14</a:t>
+              <a:t>23-Dec-14</a:t>
             </a:fld>
             <a:endParaRPr lang="en-US"/>
           </a:p>
@@ -5186,7 +5161,7 @@
             <a:fld id="{1D8BD707-D9CF-40AE-B4C6-C98DA3205C09}" type="datetimeFigureOut">
               <a:rPr lang="en-US" smtClean="0"/>
               <a:pPr/>
-              <a:t>22-Dec-14</a:t>
+              <a:t>23-Dec-14</a:t>
             </a:fld>
             <a:endParaRPr lang="en-US"/>
           </a:p>
@@ -5278,7 +5253,7 @@
             <a:fld id="{1D8BD707-D9CF-40AE-B4C6-C98DA3205C09}" type="datetimeFigureOut">
               <a:rPr lang="en-US" smtClean="0"/>
               <a:pPr/>
-              <a:t>22-Dec-14</a:t>
+              <a:t>23-Dec-14</a:t>
             </a:fld>
             <a:endParaRPr lang="en-US"/>
           </a:p>
@@ -5552,7 +5527,7 @@
             <a:fld id="{1D8BD707-D9CF-40AE-B4C6-C98DA3205C09}" type="datetimeFigureOut">
               <a:rPr lang="en-US" smtClean="0"/>
               <a:pPr/>
-              <a:t>22-Dec-14</a:t>
+              <a:t>23-Dec-14</a:t>
             </a:fld>
             <a:endParaRPr lang="en-US"/>
           </a:p>
@@ -5802,7 +5777,7 @@
             <a:fld id="{1D8BD707-D9CF-40AE-B4C6-C98DA3205C09}" type="datetimeFigureOut">
               <a:rPr lang="en-US" smtClean="0"/>
               <a:pPr/>
-              <a:t>22-Dec-14</a:t>
+              <a:t>23-Dec-14</a:t>
             </a:fld>
             <a:endParaRPr lang="en-US"/>
           </a:p>
@@ -6021,7 +5996,7 @@
             <a:fld id="{1D8BD707-D9CF-40AE-B4C6-C98DA3205C09}" type="datetimeFigureOut">
               <a:rPr lang="en-US" smtClean="0"/>
               <a:pPr/>
-              <a:t>22-Dec-14</a:t>
+              <a:t>23-Dec-14</a:t>
             </a:fld>
             <a:endParaRPr lang="en-US"/>
           </a:p>
@@ -6527,7 +6502,7 @@
     </p:spTree>
     <p:extLst>
       <p:ext uri="{BB962C8B-B14F-4D97-AF65-F5344CB8AC3E}">
-        <p14:creationId xmlns:p14="http://schemas.microsoft.com/office/powerpoint/2010/main" xmlns="" val="1766645597"/>
+        <p14:creationId xmlns="" xmlns:p14="http://schemas.microsoft.com/office/powerpoint/2010/main" val="1766645597"/>
       </p:ext>
     </p:extLst>
   </p:cSld>
@@ -6922,7 +6897,7 @@
     </p:spTree>
     <p:extLst>
       <p:ext uri="{BB962C8B-B14F-4D97-AF65-F5344CB8AC3E}">
-        <p14:creationId xmlns:p14="http://schemas.microsoft.com/office/powerpoint/2010/main" xmlns="" val="4060775951"/>
+        <p14:creationId xmlns="" xmlns:p14="http://schemas.microsoft.com/office/powerpoint/2010/main" val="4060775951"/>
       </p:ext>
     </p:extLst>
   </p:cSld>
@@ -6930,7 +6905,7 @@
     <a:masterClrMapping/>
   </p:clrMapOvr>
   <mc:AlternateContent xmlns:mc="http://schemas.openxmlformats.org/markup-compatibility/2006">
-    <mc:Choice xmlns:p14="http://schemas.microsoft.com/office/powerpoint/2010/main" xmlns="" Requires="p14">
+    <mc:Choice xmlns="" xmlns:p14="http://schemas.microsoft.com/office/powerpoint/2010/main" Requires="p14">
       <p:transition spd="slow" p14:dur="2000"/>
     </mc:Choice>
     <mc:Fallback>
@@ -7175,7 +7150,7 @@
     </p:spTree>
     <p:extLst>
       <p:ext uri="{BB962C8B-B14F-4D97-AF65-F5344CB8AC3E}">
-        <p14:creationId xmlns:p14="http://schemas.microsoft.com/office/powerpoint/2010/main" xmlns="" val="4060775951"/>
+        <p14:creationId xmlns="" xmlns:p14="http://schemas.microsoft.com/office/powerpoint/2010/main" val="4060775951"/>
       </p:ext>
     </p:extLst>
   </p:cSld>
@@ -7183,7 +7158,7 @@
     <a:masterClrMapping/>
   </p:clrMapOvr>
   <mc:AlternateContent xmlns:mc="http://schemas.openxmlformats.org/markup-compatibility/2006">
-    <mc:Choice xmlns:p14="http://schemas.microsoft.com/office/powerpoint/2010/main" xmlns="" Requires="p14">
+    <mc:Choice xmlns="" xmlns:p14="http://schemas.microsoft.com/office/powerpoint/2010/main" Requires="p14">
       <p:transition spd="slow" p14:dur="2000"/>
     </mc:Choice>
     <mc:Fallback>
@@ -7775,7 +7750,7 @@
     </p:spTree>
     <p:extLst>
       <p:ext uri="{BB962C8B-B14F-4D97-AF65-F5344CB8AC3E}">
-        <p14:creationId xmlns:p14="http://schemas.microsoft.com/office/powerpoint/2010/main" xmlns="" val="4060775951"/>
+        <p14:creationId xmlns="" xmlns:p14="http://schemas.microsoft.com/office/powerpoint/2010/main" val="4060775951"/>
       </p:ext>
     </p:extLst>
   </p:cSld>
@@ -7783,7 +7758,7 @@
     <a:masterClrMapping/>
   </p:clrMapOvr>
   <mc:AlternateContent xmlns:mc="http://schemas.openxmlformats.org/markup-compatibility/2006">
-    <mc:Choice xmlns:p14="http://schemas.microsoft.com/office/powerpoint/2010/main" xmlns="" Requires="p14">
+    <mc:Choice xmlns="" xmlns:p14="http://schemas.microsoft.com/office/powerpoint/2010/main" Requires="p14">
       <p:transition spd="slow" p14:dur="2000"/>
     </mc:Choice>
     <mc:Fallback>
@@ -7898,19 +7873,7 @@
           <a:p>
             <a:r>
               <a:rPr lang="en-US" dirty="0" smtClean="0"/>
-              <a:t>Test </a:t>
-            </a:r>
-            <a:r>
-              <a:rPr lang="en-US" dirty="0" smtClean="0"/>
-              <a:t>planning </a:t>
-            </a:r>
-            <a:r>
-              <a:rPr lang="en-US" dirty="0" smtClean="0"/>
-              <a:t>and </a:t>
-            </a:r>
-            <a:r>
-              <a:rPr lang="en-US" dirty="0" smtClean="0"/>
-              <a:t>control</a:t>
+              <a:t>Test planning and control</a:t>
             </a:r>
             <a:endParaRPr lang="en-US" dirty="0"/>
           </a:p>
@@ -7939,19 +7902,7 @@
           <a:p>
             <a:r>
               <a:rPr lang="en-US" dirty="0" smtClean="0"/>
-              <a:t>Evaluating </a:t>
-            </a:r>
-            <a:r>
-              <a:rPr lang="en-US" dirty="0" smtClean="0"/>
-              <a:t>exit criteria </a:t>
-            </a:r>
-            <a:r>
-              <a:rPr lang="en-US" dirty="0" smtClean="0"/>
-              <a:t>and </a:t>
-            </a:r>
-            <a:r>
-              <a:rPr lang="en-US" dirty="0" smtClean="0"/>
-              <a:t>reporting</a:t>
+              <a:t>Evaluating exit criteria and reporting</a:t>
             </a:r>
             <a:endParaRPr lang="en-US" dirty="0"/>
           </a:p>
@@ -7980,19 +7931,7 @@
           <a:p>
             <a:r>
               <a:rPr lang="en-US" dirty="0" smtClean="0"/>
-              <a:t>Test </a:t>
-            </a:r>
-            <a:r>
-              <a:rPr lang="en-US" dirty="0" smtClean="0"/>
-              <a:t>implementation </a:t>
-            </a:r>
-            <a:r>
-              <a:rPr lang="en-US" dirty="0" smtClean="0"/>
-              <a:t>and </a:t>
-            </a:r>
-            <a:r>
-              <a:rPr lang="en-US" dirty="0" smtClean="0"/>
-              <a:t>execution</a:t>
+              <a:t>Test implementation and execution</a:t>
             </a:r>
             <a:endParaRPr lang="en-US" dirty="0"/>
           </a:p>
@@ -8021,19 +7960,7 @@
           <a:p>
             <a:r>
               <a:rPr lang="en-US" dirty="0" smtClean="0"/>
-              <a:t>Test </a:t>
-            </a:r>
-            <a:r>
-              <a:rPr lang="en-US" dirty="0" smtClean="0"/>
-              <a:t>analysis </a:t>
-            </a:r>
-            <a:r>
-              <a:rPr lang="en-US" dirty="0" smtClean="0"/>
-              <a:t>and </a:t>
-            </a:r>
-            <a:r>
-              <a:rPr lang="en-US" dirty="0" smtClean="0"/>
-              <a:t>design</a:t>
+              <a:t>Test analysis and design</a:t>
             </a:r>
             <a:endParaRPr lang="en-US" dirty="0"/>
           </a:p>
@@ -8230,11 +8157,7 @@
           <a:p>
             <a:r>
               <a:rPr lang="en-US" dirty="0" smtClean="0"/>
-              <a:t>Test </a:t>
-            </a:r>
-            <a:r>
-              <a:rPr lang="en-US" dirty="0" smtClean="0"/>
-              <a:t>closure activities</a:t>
+              <a:t>Test closure activities</a:t>
             </a:r>
             <a:endParaRPr lang="en-US" dirty="0"/>
           </a:p>
@@ -8285,7 +8208,7 @@
     </p:spTree>
     <p:extLst>
       <p:ext uri="{BB962C8B-B14F-4D97-AF65-F5344CB8AC3E}">
-        <p14:creationId xmlns:p14="http://schemas.microsoft.com/office/powerpoint/2010/main" xmlns="" val="4060775951"/>
+        <p14:creationId xmlns="" xmlns:p14="http://schemas.microsoft.com/office/powerpoint/2010/main" val="4060775951"/>
       </p:ext>
     </p:extLst>
   </p:cSld>
@@ -8293,7 +8216,7 @@
     <a:masterClrMapping/>
   </p:clrMapOvr>
   <mc:AlternateContent xmlns:mc="http://schemas.openxmlformats.org/markup-compatibility/2006">
-    <mc:Choice xmlns:p14="http://schemas.microsoft.com/office/powerpoint/2010/main" xmlns="" Requires="p14">
+    <mc:Choice xmlns="" xmlns:p14="http://schemas.microsoft.com/office/powerpoint/2010/main" Requires="p14">
       <p:transition spd="slow" p14:dur="2000"/>
     </mc:Choice>
     <mc:Fallback>
@@ -8412,15 +8335,7 @@
             </a:r>
             <a:r>
               <a:rPr lang="en-US" dirty="0" smtClean="0"/>
-              <a:t>- </a:t>
-            </a:r>
-            <a:r>
-              <a:rPr lang="en-US" dirty="0" smtClean="0"/>
-              <a:t>a </a:t>
-            </a:r>
-            <a:r>
-              <a:rPr lang="en-US" dirty="0" smtClean="0"/>
-              <a:t>document describing the scope, approach, resources and schedule of intended test activities. It identifies amongst others test items, the features to be tested, the testing tasks, who will do each task, degree of tester independence, the test environment, the test design techniques and entry and exit criteria to be used, and the rationale for their choice, and any risks requiring contingency planning. It is a record of the test planning process</a:t>
+              <a:t>- a document describing the scope, approach, resources and schedule of intended test activities. It identifies amongst others test items, the features to be tested, the testing tasks, who will do each task, degree of tester independence, the test environment, the test design techniques and entry and exit criteria to be used, and the rationale for their choice, and any risks requiring contingency planning. It is a record of the test planning process</a:t>
             </a:r>
             <a:endParaRPr lang="en-US" dirty="0"/>
           </a:p>
@@ -8495,15 +8410,7 @@
             </a:r>
             <a:r>
               <a:rPr lang="en-US" dirty="0" smtClean="0"/>
-              <a:t>- </a:t>
-            </a:r>
-            <a:r>
-              <a:rPr lang="en-US" dirty="0" smtClean="0"/>
-              <a:t>a </a:t>
-            </a:r>
-            <a:r>
-              <a:rPr lang="en-US" dirty="0" smtClean="0"/>
-              <a:t>high level document describing the principles, approach and major objectives of the organization regarding testing</a:t>
+              <a:t>- a high level document describing the principles, approach and major objectives of the organization regarding testing</a:t>
             </a:r>
             <a:endParaRPr lang="en-US" dirty="0"/>
           </a:p>
@@ -8554,7 +8461,7 @@
     </p:spTree>
     <p:extLst>
       <p:ext uri="{BB962C8B-B14F-4D97-AF65-F5344CB8AC3E}">
-        <p14:creationId xmlns:p14="http://schemas.microsoft.com/office/powerpoint/2010/main" xmlns="" val="4060775951"/>
+        <p14:creationId xmlns="" xmlns:p14="http://schemas.microsoft.com/office/powerpoint/2010/main" val="4060775951"/>
       </p:ext>
     </p:extLst>
   </p:cSld>
@@ -8562,7 +8469,7 @@
     <a:masterClrMapping/>
   </p:clrMapOvr>
   <mc:AlternateContent xmlns:mc="http://schemas.openxmlformats.org/markup-compatibility/2006">
-    <mc:Choice xmlns:p14="http://schemas.microsoft.com/office/powerpoint/2010/main" xmlns="" Requires="p14">
+    <mc:Choice xmlns="" xmlns:p14="http://schemas.microsoft.com/office/powerpoint/2010/main" Requires="p14">
       <p:transition spd="slow" p14:dur="2000"/>
     </mc:Choice>
     <mc:Fallback>
@@ -8689,19 +8596,7 @@
             </a:r>
             <a:r>
               <a:rPr lang="en-US" dirty="0" smtClean="0"/>
-              <a:t>- </a:t>
-            </a:r>
-            <a:r>
-              <a:rPr lang="en-US" dirty="0" smtClean="0"/>
-              <a:t>a</a:t>
-            </a:r>
-            <a:r>
-              <a:rPr lang="en-US" dirty="0" smtClean="0"/>
-              <a:t> </a:t>
-            </a:r>
-            <a:r>
-              <a:rPr lang="en-US" dirty="0" smtClean="0"/>
-              <a:t>document specifying a sequence of actions for the execution of a test. Also known as test script or manual test script</a:t>
+              <a:t>- a document specifying a sequence of actions for the execution of a test. Also known as test script or manual test script</a:t>
             </a:r>
             <a:endParaRPr lang="en-US" dirty="0"/>
           </a:p>
@@ -8776,19 +8671,7 @@
             </a:r>
             <a:r>
               <a:rPr lang="en-US" dirty="0" smtClean="0"/>
-              <a:t>- </a:t>
-            </a:r>
-            <a:r>
-              <a:rPr lang="en-US" dirty="0" smtClean="0"/>
-              <a:t>t</a:t>
-            </a:r>
-            <a:r>
-              <a:rPr lang="en-US" dirty="0" smtClean="0"/>
-              <a:t>he </a:t>
-            </a:r>
-            <a:r>
-              <a:rPr lang="en-US" dirty="0" smtClean="0"/>
-              <a:t>set of generic and specific conditions, agreed upon with the stakeholders, for permitting a process to be officially completed. The purpose of exit criteria is to prevent a task from being considered completed when there are still outstanding parts of the task which have not been finished. Exit criteria are used to report against and to plan when to stop testing</a:t>
+              <a:t>- the set of generic and specific conditions, agreed upon with the stakeholders, for permitting a process to be officially completed. The purpose of exit criteria is to prevent a task from being considered completed when there are still outstanding parts of the task which have not been finished. Exit criteria are used to report against and to plan when to stop testing</a:t>
             </a:r>
             <a:endParaRPr lang="en-US" dirty="0"/>
           </a:p>
@@ -8839,7 +8722,7 @@
     </p:spTree>
     <p:extLst>
       <p:ext uri="{BB962C8B-B14F-4D97-AF65-F5344CB8AC3E}">
-        <p14:creationId xmlns:p14="http://schemas.microsoft.com/office/powerpoint/2010/main" xmlns="" val="4060775951"/>
+        <p14:creationId xmlns="" xmlns:p14="http://schemas.microsoft.com/office/powerpoint/2010/main" val="4060775951"/>
       </p:ext>
     </p:extLst>
   </p:cSld>
@@ -8847,7 +8730,7 @@
     <a:masterClrMapping/>
   </p:clrMapOvr>
   <mc:AlternateContent xmlns:mc="http://schemas.openxmlformats.org/markup-compatibility/2006">
-    <mc:Choice xmlns:p14="http://schemas.microsoft.com/office/powerpoint/2010/main" xmlns="" Requires="p14">
+    <mc:Choice xmlns="" xmlns:p14="http://schemas.microsoft.com/office/powerpoint/2010/main" Requires="p14">
       <p:transition spd="slow" p14:dur="2000"/>
     </mc:Choice>
     <mc:Fallback>
@@ -9254,7 +9137,7 @@
     </p:spTree>
     <p:extLst>
       <p:ext uri="{BB962C8B-B14F-4D97-AF65-F5344CB8AC3E}">
-        <p14:creationId xmlns:p14="http://schemas.microsoft.com/office/powerpoint/2010/main" xmlns="" val="4060775951"/>
+        <p14:creationId xmlns="" xmlns:p14="http://schemas.microsoft.com/office/powerpoint/2010/main" val="4060775951"/>
       </p:ext>
     </p:extLst>
   </p:cSld>
@@ -9262,7 +9145,7 @@
     <a:masterClrMapping/>
   </p:clrMapOvr>
   <mc:AlternateContent xmlns:mc="http://schemas.openxmlformats.org/markup-compatibility/2006">
-    <mc:Choice xmlns:p14="http://schemas.microsoft.com/office/powerpoint/2010/main" xmlns="" Requires="p14">
+    <mc:Choice xmlns="" xmlns:p14="http://schemas.microsoft.com/office/powerpoint/2010/main" Requires="p14">
       <p:transition spd="slow" p14:dur="2000"/>
     </mc:Choice>
     <mc:Fallback>
@@ -9669,7 +9552,7 @@
     </p:spTree>
     <p:extLst>
       <p:ext uri="{BB962C8B-B14F-4D97-AF65-F5344CB8AC3E}">
-        <p14:creationId xmlns:p14="http://schemas.microsoft.com/office/powerpoint/2010/main" xmlns="" val="4060775951"/>
+        <p14:creationId xmlns="" xmlns:p14="http://schemas.microsoft.com/office/powerpoint/2010/main" val="4060775951"/>
       </p:ext>
     </p:extLst>
   </p:cSld>
@@ -9677,7 +9560,7 @@
     <a:masterClrMapping/>
   </p:clrMapOvr>
   <mc:AlternateContent xmlns:mc="http://schemas.openxmlformats.org/markup-compatibility/2006">
-    <mc:Choice xmlns:p14="http://schemas.microsoft.com/office/powerpoint/2010/main" xmlns="" Requires="p14">
+    <mc:Choice xmlns="" xmlns:p14="http://schemas.microsoft.com/office/powerpoint/2010/main" Requires="p14">
       <p:transition spd="slow" p14:dur="2000"/>
     </mc:Choice>
     <mc:Fallback>
@@ -10112,7 +9995,7 @@
     </p:spTree>
     <p:extLst>
       <p:ext uri="{BB962C8B-B14F-4D97-AF65-F5344CB8AC3E}">
-        <p14:creationId xmlns:p14="http://schemas.microsoft.com/office/powerpoint/2010/main" xmlns="" val="4060775951"/>
+        <p14:creationId xmlns="" xmlns:p14="http://schemas.microsoft.com/office/powerpoint/2010/main" val="4060775951"/>
       </p:ext>
     </p:extLst>
   </p:cSld>
@@ -10120,7 +10003,7 @@
     <a:masterClrMapping/>
   </p:clrMapOvr>
   <mc:AlternateContent xmlns:mc="http://schemas.openxmlformats.org/markup-compatibility/2006">
-    <mc:Choice xmlns:p14="http://schemas.microsoft.com/office/powerpoint/2010/main" xmlns="" Requires="p14">
+    <mc:Choice xmlns="" xmlns:p14="http://schemas.microsoft.com/office/powerpoint/2010/main" Requires="p14">
       <p:transition spd="slow" p14:dur="2000"/>
     </mc:Choice>
     <mc:Fallback>
@@ -10414,7 +10297,7 @@
     </p:spTree>
     <p:extLst>
       <p:ext uri="{BB962C8B-B14F-4D97-AF65-F5344CB8AC3E}">
-        <p14:creationId xmlns:p14="http://schemas.microsoft.com/office/powerpoint/2010/main" xmlns="" val="4060775951"/>
+        <p14:creationId xmlns="" xmlns:p14="http://schemas.microsoft.com/office/powerpoint/2010/main" val="4060775951"/>
       </p:ext>
     </p:extLst>
   </p:cSld>
@@ -10422,7 +10305,7 @@
     <a:masterClrMapping/>
   </p:clrMapOvr>
   <mc:AlternateContent xmlns:mc="http://schemas.openxmlformats.org/markup-compatibility/2006">
-    <mc:Choice xmlns:p14="http://schemas.microsoft.com/office/powerpoint/2010/main" xmlns="" Requires="p14">
+    <mc:Choice xmlns="" xmlns:p14="http://schemas.microsoft.com/office/powerpoint/2010/main" Requires="p14">
       <p:transition spd="slow" p14:dur="2000"/>
     </mc:Choice>
     <mc:Fallback>
@@ -10712,7 +10595,7 @@
     </p:spTree>
     <p:extLst>
       <p:ext uri="{BB962C8B-B14F-4D97-AF65-F5344CB8AC3E}">
-        <p14:creationId xmlns:p14="http://schemas.microsoft.com/office/powerpoint/2010/main" xmlns="" val="3292176594"/>
+        <p14:creationId xmlns="" xmlns:p14="http://schemas.microsoft.com/office/powerpoint/2010/main" val="3292176594"/>
       </p:ext>
     </p:extLst>
   </p:cSld>
@@ -10945,7 +10828,7 @@
           <a:blip r:embed="rId3" cstate="print">
             <a:extLst>
               <a:ext uri="{28A0092B-C50C-407E-A947-70E740481C1C}">
-                <a14:useLocalDpi xmlns:a14="http://schemas.microsoft.com/office/drawing/2010/main" xmlns="" val="0"/>
+                <a14:useLocalDpi xmlns="" xmlns:a14="http://schemas.microsoft.com/office/drawing/2010/main" val="0"/>
               </a:ext>
             </a:extLst>
           </a:blip>
@@ -10965,7 +10848,7 @@
           <a:noFill/>
           <a:extLst>
             <a:ext uri="{909E8E84-426E-40DD-AFC4-6F175D3DCCD1}">
-              <a14:hiddenFill xmlns:a14="http://schemas.microsoft.com/office/drawing/2010/main" xmlns="">
+              <a14:hiddenFill xmlns="" xmlns:a14="http://schemas.microsoft.com/office/drawing/2010/main">
                 <a:solidFill>
                   <a:srgbClr val="FFFFFF"/>
                 </a:solidFill>
@@ -11121,11 +11004,7 @@
           <a:p>
             <a:r>
               <a:rPr lang="en-US" b="1" dirty="0" smtClean="0"/>
-              <a:t>Remember and understand terms from the </a:t>
-            </a:r>
-            <a:r>
-              <a:rPr lang="en-US" b="1" dirty="0" smtClean="0"/>
-              <a:t>lesson</a:t>
+              <a:t>Remember and understand terms from the lesson</a:t>
             </a:r>
           </a:p>
           <a:p>
@@ -11144,7 +11023,7 @@
     </p:spTree>
     <p:extLst>
       <p:ext uri="{BB962C8B-B14F-4D97-AF65-F5344CB8AC3E}">
-        <p14:creationId xmlns:p14="http://schemas.microsoft.com/office/powerpoint/2010/main" xmlns="" val="3400026356"/>
+        <p14:creationId xmlns="" xmlns:p14="http://schemas.microsoft.com/office/powerpoint/2010/main" val="3400026356"/>
       </p:ext>
     </p:extLst>
   </p:cSld>
@@ -11626,7 +11505,7 @@
     </p:spTree>
     <p:extLst>
       <p:ext uri="{BB962C8B-B14F-4D97-AF65-F5344CB8AC3E}">
-        <p14:creationId xmlns:p14="http://schemas.microsoft.com/office/powerpoint/2010/main" xmlns="" val="3292176594"/>
+        <p14:creationId xmlns="" xmlns:p14="http://schemas.microsoft.com/office/powerpoint/2010/main" val="3292176594"/>
       </p:ext>
     </p:extLst>
   </p:cSld>
@@ -11806,7 +11685,7 @@
         <p:spPr>
           <a:xfrm>
             <a:off x="1187624" y="1340769"/>
-            <a:ext cx="6984776" cy="2862322"/>
+            <a:ext cx="6984776" cy="3416320"/>
           </a:xfrm>
           <a:prstGeom prst="rect">
             <a:avLst/>
@@ -11840,8 +11719,32 @@
               <a:rPr lang="en-US" dirty="0" smtClean="0">
                 <a:hlinkClick r:id="rId4"/>
               </a:rPr>
-              <a:t>http://www.software-testing.ru/</a:t>
-            </a:r>
+              <a:t>http://www.software-testing.ru</a:t>
+            </a:r>
+            <a:r>
+              <a:rPr lang="en-US" dirty="0" smtClean="0">
+                <a:hlinkClick r:id="rId4"/>
+              </a:rPr>
+              <a:t>/</a:t>
+            </a:r>
+            <a:endParaRPr lang="ru-RU" dirty="0" smtClean="0"/>
+          </a:p>
+          <a:p>
+            <a:r>
+              <a:rPr lang="en-US" dirty="0" smtClean="0">
+                <a:hlinkClick r:id="rId5"/>
+              </a:rPr>
+              <a:t>http://testingforall.com/blog</a:t>
+            </a:r>
+            <a:r>
+              <a:rPr lang="en-US" dirty="0" smtClean="0">
+                <a:hlinkClick r:id="rId5"/>
+              </a:rPr>
+              <a:t>/</a:t>
+            </a:r>
+            <a:endParaRPr lang="ru-RU" smtClean="0"/>
+          </a:p>
+          <a:p>
             <a:endParaRPr lang="en-US" dirty="0" smtClean="0"/>
           </a:p>
           <a:p>
@@ -11885,7 +11788,7 @@
     </p:spTree>
     <p:extLst>
       <p:ext uri="{BB962C8B-B14F-4D97-AF65-F5344CB8AC3E}">
-        <p14:creationId xmlns:p14="http://schemas.microsoft.com/office/powerpoint/2010/main" xmlns="" val="1923330547"/>
+        <p14:creationId xmlns="" xmlns:p14="http://schemas.microsoft.com/office/powerpoint/2010/main" val="1923330547"/>
       </p:ext>
     </p:extLst>
   </p:cSld>
@@ -12012,7 +11915,7 @@
     </p:spTree>
     <p:extLst>
       <p:ext uri="{BB962C8B-B14F-4D97-AF65-F5344CB8AC3E}">
-        <p14:creationId xmlns:p14="http://schemas.microsoft.com/office/powerpoint/2010/main" xmlns="" val="1923330547"/>
+        <p14:creationId xmlns="" xmlns:p14="http://schemas.microsoft.com/office/powerpoint/2010/main" val="1923330547"/>
       </p:ext>
     </p:extLst>
   </p:cSld>
@@ -12533,7 +12436,7 @@
     </p:spTree>
     <p:extLst>
       <p:ext uri="{BB962C8B-B14F-4D97-AF65-F5344CB8AC3E}">
-        <p14:creationId xmlns:p14="http://schemas.microsoft.com/office/powerpoint/2010/main" xmlns="" val="4060775951"/>
+        <p14:creationId xmlns="" xmlns:p14="http://schemas.microsoft.com/office/powerpoint/2010/main" val="4060775951"/>
       </p:ext>
     </p:extLst>
   </p:cSld>
@@ -12541,7 +12444,7 @@
     <a:masterClrMapping/>
   </p:clrMapOvr>
   <mc:AlternateContent xmlns:mc="http://schemas.openxmlformats.org/markup-compatibility/2006">
-    <mc:Choice xmlns:p14="http://schemas.microsoft.com/office/powerpoint/2010/main" xmlns="" Requires="p14">
+    <mc:Choice xmlns="" xmlns:p14="http://schemas.microsoft.com/office/powerpoint/2010/main" Requires="p14">
       <p:transition spd="slow" p14:dur="2000"/>
     </mc:Choice>
     <mc:Fallback>
@@ -12991,7 +12894,7 @@
     </p:spTree>
     <p:extLst>
       <p:ext uri="{BB962C8B-B14F-4D97-AF65-F5344CB8AC3E}">
-        <p14:creationId xmlns:p14="http://schemas.microsoft.com/office/powerpoint/2010/main" xmlns="" val="4060775951"/>
+        <p14:creationId xmlns="" xmlns:p14="http://schemas.microsoft.com/office/powerpoint/2010/main" val="4060775951"/>
       </p:ext>
     </p:extLst>
   </p:cSld>
@@ -12999,7 +12902,7 @@
     <a:masterClrMapping/>
   </p:clrMapOvr>
   <mc:AlternateContent xmlns:mc="http://schemas.openxmlformats.org/markup-compatibility/2006">
-    <mc:Choice xmlns:p14="http://schemas.microsoft.com/office/powerpoint/2010/main" xmlns="" Requires="p14">
+    <mc:Choice xmlns="" xmlns:p14="http://schemas.microsoft.com/office/powerpoint/2010/main" Requires="p14">
       <p:transition spd="slow" p14:dur="2000"/>
     </mc:Choice>
     <mc:Fallback>
@@ -13475,7 +13378,7 @@
     </p:spTree>
     <p:extLst>
       <p:ext uri="{BB962C8B-B14F-4D97-AF65-F5344CB8AC3E}">
-        <p14:creationId xmlns:p14="http://schemas.microsoft.com/office/powerpoint/2010/main" xmlns="" val="4060775951"/>
+        <p14:creationId xmlns="" xmlns:p14="http://schemas.microsoft.com/office/powerpoint/2010/main" val="4060775951"/>
       </p:ext>
     </p:extLst>
   </p:cSld>
@@ -13483,7 +13386,7 @@
     <a:masterClrMapping/>
   </p:clrMapOvr>
   <mc:AlternateContent xmlns:mc="http://schemas.openxmlformats.org/markup-compatibility/2006">
-    <mc:Choice xmlns:p14="http://schemas.microsoft.com/office/powerpoint/2010/main" xmlns="" Requires="p14">
+    <mc:Choice xmlns="" xmlns:p14="http://schemas.microsoft.com/office/powerpoint/2010/main" Requires="p14">
       <p:transition spd="slow" p14:dur="2000"/>
     </mc:Choice>
     <mc:Fallback>
@@ -13935,7 +13838,7 @@
     </p:spTree>
     <p:extLst>
       <p:ext uri="{BB962C8B-B14F-4D97-AF65-F5344CB8AC3E}">
-        <p14:creationId xmlns:p14="http://schemas.microsoft.com/office/powerpoint/2010/main" xmlns="" val="4060775951"/>
+        <p14:creationId xmlns="" xmlns:p14="http://schemas.microsoft.com/office/powerpoint/2010/main" val="4060775951"/>
       </p:ext>
     </p:extLst>
   </p:cSld>
@@ -13943,7 +13846,7 @@
     <a:masterClrMapping/>
   </p:clrMapOvr>
   <mc:AlternateContent xmlns:mc="http://schemas.openxmlformats.org/markup-compatibility/2006">
-    <mc:Choice xmlns:p14="http://schemas.microsoft.com/office/powerpoint/2010/main" xmlns="" Requires="p14">
+    <mc:Choice xmlns="" xmlns:p14="http://schemas.microsoft.com/office/powerpoint/2010/main" Requires="p14">
       <p:transition spd="slow" p14:dur="2000"/>
     </mc:Choice>
     <mc:Fallback>

--- a/inna/Занятие 1.pptx
+++ b/inna/Занятие 1.pptx
@@ -128,7 +128,7 @@
   </p:defaultTextStyle>
   <p:extLst>
     <p:ext uri="{EFAFB233-063F-42B5-8137-9DF3F51BA10A}">
-      <p15:sldGuideLst xmlns="" xmlns:p15="http://schemas.microsoft.com/office/powerpoint/2012/main">
+      <p15:sldGuideLst xmlns:p15="http://schemas.microsoft.com/office/powerpoint/2012/main" xmlns="">
         <p15:guide id="1" orient="horz" pos="2160">
           <p15:clr>
             <a:srgbClr val="A4A3A4"/>
@@ -228,7 +228,7 @@
             <a:fld id="{7FCDCAFE-ED6D-40DE-BB2A-6C2FAE0E1B23}" type="datetimeFigureOut">
               <a:rPr lang="en-US" smtClean="0"/>
               <a:pPr/>
-              <a:t>23-Dec-14</a:t>
+              <a:t>24-Dec-14</a:t>
             </a:fld>
             <a:endParaRPr lang="en-US"/>
           </a:p>
@@ -397,7 +397,7 @@
     </p:spTree>
     <p:extLst>
       <p:ext uri="{BB962C8B-B14F-4D97-AF65-F5344CB8AC3E}">
-        <p14:creationId xmlns="" xmlns:p14="http://schemas.microsoft.com/office/powerpoint/2010/main" val="616035265"/>
+        <p14:creationId xmlns:p14="http://schemas.microsoft.com/office/powerpoint/2010/main" xmlns="" val="616035265"/>
       </p:ext>
     </p:extLst>
   </p:cSld>
@@ -747,7 +747,40 @@
                 <a:ea typeface="+mn-ea"/>
                 <a:cs typeface="+mn-cs"/>
               </a:rPr>
-              <a:t>Иметь определенные знания, помогающие ему ценить презентацию блюда</a:t>
+              <a:t>Иметь определенные знания, помогающие </a:t>
+            </a:r>
+            <a:r>
+              <a:rPr lang="ru-RU" sz="1200" kern="1200" smtClean="0">
+                <a:solidFill>
+                  <a:schemeClr val="tx1"/>
+                </a:solidFill>
+                <a:latin typeface="+mn-lt"/>
+                <a:ea typeface="+mn-ea"/>
+                <a:cs typeface="+mn-cs"/>
+              </a:rPr>
+              <a:t>ему </a:t>
+            </a:r>
+            <a:r>
+              <a:rPr lang="ru-RU" sz="1200" kern="1200" smtClean="0">
+                <a:solidFill>
+                  <a:schemeClr val="tx1"/>
+                </a:solidFill>
+                <a:latin typeface="+mn-lt"/>
+                <a:ea typeface="+mn-ea"/>
+                <a:cs typeface="+mn-cs"/>
+              </a:rPr>
+              <a:t>оценить </a:t>
+            </a:r>
+            <a:r>
+              <a:rPr lang="ru-RU" sz="1200" kern="1200" dirty="0" smtClean="0">
+                <a:solidFill>
+                  <a:schemeClr val="tx1"/>
+                </a:solidFill>
+                <a:latin typeface="+mn-lt"/>
+                <a:ea typeface="+mn-ea"/>
+                <a:cs typeface="+mn-cs"/>
+              </a:rPr>
+              <a:t>презентацию блюда</a:t>
             </a:r>
           </a:p>
           <a:p>
@@ -3588,7 +3621,7 @@
             <a:fld id="{1D8BD707-D9CF-40AE-B4C6-C98DA3205C09}" type="datetimeFigureOut">
               <a:rPr lang="en-US" smtClean="0"/>
               <a:pPr/>
-              <a:t>23-Dec-14</a:t>
+              <a:t>24-Dec-14</a:t>
             </a:fld>
             <a:endParaRPr lang="en-US"/>
           </a:p>
@@ -3755,7 +3788,7 @@
             <a:fld id="{1D8BD707-D9CF-40AE-B4C6-C98DA3205C09}" type="datetimeFigureOut">
               <a:rPr lang="en-US" smtClean="0"/>
               <a:pPr/>
-              <a:t>23-Dec-14</a:t>
+              <a:t>24-Dec-14</a:t>
             </a:fld>
             <a:endParaRPr lang="en-US"/>
           </a:p>
@@ -3932,7 +3965,7 @@
             <a:fld id="{1D8BD707-D9CF-40AE-B4C6-C98DA3205C09}" type="datetimeFigureOut">
               <a:rPr lang="en-US" smtClean="0"/>
               <a:pPr/>
-              <a:t>23-Dec-14</a:t>
+              <a:t>24-Dec-14</a:t>
             </a:fld>
             <a:endParaRPr lang="en-US"/>
           </a:p>
@@ -4099,7 +4132,7 @@
             <a:fld id="{1D8BD707-D9CF-40AE-B4C6-C98DA3205C09}" type="datetimeFigureOut">
               <a:rPr lang="en-US" smtClean="0"/>
               <a:pPr/>
-              <a:t>23-Dec-14</a:t>
+              <a:t>24-Dec-14</a:t>
             </a:fld>
             <a:endParaRPr lang="en-US"/>
           </a:p>
@@ -4342,7 +4375,7 @@
             <a:fld id="{1D8BD707-D9CF-40AE-B4C6-C98DA3205C09}" type="datetimeFigureOut">
               <a:rPr lang="en-US" smtClean="0"/>
               <a:pPr/>
-              <a:t>23-Dec-14</a:t>
+              <a:t>24-Dec-14</a:t>
             </a:fld>
             <a:endParaRPr lang="en-US"/>
           </a:p>
@@ -4627,7 +4660,7 @@
             <a:fld id="{1D8BD707-D9CF-40AE-B4C6-C98DA3205C09}" type="datetimeFigureOut">
               <a:rPr lang="en-US" smtClean="0"/>
               <a:pPr/>
-              <a:t>23-Dec-14</a:t>
+              <a:t>24-Dec-14</a:t>
             </a:fld>
             <a:endParaRPr lang="en-US"/>
           </a:p>
@@ -5046,7 +5079,7 @@
             <a:fld id="{1D8BD707-D9CF-40AE-B4C6-C98DA3205C09}" type="datetimeFigureOut">
               <a:rPr lang="en-US" smtClean="0"/>
               <a:pPr/>
-              <a:t>23-Dec-14</a:t>
+              <a:t>24-Dec-14</a:t>
             </a:fld>
             <a:endParaRPr lang="en-US"/>
           </a:p>
@@ -5161,7 +5194,7 @@
             <a:fld id="{1D8BD707-D9CF-40AE-B4C6-C98DA3205C09}" type="datetimeFigureOut">
               <a:rPr lang="en-US" smtClean="0"/>
               <a:pPr/>
-              <a:t>23-Dec-14</a:t>
+              <a:t>24-Dec-14</a:t>
             </a:fld>
             <a:endParaRPr lang="en-US"/>
           </a:p>
@@ -5253,7 +5286,7 @@
             <a:fld id="{1D8BD707-D9CF-40AE-B4C6-C98DA3205C09}" type="datetimeFigureOut">
               <a:rPr lang="en-US" smtClean="0"/>
               <a:pPr/>
-              <a:t>23-Dec-14</a:t>
+              <a:t>24-Dec-14</a:t>
             </a:fld>
             <a:endParaRPr lang="en-US"/>
           </a:p>
@@ -5527,7 +5560,7 @@
             <a:fld id="{1D8BD707-D9CF-40AE-B4C6-C98DA3205C09}" type="datetimeFigureOut">
               <a:rPr lang="en-US" smtClean="0"/>
               <a:pPr/>
-              <a:t>23-Dec-14</a:t>
+              <a:t>24-Dec-14</a:t>
             </a:fld>
             <a:endParaRPr lang="en-US"/>
           </a:p>
@@ -5777,7 +5810,7 @@
             <a:fld id="{1D8BD707-D9CF-40AE-B4C6-C98DA3205C09}" type="datetimeFigureOut">
               <a:rPr lang="en-US" smtClean="0"/>
               <a:pPr/>
-              <a:t>23-Dec-14</a:t>
+              <a:t>24-Dec-14</a:t>
             </a:fld>
             <a:endParaRPr lang="en-US"/>
           </a:p>
@@ -5996,7 +6029,7 @@
             <a:fld id="{1D8BD707-D9CF-40AE-B4C6-C98DA3205C09}" type="datetimeFigureOut">
               <a:rPr lang="en-US" smtClean="0"/>
               <a:pPr/>
-              <a:t>23-Dec-14</a:t>
+              <a:t>24-Dec-14</a:t>
             </a:fld>
             <a:endParaRPr lang="en-US"/>
           </a:p>
@@ -6502,7 +6535,7 @@
     </p:spTree>
     <p:extLst>
       <p:ext uri="{BB962C8B-B14F-4D97-AF65-F5344CB8AC3E}">
-        <p14:creationId xmlns="" xmlns:p14="http://schemas.microsoft.com/office/powerpoint/2010/main" val="1766645597"/>
+        <p14:creationId xmlns:p14="http://schemas.microsoft.com/office/powerpoint/2010/main" xmlns="" val="1766645597"/>
       </p:ext>
     </p:extLst>
   </p:cSld>
@@ -6897,7 +6930,7 @@
     </p:spTree>
     <p:extLst>
       <p:ext uri="{BB962C8B-B14F-4D97-AF65-F5344CB8AC3E}">
-        <p14:creationId xmlns="" xmlns:p14="http://schemas.microsoft.com/office/powerpoint/2010/main" val="4060775951"/>
+        <p14:creationId xmlns:p14="http://schemas.microsoft.com/office/powerpoint/2010/main" xmlns="" val="4060775951"/>
       </p:ext>
     </p:extLst>
   </p:cSld>
@@ -6905,7 +6938,7 @@
     <a:masterClrMapping/>
   </p:clrMapOvr>
   <mc:AlternateContent xmlns:mc="http://schemas.openxmlformats.org/markup-compatibility/2006">
-    <mc:Choice xmlns="" xmlns:p14="http://schemas.microsoft.com/office/powerpoint/2010/main" Requires="p14">
+    <mc:Choice xmlns:p14="http://schemas.microsoft.com/office/powerpoint/2010/main" xmlns="" Requires="p14">
       <p:transition spd="slow" p14:dur="2000"/>
     </mc:Choice>
     <mc:Fallback>
@@ -7150,7 +7183,7 @@
     </p:spTree>
     <p:extLst>
       <p:ext uri="{BB962C8B-B14F-4D97-AF65-F5344CB8AC3E}">
-        <p14:creationId xmlns="" xmlns:p14="http://schemas.microsoft.com/office/powerpoint/2010/main" val="4060775951"/>
+        <p14:creationId xmlns:p14="http://schemas.microsoft.com/office/powerpoint/2010/main" xmlns="" val="4060775951"/>
       </p:ext>
     </p:extLst>
   </p:cSld>
@@ -7158,7 +7191,7 @@
     <a:masterClrMapping/>
   </p:clrMapOvr>
   <mc:AlternateContent xmlns:mc="http://schemas.openxmlformats.org/markup-compatibility/2006">
-    <mc:Choice xmlns="" xmlns:p14="http://schemas.microsoft.com/office/powerpoint/2010/main" Requires="p14">
+    <mc:Choice xmlns:p14="http://schemas.microsoft.com/office/powerpoint/2010/main" xmlns="" Requires="p14">
       <p:transition spd="slow" p14:dur="2000"/>
     </mc:Choice>
     <mc:Fallback>
@@ -7750,7 +7783,7 @@
     </p:spTree>
     <p:extLst>
       <p:ext uri="{BB962C8B-B14F-4D97-AF65-F5344CB8AC3E}">
-        <p14:creationId xmlns="" xmlns:p14="http://schemas.microsoft.com/office/powerpoint/2010/main" val="4060775951"/>
+        <p14:creationId xmlns:p14="http://schemas.microsoft.com/office/powerpoint/2010/main" xmlns="" val="4060775951"/>
       </p:ext>
     </p:extLst>
   </p:cSld>
@@ -7758,7 +7791,7 @@
     <a:masterClrMapping/>
   </p:clrMapOvr>
   <mc:AlternateContent xmlns:mc="http://schemas.openxmlformats.org/markup-compatibility/2006">
-    <mc:Choice xmlns="" xmlns:p14="http://schemas.microsoft.com/office/powerpoint/2010/main" Requires="p14">
+    <mc:Choice xmlns:p14="http://schemas.microsoft.com/office/powerpoint/2010/main" xmlns="" Requires="p14">
       <p:transition spd="slow" p14:dur="2000"/>
     </mc:Choice>
     <mc:Fallback>
@@ -8208,7 +8241,7 @@
     </p:spTree>
     <p:extLst>
       <p:ext uri="{BB962C8B-B14F-4D97-AF65-F5344CB8AC3E}">
-        <p14:creationId xmlns="" xmlns:p14="http://schemas.microsoft.com/office/powerpoint/2010/main" val="4060775951"/>
+        <p14:creationId xmlns:p14="http://schemas.microsoft.com/office/powerpoint/2010/main" xmlns="" val="4060775951"/>
       </p:ext>
     </p:extLst>
   </p:cSld>
@@ -8216,7 +8249,7 @@
     <a:masterClrMapping/>
   </p:clrMapOvr>
   <mc:AlternateContent xmlns:mc="http://schemas.openxmlformats.org/markup-compatibility/2006">
-    <mc:Choice xmlns="" xmlns:p14="http://schemas.microsoft.com/office/powerpoint/2010/main" Requires="p14">
+    <mc:Choice xmlns:p14="http://schemas.microsoft.com/office/powerpoint/2010/main" xmlns="" Requires="p14">
       <p:transition spd="slow" p14:dur="2000"/>
     </mc:Choice>
     <mc:Fallback>
@@ -8461,7 +8494,7 @@
     </p:spTree>
     <p:extLst>
       <p:ext uri="{BB962C8B-B14F-4D97-AF65-F5344CB8AC3E}">
-        <p14:creationId xmlns="" xmlns:p14="http://schemas.microsoft.com/office/powerpoint/2010/main" val="4060775951"/>
+        <p14:creationId xmlns:p14="http://schemas.microsoft.com/office/powerpoint/2010/main" xmlns="" val="4060775951"/>
       </p:ext>
     </p:extLst>
   </p:cSld>
@@ -8469,7 +8502,7 @@
     <a:masterClrMapping/>
   </p:clrMapOvr>
   <mc:AlternateContent xmlns:mc="http://schemas.openxmlformats.org/markup-compatibility/2006">
-    <mc:Choice xmlns="" xmlns:p14="http://schemas.microsoft.com/office/powerpoint/2010/main" Requires="p14">
+    <mc:Choice xmlns:p14="http://schemas.microsoft.com/office/powerpoint/2010/main" xmlns="" Requires="p14">
       <p:transition spd="slow" p14:dur="2000"/>
     </mc:Choice>
     <mc:Fallback>
@@ -8722,7 +8755,7 @@
     </p:spTree>
     <p:extLst>
       <p:ext uri="{BB962C8B-B14F-4D97-AF65-F5344CB8AC3E}">
-        <p14:creationId xmlns="" xmlns:p14="http://schemas.microsoft.com/office/powerpoint/2010/main" val="4060775951"/>
+        <p14:creationId xmlns:p14="http://schemas.microsoft.com/office/powerpoint/2010/main" xmlns="" val="4060775951"/>
       </p:ext>
     </p:extLst>
   </p:cSld>
@@ -8730,7 +8763,7 @@
     <a:masterClrMapping/>
   </p:clrMapOvr>
   <mc:AlternateContent xmlns:mc="http://schemas.openxmlformats.org/markup-compatibility/2006">
-    <mc:Choice xmlns="" xmlns:p14="http://schemas.microsoft.com/office/powerpoint/2010/main" Requires="p14">
+    <mc:Choice xmlns:p14="http://schemas.microsoft.com/office/powerpoint/2010/main" xmlns="" Requires="p14">
       <p:transition spd="slow" p14:dur="2000"/>
     </mc:Choice>
     <mc:Fallback>
@@ -9137,7 +9170,7 @@
     </p:spTree>
     <p:extLst>
       <p:ext uri="{BB962C8B-B14F-4D97-AF65-F5344CB8AC3E}">
-        <p14:creationId xmlns="" xmlns:p14="http://schemas.microsoft.com/office/powerpoint/2010/main" val="4060775951"/>
+        <p14:creationId xmlns:p14="http://schemas.microsoft.com/office/powerpoint/2010/main" xmlns="" val="4060775951"/>
       </p:ext>
     </p:extLst>
   </p:cSld>
@@ -9145,7 +9178,7 @@
     <a:masterClrMapping/>
   </p:clrMapOvr>
   <mc:AlternateContent xmlns:mc="http://schemas.openxmlformats.org/markup-compatibility/2006">
-    <mc:Choice xmlns="" xmlns:p14="http://schemas.microsoft.com/office/powerpoint/2010/main" Requires="p14">
+    <mc:Choice xmlns:p14="http://schemas.microsoft.com/office/powerpoint/2010/main" xmlns="" Requires="p14">
       <p:transition spd="slow" p14:dur="2000"/>
     </mc:Choice>
     <mc:Fallback>
@@ -9552,7 +9585,7 @@
     </p:spTree>
     <p:extLst>
       <p:ext uri="{BB962C8B-B14F-4D97-AF65-F5344CB8AC3E}">
-        <p14:creationId xmlns="" xmlns:p14="http://schemas.microsoft.com/office/powerpoint/2010/main" val="4060775951"/>
+        <p14:creationId xmlns:p14="http://schemas.microsoft.com/office/powerpoint/2010/main" xmlns="" val="4060775951"/>
       </p:ext>
     </p:extLst>
   </p:cSld>
@@ -9560,7 +9593,7 @@
     <a:masterClrMapping/>
   </p:clrMapOvr>
   <mc:AlternateContent xmlns:mc="http://schemas.openxmlformats.org/markup-compatibility/2006">
-    <mc:Choice xmlns="" xmlns:p14="http://schemas.microsoft.com/office/powerpoint/2010/main" Requires="p14">
+    <mc:Choice xmlns:p14="http://schemas.microsoft.com/office/powerpoint/2010/main" xmlns="" Requires="p14">
       <p:transition spd="slow" p14:dur="2000"/>
     </mc:Choice>
     <mc:Fallback>
@@ -9995,7 +10028,7 @@
     </p:spTree>
     <p:extLst>
       <p:ext uri="{BB962C8B-B14F-4D97-AF65-F5344CB8AC3E}">
-        <p14:creationId xmlns="" xmlns:p14="http://schemas.microsoft.com/office/powerpoint/2010/main" val="4060775951"/>
+        <p14:creationId xmlns:p14="http://schemas.microsoft.com/office/powerpoint/2010/main" xmlns="" val="4060775951"/>
       </p:ext>
     </p:extLst>
   </p:cSld>
@@ -10003,7 +10036,7 @@
     <a:masterClrMapping/>
   </p:clrMapOvr>
   <mc:AlternateContent xmlns:mc="http://schemas.openxmlformats.org/markup-compatibility/2006">
-    <mc:Choice xmlns="" xmlns:p14="http://schemas.microsoft.com/office/powerpoint/2010/main" Requires="p14">
+    <mc:Choice xmlns:p14="http://schemas.microsoft.com/office/powerpoint/2010/main" xmlns="" Requires="p14">
       <p:transition spd="slow" p14:dur="2000"/>
     </mc:Choice>
     <mc:Fallback>
@@ -10297,7 +10330,7 @@
     </p:spTree>
     <p:extLst>
       <p:ext uri="{BB962C8B-B14F-4D97-AF65-F5344CB8AC3E}">
-        <p14:creationId xmlns="" xmlns:p14="http://schemas.microsoft.com/office/powerpoint/2010/main" val="4060775951"/>
+        <p14:creationId xmlns:p14="http://schemas.microsoft.com/office/powerpoint/2010/main" xmlns="" val="4060775951"/>
       </p:ext>
     </p:extLst>
   </p:cSld>
@@ -10305,7 +10338,7 @@
     <a:masterClrMapping/>
   </p:clrMapOvr>
   <mc:AlternateContent xmlns:mc="http://schemas.openxmlformats.org/markup-compatibility/2006">
-    <mc:Choice xmlns="" xmlns:p14="http://schemas.microsoft.com/office/powerpoint/2010/main" Requires="p14">
+    <mc:Choice xmlns:p14="http://schemas.microsoft.com/office/powerpoint/2010/main" xmlns="" Requires="p14">
       <p:transition spd="slow" p14:dur="2000"/>
     </mc:Choice>
     <mc:Fallback>
@@ -10595,7 +10628,7 @@
     </p:spTree>
     <p:extLst>
       <p:ext uri="{BB962C8B-B14F-4D97-AF65-F5344CB8AC3E}">
-        <p14:creationId xmlns="" xmlns:p14="http://schemas.microsoft.com/office/powerpoint/2010/main" val="3292176594"/>
+        <p14:creationId xmlns:p14="http://schemas.microsoft.com/office/powerpoint/2010/main" xmlns="" val="3292176594"/>
       </p:ext>
     </p:extLst>
   </p:cSld>
@@ -10828,7 +10861,7 @@
           <a:blip r:embed="rId3" cstate="print">
             <a:extLst>
               <a:ext uri="{28A0092B-C50C-407E-A947-70E740481C1C}">
-                <a14:useLocalDpi xmlns="" xmlns:a14="http://schemas.microsoft.com/office/drawing/2010/main" val="0"/>
+                <a14:useLocalDpi xmlns:a14="http://schemas.microsoft.com/office/drawing/2010/main" xmlns="" val="0"/>
               </a:ext>
             </a:extLst>
           </a:blip>
@@ -10848,7 +10881,7 @@
           <a:noFill/>
           <a:extLst>
             <a:ext uri="{909E8E84-426E-40DD-AFC4-6F175D3DCCD1}">
-              <a14:hiddenFill xmlns="" xmlns:a14="http://schemas.microsoft.com/office/drawing/2010/main">
+              <a14:hiddenFill xmlns:a14="http://schemas.microsoft.com/office/drawing/2010/main" xmlns="">
                 <a:solidFill>
                   <a:srgbClr val="FFFFFF"/>
                 </a:solidFill>
@@ -11023,7 +11056,7 @@
     </p:spTree>
     <p:extLst>
       <p:ext uri="{BB962C8B-B14F-4D97-AF65-F5344CB8AC3E}">
-        <p14:creationId xmlns="" xmlns:p14="http://schemas.microsoft.com/office/powerpoint/2010/main" val="3400026356"/>
+        <p14:creationId xmlns:p14="http://schemas.microsoft.com/office/powerpoint/2010/main" xmlns="" val="3400026356"/>
       </p:ext>
     </p:extLst>
   </p:cSld>
@@ -11505,7 +11538,7 @@
     </p:spTree>
     <p:extLst>
       <p:ext uri="{BB962C8B-B14F-4D97-AF65-F5344CB8AC3E}">
-        <p14:creationId xmlns="" xmlns:p14="http://schemas.microsoft.com/office/powerpoint/2010/main" val="3292176594"/>
+        <p14:creationId xmlns:p14="http://schemas.microsoft.com/office/powerpoint/2010/main" xmlns="" val="3292176594"/>
       </p:ext>
     </p:extLst>
   </p:cSld>
@@ -11719,13 +11752,7 @@
               <a:rPr lang="en-US" dirty="0" smtClean="0">
                 <a:hlinkClick r:id="rId4"/>
               </a:rPr>
-              <a:t>http://www.software-testing.ru</a:t>
-            </a:r>
-            <a:r>
-              <a:rPr lang="en-US" dirty="0" smtClean="0">
-                <a:hlinkClick r:id="rId4"/>
-              </a:rPr>
-              <a:t>/</a:t>
+              <a:t>http://www.software-testing.ru/</a:t>
             </a:r>
             <a:endParaRPr lang="ru-RU" dirty="0" smtClean="0"/>
           </a:p>
@@ -11734,13 +11761,7 @@
               <a:rPr lang="en-US" dirty="0" smtClean="0">
                 <a:hlinkClick r:id="rId5"/>
               </a:rPr>
-              <a:t>http://testingforall.com/blog</a:t>
-            </a:r>
-            <a:r>
-              <a:rPr lang="en-US" dirty="0" smtClean="0">
-                <a:hlinkClick r:id="rId5"/>
-              </a:rPr>
-              <a:t>/</a:t>
+              <a:t>http://testingforall.com/blog/</a:t>
             </a:r>
             <a:endParaRPr lang="ru-RU" smtClean="0"/>
           </a:p>
@@ -11788,7 +11809,7 @@
     </p:spTree>
     <p:extLst>
       <p:ext uri="{BB962C8B-B14F-4D97-AF65-F5344CB8AC3E}">
-        <p14:creationId xmlns="" xmlns:p14="http://schemas.microsoft.com/office/powerpoint/2010/main" val="1923330547"/>
+        <p14:creationId xmlns:p14="http://schemas.microsoft.com/office/powerpoint/2010/main" xmlns="" val="1923330547"/>
       </p:ext>
     </p:extLst>
   </p:cSld>
@@ -11915,7 +11936,7 @@
     </p:spTree>
     <p:extLst>
       <p:ext uri="{BB962C8B-B14F-4D97-AF65-F5344CB8AC3E}">
-        <p14:creationId xmlns="" xmlns:p14="http://schemas.microsoft.com/office/powerpoint/2010/main" val="1923330547"/>
+        <p14:creationId xmlns:p14="http://schemas.microsoft.com/office/powerpoint/2010/main" xmlns="" val="1923330547"/>
       </p:ext>
     </p:extLst>
   </p:cSld>
@@ -12436,7 +12457,7 @@
     </p:spTree>
     <p:extLst>
       <p:ext uri="{BB962C8B-B14F-4D97-AF65-F5344CB8AC3E}">
-        <p14:creationId xmlns="" xmlns:p14="http://schemas.microsoft.com/office/powerpoint/2010/main" val="4060775951"/>
+        <p14:creationId xmlns:p14="http://schemas.microsoft.com/office/powerpoint/2010/main" xmlns="" val="4060775951"/>
       </p:ext>
     </p:extLst>
   </p:cSld>
@@ -12444,7 +12465,7 @@
     <a:masterClrMapping/>
   </p:clrMapOvr>
   <mc:AlternateContent xmlns:mc="http://schemas.openxmlformats.org/markup-compatibility/2006">
-    <mc:Choice xmlns="" xmlns:p14="http://schemas.microsoft.com/office/powerpoint/2010/main" Requires="p14">
+    <mc:Choice xmlns:p14="http://schemas.microsoft.com/office/powerpoint/2010/main" xmlns="" Requires="p14">
       <p:transition spd="slow" p14:dur="2000"/>
     </mc:Choice>
     <mc:Fallback>
@@ -12894,7 +12915,7 @@
     </p:spTree>
     <p:extLst>
       <p:ext uri="{BB962C8B-B14F-4D97-AF65-F5344CB8AC3E}">
-        <p14:creationId xmlns="" xmlns:p14="http://schemas.microsoft.com/office/powerpoint/2010/main" val="4060775951"/>
+        <p14:creationId xmlns:p14="http://schemas.microsoft.com/office/powerpoint/2010/main" xmlns="" val="4060775951"/>
       </p:ext>
     </p:extLst>
   </p:cSld>
@@ -12902,7 +12923,7 @@
     <a:masterClrMapping/>
   </p:clrMapOvr>
   <mc:AlternateContent xmlns:mc="http://schemas.openxmlformats.org/markup-compatibility/2006">
-    <mc:Choice xmlns="" xmlns:p14="http://schemas.microsoft.com/office/powerpoint/2010/main" Requires="p14">
+    <mc:Choice xmlns:p14="http://schemas.microsoft.com/office/powerpoint/2010/main" xmlns="" Requires="p14">
       <p:transition spd="slow" p14:dur="2000"/>
     </mc:Choice>
     <mc:Fallback>
@@ -13378,7 +13399,7 @@
     </p:spTree>
     <p:extLst>
       <p:ext uri="{BB962C8B-B14F-4D97-AF65-F5344CB8AC3E}">
-        <p14:creationId xmlns="" xmlns:p14="http://schemas.microsoft.com/office/powerpoint/2010/main" val="4060775951"/>
+        <p14:creationId xmlns:p14="http://schemas.microsoft.com/office/powerpoint/2010/main" xmlns="" val="4060775951"/>
       </p:ext>
     </p:extLst>
   </p:cSld>
@@ -13386,7 +13407,7 @@
     <a:masterClrMapping/>
   </p:clrMapOvr>
   <mc:AlternateContent xmlns:mc="http://schemas.openxmlformats.org/markup-compatibility/2006">
-    <mc:Choice xmlns="" xmlns:p14="http://schemas.microsoft.com/office/powerpoint/2010/main" Requires="p14">
+    <mc:Choice xmlns:p14="http://schemas.microsoft.com/office/powerpoint/2010/main" xmlns="" Requires="p14">
       <p:transition spd="slow" p14:dur="2000"/>
     </mc:Choice>
     <mc:Fallback>
@@ -13838,7 +13859,7 @@
     </p:spTree>
     <p:extLst>
       <p:ext uri="{BB962C8B-B14F-4D97-AF65-F5344CB8AC3E}">
-        <p14:creationId xmlns="" xmlns:p14="http://schemas.microsoft.com/office/powerpoint/2010/main" val="4060775951"/>
+        <p14:creationId xmlns:p14="http://schemas.microsoft.com/office/powerpoint/2010/main" xmlns="" val="4060775951"/>
       </p:ext>
     </p:extLst>
   </p:cSld>
@@ -13846,7 +13867,7 @@
     <a:masterClrMapping/>
   </p:clrMapOvr>
   <mc:AlternateContent xmlns:mc="http://schemas.openxmlformats.org/markup-compatibility/2006">
-    <mc:Choice xmlns="" xmlns:p14="http://schemas.microsoft.com/office/powerpoint/2010/main" Requires="p14">
+    <mc:Choice xmlns:p14="http://schemas.microsoft.com/office/powerpoint/2010/main" xmlns="" Requires="p14">
       <p:transition spd="slow" p14:dur="2000"/>
     </mc:Choice>
     <mc:Fallback>

--- a/inna/Занятие 1.pptx
+++ b/inna/Занятие 1.pptx
@@ -5,29 +5,30 @@
     <p:sldMasterId id="2147483648" r:id="rId1"/>
   </p:sldMasterIdLst>
   <p:notesMasterIdLst>
-    <p:notesMasterId r:id="rId22"/>
+    <p:notesMasterId r:id="rId23"/>
   </p:notesMasterIdLst>
   <p:sldIdLst>
     <p:sldId id="280" r:id="rId2"/>
     <p:sldId id="300" r:id="rId3"/>
-    <p:sldId id="308" r:id="rId4"/>
-    <p:sldId id="301" r:id="rId5"/>
-    <p:sldId id="309" r:id="rId6"/>
-    <p:sldId id="281" r:id="rId7"/>
-    <p:sldId id="311" r:id="rId8"/>
-    <p:sldId id="310" r:id="rId9"/>
-    <p:sldId id="312" r:id="rId10"/>
-    <p:sldId id="313" r:id="rId11"/>
-    <p:sldId id="314" r:id="rId12"/>
-    <p:sldId id="315" r:id="rId13"/>
-    <p:sldId id="322" r:id="rId14"/>
-    <p:sldId id="323" r:id="rId15"/>
-    <p:sldId id="324" r:id="rId16"/>
-    <p:sldId id="319" r:id="rId17"/>
-    <p:sldId id="318" r:id="rId18"/>
-    <p:sldId id="320" r:id="rId19"/>
-    <p:sldId id="321" r:id="rId20"/>
-    <p:sldId id="286" r:id="rId21"/>
+    <p:sldId id="325" r:id="rId4"/>
+    <p:sldId id="308" r:id="rId5"/>
+    <p:sldId id="301" r:id="rId6"/>
+    <p:sldId id="309" r:id="rId7"/>
+    <p:sldId id="281" r:id="rId8"/>
+    <p:sldId id="311" r:id="rId9"/>
+    <p:sldId id="310" r:id="rId10"/>
+    <p:sldId id="312" r:id="rId11"/>
+    <p:sldId id="313" r:id="rId12"/>
+    <p:sldId id="314" r:id="rId13"/>
+    <p:sldId id="315" r:id="rId14"/>
+    <p:sldId id="322" r:id="rId15"/>
+    <p:sldId id="323" r:id="rId16"/>
+    <p:sldId id="324" r:id="rId17"/>
+    <p:sldId id="319" r:id="rId18"/>
+    <p:sldId id="318" r:id="rId19"/>
+    <p:sldId id="320" r:id="rId20"/>
+    <p:sldId id="321" r:id="rId21"/>
+    <p:sldId id="286" r:id="rId22"/>
   </p:sldIdLst>
   <p:sldSz cx="9144000" cy="6858000" type="screen4x3"/>
   <p:notesSz cx="6858000" cy="9144000"/>
@@ -228,7 +229,7 @@
             <a:fld id="{7FCDCAFE-ED6D-40DE-BB2A-6C2FAE0E1B23}" type="datetimeFigureOut">
               <a:rPr lang="en-US" smtClean="0"/>
               <a:pPr/>
-              <a:t>24-Dec-14</a:t>
+              <a:t>09-Jan-15</a:t>
             </a:fld>
             <a:endParaRPr lang="en-US"/>
           </a:p>
@@ -539,361 +540,10 @@
         <p:spPr/>
         <p:txBody>
           <a:bodyPr>
-            <a:normAutofit fontScale="85000" lnSpcReduction="20000"/>
+            <a:normAutofit/>
           </a:bodyPr>
           <a:lstStyle/>
           <a:p>
-            <a:r>
-              <a:rPr lang="ru-RU" sz="1200" kern="1200" dirty="0" smtClean="0">
-                <a:solidFill>
-                  <a:schemeClr val="tx1"/>
-                </a:solidFill>
-                <a:latin typeface="+mn-lt"/>
-                <a:ea typeface="+mn-ea"/>
-                <a:cs typeface="+mn-cs"/>
-              </a:rPr>
-              <a:t>Сравнение приготовления еды и создания ПО</a:t>
-            </a:r>
-          </a:p>
-          <a:p>
-            <a:r>
-              <a:rPr lang="ru-RU" sz="1200" kern="1200" dirty="0" smtClean="0">
-                <a:solidFill>
-                  <a:schemeClr val="tx1"/>
-                </a:solidFill>
-                <a:latin typeface="+mn-lt"/>
-                <a:ea typeface="+mn-ea"/>
-                <a:cs typeface="+mn-cs"/>
-              </a:rPr>
-              <a:t>В ресторан (компания по разработке ПО) пришел мужчина (заказчик) и хочет заказать салат (программу).</a:t>
-            </a:r>
-          </a:p>
-          <a:p>
-            <a:r>
-              <a:rPr lang="ru-RU" sz="1200" kern="1200" dirty="0" smtClean="0">
-                <a:solidFill>
-                  <a:schemeClr val="tx1"/>
-                </a:solidFill>
-                <a:latin typeface="+mn-lt"/>
-                <a:ea typeface="+mn-ea"/>
-                <a:cs typeface="+mn-cs"/>
-              </a:rPr>
-              <a:t>Официант (человек, ответственный за выяснение требований у заказчика) выслушивает его пожелания (требования) и передает все шеф-повару (проектному менеджеру).</a:t>
-            </a:r>
-          </a:p>
-          <a:p>
-            <a:r>
-              <a:rPr lang="ru-RU" sz="1200" kern="1200" dirty="0" smtClean="0">
-                <a:solidFill>
-                  <a:schemeClr val="tx1"/>
-                </a:solidFill>
-                <a:latin typeface="+mn-lt"/>
-                <a:ea typeface="+mn-ea"/>
-                <a:cs typeface="+mn-cs"/>
-              </a:rPr>
-              <a:t>Шеф-повар уже имеет команду помощников или может набрать новую.</a:t>
-            </a:r>
-          </a:p>
-          <a:p>
-            <a:r>
-              <a:rPr lang="ru-RU" sz="1200" kern="1200" dirty="0" smtClean="0">
-                <a:solidFill>
-                  <a:schemeClr val="tx1"/>
-                </a:solidFill>
-                <a:latin typeface="+mn-lt"/>
-                <a:ea typeface="+mn-ea"/>
-                <a:cs typeface="+mn-cs"/>
-              </a:rPr>
-              <a:t>Какую он наберет себе команду помощников? Какой из рецептов возьмет? Или придумает что-то свое? Насколько близко будет следовать пожеланиям клиента?</a:t>
-            </a:r>
-          </a:p>
-          <a:p>
-            <a:r>
-              <a:rPr lang="ru-RU" sz="1200" kern="1200" dirty="0" smtClean="0">
-                <a:solidFill>
-                  <a:schemeClr val="tx1"/>
-                </a:solidFill>
-                <a:latin typeface="+mn-lt"/>
-                <a:ea typeface="+mn-ea"/>
-                <a:cs typeface="+mn-cs"/>
-              </a:rPr>
-              <a:t>Как и кто будет проверять салат на вкус? Будет это один ответственный или несколько людей, который каждый отвечает за свою часть?</a:t>
-            </a:r>
-          </a:p>
-          <a:p>
-            <a:r>
-              <a:rPr lang="ru-RU" sz="1200" kern="1200" dirty="0" smtClean="0">
-                <a:solidFill>
-                  <a:schemeClr val="tx1"/>
-                </a:solidFill>
-                <a:latin typeface="+mn-lt"/>
-                <a:ea typeface="+mn-ea"/>
-                <a:cs typeface="+mn-cs"/>
-              </a:rPr>
-              <a:t>Приукрасит ли повар салат (красивый интерфейс) или просто навалит в тарелку?</a:t>
-            </a:r>
-          </a:p>
-          <a:p>
-            <a:r>
-              <a:rPr lang="ru-RU" sz="1200" kern="1200" dirty="0" smtClean="0">
-                <a:solidFill>
-                  <a:schemeClr val="tx1"/>
-                </a:solidFill>
-                <a:latin typeface="+mn-lt"/>
-                <a:ea typeface="+mn-ea"/>
-                <a:cs typeface="+mn-cs"/>
-              </a:rPr>
-              <a:t>Правильные ли приборы (удобный интерфейс) к салату подадут?</a:t>
-            </a:r>
-          </a:p>
-          <a:p>
-            <a:r>
-              <a:rPr lang="ru-RU" sz="1200" kern="1200" dirty="0" smtClean="0">
-                <a:solidFill>
-                  <a:schemeClr val="tx1"/>
-                </a:solidFill>
-                <a:latin typeface="+mn-lt"/>
-                <a:ea typeface="+mn-ea"/>
-                <a:cs typeface="+mn-cs"/>
-              </a:rPr>
-              <a:t>Будет ли клиенту удобно есть? Будет ли он доволен вкусом?</a:t>
-            </a:r>
-          </a:p>
-          <a:p>
-            <a:r>
-              <a:rPr lang="ru-RU" sz="1200" kern="1200" dirty="0" smtClean="0">
-                <a:solidFill>
-                  <a:schemeClr val="tx1"/>
-                </a:solidFill>
-                <a:latin typeface="+mn-lt"/>
-                <a:ea typeface="+mn-ea"/>
-                <a:cs typeface="+mn-cs"/>
-              </a:rPr>
-              <a:t>Если шеф-повар или кто-то из команды недобросовестный, то он может положить в салат несвежие продукты.</a:t>
-            </a:r>
-          </a:p>
-          <a:p>
-            <a:r>
-              <a:rPr lang="ru-RU" sz="1200" kern="1200" dirty="0" smtClean="0">
-                <a:solidFill>
-                  <a:schemeClr val="tx1"/>
-                </a:solidFill>
-                <a:latin typeface="+mn-lt"/>
-                <a:ea typeface="+mn-ea"/>
-                <a:cs typeface="+mn-cs"/>
-              </a:rPr>
-              <a:t>Клиенту может понравиться вкус приготовленного блюда, но на следующее утро у него могут быть признаки отравления. Он расскажет об отравлении своим друзьям, и больше никто не придет в тот ресторан.</a:t>
-            </a:r>
-          </a:p>
-          <a:p>
-            <a:r>
-              <a:rPr lang="ru-RU" sz="1200" kern="1200" dirty="0" smtClean="0">
-                <a:solidFill>
-                  <a:schemeClr val="tx1"/>
-                </a:solidFill>
-                <a:latin typeface="+mn-lt"/>
-                <a:ea typeface="+mn-ea"/>
-                <a:cs typeface="+mn-cs"/>
-              </a:rPr>
-              <a:t>Если бы в ресторане был человек, который отвечает за качество готовящихся блюд, какой бы он должен был быть? На что он должен был обращать внимание?</a:t>
-            </a:r>
-          </a:p>
-          <a:p>
-            <a:r>
-              <a:rPr lang="ru-RU" sz="1200" kern="1200" dirty="0" smtClean="0">
-                <a:solidFill>
-                  <a:schemeClr val="tx1"/>
-                </a:solidFill>
-                <a:latin typeface="+mn-lt"/>
-                <a:ea typeface="+mn-ea"/>
-                <a:cs typeface="+mn-cs"/>
-              </a:rPr>
-              <a:t>Не зависеть от шеф-повара и его команды</a:t>
-            </a:r>
-          </a:p>
-          <a:p>
-            <a:r>
-              <a:rPr lang="ru-RU" sz="1200" kern="1200" dirty="0" smtClean="0">
-                <a:solidFill>
-                  <a:schemeClr val="tx1"/>
-                </a:solidFill>
-                <a:latin typeface="+mn-lt"/>
-                <a:ea typeface="+mn-ea"/>
-                <a:cs typeface="+mn-cs"/>
-              </a:rPr>
-              <a:t>Разбираться в технологиях приготовления блюд из меню ресторана и следить за тем, чтоб этим технологиям следовали правильно</a:t>
-            </a:r>
-          </a:p>
-          <a:p>
-            <a:r>
-              <a:rPr lang="ru-RU" sz="1200" kern="1200" dirty="0" smtClean="0">
-                <a:solidFill>
-                  <a:schemeClr val="tx1"/>
-                </a:solidFill>
-                <a:latin typeface="+mn-lt"/>
-                <a:ea typeface="+mn-ea"/>
-                <a:cs typeface="+mn-cs"/>
-              </a:rPr>
-              <a:t>Иметь возможность проверять качество каждого из компонентов блюд</a:t>
-            </a:r>
-          </a:p>
-          <a:p>
-            <a:r>
-              <a:rPr lang="ru-RU" sz="1200" kern="1200" dirty="0" smtClean="0">
-                <a:solidFill>
-                  <a:schemeClr val="tx1"/>
-                </a:solidFill>
-                <a:latin typeface="+mn-lt"/>
-                <a:ea typeface="+mn-ea"/>
-                <a:cs typeface="+mn-cs"/>
-              </a:rPr>
-              <a:t>Иметь определенные знания, помогающие </a:t>
-            </a:r>
-            <a:r>
-              <a:rPr lang="ru-RU" sz="1200" kern="1200" smtClean="0">
-                <a:solidFill>
-                  <a:schemeClr val="tx1"/>
-                </a:solidFill>
-                <a:latin typeface="+mn-lt"/>
-                <a:ea typeface="+mn-ea"/>
-                <a:cs typeface="+mn-cs"/>
-              </a:rPr>
-              <a:t>ему </a:t>
-            </a:r>
-            <a:r>
-              <a:rPr lang="ru-RU" sz="1200" kern="1200" smtClean="0">
-                <a:solidFill>
-                  <a:schemeClr val="tx1"/>
-                </a:solidFill>
-                <a:latin typeface="+mn-lt"/>
-                <a:ea typeface="+mn-ea"/>
-                <a:cs typeface="+mn-cs"/>
-              </a:rPr>
-              <a:t>оценить </a:t>
-            </a:r>
-            <a:r>
-              <a:rPr lang="ru-RU" sz="1200" kern="1200" dirty="0" smtClean="0">
-                <a:solidFill>
-                  <a:schemeClr val="tx1"/>
-                </a:solidFill>
-                <a:latin typeface="+mn-lt"/>
-                <a:ea typeface="+mn-ea"/>
-                <a:cs typeface="+mn-cs"/>
-              </a:rPr>
-              <a:t>презентацию блюда</a:t>
-            </a:r>
-          </a:p>
-          <a:p>
-            <a:r>
-              <a:rPr lang="ru-RU" sz="1200" kern="1200" dirty="0" smtClean="0">
-                <a:solidFill>
-                  <a:schemeClr val="tx1"/>
-                </a:solidFill>
-                <a:latin typeface="+mn-lt"/>
-                <a:ea typeface="+mn-ea"/>
-                <a:cs typeface="+mn-cs"/>
-              </a:rPr>
-              <a:t>Уметь прислушиваться к пожеланиям клиентов ресторана</a:t>
-            </a:r>
-          </a:p>
-          <a:p>
-            <a:r>
-              <a:rPr lang="ru-RU" sz="1200" kern="1200" dirty="0" smtClean="0">
-                <a:solidFill>
-                  <a:schemeClr val="tx1"/>
-                </a:solidFill>
-                <a:latin typeface="+mn-lt"/>
-                <a:ea typeface="+mn-ea"/>
-                <a:cs typeface="+mn-cs"/>
-              </a:rPr>
-              <a:t>Уметь представить себя в роли клиента</a:t>
-            </a:r>
-          </a:p>
-          <a:p>
-            <a:r>
-              <a:rPr lang="ru-RU" sz="1200" kern="1200" dirty="0" smtClean="0">
-                <a:solidFill>
-                  <a:schemeClr val="tx1"/>
-                </a:solidFill>
-                <a:latin typeface="+mn-lt"/>
-                <a:ea typeface="+mn-ea"/>
-                <a:cs typeface="+mn-cs"/>
-              </a:rPr>
-              <a:t>Уметь правильно и корректно донести до команды поваров свои наблюдения и пожелания</a:t>
-            </a:r>
-          </a:p>
-          <a:p>
-            <a:r>
-              <a:rPr lang="ru-RU" sz="1200" kern="1200" dirty="0" smtClean="0">
-                <a:solidFill>
-                  <a:schemeClr val="tx1"/>
-                </a:solidFill>
-                <a:latin typeface="+mn-lt"/>
-                <a:ea typeface="+mn-ea"/>
-                <a:cs typeface="+mn-cs"/>
-              </a:rPr>
-              <a:t>Уметь отбросить неважное, незначительное</a:t>
-            </a:r>
-          </a:p>
-          <a:p>
-            <a:r>
-              <a:rPr lang="ru-RU" sz="1200" kern="1200" dirty="0" smtClean="0">
-                <a:solidFill>
-                  <a:schemeClr val="tx1"/>
-                </a:solidFill>
-                <a:latin typeface="+mn-lt"/>
-                <a:ea typeface="+mn-ea"/>
-                <a:cs typeface="+mn-cs"/>
-              </a:rPr>
-              <a:t>Быть творческим человеком, любить разбираться во всем и вникать в детали</a:t>
-            </a:r>
-          </a:p>
-          <a:p>
-            <a:r>
-              <a:rPr lang="ru-RU" sz="1200" kern="1200" dirty="0" smtClean="0">
-                <a:solidFill>
-                  <a:schemeClr val="tx1"/>
-                </a:solidFill>
-                <a:latin typeface="+mn-lt"/>
-                <a:ea typeface="+mn-ea"/>
-                <a:cs typeface="+mn-cs"/>
-              </a:rPr>
-              <a:t>Учить на ошибках</a:t>
-            </a:r>
-          </a:p>
-          <a:p>
-            <a:endParaRPr lang="ru-RU" sz="1200" kern="1200" dirty="0" smtClean="0">
-              <a:solidFill>
-                <a:schemeClr val="tx1"/>
-              </a:solidFill>
-              <a:latin typeface="+mn-lt"/>
-              <a:ea typeface="+mn-ea"/>
-              <a:cs typeface="+mn-cs"/>
-            </a:endParaRPr>
-          </a:p>
-          <a:p>
-            <a:r>
-              <a:rPr lang="ru-RU" sz="1200" kern="1200" dirty="0" smtClean="0">
-                <a:solidFill>
-                  <a:schemeClr val="tx1"/>
-                </a:solidFill>
-                <a:latin typeface="+mn-lt"/>
-                <a:ea typeface="+mn-ea"/>
-                <a:cs typeface="+mn-cs"/>
-              </a:rPr>
-              <a:t>Анекдот: </a:t>
-            </a:r>
-            <a:r>
-              <a:rPr lang="ru-RU" dirty="0" smtClean="0"/>
-              <a:t>У настоящего тестера всегда чётное количество синяков.</a:t>
-            </a:r>
-            <a:br>
-              <a:rPr lang="ru-RU" dirty="0" smtClean="0"/>
-            </a:br>
-            <a:r>
-              <a:rPr lang="ru-RU" dirty="0" smtClean="0"/>
-              <a:t>Получив граблями по лбу, он обязан попробовать воспроизвести ошибку...</a:t>
-            </a:r>
             <a:endParaRPr lang="ru-RU" dirty="0"/>
           </a:p>
         </p:txBody>
@@ -916,7 +566,7 @@
             <a:fld id="{D75B0C5A-EE92-4E92-8F5B-10699705BBE2}" type="slidenum">
               <a:rPr lang="en-US" smtClean="0"/>
               <a:pPr/>
-              <a:t>5</a:t>
+              <a:t>3</a:t>
             </a:fld>
             <a:endParaRPr lang="en-US"/>
           </a:p>
@@ -976,7 +626,63 @@
           </a:bodyPr>
           <a:lstStyle/>
           <a:p>
-            <a:endParaRPr lang="ru-RU" dirty="0"/>
+            <a:pPr marL="0" marR="0" indent="0" algn="l" defTabSz="914400" rtl="0" eaLnBrk="1" fontAlgn="auto" latinLnBrk="0" hangingPunct="1">
+              <a:lnSpc>
+                <a:spcPct val="100000"/>
+              </a:lnSpc>
+              <a:spcBef>
+                <a:spcPts val="0"/>
+              </a:spcBef>
+              <a:spcAft>
+                <a:spcPts val="0"/>
+              </a:spcAft>
+              <a:buClrTx/>
+              <a:buSzTx/>
+              <a:buFontTx/>
+              <a:buNone/>
+              <a:tabLst/>
+              <a:defRPr/>
+            </a:pPr>
+            <a:r>
+              <a:rPr lang="ru-RU" dirty="0" smtClean="0"/>
+              <a:t>Русский перевод всех этих терминов можно посмотреть тут: </a:t>
+            </a:r>
+            <a:r>
+              <a:rPr lang="en-US" dirty="0" smtClean="0"/>
+              <a:t>https://dl.dropboxusercontent.com/u/15190453/Published/Books%20about%20testing/ISTQB_Glossary_Russian_v2_2.pdf</a:t>
+            </a:r>
+            <a:r>
+              <a:rPr lang="ru-RU" dirty="0" smtClean="0"/>
+              <a:t>.</a:t>
+            </a:r>
+          </a:p>
+          <a:p>
+            <a:pPr marL="0" marR="0" indent="0" algn="l" defTabSz="914400" rtl="0" eaLnBrk="1" fontAlgn="auto" latinLnBrk="0" hangingPunct="1">
+              <a:lnSpc>
+                <a:spcPct val="100000"/>
+              </a:lnSpc>
+              <a:spcBef>
+                <a:spcPts val="0"/>
+              </a:spcBef>
+              <a:spcAft>
+                <a:spcPts val="0"/>
+              </a:spcAft>
+              <a:buClrTx/>
+              <a:buSzTx/>
+              <a:buFontTx/>
+              <a:buNone/>
+              <a:tabLst/>
+              <a:defRPr/>
+            </a:pPr>
+            <a:r>
+              <a:rPr lang="ru-RU" dirty="0" smtClean="0"/>
+              <a:t>См. политика тестирования, план тестирования, процедура тестирования, критерии выхода = </a:t>
+            </a:r>
+            <a:r>
+              <a:rPr lang="en-US" dirty="0" smtClean="0"/>
+              <a:t>test policy, test plan, test procedure, exit criteria</a:t>
+            </a:r>
+            <a:endParaRPr lang="ru-RU" dirty="0" smtClean="0"/>
           </a:p>
         </p:txBody>
       </p:sp>
@@ -1054,102 +760,11 @@
         <p:spPr/>
         <p:txBody>
           <a:bodyPr>
-            <a:normAutofit fontScale="70000" lnSpcReduction="20000"/>
+            <a:normAutofit fontScale="92500"/>
           </a:bodyPr>
           <a:lstStyle/>
           <a:p>
-            <a:r>
-              <a:rPr lang="ru-RU" dirty="0" smtClean="0"/>
-              <a:t>Образ мышления, используемый при тестировании или рецензировании, отличается от того, который используется при разработке программного обеспечения. С соответствующим  образом мышления разработчики в состоянии протестировать свой собственный код, но разделение этой ответственности с  </a:t>
-            </a:r>
-            <a:r>
-              <a:rPr lang="ru-RU" dirty="0" err="1" smtClean="0"/>
-              <a:t>тестировщиками</a:t>
-            </a:r>
-            <a:r>
-              <a:rPr lang="ru-RU" dirty="0" smtClean="0"/>
-              <a:t> обычно делается для того, чтобы помочь сфокусировать усилия и обеспечить дополнительные выгоды, такие, как независимый взгляд обученными и профессиональными </a:t>
-            </a:r>
-            <a:r>
-              <a:rPr lang="ru-RU" dirty="0" err="1" smtClean="0"/>
-              <a:t>тестировщиками</a:t>
-            </a:r>
-            <a:r>
-              <a:rPr lang="ru-RU" dirty="0" smtClean="0"/>
-              <a:t>. </a:t>
-            </a:r>
-            <a:endParaRPr lang="en-US" dirty="0" smtClean="0"/>
-          </a:p>
-          <a:p>
-            <a:endParaRPr lang="en-US" dirty="0" smtClean="0"/>
-          </a:p>
-          <a:p>
-            <a:r>
-              <a:rPr lang="ru-RU" dirty="0" smtClean="0"/>
-              <a:t>Независимое тестирование можно проводить на любом уровне тестирования.  </a:t>
-            </a:r>
-            <a:r>
-              <a:rPr lang="ru-RU" dirty="0" err="1" smtClean="0"/>
-              <a:t>Тестировщик</a:t>
-            </a:r>
-            <a:r>
-              <a:rPr lang="ru-RU" dirty="0" smtClean="0"/>
-              <a:t> с определенной степенью независимости (лишенный предвзятости автора) часто более эффективен при обнаружении дефектов и отказов. Однако независимость не является заменой знаний, поэтому и разработчики могут эффективно находить дефекты в собственном коде. </a:t>
-            </a:r>
-            <a:endParaRPr lang="en-US" dirty="0" smtClean="0"/>
-          </a:p>
-          <a:p>
-            <a:endParaRPr lang="en-US" dirty="0" smtClean="0"/>
-          </a:p>
-          <a:p>
-            <a:r>
-              <a:rPr lang="ru-RU" dirty="0" smtClean="0"/>
-              <a:t>Ниже определены несколько уровней независимости от низкого до высокого: </a:t>
-            </a:r>
-            <a:endParaRPr lang="en-US" dirty="0" smtClean="0"/>
-          </a:p>
-          <a:p>
-            <a:r>
-              <a:rPr lang="ru-RU" dirty="0" smtClean="0"/>
-              <a:t>• Тесты разработаны человеком, который написал тестируемую программу (низкий уровень независимости) </a:t>
-            </a:r>
-            <a:endParaRPr lang="en-US" dirty="0" smtClean="0"/>
-          </a:p>
-          <a:p>
-            <a:r>
-              <a:rPr lang="ru-RU" dirty="0" smtClean="0"/>
-              <a:t>• Тесты разработаны другими людьми (например, из команды разработчиков) </a:t>
-            </a:r>
-            <a:endParaRPr lang="en-US" dirty="0" smtClean="0"/>
-          </a:p>
-          <a:p>
-            <a:r>
-              <a:rPr lang="ru-RU" dirty="0" smtClean="0"/>
-              <a:t>• Тесты разработаны людьми из другой организационной группы (например, независимая группа тестирования) или </a:t>
-            </a:r>
-            <a:r>
-              <a:rPr lang="ru-RU" dirty="0" err="1" smtClean="0"/>
-              <a:t>специалистами-тестировщиками</a:t>
-            </a:r>
-            <a:r>
-              <a:rPr lang="ru-RU" dirty="0" smtClean="0"/>
-              <a:t> (например, специалистами по тестированию практичности или производительности) </a:t>
-            </a:r>
-            <a:endParaRPr lang="en-US" dirty="0" smtClean="0"/>
-          </a:p>
-          <a:p>
-            <a:r>
-              <a:rPr lang="ru-RU" dirty="0" smtClean="0"/>
-              <a:t>• Тесты разработаны людьми из другой организации или компании (например, </a:t>
-            </a:r>
-            <a:r>
-              <a:rPr lang="ru-RU" dirty="0" err="1" smtClean="0"/>
-              <a:t>аутсорсинг</a:t>
-            </a:r>
-            <a:r>
-              <a:rPr lang="ru-RU" dirty="0" smtClean="0"/>
-              <a:t> или сертификация силами внешней организации) </a:t>
-            </a:r>
+            <a:endParaRPr lang="ru-RU" dirty="0"/>
           </a:p>
         </p:txBody>
       </p:sp>
@@ -1233,16 +848,7 @@
           <a:p>
             <a:r>
               <a:rPr lang="ru-RU" dirty="0" smtClean="0"/>
-              <a:t>Для людей и проектов характерна целевая направленность. Люди склонны корректировать свои планы согласно целям, установленным руководством и другими заинтересованными лицами, например, поиск дефектов или подтверждение того, что в программном обеспечении достигнуты цели. Поэтому важно ясно и точно определить цели тестирования.  Нахождение отказов во время тестирования может быть воспринято как критика продукта и его автора. Поэтому тестирование часто рассматривается как разрушительная деятельность, даже если она конструктивна с точки зрения управления рисками. Поиск отказов в системе требует любопытства, профессионального пессимизма, критического взгляда, внимания к деталям, хорошей коммуникации с разработчиками и опыта, на котором могут основываться предположения об ошибках. </a:t>
-            </a:r>
-          </a:p>
-          <a:p>
-            <a:endParaRPr lang="en-US" dirty="0" smtClean="0"/>
-          </a:p>
-          <a:p>
-            <a:r>
-              <a:rPr lang="ru-RU" dirty="0" smtClean="0"/>
-              <a:t>Если сообщения об ошибках, дефектах и отказах конструктивны, то плохих отношений между </a:t>
+              <a:t>Образ мышления, используемый при тестировании или рецензировании, отличается от того, который используется при разработке программного обеспечения. С соответствующим  образом мышления разработчики в состоянии протестировать свой собственный код, но разделение этой ответственности с  </a:t>
             </a:r>
             <a:r>
               <a:rPr lang="ru-RU" dirty="0" err="1" smtClean="0"/>
@@ -1250,33 +856,7 @@
             </a:r>
             <a:r>
               <a:rPr lang="ru-RU" dirty="0" smtClean="0"/>
-              <a:t> и аналитиками, проектировщиками и разработчиками  можно избежать. Это применимо и к дефектам, найденным во время рецензирования. </a:t>
-            </a:r>
-            <a:r>
-              <a:rPr lang="ru-RU" dirty="0" err="1" smtClean="0"/>
-              <a:t>Тестировщикам</a:t>
-            </a:r>
-            <a:r>
-              <a:rPr lang="ru-RU" dirty="0" smtClean="0"/>
-              <a:t> и ведущим специалистам по тестированию необходимы хорошие коммуникационные навыки, чтобы фактическая информация о дефектах, ходе работы и рисках сообщалась конструктивно.  Для авторов программного обеспечения или документации информация о дефекте может помочь усовершенствовать свои навыки. Дефекты, найденные и исправленные во время тестирования, позднее сэкономят время и деньги, уменьшат риски. </a:t>
-            </a:r>
-            <a:endParaRPr lang="en-US" dirty="0" smtClean="0"/>
-          </a:p>
-          <a:p>
-            <a:endParaRPr lang="en-US" dirty="0" smtClean="0"/>
-          </a:p>
-          <a:p>
-            <a:r>
-              <a:rPr lang="ru-RU" dirty="0" smtClean="0"/>
-              <a:t>Коммуникационные проблемы могут возникнуть, в частности, если </a:t>
-            </a:r>
-            <a:r>
-              <a:rPr lang="ru-RU" dirty="0" err="1" smtClean="0"/>
-              <a:t>тестировщики</a:t>
-            </a:r>
-            <a:r>
-              <a:rPr lang="ru-RU" dirty="0" smtClean="0"/>
-              <a:t> рассматриваются только как вестники нежелательных сообщений о дефектах. Однако есть несколько способов улучшить коммуникации и отношения между </a:t>
+              <a:t> обычно делается для того, чтобы помочь сфокусировать усилия и обеспечить дополнительные выгоды, такие, как независимый взгляд обученными и профессиональными </a:t>
             </a:r>
             <a:r>
               <a:rPr lang="ru-RU" dirty="0" err="1" smtClean="0"/>
@@ -1284,57 +864,79 @@
             </a:r>
             <a:r>
               <a:rPr lang="ru-RU" dirty="0" smtClean="0"/>
-              <a:t> и другими коллегами: </a:t>
+              <a:t>. </a:t>
             </a:r>
             <a:endParaRPr lang="en-US" dirty="0" smtClean="0"/>
           </a:p>
           <a:p>
+            <a:endParaRPr lang="en-US" dirty="0" smtClean="0"/>
+          </a:p>
+          <a:p>
             <a:r>
               <a:rPr lang="ru-RU" dirty="0" smtClean="0"/>
-              <a:t> Начните с сотрудничества, а не сражения – напомните каждому об общей цели улучшения качества системы </a:t>
+              <a:t>Независимое тестирование можно проводить на любом уровне тестирования.  </a:t>
+            </a:r>
+            <a:r>
+              <a:rPr lang="ru-RU" dirty="0" err="1" smtClean="0"/>
+              <a:t>Тестировщик</a:t>
+            </a:r>
+            <a:r>
+              <a:rPr lang="ru-RU" dirty="0" smtClean="0"/>
+              <a:t> с определенной степенью независимости (лишенный предвзятости автора) часто более эффективен при обнаружении дефектов и отказов. Однако независимость не является заменой знаний, поэтому и разработчики могут эффективно находить дефекты в собственном коде. </a:t>
             </a:r>
             <a:endParaRPr lang="en-US" dirty="0" smtClean="0"/>
           </a:p>
           <a:p>
+            <a:endParaRPr lang="en-US" dirty="0" smtClean="0"/>
+          </a:p>
+          <a:p>
             <a:r>
               <a:rPr lang="ru-RU" dirty="0" smtClean="0"/>
-              <a:t> Сообщайте результаты о продукте нейтральным способом, сфокусированном на фактах, без критики автора, например, опишите цели, отчеты о фактических инцидентах и результаты рецензирования. </a:t>
+              <a:t>Ниже определены несколько уровней независимости от низкого до высокого: </a:t>
             </a:r>
             <a:endParaRPr lang="en-US" dirty="0" smtClean="0"/>
           </a:p>
           <a:p>
             <a:r>
               <a:rPr lang="ru-RU" dirty="0" smtClean="0"/>
-              <a:t> Попытайтесь понять, что другие люди чувствуют и почему они так реагируют </a:t>
+              <a:t>• Тесты разработаны человеком, который написал тестируемую программу (низкий уровень независимости) </a:t>
             </a:r>
             <a:endParaRPr lang="en-US" dirty="0" smtClean="0"/>
           </a:p>
           <a:p>
             <a:r>
               <a:rPr lang="ru-RU" dirty="0" smtClean="0"/>
-              <a:t> Убедитесь, что другой человек понял, что вы сказали, и наоборот </a:t>
+              <a:t>• Тесты разработаны другими людьми (например, из команды разработчиков) </a:t>
             </a:r>
             <a:endParaRPr lang="en-US" dirty="0" smtClean="0"/>
           </a:p>
           <a:p>
+            <a:r>
+              <a:rPr lang="ru-RU" dirty="0" smtClean="0"/>
+              <a:t>• Тесты разработаны людьми из другой организационной группы (например, независимая группа тестирования) или </a:t>
+            </a:r>
+            <a:r>
+              <a:rPr lang="ru-RU" dirty="0" err="1" smtClean="0"/>
+              <a:t>специалистами-тестировщиками</a:t>
+            </a:r>
+            <a:r>
+              <a:rPr lang="ru-RU" dirty="0" smtClean="0"/>
+              <a:t> (например, специалистами по тестированию практичности или производительности) </a:t>
+            </a:r>
             <a:endParaRPr lang="en-US" dirty="0" smtClean="0"/>
           </a:p>
           <a:p>
             <a:r>
               <a:rPr lang="ru-RU" dirty="0" smtClean="0"/>
-              <a:t>Высказывание: Тестер</a:t>
-            </a:r>
-            <a:r>
-              <a:rPr lang="en-US" baseline="0" dirty="0" smtClean="0"/>
-              <a:t> </a:t>
-            </a:r>
-            <a:r>
-              <a:rPr lang="ru-RU" baseline="0" dirty="0" smtClean="0"/>
-              <a:t>ж</a:t>
+              <a:t>• Тесты разработаны людьми из другой организации или компании (например, </a:t>
+            </a:r>
+            <a:r>
+              <a:rPr lang="ru-RU" dirty="0" err="1" smtClean="0"/>
+              <a:t>аутсорсинг</a:t>
             </a:r>
             <a:r>
               <a:rPr lang="ru-RU" dirty="0" smtClean="0"/>
-              <a:t>есток с программой, мягок с программистом</a:t>
+              <a:t> или сертификация силами внешней организации) </a:t>
             </a:r>
           </a:p>
         </p:txBody>
@@ -1413,20 +1015,48 @@
         <p:spPr/>
         <p:txBody>
           <a:bodyPr>
-            <a:normAutofit/>
+            <a:normAutofit fontScale="70000" lnSpcReduction="20000"/>
           </a:bodyPr>
           <a:lstStyle/>
           <a:p>
             <a:r>
               <a:rPr lang="ru-RU" dirty="0" smtClean="0"/>
-              <a:t>Участие в тестировании программного обеспечения позволяет людям узнать конфиденциальную и секретную информацию. Одной из причин, зачем необходим кодекс этики, является необходимость гарантировать, что не будет утечки информации.  Признавая кодекс этики для инженеров  Ассоциации по вычислительной технике (ACM) и Института инженеров по электротехнике и радиоэлектронике (IEEE), ISTQB заявляет о следующем кодексе этики: </a:t>
-            </a:r>
+              <a:t>Для людей и проектов характерна целевая направленность. Люди склонны корректировать свои планы согласно целям, установленным руководством и другими заинтересованными лицами, например, поиск дефектов или подтверждение того, что в программном обеспечении достигнуты цели. Поэтому важно ясно и точно определить цели тестирования.  Нахождение отказов во время тестирования может быть воспринято как критика продукта и его автора. Поэтому тестирование часто рассматривается как разрушительная деятельность, даже если она конструктивна с точки зрения управления рисками. Поиск отказов в системе требует любопытства, профессионального пессимизма, критического взгляда, внимания к деталям, хорошей коммуникации с разработчиками и опыта, на котором могут основываться предположения об ошибках. </a:t>
+            </a:r>
+          </a:p>
+          <a:p>
             <a:endParaRPr lang="en-US" dirty="0" smtClean="0"/>
           </a:p>
           <a:p>
             <a:r>
               <a:rPr lang="ru-RU" dirty="0" smtClean="0"/>
-              <a:t>ОБЩЕСТВО – Сертифицированные </a:t>
+              <a:t>Если сообщения об ошибках, дефектах и отказах конструктивны, то плохих отношений между </a:t>
+            </a:r>
+            <a:r>
+              <a:rPr lang="ru-RU" dirty="0" err="1" smtClean="0"/>
+              <a:t>тестировщиками</a:t>
+            </a:r>
+            <a:r>
+              <a:rPr lang="ru-RU" dirty="0" smtClean="0"/>
+              <a:t> и аналитиками, проектировщиками и разработчиками  можно избежать. Это применимо и к дефектам, найденным во время рецензирования. </a:t>
+            </a:r>
+            <a:r>
+              <a:rPr lang="ru-RU" dirty="0" err="1" smtClean="0"/>
+              <a:t>Тестировщикам</a:t>
+            </a:r>
+            <a:r>
+              <a:rPr lang="ru-RU" dirty="0" smtClean="0"/>
+              <a:t> и ведущим специалистам по тестированию необходимы хорошие коммуникационные навыки, чтобы фактическая информация о дефектах, ходе работы и рисках сообщалась конструктивно.  Для авторов программного обеспечения или документации информация о дефекте может помочь усовершенствовать свои навыки. Дефекты, найденные и исправленные во время тестирования, позднее сэкономят время и деньги, уменьшат риски. </a:t>
+            </a:r>
+            <a:endParaRPr lang="en-US" dirty="0" smtClean="0"/>
+          </a:p>
+          <a:p>
+            <a:endParaRPr lang="en-US" dirty="0" smtClean="0"/>
+          </a:p>
+          <a:p>
+            <a:r>
+              <a:rPr lang="ru-RU" dirty="0" smtClean="0"/>
+              <a:t>Коммуникационные проблемы могут возникнуть, в частности, если </a:t>
             </a:r>
             <a:r>
               <a:rPr lang="ru-RU" dirty="0" err="1" smtClean="0"/>
@@ -1434,61 +1064,66 @@
             </a:r>
             <a:r>
               <a:rPr lang="ru-RU" dirty="0" smtClean="0"/>
-              <a:t> программного обеспечения должны действовать согласно  интересам общества</a:t>
+              <a:t> рассматриваются только как вестники нежелательных сообщений о дефектах. Однако есть несколько способов улучшить коммуникации и отношения между </a:t>
+            </a:r>
+            <a:r>
+              <a:rPr lang="ru-RU" dirty="0" err="1" smtClean="0"/>
+              <a:t>тестировщиками</a:t>
+            </a:r>
+            <a:r>
+              <a:rPr lang="ru-RU" dirty="0" smtClean="0"/>
+              <a:t> и другими коллегами: </a:t>
             </a:r>
             <a:endParaRPr lang="en-US" dirty="0" smtClean="0"/>
           </a:p>
           <a:p>
             <a:r>
               <a:rPr lang="ru-RU" dirty="0" smtClean="0"/>
-              <a:t>КЛИЕНТ И РАБОТОДАТЕЛЬ – Сертифицированные </a:t>
-            </a:r>
-            <a:r>
-              <a:rPr lang="ru-RU" dirty="0" err="1" smtClean="0"/>
-              <a:t>тестировщики</a:t>
-            </a:r>
+              <a:t> Начните с сотрудничества, а не сражения – напомните каждому об общей цели улучшения качества системы </a:t>
+            </a:r>
+            <a:endParaRPr lang="en-US" dirty="0" smtClean="0"/>
+          </a:p>
+          <a:p>
             <a:r>
               <a:rPr lang="ru-RU" dirty="0" smtClean="0"/>
-              <a:t> программного обеспечения должны действовать согласно интересам клиента и работодателя, если они не противоречат интересам общества.</a:t>
+              <a:t> Сообщайте результаты о продукте нейтральным способом, сфокусированном на фактах, без критики автора, например, опишите цели, отчеты о фактических инцидентах и результаты рецензирования. </a:t>
             </a:r>
             <a:endParaRPr lang="en-US" dirty="0" smtClean="0"/>
           </a:p>
           <a:p>
             <a:r>
               <a:rPr lang="ru-RU" dirty="0" smtClean="0"/>
-              <a:t>ПРОДУКТ – Сертифицированные </a:t>
-            </a:r>
-            <a:r>
-              <a:rPr lang="ru-RU" dirty="0" err="1" smtClean="0"/>
-              <a:t>тестировщики</a:t>
-            </a:r>
+              <a:t> Попытайтесь понять, что другие люди чувствуют и почему они так реагируют </a:t>
+            </a:r>
+            <a:endParaRPr lang="en-US" dirty="0" smtClean="0"/>
+          </a:p>
+          <a:p>
             <a:r>
               <a:rPr lang="ru-RU" dirty="0" smtClean="0"/>
-              <a:t> программного обеспечения должны быть уверены в том, что компоненты, которые они проверяют (в тестируемых продуктах или системах), соответствуют наивысшим возможным профессиональным стандартам. </a:t>
+              <a:t> Убедитесь, что другой человек понял, что вы сказали, и наоборот </a:t>
             </a:r>
             <a:endParaRPr lang="en-US" dirty="0" smtClean="0"/>
           </a:p>
           <a:p>
+            <a:endParaRPr lang="en-US" dirty="0" smtClean="0"/>
+          </a:p>
+          <a:p>
             <a:r>
               <a:rPr lang="ru-RU" dirty="0" smtClean="0"/>
-              <a:t>ОЦЕНКИ – Сертифицированные </a:t>
-            </a:r>
-            <a:r>
-              <a:rPr lang="ru-RU" dirty="0" err="1" smtClean="0"/>
-              <a:t>тестировщики</a:t>
+              <a:t>Высказывание: Тестер</a:t>
+            </a:r>
+            <a:r>
+              <a:rPr lang="en-US" baseline="0" dirty="0" smtClean="0"/>
+              <a:t> </a:t>
+            </a:r>
+            <a:r>
+              <a:rPr lang="ru-RU" baseline="0" dirty="0" smtClean="0"/>
+              <a:t>ж</a:t>
             </a:r>
             <a:r>
               <a:rPr lang="ru-RU" dirty="0" smtClean="0"/>
-              <a:t> программного обеспечения должны поддерживать целостность и независимость своих профессиональных оценок. </a:t>
-            </a:r>
-            <a:endParaRPr lang="en-US" dirty="0" smtClean="0"/>
-          </a:p>
-          <a:p>
-            <a:r>
-              <a:rPr lang="ru-RU" dirty="0" smtClean="0"/>
-              <a:t>УПРАВЛЕНИЕ  –  Сертифицированные руководители тестирования программного обеспечения и ведущие специалисты должны присоединяться и продвигать этические подходы к управлению тестированием программного обеспечения. </a:t>
-            </a:r>
-            <a:endParaRPr lang="ru-RU" dirty="0"/>
+              <a:t>есток с программой, мягок с программистом</a:t>
+            </a:r>
           </a:p>
         </p:txBody>
       </p:sp>
@@ -1572,7 +1207,14 @@
           <a:p>
             <a:r>
               <a:rPr lang="ru-RU" dirty="0" smtClean="0"/>
-              <a:t>ПРОФЕССИЯ – Сертифицированные </a:t>
+              <a:t>Участие в тестировании программного обеспечения позволяет людям узнать конфиденциальную и секретную информацию. Одной из причин, зачем необходим кодекс этики, является необходимость гарантировать, что не будет утечки информации.  Признавая кодекс этики для инженеров  Ассоциации по вычислительной технике (ACM) и Института инженеров по электротехнике и радиоэлектронике (IEEE), ISTQB заявляет о следующем кодексе этики: </a:t>
+            </a:r>
+            <a:endParaRPr lang="en-US" dirty="0" smtClean="0"/>
+          </a:p>
+          <a:p>
+            <a:r>
+              <a:rPr lang="ru-RU" dirty="0" smtClean="0"/>
+              <a:t>ОБЩЕСТВО – Сертифицированные </a:t>
             </a:r>
             <a:r>
               <a:rPr lang="ru-RU" dirty="0" err="1" smtClean="0"/>
@@ -1580,14 +1222,14 @@
             </a:r>
             <a:r>
               <a:rPr lang="ru-RU" dirty="0" smtClean="0"/>
-              <a:t> программного обеспечения должны поднимать престиж и репутацию своей профессии в интересах общества. </a:t>
+              <a:t> программного обеспечения должны действовать согласно  интересам общества</a:t>
             </a:r>
             <a:endParaRPr lang="en-US" dirty="0" smtClean="0"/>
           </a:p>
           <a:p>
             <a:r>
               <a:rPr lang="ru-RU" dirty="0" smtClean="0"/>
-              <a:t>КОЛЛЕГИ – Сертифицированные </a:t>
+              <a:t>КЛИЕНТ И РАБОТОДАТЕЛЬ – Сертифицированные </a:t>
             </a:r>
             <a:r>
               <a:rPr lang="ru-RU" dirty="0" err="1" smtClean="0"/>
@@ -1595,14 +1237,14 @@
             </a:r>
             <a:r>
               <a:rPr lang="ru-RU" dirty="0" smtClean="0"/>
-              <a:t> программного обеспечения должны быть справедливыми, оказывать поддержку своим коллегам, и содействовать сотрудничеству с разработчиками программного обеспечения. </a:t>
+              <a:t> программного обеспечения должны действовать согласно интересам клиента и работодателя, если они не противоречат интересам общества.</a:t>
             </a:r>
             <a:endParaRPr lang="en-US" dirty="0" smtClean="0"/>
           </a:p>
           <a:p>
             <a:r>
               <a:rPr lang="ru-RU" dirty="0" smtClean="0"/>
-              <a:t>ЛИЧНАЯ ОТВЕТСТВЕННОСТЬ – Сертифицированные </a:t>
+              <a:t>ПРОДУКТ – Сертифицированные </a:t>
             </a:r>
             <a:r>
               <a:rPr lang="ru-RU" dirty="0" err="1" smtClean="0"/>
@@ -1610,7 +1252,29 @@
             </a:r>
             <a:r>
               <a:rPr lang="ru-RU" dirty="0" smtClean="0"/>
-              <a:t> программного обеспечения должны постоянно учиться навыкам своей профессии и способствовать продвижению этического подхода к своей деятельности. </a:t>
+              <a:t> программного обеспечения должны быть уверены в том, что компоненты, которые они проверяют (в тестируемых продуктах или системах), соответствуют наивысшим возможным профессиональным стандартам. </a:t>
+            </a:r>
+            <a:endParaRPr lang="en-US" dirty="0" smtClean="0"/>
+          </a:p>
+          <a:p>
+            <a:r>
+              <a:rPr lang="ru-RU" dirty="0" smtClean="0"/>
+              <a:t>ОЦЕНКИ – Сертифицированные </a:t>
+            </a:r>
+            <a:r>
+              <a:rPr lang="ru-RU" dirty="0" err="1" smtClean="0"/>
+              <a:t>тестировщики</a:t>
+            </a:r>
+            <a:r>
+              <a:rPr lang="ru-RU" dirty="0" smtClean="0"/>
+              <a:t> программного обеспечения должны поддерживать целостность и независимость своих профессиональных оценок. </a:t>
+            </a:r>
+            <a:endParaRPr lang="en-US" dirty="0" smtClean="0"/>
+          </a:p>
+          <a:p>
+            <a:r>
+              <a:rPr lang="ru-RU" dirty="0" smtClean="0"/>
+              <a:t>УПРАВЛЕНИЕ  –  Сертифицированные руководители тестирования программного обеспечения и ведущие специалисты должны присоединяться и продвигать этические подходы к управлению тестированием программного обеспечения. </a:t>
             </a:r>
             <a:endParaRPr lang="ru-RU" dirty="0"/>
           </a:p>
@@ -1690,6 +1354,130 @@
         <p:spPr/>
         <p:txBody>
           <a:bodyPr>
+            <a:normAutofit/>
+          </a:bodyPr>
+          <a:lstStyle/>
+          <a:p>
+            <a:r>
+              <a:rPr lang="ru-RU" dirty="0" smtClean="0"/>
+              <a:t>ПРОФЕССИЯ – Сертифицированные </a:t>
+            </a:r>
+            <a:r>
+              <a:rPr lang="ru-RU" dirty="0" err="1" smtClean="0"/>
+              <a:t>тестировщики</a:t>
+            </a:r>
+            <a:r>
+              <a:rPr lang="ru-RU" dirty="0" smtClean="0"/>
+              <a:t> программного обеспечения должны поднимать престиж и репутацию своей профессии в интересах общества. </a:t>
+            </a:r>
+            <a:endParaRPr lang="en-US" dirty="0" smtClean="0"/>
+          </a:p>
+          <a:p>
+            <a:r>
+              <a:rPr lang="ru-RU" dirty="0" smtClean="0"/>
+              <a:t>КОЛЛЕГИ – Сертифицированные </a:t>
+            </a:r>
+            <a:r>
+              <a:rPr lang="ru-RU" dirty="0" err="1" smtClean="0"/>
+              <a:t>тестировщики</a:t>
+            </a:r>
+            <a:r>
+              <a:rPr lang="ru-RU" dirty="0" smtClean="0"/>
+              <a:t> программного обеспечения должны быть справедливыми, оказывать поддержку своим коллегам, и содействовать сотрудничеству с разработчиками программного обеспечения. </a:t>
+            </a:r>
+            <a:endParaRPr lang="en-US" dirty="0" smtClean="0"/>
+          </a:p>
+          <a:p>
+            <a:r>
+              <a:rPr lang="ru-RU" dirty="0" smtClean="0"/>
+              <a:t>ЛИЧНАЯ ОТВЕТСТВЕННОСТЬ – Сертифицированные </a:t>
+            </a:r>
+            <a:r>
+              <a:rPr lang="ru-RU" dirty="0" err="1" smtClean="0"/>
+              <a:t>тестировщики</a:t>
+            </a:r>
+            <a:r>
+              <a:rPr lang="ru-RU" dirty="0" smtClean="0"/>
+              <a:t> программного обеспечения должны постоянно учиться навыкам своей профессии и способствовать продвижению этического подхода к своей деятельности. </a:t>
+            </a:r>
+            <a:endParaRPr lang="ru-RU" dirty="0"/>
+          </a:p>
+        </p:txBody>
+      </p:sp>
+      <p:sp>
+        <p:nvSpPr>
+          <p:cNvPr id="4" name="Номер слайда 3"/>
+          <p:cNvSpPr>
+            <a:spLocks noGrp="1"/>
+          </p:cNvSpPr>
+          <p:nvPr>
+            <p:ph type="sldNum" sz="quarter" idx="10"/>
+          </p:nvPr>
+        </p:nvSpPr>
+        <p:spPr/>
+        <p:txBody>
+          <a:bodyPr/>
+          <a:lstStyle/>
+          <a:p>
+            <a:fld id="{D75B0C5A-EE92-4E92-8F5B-10699705BBE2}" type="slidenum">
+              <a:rPr lang="en-US" smtClean="0"/>
+              <a:pPr/>
+              <a:t>20</a:t>
+            </a:fld>
+            <a:endParaRPr lang="en-US"/>
+          </a:p>
+        </p:txBody>
+      </p:sp>
+    </p:spTree>
+  </p:cSld>
+  <p:clrMapOvr>
+    <a:masterClrMapping/>
+  </p:clrMapOvr>
+</p:notes>
+</file>
+
+<file path=ppt/notesSlides/notesSlide16.xml><?xml version="1.0" encoding="utf-8"?>
+<p:notes xmlns:a="http://schemas.openxmlformats.org/drawingml/2006/main" xmlns:r="http://schemas.openxmlformats.org/officeDocument/2006/relationships" xmlns:p="http://schemas.openxmlformats.org/presentationml/2006/main">
+  <p:cSld>
+    <p:spTree>
+      <p:nvGrpSpPr>
+        <p:cNvPr id="1" name=""/>
+        <p:cNvGrpSpPr/>
+        <p:nvPr/>
+      </p:nvGrpSpPr>
+      <p:grpSpPr>
+        <a:xfrm>
+          <a:off x="0" y="0"/>
+          <a:ext cx="0" cy="0"/>
+          <a:chOff x="0" y="0"/>
+          <a:chExt cx="0" cy="0"/>
+        </a:xfrm>
+      </p:grpSpPr>
+      <p:sp>
+        <p:nvSpPr>
+          <p:cNvPr id="2" name="Образ слайда 1"/>
+          <p:cNvSpPr>
+            <a:spLocks noGrp="1" noRot="1" noChangeAspect="1"/>
+          </p:cNvSpPr>
+          <p:nvPr>
+            <p:ph type="sldImg"/>
+          </p:nvPr>
+        </p:nvSpPr>
+        <p:spPr/>
+      </p:sp>
+      <p:sp>
+        <p:nvSpPr>
+          <p:cNvPr id="3" name="Заметки 2"/>
+          <p:cNvSpPr>
+            <a:spLocks noGrp="1"/>
+          </p:cNvSpPr>
+          <p:nvPr>
+            <p:ph type="body" idx="1"/>
+          </p:nvPr>
+        </p:nvSpPr>
+        <p:spPr/>
+        <p:txBody>
+          <a:bodyPr>
             <a:normAutofit fontScale="92500" lnSpcReduction="10000"/>
           </a:bodyPr>
           <a:lstStyle/>
@@ -2318,7 +2106,172 @@
             <a:endParaRPr lang="en-US" baseline="0" dirty="0" smtClean="0"/>
           </a:p>
           <a:p>
-            <a:endParaRPr lang="ru-RU" dirty="0"/>
+            <a:pPr marL="0" marR="0" indent="0" algn="l" defTabSz="914400" rtl="0" eaLnBrk="1" fontAlgn="auto" latinLnBrk="0" hangingPunct="1">
+              <a:lnSpc>
+                <a:spcPct val="100000"/>
+              </a:lnSpc>
+              <a:spcBef>
+                <a:spcPts val="0"/>
+              </a:spcBef>
+              <a:spcAft>
+                <a:spcPts val="0"/>
+              </a:spcAft>
+              <a:buClrTx/>
+              <a:buSzTx/>
+              <a:buFontTx/>
+              <a:buNone/>
+              <a:tabLst/>
+              <a:defRPr/>
+            </a:pPr>
+            <a:r>
+              <a:rPr lang="en-US" sz="1200" b="0" i="0" kern="1200" dirty="0" smtClean="0">
+                <a:solidFill>
+                  <a:schemeClr val="tx1"/>
+                </a:solidFill>
+                <a:latin typeface="+mn-lt"/>
+                <a:ea typeface="+mn-ea"/>
+                <a:cs typeface="+mn-cs"/>
+              </a:rPr>
+              <a:t>-----------------------------------------------------------------------------------------------------------</a:t>
+            </a:r>
+          </a:p>
+          <a:p>
+            <a:endParaRPr lang="en-US" sz="1200" b="0" i="0" kern="1200" dirty="0" smtClean="0">
+              <a:solidFill>
+                <a:schemeClr val="tx1"/>
+              </a:solidFill>
+              <a:latin typeface="+mn-lt"/>
+              <a:ea typeface="+mn-ea"/>
+              <a:cs typeface="+mn-cs"/>
+            </a:endParaRPr>
+          </a:p>
+          <a:p>
+            <a:r>
+              <a:rPr lang="en-US" dirty="0" smtClean="0"/>
+              <a:t>Question </a:t>
+            </a:r>
+            <a:r>
+              <a:rPr lang="ru-RU" dirty="0" smtClean="0"/>
+              <a:t>4</a:t>
+            </a:r>
+            <a:endParaRPr lang="en-US" dirty="0" smtClean="0"/>
+          </a:p>
+          <a:p>
+            <a:endParaRPr lang="en-US" dirty="0" smtClean="0"/>
+          </a:p>
+          <a:p>
+            <a:r>
+              <a:rPr lang="en-US" dirty="0" smtClean="0"/>
+              <a:t>Which</a:t>
+            </a:r>
+            <a:r>
+              <a:rPr lang="en-US" baseline="0" dirty="0" smtClean="0"/>
+              <a:t> of the following should not normally be an objective for a test?</a:t>
+            </a:r>
+          </a:p>
+          <a:p>
+            <a:endParaRPr lang="en-US" baseline="0" dirty="0" smtClean="0"/>
+          </a:p>
+          <a:p>
+            <a:r>
+              <a:rPr lang="en-US" baseline="0" dirty="0" smtClean="0"/>
+              <a:t>A To find faults in the software</a:t>
+            </a:r>
+          </a:p>
+          <a:p>
+            <a:r>
+              <a:rPr lang="en-US" baseline="0" dirty="0" smtClean="0"/>
+              <a:t>B To access whether the software if ready for release</a:t>
+            </a:r>
+          </a:p>
+          <a:p>
+            <a:r>
+              <a:rPr lang="en-US" baseline="0" dirty="0" smtClean="0"/>
+              <a:t>C To demonstrate that the software doesn’t work</a:t>
+            </a:r>
+          </a:p>
+          <a:p>
+            <a:r>
+              <a:rPr lang="en-US" baseline="0" dirty="0" smtClean="0"/>
+              <a:t>D To prove that the software is correct</a:t>
+            </a:r>
+            <a:endParaRPr lang="ru-RU" baseline="0" dirty="0" smtClean="0"/>
+          </a:p>
+          <a:p>
+            <a:endParaRPr lang="ru-RU" baseline="0" dirty="0" smtClean="0"/>
+          </a:p>
+          <a:p>
+            <a:pPr marL="0" marR="0" indent="0" algn="l" defTabSz="914400" rtl="0" eaLnBrk="1" fontAlgn="auto" latinLnBrk="0" hangingPunct="1">
+              <a:lnSpc>
+                <a:spcPct val="100000"/>
+              </a:lnSpc>
+              <a:spcBef>
+                <a:spcPts val="0"/>
+              </a:spcBef>
+              <a:spcAft>
+                <a:spcPts val="0"/>
+              </a:spcAft>
+              <a:buClrTx/>
+              <a:buSzTx/>
+              <a:buFontTx/>
+              <a:buNone/>
+              <a:tabLst/>
+              <a:defRPr/>
+            </a:pPr>
+            <a:r>
+              <a:rPr lang="en-US" sz="1200" b="0" i="0" kern="1200" dirty="0" smtClean="0">
+                <a:solidFill>
+                  <a:schemeClr val="tx1"/>
+                </a:solidFill>
+                <a:latin typeface="+mn-lt"/>
+                <a:ea typeface="+mn-ea"/>
+                <a:cs typeface="+mn-cs"/>
+              </a:rPr>
+              <a:t>-----------------------------------------------------------------------------------------------------------</a:t>
+            </a:r>
+          </a:p>
+          <a:p>
+            <a:endParaRPr lang="en-US" sz="1200" b="0" i="0" kern="1200" dirty="0" smtClean="0">
+              <a:solidFill>
+                <a:schemeClr val="tx1"/>
+              </a:solidFill>
+              <a:latin typeface="+mn-lt"/>
+              <a:ea typeface="+mn-ea"/>
+              <a:cs typeface="+mn-cs"/>
+            </a:endParaRPr>
+          </a:p>
+          <a:p>
+            <a:r>
+              <a:rPr lang="en-US" dirty="0" smtClean="0"/>
+              <a:t>Question </a:t>
+            </a:r>
+            <a:r>
+              <a:rPr lang="ru-RU" dirty="0" smtClean="0"/>
+              <a:t>5</a:t>
+            </a:r>
+          </a:p>
+          <a:p>
+            <a:endParaRPr lang="ru-RU" baseline="0" dirty="0" smtClean="0"/>
+          </a:p>
+          <a:p>
+            <a:r>
+              <a:rPr lang="en-US" baseline="0" dirty="0" smtClean="0"/>
+              <a:t>If it is raining at midnight</a:t>
+            </a:r>
+            <a:r>
+              <a:rPr lang="ru-RU" baseline="0" dirty="0" smtClean="0"/>
+              <a:t> </a:t>
+            </a:r>
+            <a:r>
+              <a:rPr lang="en-US" baseline="0" dirty="0" smtClean="0"/>
+              <a:t>is it possible that the weather will be sunny in 72 hours? And </a:t>
+            </a:r>
+          </a:p>
+          <a:p>
+            <a:r>
+              <a:rPr lang="en-US" baseline="0" dirty="0" smtClean="0"/>
+              <a:t>why do you think so?</a:t>
+            </a:r>
           </a:p>
         </p:txBody>
       </p:sp>
@@ -2340,7 +2293,7 @@
             <a:fld id="{D75B0C5A-EE92-4E92-8F5B-10699705BBE2}" type="slidenum">
               <a:rPr lang="en-US" smtClean="0"/>
               <a:pPr/>
-              <a:t>20</a:t>
+              <a:t>21</a:t>
             </a:fld>
             <a:endParaRPr lang="en-US"/>
           </a:p>
@@ -2396,99 +2349,411 @@
         <p:spPr/>
         <p:txBody>
           <a:bodyPr>
-            <a:normAutofit fontScale="70000" lnSpcReduction="20000"/>
+            <a:normAutofit fontScale="85000" lnSpcReduction="20000"/>
           </a:bodyPr>
           <a:lstStyle/>
           <a:p>
             <a:r>
+              <a:rPr lang="ru-RU" sz="1200" kern="1200" dirty="0" smtClean="0">
+                <a:solidFill>
+                  <a:schemeClr val="tx1"/>
+                </a:solidFill>
+                <a:latin typeface="+mn-lt"/>
+                <a:ea typeface="+mn-ea"/>
+                <a:cs typeface="+mn-cs"/>
+              </a:rPr>
+              <a:t>Сравнение приготовления еды и создания </a:t>
+            </a:r>
+            <a:r>
+              <a:rPr lang="ru-RU" sz="1200" kern="1200" dirty="0" smtClean="0">
+                <a:solidFill>
+                  <a:schemeClr val="tx1"/>
+                </a:solidFill>
+                <a:latin typeface="+mn-lt"/>
+                <a:ea typeface="+mn-ea"/>
+                <a:cs typeface="+mn-cs"/>
+              </a:rPr>
+              <a:t>ПО, для того, чтобы</a:t>
+            </a:r>
+            <a:r>
+              <a:rPr lang="ru-RU" sz="1200" kern="1200" baseline="0" dirty="0" smtClean="0">
+                <a:solidFill>
+                  <a:schemeClr val="tx1"/>
+                </a:solidFill>
+                <a:latin typeface="+mn-lt"/>
+                <a:ea typeface="+mn-ea"/>
+                <a:cs typeface="+mn-cs"/>
+              </a:rPr>
+              <a:t> понять насколько важна роль </a:t>
+            </a:r>
+            <a:r>
+              <a:rPr lang="ru-RU" sz="1200" kern="1200" baseline="0" dirty="0" err="1" smtClean="0">
+                <a:solidFill>
+                  <a:schemeClr val="tx1"/>
+                </a:solidFill>
+                <a:latin typeface="+mn-lt"/>
+                <a:ea typeface="+mn-ea"/>
+                <a:cs typeface="+mn-cs"/>
+              </a:rPr>
+              <a:t>тестировщика</a:t>
+            </a:r>
+            <a:r>
+              <a:rPr lang="ru-RU" sz="1200" kern="1200" baseline="0" dirty="0" smtClean="0">
+                <a:solidFill>
+                  <a:schemeClr val="tx1"/>
+                </a:solidFill>
+                <a:latin typeface="+mn-lt"/>
+                <a:ea typeface="+mn-ea"/>
+                <a:cs typeface="+mn-cs"/>
+              </a:rPr>
+              <a:t> в процессе создания ПО.</a:t>
+            </a:r>
+            <a:endParaRPr lang="ru-RU" sz="1200" kern="1200" dirty="0" smtClean="0">
+              <a:solidFill>
+                <a:schemeClr val="tx1"/>
+              </a:solidFill>
+              <a:latin typeface="+mn-lt"/>
+              <a:ea typeface="+mn-ea"/>
+              <a:cs typeface="+mn-cs"/>
+            </a:endParaRPr>
+          </a:p>
+          <a:p>
+            <a:r>
+              <a:rPr lang="ru-RU" sz="1200" kern="1200" dirty="0" smtClean="0">
+                <a:solidFill>
+                  <a:schemeClr val="tx1"/>
+                </a:solidFill>
+                <a:latin typeface="+mn-lt"/>
+                <a:ea typeface="+mn-ea"/>
+                <a:cs typeface="+mn-cs"/>
+              </a:rPr>
+              <a:t>В ресторан (компания по разработке ПО) пришел мужчина (заказчик) и хочет заказать салат (программу).</a:t>
+            </a:r>
+          </a:p>
+          <a:p>
+            <a:r>
+              <a:rPr lang="ru-RU" sz="1200" kern="1200" dirty="0" smtClean="0">
+                <a:solidFill>
+                  <a:schemeClr val="tx1"/>
+                </a:solidFill>
+                <a:latin typeface="+mn-lt"/>
+                <a:ea typeface="+mn-ea"/>
+                <a:cs typeface="+mn-cs"/>
+              </a:rPr>
+              <a:t>Официант (человек, ответственный за выяснение требований у заказчика) выслушивает его пожелания (требования) и передает все шеф-повару (проектному менеджеру).</a:t>
+            </a:r>
+          </a:p>
+          <a:p>
+            <a:r>
+              <a:rPr lang="ru-RU" sz="1200" kern="1200" dirty="0" smtClean="0">
+                <a:solidFill>
+                  <a:schemeClr val="tx1"/>
+                </a:solidFill>
+                <a:latin typeface="+mn-lt"/>
+                <a:ea typeface="+mn-ea"/>
+                <a:cs typeface="+mn-cs"/>
+              </a:rPr>
+              <a:t>Шеф-повар уже имеет команду помощников или может набрать новую.</a:t>
+            </a:r>
+          </a:p>
+          <a:p>
+            <a:r>
+              <a:rPr lang="ru-RU" sz="1200" kern="1200" dirty="0" smtClean="0">
+                <a:solidFill>
+                  <a:schemeClr val="tx1"/>
+                </a:solidFill>
+                <a:latin typeface="+mn-lt"/>
+                <a:ea typeface="+mn-ea"/>
+                <a:cs typeface="+mn-cs"/>
+              </a:rPr>
+              <a:t>Какую он наберет себе команду помощников? Какой из рецептов возьмет? Или придумает что-то свое? Насколько близко будет следовать пожеланиям клиента?</a:t>
+            </a:r>
+          </a:p>
+          <a:p>
+            <a:r>
+              <a:rPr lang="ru-RU" sz="1200" kern="1200" dirty="0" smtClean="0">
+                <a:solidFill>
+                  <a:schemeClr val="tx1"/>
+                </a:solidFill>
+                <a:latin typeface="+mn-lt"/>
+                <a:ea typeface="+mn-ea"/>
+                <a:cs typeface="+mn-cs"/>
+              </a:rPr>
+              <a:t>Как и кто будет проверять салат на вкус? Будет это один ответственный или несколько людей, который каждый отвечает за свою часть?</a:t>
+            </a:r>
+          </a:p>
+          <a:p>
+            <a:r>
+              <a:rPr lang="ru-RU" sz="1200" kern="1200" dirty="0" smtClean="0">
+                <a:solidFill>
+                  <a:schemeClr val="tx1"/>
+                </a:solidFill>
+                <a:latin typeface="+mn-lt"/>
+                <a:ea typeface="+mn-ea"/>
+                <a:cs typeface="+mn-cs"/>
+              </a:rPr>
+              <a:t>Приукрасит ли повар салат (красивый интерфейс) или просто навалит в тарелку?</a:t>
+            </a:r>
+          </a:p>
+          <a:p>
+            <a:r>
+              <a:rPr lang="ru-RU" sz="1200" kern="1200" dirty="0" smtClean="0">
+                <a:solidFill>
+                  <a:schemeClr val="tx1"/>
+                </a:solidFill>
+                <a:latin typeface="+mn-lt"/>
+                <a:ea typeface="+mn-ea"/>
+                <a:cs typeface="+mn-cs"/>
+              </a:rPr>
+              <a:t>Правильные ли приборы (удобный интерфейс) к салату подадут?</a:t>
+            </a:r>
+          </a:p>
+          <a:p>
+            <a:r>
+              <a:rPr lang="ru-RU" sz="1200" kern="1200" dirty="0" smtClean="0">
+                <a:solidFill>
+                  <a:schemeClr val="tx1"/>
+                </a:solidFill>
+                <a:latin typeface="+mn-lt"/>
+                <a:ea typeface="+mn-ea"/>
+                <a:cs typeface="+mn-cs"/>
+              </a:rPr>
+              <a:t>Будет ли клиенту удобно есть? Будет ли он доволен вкусом?</a:t>
+            </a:r>
+          </a:p>
+          <a:p>
+            <a:r>
+              <a:rPr lang="ru-RU" sz="1200" kern="1200" dirty="0" smtClean="0">
+                <a:solidFill>
+                  <a:schemeClr val="tx1"/>
+                </a:solidFill>
+                <a:latin typeface="+mn-lt"/>
+                <a:ea typeface="+mn-ea"/>
+                <a:cs typeface="+mn-cs"/>
+              </a:rPr>
+              <a:t>Если шеф-повар или кто-то из команды недобросовестный, то он может положить в салат несвежие продукты.</a:t>
+            </a:r>
+          </a:p>
+          <a:p>
+            <a:r>
+              <a:rPr lang="ru-RU" sz="1200" kern="1200" dirty="0" smtClean="0">
+                <a:solidFill>
+                  <a:schemeClr val="tx1"/>
+                </a:solidFill>
+                <a:latin typeface="+mn-lt"/>
+                <a:ea typeface="+mn-ea"/>
+                <a:cs typeface="+mn-cs"/>
+              </a:rPr>
+              <a:t>Клиенту может понравиться вкус приготовленного блюда, но на следующее утро у него могут быть признаки отравления. Он расскажет об отравлении своим друзьям, и больше никто не придет в тот ресторан.</a:t>
+            </a:r>
+          </a:p>
+          <a:p>
+            <a:r>
+              <a:rPr lang="ru-RU" sz="1200" kern="1200" dirty="0" smtClean="0">
+                <a:solidFill>
+                  <a:schemeClr val="tx1"/>
+                </a:solidFill>
+                <a:latin typeface="+mn-lt"/>
+                <a:ea typeface="+mn-ea"/>
+                <a:cs typeface="+mn-cs"/>
+              </a:rPr>
+              <a:t>Если бы в ресторане был человек, который отвечает за качество готовящихся блюд, какой бы он должен был быть? На что он должен был обращать внимание?</a:t>
+            </a:r>
+          </a:p>
+          <a:p>
+            <a:r>
+              <a:rPr lang="ru-RU" sz="1200" kern="1200" dirty="0" smtClean="0">
+                <a:solidFill>
+                  <a:schemeClr val="tx1"/>
+                </a:solidFill>
+                <a:latin typeface="+mn-lt"/>
+                <a:ea typeface="+mn-ea"/>
+                <a:cs typeface="+mn-cs"/>
+              </a:rPr>
+              <a:t>Не зависеть от шеф-повара и его </a:t>
+            </a:r>
+            <a:r>
+              <a:rPr lang="ru-RU" sz="1200" kern="1200" dirty="0" smtClean="0">
+                <a:solidFill>
+                  <a:schemeClr val="tx1"/>
+                </a:solidFill>
+                <a:latin typeface="+mn-lt"/>
+                <a:ea typeface="+mn-ea"/>
+                <a:cs typeface="+mn-cs"/>
+              </a:rPr>
+              <a:t>команды, а быть с ними заодно</a:t>
+            </a:r>
+            <a:endParaRPr lang="ru-RU" sz="1200" kern="1200" dirty="0" smtClean="0">
+              <a:solidFill>
+                <a:schemeClr val="tx1"/>
+              </a:solidFill>
+              <a:latin typeface="+mn-lt"/>
+              <a:ea typeface="+mn-ea"/>
+              <a:cs typeface="+mn-cs"/>
+            </a:endParaRPr>
+          </a:p>
+          <a:p>
+            <a:r>
+              <a:rPr lang="ru-RU" sz="1200" kern="1200" dirty="0" smtClean="0">
+                <a:solidFill>
+                  <a:schemeClr val="tx1"/>
+                </a:solidFill>
+                <a:latin typeface="+mn-lt"/>
+                <a:ea typeface="+mn-ea"/>
+                <a:cs typeface="+mn-cs"/>
+              </a:rPr>
+              <a:t>Разбираться в технологиях приготовления блюд из меню ресторана и следить за тем, чтоб этим технологиям следовали правильно</a:t>
+            </a:r>
+          </a:p>
+          <a:p>
+            <a:r>
+              <a:rPr lang="ru-RU" sz="1200" kern="1200" dirty="0" smtClean="0">
+                <a:solidFill>
+                  <a:schemeClr val="tx1"/>
+                </a:solidFill>
+                <a:latin typeface="+mn-lt"/>
+                <a:ea typeface="+mn-ea"/>
+                <a:cs typeface="+mn-cs"/>
+              </a:rPr>
+              <a:t>Иметь возможность проверять качество каждого из компонентов блюд</a:t>
+            </a:r>
+          </a:p>
+          <a:p>
+            <a:r>
+              <a:rPr lang="ru-RU" sz="1200" kern="1200" dirty="0" smtClean="0">
+                <a:solidFill>
+                  <a:schemeClr val="tx1"/>
+                </a:solidFill>
+                <a:latin typeface="+mn-lt"/>
+                <a:ea typeface="+mn-ea"/>
+                <a:cs typeface="+mn-cs"/>
+              </a:rPr>
+              <a:t>Иметь определенные знания, помогающие ему оценить презентацию блюда</a:t>
+            </a:r>
+          </a:p>
+          <a:p>
+            <a:r>
+              <a:rPr lang="ru-RU" sz="1200" kern="1200" dirty="0" smtClean="0">
+                <a:solidFill>
+                  <a:schemeClr val="tx1"/>
+                </a:solidFill>
+                <a:latin typeface="+mn-lt"/>
+                <a:ea typeface="+mn-ea"/>
+                <a:cs typeface="+mn-cs"/>
+              </a:rPr>
+              <a:t>Уметь прислушиваться к пожеланиям клиентов ресторана</a:t>
+            </a:r>
+          </a:p>
+          <a:p>
+            <a:r>
+              <a:rPr lang="ru-RU" sz="1200" kern="1200" dirty="0" smtClean="0">
+                <a:solidFill>
+                  <a:schemeClr val="tx1"/>
+                </a:solidFill>
+                <a:latin typeface="+mn-lt"/>
+                <a:ea typeface="+mn-ea"/>
+                <a:cs typeface="+mn-cs"/>
+              </a:rPr>
+              <a:t>Уметь представить себя в роли клиента</a:t>
+            </a:r>
+          </a:p>
+          <a:p>
+            <a:r>
+              <a:rPr lang="ru-RU" sz="1200" kern="1200" dirty="0" smtClean="0">
+                <a:solidFill>
+                  <a:schemeClr val="tx1"/>
+                </a:solidFill>
+                <a:latin typeface="+mn-lt"/>
+                <a:ea typeface="+mn-ea"/>
+                <a:cs typeface="+mn-cs"/>
+              </a:rPr>
+              <a:t>Уметь правильно и корректно донести до команды поваров свои наблюдения и пожелания</a:t>
+            </a:r>
+          </a:p>
+          <a:p>
+            <a:r>
+              <a:rPr lang="ru-RU" sz="1200" kern="1200" dirty="0" smtClean="0">
+                <a:solidFill>
+                  <a:schemeClr val="tx1"/>
+                </a:solidFill>
+                <a:latin typeface="+mn-lt"/>
+                <a:ea typeface="+mn-ea"/>
+                <a:cs typeface="+mn-cs"/>
+              </a:rPr>
+              <a:t>Уметь отбросить неважное, незначительное</a:t>
+            </a:r>
+          </a:p>
+          <a:p>
+            <a:r>
+              <a:rPr lang="ru-RU" sz="1200" kern="1200" dirty="0" smtClean="0">
+                <a:solidFill>
+                  <a:schemeClr val="tx1"/>
+                </a:solidFill>
+                <a:latin typeface="+mn-lt"/>
+                <a:ea typeface="+mn-ea"/>
+                <a:cs typeface="+mn-cs"/>
+              </a:rPr>
+              <a:t>Быть творческим человеком, любить разбираться во всем и вникать в детали</a:t>
+            </a:r>
+          </a:p>
+          <a:p>
+            <a:r>
+              <a:rPr lang="ru-RU" sz="1200" kern="1200" dirty="0" smtClean="0">
+                <a:solidFill>
+                  <a:schemeClr val="tx1"/>
+                </a:solidFill>
+                <a:latin typeface="+mn-lt"/>
+                <a:ea typeface="+mn-ea"/>
+                <a:cs typeface="+mn-cs"/>
+              </a:rPr>
+              <a:t>Учиться </a:t>
+            </a:r>
+            <a:r>
+              <a:rPr lang="ru-RU" sz="1200" kern="1200" dirty="0" smtClean="0">
+                <a:solidFill>
+                  <a:schemeClr val="tx1"/>
+                </a:solidFill>
+                <a:latin typeface="+mn-lt"/>
+                <a:ea typeface="+mn-ea"/>
+                <a:cs typeface="+mn-cs"/>
+              </a:rPr>
+              <a:t>на ошибках</a:t>
+            </a:r>
+          </a:p>
+          <a:p>
+            <a:endParaRPr lang="ru-RU" sz="1200" kern="1200" dirty="0" smtClean="0">
+              <a:solidFill>
+                <a:schemeClr val="tx1"/>
+              </a:solidFill>
+              <a:latin typeface="+mn-lt"/>
+              <a:ea typeface="+mn-ea"/>
+              <a:cs typeface="+mn-cs"/>
+            </a:endParaRPr>
+          </a:p>
+          <a:p>
+            <a:r>
+              <a:rPr lang="ru-RU" sz="1200" kern="1200" dirty="0" smtClean="0">
+                <a:solidFill>
+                  <a:schemeClr val="tx1"/>
+                </a:solidFill>
+                <a:latin typeface="+mn-lt"/>
+                <a:ea typeface="+mn-ea"/>
+                <a:cs typeface="+mn-cs"/>
+              </a:rPr>
+              <a:t>Анекдот: </a:t>
+            </a:r>
+            <a:r>
               <a:rPr lang="ru-RU" dirty="0" smtClean="0"/>
-              <a:t>Системы с программным обеспечением  являются неотъемлемой частью нашей жизни, от бизнес-приложений (таких как банковское программное обеспечение) до потребительских товаров (таких как автомобили).  Многие люди имели опыт использования программного обеспечения, которое не работало так, как от него ожидалось.  Программное обеспечение, которое не работает корректно,  может привести ко многим проблемам, включая потерю денег, времени или деловой репутации, и стать причиной травмы или смерти.</a:t>
-            </a:r>
-            <a:endParaRPr lang="en-US" dirty="0" smtClean="0"/>
-          </a:p>
-          <a:p>
-            <a:r>
+              <a:t>У настоящего тестера всегда чётное количество синяков.</a:t>
+            </a:r>
+            <a:br>
               <a:rPr lang="ru-RU" dirty="0" smtClean="0"/>
-              <a:t>Человек может сделать ошибку (просчет), которая порождает дефект (недочет, помеху) в программном коде или документе. Если код с дефектом  выполнен, то система может быть не в состоянии сделать то, что должна делать (или сделать то, что от нее не ожидают), порождая отказ.  Дефекты в программном обеспечении, системах  или документах могут в  результате  привести  к  отказам, но не все дефекты  дают такой результат.  Дефекты встречаются,  потому что люди склонны ошибаться, существует нехватка времени, сложность кода, сложность инфраструктуры, изменения технологий и /или много системных взаимодействий. Отказы так же могут быть вызваны условиями окружающей среды.  Например,  радиация,  электромагнитные поля и загрязнения могут вызвать отказ в программно-аппаратных средствах или повлиять на выполнение программного обеспечения, изменяя условия работы аппаратных средств.</a:t>
-            </a:r>
-          </a:p>
-          <a:p>
+            </a:br>
             <a:r>
               <a:rPr lang="ru-RU" dirty="0" smtClean="0"/>
-              <a:t>Примеры дефектов в распространенных программах,</a:t>
-            </a:r>
-            <a:r>
-              <a:rPr lang="ru-RU" baseline="0" dirty="0" smtClean="0"/>
-              <a:t> например, </a:t>
-            </a:r>
-            <a:r>
-              <a:rPr lang="en-US" baseline="0" dirty="0" smtClean="0"/>
-              <a:t>IE</a:t>
-            </a:r>
-            <a:r>
-              <a:rPr lang="ru-RU" dirty="0" smtClean="0"/>
-              <a:t>:</a:t>
-            </a:r>
-          </a:p>
-          <a:p>
-            <a:r>
-              <a:rPr lang="en-US" dirty="0" smtClean="0"/>
-              <a:t>http://code.tutsplus.com/tutorials/9-most-common-ie-bugs-and-how-to-fix-them--net-7764</a:t>
-            </a:r>
-          </a:p>
-          <a:p>
-            <a:endParaRPr lang="ru-RU" dirty="0" smtClean="0"/>
-          </a:p>
-          <a:p>
-            <a:r>
-              <a:rPr lang="ru-RU" dirty="0" smtClean="0"/>
-              <a:t>Доскональное  тестирование систем и документации может уменьшить риск возникновения проблем во время функционирования и способствует повышению качества системы  программного обеспечения, если найденные дефекты исправлены прежде, чем система передана в эксплуатацию. Тестирование программного обеспечения также может быть требованием для удовлетворения  контракту или требованиям законодательства, или специализированным промышленным стандартам.</a:t>
-            </a:r>
-            <a:endParaRPr lang="en-US" dirty="0" smtClean="0"/>
-          </a:p>
-          <a:p>
-            <a:r>
-              <a:rPr lang="ru-RU" dirty="0" smtClean="0"/>
-              <a:t>Тестирование  - это возможный способ оценки качества программного обеспечения в терминах найденных дефектов, как для функциональных требований, так и для нефункциональных требований и характеристик программного обеспечения  (например,  надежность, практичность, эффективность,  </a:t>
-            </a:r>
-            <a:r>
-              <a:rPr lang="ru-RU" dirty="0" err="1" smtClean="0"/>
-              <a:t>сопровождаемость</a:t>
-            </a:r>
-            <a:r>
-              <a:rPr lang="ru-RU" dirty="0" smtClean="0"/>
-              <a:t> и переносимость).</a:t>
-            </a:r>
-          </a:p>
-          <a:p>
-            <a:endParaRPr lang="ru-RU" dirty="0" smtClean="0"/>
-          </a:p>
-          <a:p>
-            <a:r>
-              <a:rPr lang="ru-RU" dirty="0" smtClean="0"/>
-              <a:t>Тестирование может породить уверенность в качестве программного обеспечения, если не найдены или найдено немного дефектов. Должным образом разработанный тест, который пройден успешно, уменьшает общий уровень риска в системе. Когда во время тестирования находятся ошибки, качество систем программного обеспечения повышается, если эти дефекты исправлены. Следует извлекать уроки из предыдущих проектов. Понимая первопричины дефектов, найденных в других проектах, можно улучшить процессы, что в свою очередь должно предотвратить повторное проявление этих дефектов и, как следствие, повышение качества будущих систем. Это и есть подход к обеспечению качества. Тестирование также является деятельностью по обеспечению качества (наравне с разработкой стандартов, обучением и анализом дефектов).</a:t>
-            </a:r>
-          </a:p>
-          <a:p>
-            <a:endParaRPr lang="en-US" dirty="0" smtClean="0"/>
-          </a:p>
-          <a:p>
-            <a:r>
-              <a:rPr lang="ru-RU" dirty="0" smtClean="0"/>
-              <a:t>Для принятия решения о достаточном объеме тестирования, необходимо принимать во внимание уровень рисков, включая технические риски, риски безопасности и бизнес риски, а так же проектные ограничения, такие как время и бюджет. Риски обсуждаются далее</a:t>
-            </a:r>
-            <a:r>
-              <a:rPr lang="en-US" dirty="0" smtClean="0"/>
-              <a:t>.</a:t>
-            </a:r>
-            <a:r>
-              <a:rPr lang="en-US" baseline="0" dirty="0" smtClean="0"/>
-              <a:t> </a:t>
-            </a:r>
-            <a:r>
-              <a:rPr lang="ru-RU" dirty="0" smtClean="0"/>
-              <a:t>Тестирование должно предоставить достаточную информацию заинтересованным лицам,  чтобы  принять обоснованные решения о передаче программного обеспечения или системы, прошедшей тестирование, на следующий шаг разработки или передачи клиентам.</a:t>
-            </a:r>
+              <a:t>Получив граблями по лбу, он обязан попробовать воспроизвести ошибку...</a:t>
+            </a:r>
+            <a:endParaRPr lang="ru-RU" dirty="0"/>
           </a:p>
         </p:txBody>
       </p:sp>
@@ -2510,7 +2775,7 @@
             <a:fld id="{D75B0C5A-EE92-4E92-8F5B-10699705BBE2}" type="slidenum">
               <a:rPr lang="en-US" smtClean="0"/>
               <a:pPr/>
-              <a:t>7</a:t>
+              <a:t>6</a:t>
             </a:fld>
             <a:endParaRPr lang="en-US"/>
           </a:p>
@@ -2566,33 +2831,99 @@
         <p:spPr/>
         <p:txBody>
           <a:bodyPr>
-            <a:normAutofit fontScale="92500"/>
+            <a:normAutofit fontScale="70000" lnSpcReduction="20000"/>
           </a:bodyPr>
           <a:lstStyle/>
           <a:p>
             <a:r>
               <a:rPr lang="ru-RU" dirty="0" smtClean="0"/>
-              <a:t>Русский перевод всех этих терминов можно посмотреть тут: </a:t>
-            </a:r>
+              <a:t>Системы с программным обеспечением  являются неотъемлемой частью нашей жизни, от бизнес-приложений (таких как банковское программное обеспечение) до потребительских товаров (таких как автомобили).  Многие люди имели опыт использования программного обеспечения, которое не работало так, как от него ожидалось.  Программное обеспечение, которое не работает корректно,  может привести ко многим проблемам, включая потерю денег, времени или деловой репутации, и стать причиной травмы или смерти.</a:t>
+            </a:r>
+            <a:endParaRPr lang="en-US" dirty="0" smtClean="0"/>
+          </a:p>
+          <a:p>
+            <a:r>
+              <a:rPr lang="ru-RU" dirty="0" smtClean="0"/>
+              <a:t>Человек может сделать ошибку (просчет), которая порождает дефект (недочет, помеху) в программном коде или документе. Если код с дефектом  выполнен, то система может быть не в состоянии сделать то, что должна делать (или сделать то, что от нее не ожидают), порождая отказ.  Дефекты в программном обеспечении, системах  или документах могут в  результате  привести  к  отказам, но не все дефекты  дают такой результат.  Дефекты встречаются,  потому что люди склонны ошибаться, существует нехватка времени, сложность кода, сложность инфраструктуры, изменения технологий и /или много системных взаимодействий. Отказы так же могут быть вызваны условиями окружающей среды.  Например,  радиация,  электромагнитные поля и загрязнения могут вызвать отказ в программно-аппаратных средствах или повлиять на выполнение программного обеспечения, изменяя условия работы аппаратных средств.</a:t>
+            </a:r>
+          </a:p>
+          <a:p>
+            <a:r>
+              <a:rPr lang="ru-RU" dirty="0" smtClean="0"/>
+              <a:t>Примеры дефектов в распространенных программах,</a:t>
+            </a:r>
+            <a:r>
+              <a:rPr lang="ru-RU" baseline="0" dirty="0" smtClean="0"/>
+              <a:t> например, </a:t>
+            </a:r>
+            <a:r>
+              <a:rPr lang="en-US" baseline="0" dirty="0" smtClean="0"/>
+              <a:t>IE</a:t>
+            </a:r>
+            <a:r>
+              <a:rPr lang="ru-RU" dirty="0" smtClean="0"/>
+              <a:t>:</a:t>
+            </a:r>
+          </a:p>
+          <a:p>
             <a:r>
               <a:rPr lang="en-US" dirty="0" smtClean="0"/>
-              <a:t>https://dl.dropboxusercontent.com/u/15190453/Published/Books%20about%20testing/ISTQB_Glossary_Russian_v2_2.pdf</a:t>
-            </a:r>
+              <a:t>http://code.tutsplus.com/tutorials/9-most-common-ie-bugs-and-how-to-fix-them--net-7764</a:t>
+            </a:r>
+          </a:p>
+          <a:p>
+            <a:endParaRPr lang="ru-RU" dirty="0" smtClean="0"/>
+          </a:p>
+          <a:p>
             <a:r>
               <a:rPr lang="ru-RU" dirty="0" smtClean="0"/>
+              <a:t>Доскональное  тестирование систем и документации может уменьшить риск возникновения проблем во время функционирования и способствует повышению качества системы  программного обеспечения, если найденные дефекты исправлены прежде, чем система передана в эксплуатацию. Тестирование программного обеспечения также может быть требованием для удовлетворения  контракту или требованиям законодательства, или специализированным промышленным стандартам.</a:t>
+            </a:r>
+            <a:endParaRPr lang="en-US" dirty="0" smtClean="0"/>
+          </a:p>
+          <a:p>
+            <a:r>
+              <a:rPr lang="ru-RU" dirty="0" smtClean="0"/>
+              <a:t>Тестирование  - это возможный способ оценки качества программного обеспечения в терминах найденных дефектов, как для функциональных требований, так и для нефункциональных требований и характеристик программного обеспечения  (например,  надежность, практичность, эффективность,  </a:t>
+            </a:r>
+            <a:r>
+              <a:rPr lang="ru-RU" dirty="0" err="1" smtClean="0"/>
+              <a:t>сопровождаемость</a:t>
+            </a:r>
+            <a:r>
+              <a:rPr lang="ru-RU" dirty="0" smtClean="0"/>
+              <a:t> и переносимость).</a:t>
+            </a:r>
+          </a:p>
+          <a:p>
+            <a:endParaRPr lang="ru-RU" dirty="0" smtClean="0"/>
+          </a:p>
+          <a:p>
+            <a:r>
+              <a:rPr lang="ru-RU" dirty="0" smtClean="0"/>
+              <a:t>Тестирование может породить уверенность в качестве программного обеспечения, если не найдены или найдено немного дефектов. Должным образом разработанный тест, который пройден успешно, уменьшает общий уровень риска в системе. Когда во время тестирования находятся ошибки, качество систем программного обеспечения повышается, если эти дефекты исправлены. Следует извлекать уроки из предыдущих проектов. Понимая первопричины дефектов, найденных в других проектах, можно улучшить процессы, что в свою очередь должно предотвратить повторное проявление этих дефектов и, как следствие, повышение качества будущих систем. Это и есть подход к обеспечению качества. Тестирование также является деятельностью по обеспечению качества (наравне с разработкой стандартов, обучением и анализом дефектов).</a:t>
+            </a:r>
+          </a:p>
+          <a:p>
+            <a:endParaRPr lang="en-US" dirty="0" smtClean="0"/>
+          </a:p>
+          <a:p>
+            <a:r>
+              <a:rPr lang="ru-RU" dirty="0" smtClean="0"/>
+              <a:t>Для принятия решения о достаточном объеме тестирования, необходимо принимать во внимание уровень рисков, включая технические риски, риски безопасности и бизнес риски, а так же проектные ограничения, такие как время и бюджет. Риски обсуждаются далее</a:t>
+            </a:r>
+            <a:r>
+              <a:rPr lang="en-US" dirty="0" smtClean="0"/>
               <a:t>.</a:t>
             </a:r>
-          </a:p>
-          <a:p>
+            <a:r>
+              <a:rPr lang="en-US" baseline="0" dirty="0" smtClean="0"/>
+              <a:t> </a:t>
+            </a:r>
             <a:r>
               <a:rPr lang="ru-RU" dirty="0" smtClean="0"/>
-              <a:t>См. помеха, дефект, ошибка, недочет, просчет, качество, риск = </a:t>
-            </a:r>
-            <a:r>
-              <a:rPr lang="en-US" dirty="0" smtClean="0"/>
-              <a:t>bug, defect, error, failure, fault, mistake, quality, risk </a:t>
-            </a:r>
-            <a:endParaRPr lang="ru-RU" dirty="0"/>
+              <a:t>Тестирование должно предоставить достаточную информацию заинтересованным лицам,  чтобы  принять обоснованные решения о передаче программного обеспечения или системы, прошедшей тестирование, на следующий шаг разработки или передачи клиентам.</a:t>
+            </a:r>
           </a:p>
         </p:txBody>
       </p:sp>
@@ -2670,64 +3001,33 @@
         <p:spPr/>
         <p:txBody>
           <a:bodyPr>
-            <a:normAutofit fontScale="70000" lnSpcReduction="20000"/>
+            <a:normAutofit fontScale="92500"/>
           </a:bodyPr>
           <a:lstStyle/>
           <a:p>
             <a:r>
               <a:rPr lang="ru-RU" dirty="0" smtClean="0"/>
-              <a:t>Бытует мнение, что тестирование состоит только из прогона тестов, то есть выполнения самой программы. Но это только часть тестирования, и далеко не все, что в него входит. Активности в тестировании существуют как до, так и после выполнения самих тестов. В эти активности входят планирование и управление, выбор тестовых условий, разработка и выполнение тестовых сценариев, проверка результатов, оценка критериев выхода, создание отчетов о процессе тестирования и об испытываемой системе и закрытие или завершающие действия после того, как фаза тестирования была выполнена. Тестирование также включает рецензирование документации (включая исходный код) и проведение статического анализа. И динамическое и статическое тестирования используются для достижения аналогичных целей, предоставляя информацию, которая может способствовать улучшению, как испытываемой системы, так и процессов разработки и тестирования.</a:t>
-            </a:r>
-            <a:endParaRPr lang="en-US" dirty="0" smtClean="0"/>
-          </a:p>
-          <a:p>
+              <a:t>Русский перевод всех этих терминов можно посмотреть тут: </a:t>
+            </a:r>
+            <a:r>
+              <a:rPr lang="en-US" dirty="0" smtClean="0"/>
+              <a:t>https://dl.dropboxusercontent.com/u/15190453/Published/Books%20about%20testing/ISTQB_Glossary_Russian_v2_2.pdf</a:t>
+            </a:r>
             <a:r>
               <a:rPr lang="ru-RU" dirty="0" smtClean="0"/>
-              <a:t>Цели тестирования: </a:t>
-            </a:r>
-            <a:endParaRPr lang="en-US" dirty="0" smtClean="0"/>
+              <a:t>.</a:t>
+            </a:r>
           </a:p>
           <a:p>
             <a:r>
               <a:rPr lang="ru-RU" dirty="0" smtClean="0"/>
-              <a:t> Обнаружение дефектов </a:t>
-            </a:r>
-            <a:endParaRPr lang="en-US" dirty="0" smtClean="0"/>
-          </a:p>
-          <a:p>
-            <a:r>
-              <a:rPr lang="ru-RU" dirty="0" smtClean="0"/>
-              <a:t> Повышение уверенности в уровне качества </a:t>
-            </a:r>
-            <a:endParaRPr lang="en-US" dirty="0" smtClean="0"/>
-          </a:p>
-          <a:p>
-            <a:r>
-              <a:rPr lang="ru-RU" dirty="0" smtClean="0"/>
-              <a:t> Предоставление информации для принятия решений </a:t>
-            </a:r>
-            <a:endParaRPr lang="en-US" dirty="0" smtClean="0"/>
-          </a:p>
-          <a:p>
-            <a:r>
-              <a:rPr lang="ru-RU" dirty="0" smtClean="0"/>
-              <a:t> Предотвращение дефектов </a:t>
-            </a:r>
-            <a:endParaRPr lang="en-US" dirty="0" smtClean="0"/>
-          </a:p>
-          <a:p>
-            <a:r>
-              <a:rPr lang="ru-RU" dirty="0" smtClean="0"/>
-              <a:t>Цели процессов и действия, связанные с проектированием тестов на раннем этапе жизненного цикла программного обеспечения (например, при компонентном, интеграционном и системном тестировании), могут помочь предотвратить попадание дефектов в код. Рецензирование документов (например, требований), идентификация и разрешение проблем также помогают предотвратить появление дефектов в коде. Разные точки зрения в тестировании преследуют разные цели. Например, в тестировании на этапе разработки (таком, как компонентное, интеграционное и системное тестирование), основная цель может заключаться в том, чтобы вызвать как можно больше отказов, чтобы дефекты в программном обеспечении были идентифицированы и могли быть исправлены. В приемочном тестировании основная цель может состоять в том, чтобы подтвердить, что система работает, как ожидалось и повысить уверенность в том, что она удовлетворяет требованиям. В некоторых случаях основная цель тестирования может состоять в том, чтобы оценить качество программного обеспечения (без намерения исправлять дефекты) и дать информацию заинтересованным лицам о рисках выпуска системы в установленный срок. Тестирование в период сопровождения в основном заключается в проверке отсутствия новых дефектов, которые могли попасть во время разработки изменений. Во время эксплуатационного тестирования основная цель может заключаться в том, чтобы оценить системные характеристики, такие как надежность или доступность. Стоит различать отладку и тестирование. Динамическое тестирование может выявить отказы, вызванные дефектами. Отладка – это действия разработчиков, которые находят, анализируют и устраняют причину отказа. Повторное тестирование гарантирует, что изменение действительно предотвращает отказ. Ответственность за тестирование обычно  несут </a:t>
-            </a:r>
-            <a:r>
-              <a:rPr lang="ru-RU" dirty="0" err="1" smtClean="0"/>
-              <a:t>тестировщики</a:t>
-            </a:r>
-            <a:r>
-              <a:rPr lang="ru-RU" dirty="0" smtClean="0"/>
-              <a:t>,  а за отладку - разработчики.</a:t>
-            </a:r>
+              <a:t>См. помеха, дефект, ошибка, недочет, просчет, качество, риск = </a:t>
+            </a:r>
+            <a:r>
+              <a:rPr lang="en-US" dirty="0" smtClean="0"/>
+              <a:t>bug, defect, error, failure, fault, mistake, quality, risk </a:t>
+            </a:r>
+            <a:endParaRPr lang="ru-RU" dirty="0"/>
           </a:p>
         </p:txBody>
       </p:sp>
@@ -2805,31 +3105,63 @@
         <p:spPr/>
         <p:txBody>
           <a:bodyPr>
-            <a:normAutofit fontScale="92500"/>
+            <a:normAutofit fontScale="70000" lnSpcReduction="20000"/>
           </a:bodyPr>
           <a:lstStyle/>
           <a:p>
             <a:r>
               <a:rPr lang="ru-RU" dirty="0" smtClean="0"/>
-              <a:t>Русский перевод всех этих терминов можно посмотреть тут: </a:t>
-            </a:r>
-            <a:r>
-              <a:rPr lang="en-US" dirty="0" smtClean="0"/>
-              <a:t>https://dl.dropboxusercontent.com/u/15190453/Published/Books%20about%20testing/ISTQB_Glossary_Russian_v2_2.pdf</a:t>
-            </a:r>
+              <a:t>Бытует мнение, что тестирование состоит только из прогона тестов, то есть выполнения самой программы. Но это только часть тестирования, и далеко не все, что в него входит. Активности в тестировании существуют как до, так и после выполнения самих тестов. В эти активности входят планирование и управление, выбор тестовых условий, разработка и выполнение тестовых сценариев, проверка результатов, оценка критериев выхода, создание отчетов о процессе тестирования и об испытываемой системе и закрытие или завершающие действия после того, как фаза тестирования была выполнена. Тестирование также включает рецензирование документации (включая исходный код) и проведение статического анализа. И динамическое и статическое тестирования используются для достижения аналогичных целей, предоставляя информацию, которая может способствовать улучшению, как испытываемой системы, так и процессов разработки и тестирования.</a:t>
+            </a:r>
+            <a:endParaRPr lang="en-US" dirty="0" smtClean="0"/>
+          </a:p>
+          <a:p>
             <a:r>
               <a:rPr lang="ru-RU" dirty="0" smtClean="0"/>
-              <a:t>.</a:t>
-            </a:r>
+              <a:t>Цели тестирования: </a:t>
+            </a:r>
+            <a:endParaRPr lang="en-US" dirty="0" smtClean="0"/>
           </a:p>
           <a:p>
             <a:r>
               <a:rPr lang="ru-RU" dirty="0" smtClean="0"/>
-              <a:t>См. Отладка, требование, рецензирование, тестовый сценарий, тестирование, цель тестирования  = </a:t>
-            </a:r>
-            <a:r>
-              <a:rPr lang="en-US" dirty="0" smtClean="0"/>
-              <a:t>Debugging, requirement, review, test case, testing, test objective</a:t>
+              <a:t> Обнаружение дефектов </a:t>
+            </a:r>
+            <a:endParaRPr lang="en-US" dirty="0" smtClean="0"/>
+          </a:p>
+          <a:p>
+            <a:r>
+              <a:rPr lang="ru-RU" dirty="0" smtClean="0"/>
+              <a:t> Повышение уверенности в уровне качества </a:t>
+            </a:r>
+            <a:endParaRPr lang="en-US" dirty="0" smtClean="0"/>
+          </a:p>
+          <a:p>
+            <a:r>
+              <a:rPr lang="ru-RU" dirty="0" smtClean="0"/>
+              <a:t> Предоставление информации для принятия решений </a:t>
+            </a:r>
+            <a:endParaRPr lang="en-US" dirty="0" smtClean="0"/>
+          </a:p>
+          <a:p>
+            <a:r>
+              <a:rPr lang="ru-RU" dirty="0" smtClean="0"/>
+              <a:t> Предотвращение дефектов </a:t>
+            </a:r>
+            <a:endParaRPr lang="en-US" dirty="0" smtClean="0"/>
+          </a:p>
+          <a:p>
+            <a:r>
+              <a:rPr lang="ru-RU" dirty="0" smtClean="0"/>
+              <a:t>Цели процессов и действия, связанные с проектированием тестов на раннем этапе жизненного цикла программного обеспечения (например, при компонентном, интеграционном и системном тестировании), могут помочь предотвратить попадание дефектов в код. Рецензирование документов (например, требований), идентификация и разрешение проблем также помогают предотвратить появление дефектов в коде. Разные точки зрения в тестировании преследуют разные цели. Например, в тестировании на этапе разработки (таком, как компонентное, интеграционное и системное тестирование), основная цель может заключаться в том, чтобы вызвать как можно больше отказов, чтобы дефекты в программном обеспечении были идентифицированы и могли быть исправлены. В приемочном тестировании основная цель может состоять в том, чтобы подтвердить, что система работает, как ожидалось и повысить уверенность в том, что она удовлетворяет требованиям. В некоторых случаях основная цель тестирования может состоять в том, чтобы оценить качество программного обеспечения (без намерения исправлять дефекты) и дать информацию заинтересованным лицам о рисках выпуска системы в установленный срок. Тестирование в период сопровождения в основном заключается в проверке отсутствия новых дефектов, которые могли попасть во время разработки изменений. Во время эксплуатационного тестирования основная цель может заключаться в том, чтобы оценить системные характеристики, такие как надежность или доступность. Стоит различать отладку и тестирование. Динамическое тестирование может выявить отказы, вызванные дефектами. Отладка – это действия разработчиков, которые находят, анализируют и устраняют причину отказа. Повторное тестирование гарантирует, что изменение действительно предотвращает отказ. Ответственность за тестирование обычно  несут </a:t>
+            </a:r>
+            <a:r>
+              <a:rPr lang="ru-RU" dirty="0" err="1" smtClean="0"/>
+              <a:t>тестировщики</a:t>
+            </a:r>
+            <a:r>
+              <a:rPr lang="ru-RU" dirty="0" smtClean="0"/>
+              <a:t>,  а за отладку - разработчики.</a:t>
             </a:r>
           </a:p>
         </p:txBody>
@@ -2912,7 +3244,28 @@
           </a:bodyPr>
           <a:lstStyle/>
           <a:p>
-            <a:endParaRPr lang="ru-RU" dirty="0"/>
+            <a:r>
+              <a:rPr lang="ru-RU" dirty="0" smtClean="0"/>
+              <a:t>Русский перевод всех этих терминов можно посмотреть тут: </a:t>
+            </a:r>
+            <a:r>
+              <a:rPr lang="en-US" dirty="0" smtClean="0"/>
+              <a:t>https://dl.dropboxusercontent.com/u/15190453/Published/Books%20about%20testing/ISTQB_Glossary_Russian_v2_2.pdf</a:t>
+            </a:r>
+            <a:r>
+              <a:rPr lang="ru-RU" dirty="0" smtClean="0"/>
+              <a:t>.</a:t>
+            </a:r>
+          </a:p>
+          <a:p>
+            <a:r>
+              <a:rPr lang="ru-RU" dirty="0" smtClean="0"/>
+              <a:t>См. Отладка, требование, рецензирование, тестовый сценарий, тестирование, цель тестирования  = </a:t>
+            </a:r>
+            <a:r>
+              <a:rPr lang="en-US" dirty="0" smtClean="0"/>
+              <a:t>Debugging, requirement, review, test case, testing, test objective</a:t>
+            </a:r>
           </a:p>
         </p:txBody>
       </p:sp>
@@ -2990,83 +3343,10 @@
         <p:spPr/>
         <p:txBody>
           <a:bodyPr>
-            <a:normAutofit fontScale="85000" lnSpcReduction="20000"/>
+            <a:normAutofit fontScale="92500"/>
           </a:bodyPr>
           <a:lstStyle/>
           <a:p>
-            <a:r>
-              <a:rPr lang="ru-RU" dirty="0" smtClean="0"/>
-              <a:t>Эти принципы тестирования были предложены в последние 40 лет и являются общим руководством для тестирования в целом. </a:t>
-            </a:r>
-            <a:endParaRPr lang="en-US" dirty="0" smtClean="0"/>
-          </a:p>
-          <a:p>
-            <a:endParaRPr lang="en-US" dirty="0" smtClean="0"/>
-          </a:p>
-          <a:p>
-            <a:r>
-              <a:rPr lang="ru-RU" dirty="0" smtClean="0"/>
-              <a:t>Принцип 1 – Тестирование демонстрирует наличие дефектов Тестирование может показать, что дефекты присутствуют, но не может доказать, что их нет. Тестирование снижает вероятность наличия дефектов, находящихся в программном обеспечении, но, даже если дефекты не были обнаружены, это не доказывает его корректности. </a:t>
-            </a:r>
-            <a:endParaRPr lang="en-US" dirty="0" smtClean="0"/>
-          </a:p>
-          <a:p>
-            <a:endParaRPr lang="en-US" dirty="0" smtClean="0"/>
-          </a:p>
-          <a:p>
-            <a:r>
-              <a:rPr lang="ru-RU" dirty="0" smtClean="0"/>
-              <a:t>Принцип 2 – Исчерпывающее тестирование недостижимо Полное тестирование с использованием всех комбинаций вводов и предусловий физически невыполнимо, за исключением тривиальных случаев. Вместо исчерпывающего тестирования должны использоваться анализ рисков и расстановка приоритетов, чтобы более точно сфокусировать усилия по тестированию. </a:t>
-            </a:r>
-            <a:endParaRPr lang="en-US" dirty="0" smtClean="0"/>
-          </a:p>
-          <a:p>
-            <a:endParaRPr lang="en-US" dirty="0" smtClean="0"/>
-          </a:p>
-          <a:p>
-            <a:r>
-              <a:rPr lang="ru-RU" dirty="0" smtClean="0"/>
-              <a:t>Принцип 3 – Раннее тестирование Чтобы найти дефекты как можно раньше, активности по тестированию должны быть начаты как можно раньше в жизненном цикле разработки программного обеспечения или системы, и должны быть сфокусированы на определенных целях. </a:t>
-            </a:r>
-            <a:endParaRPr lang="en-US" dirty="0" smtClean="0"/>
-          </a:p>
-          <a:p>
-            <a:endParaRPr lang="en-US" dirty="0" smtClean="0"/>
-          </a:p>
-          <a:p>
-            <a:r>
-              <a:rPr lang="ru-RU" dirty="0" smtClean="0"/>
-              <a:t>Принцип 4 – Скопление дефектов Усилия тестирования должны быть сосредоточены пропорционально ожидаемой, а позже реальной плотности дефектов по модулям. Как правило, большая часть дефектов, обнаруженных при тестировании или повлекших за собой основное количество сбоев системы, содержится в небольшом количестве модулей. </a:t>
-            </a:r>
-            <a:endParaRPr lang="en-US" dirty="0" smtClean="0"/>
-          </a:p>
-          <a:p>
-            <a:endParaRPr lang="en-US" dirty="0" smtClean="0"/>
-          </a:p>
-          <a:p>
-            <a:r>
-              <a:rPr lang="ru-RU" dirty="0" smtClean="0"/>
-              <a:t>Принцип 5 – Парадокс пестицида Если одни и  те же тесты будут прогоняться много раз, в конечном счете этот набор тестовых сценариев больше не будет находить новых дефектов. Чтобы преодолеть этот “парадокс пестицида”, тестовые сценарии должны регулярно рецензироваться и корректироваться, новые тесты должны быть разносторонними, чтобы охватить все компоненты программного обеспечения, или системы, и найти как можно больше дефектов. </a:t>
-            </a:r>
-            <a:endParaRPr lang="en-US" dirty="0" smtClean="0"/>
-          </a:p>
-          <a:p>
-            <a:endParaRPr lang="en-US" dirty="0" smtClean="0"/>
-          </a:p>
-          <a:p>
-            <a:r>
-              <a:rPr lang="ru-RU" dirty="0" smtClean="0"/>
-              <a:t>Принцип 6 – Тестирование зависит от контекста Тестирование выполняется по-разному в зависимости от контекста. Например, программное обеспечение, в котором критически важна безопасность, тестируется иначе, чем сайт электронной коммерции. </a:t>
-            </a:r>
-          </a:p>
-          <a:p>
-            <a:endParaRPr lang="en-US" dirty="0" smtClean="0"/>
-          </a:p>
-          <a:p>
-            <a:r>
-              <a:rPr lang="ru-RU" dirty="0" smtClean="0"/>
-              <a:t>Принцип 7 – Заблуждение об отсутствии ошибок. Обнаружение и исправление дефектов не помогут, если созданная система не подходит пользователю и не удовлетворяет его ожиданиям и потребностям. </a:t>
-            </a:r>
             <a:endParaRPr lang="ru-RU" dirty="0"/>
           </a:p>
         </p:txBody>
@@ -3151,119 +3431,76 @@
           <a:p>
             <a:r>
               <a:rPr lang="ru-RU" dirty="0" smtClean="0"/>
-              <a:t>Активность тестирования, которую легче всего увидеть - это выполнение тестов. Но чтобы быть эффективным и рациональным, планы тестирования должны включать время, которое будет потрачено на планирование тестов, разработку тестовых сценариев, подготовку к выполнению и оценку результатов.</a:t>
+              <a:t>Эти принципы тестирования были предложены в последние 40 лет и являются общим руководством для тестирования в целом. </a:t>
             </a:r>
             <a:endParaRPr lang="en-US" dirty="0" smtClean="0"/>
           </a:p>
           <a:p>
+            <a:endParaRPr lang="en-US" dirty="0" smtClean="0"/>
+          </a:p>
+          <a:p>
             <a:r>
               <a:rPr lang="ru-RU" dirty="0" smtClean="0"/>
-              <a:t>Основной процесс тестирования состоит из следующих направлений деятельности: </a:t>
+              <a:t>Принцип 1 – Тестирование демонстрирует наличие дефектов Тестирование может показать, что дефекты присутствуют, но не может доказать, что их нет. Тестирование снижает вероятность наличия дефектов, находящихся в программном обеспечении, но, даже если дефекты не были обнаружены, это не доказывает его корректности. </a:t>
             </a:r>
             <a:endParaRPr lang="en-US" dirty="0" smtClean="0"/>
           </a:p>
           <a:p>
+            <a:endParaRPr lang="en-US" dirty="0" smtClean="0"/>
+          </a:p>
+          <a:p>
             <a:r>
               <a:rPr lang="ru-RU" dirty="0" smtClean="0"/>
-              <a:t> Планирование и управление </a:t>
+              <a:t>Принцип 2 – Исчерпывающее тестирование недостижимо Полное тестирование с использованием всех комбинаций вводов и предусловий физически невыполнимо, за исключением тривиальных случаев. Вместо исчерпывающего тестирования должны использоваться анализ рисков и расстановка приоритетов, чтобы более точно сфокусировать усилия по тестированию. </a:t>
             </a:r>
             <a:endParaRPr lang="en-US" dirty="0" smtClean="0"/>
           </a:p>
           <a:p>
+            <a:endParaRPr lang="en-US" dirty="0" smtClean="0"/>
+          </a:p>
+          <a:p>
             <a:r>
               <a:rPr lang="ru-RU" dirty="0" smtClean="0"/>
-              <a:t> Анализ и проектирование </a:t>
+              <a:t>Принцип 3 – Раннее тестирование Чтобы найти дефекты как можно раньше, активности по тестированию должны быть начаты как можно раньше в жизненном цикле разработки программного обеспечения или системы, и должны быть сфокусированы на определенных целях. </a:t>
             </a:r>
             <a:endParaRPr lang="en-US" dirty="0" smtClean="0"/>
           </a:p>
           <a:p>
+            <a:endParaRPr lang="en-US" dirty="0" smtClean="0"/>
+          </a:p>
+          <a:p>
             <a:r>
               <a:rPr lang="ru-RU" dirty="0" smtClean="0"/>
-              <a:t> Внедрение и реализация </a:t>
+              <a:t>Принцип 4 – Скопление дефектов Усилия тестирования должны быть сосредоточены пропорционально ожидаемой, а позже реальной плотности дефектов по модулям. Как правило, большая часть дефектов, обнаруженных при тестировании или повлекших за собой основное количество сбоев системы, содержится в небольшом количестве модулей. </a:t>
             </a:r>
             <a:endParaRPr lang="en-US" dirty="0" smtClean="0"/>
           </a:p>
           <a:p>
+            <a:endParaRPr lang="en-US" dirty="0" smtClean="0"/>
+          </a:p>
+          <a:p>
             <a:r>
               <a:rPr lang="ru-RU" dirty="0" smtClean="0"/>
-              <a:t> Оценка критериев выхода и создание отчетов </a:t>
+              <a:t>Принцип 5 – Парадокс пестицида Если одни и  те же тесты будут прогоняться много раз, в конечном счете этот набор тестовых сценариев больше не будет находить новых дефектов. Чтобы преодолеть этот “парадокс пестицида”, тестовые сценарии должны регулярно рецензироваться и корректироваться, новые тесты должны быть разносторонними, чтобы охватить все компоненты программного обеспечения, или системы, и найти как можно больше дефектов. </a:t>
             </a:r>
             <a:endParaRPr lang="en-US" dirty="0" smtClean="0"/>
           </a:p>
           <a:p>
+            <a:endParaRPr lang="en-US" dirty="0" smtClean="0"/>
+          </a:p>
+          <a:p>
             <a:r>
               <a:rPr lang="ru-RU" dirty="0" smtClean="0"/>
-              <a:t> Действия по завершению тестов </a:t>
-            </a:r>
+              <a:t>Принцип 6 – Тестирование зависит от контекста Тестирование выполняется по-разному в зависимости от контекста. Например, программное обеспечение, в котором критически важна безопасность, тестируется иначе, чем сайт электронной коммерции. </a:t>
+            </a:r>
+          </a:p>
+          <a:p>
             <a:endParaRPr lang="en-US" dirty="0" smtClean="0"/>
           </a:p>
           <a:p>
-            <a:endParaRPr lang="en-US" dirty="0" smtClean="0"/>
-          </a:p>
-          <a:p>
             <a:r>
               <a:rPr lang="ru-RU" dirty="0" smtClean="0"/>
-              <a:t>Несмотря на логическую последовательность, действия в процессе могут накладываться друг на друга или происходить одновременно. Для конкретных системы и проекта обычно требуется адаптация этих направлений деятельности.</a:t>
-            </a:r>
-            <a:endParaRPr lang="en-US" dirty="0" smtClean="0"/>
-          </a:p>
-          <a:p>
-            <a:endParaRPr lang="en-US" dirty="0" smtClean="0"/>
-          </a:p>
-          <a:p>
-            <a:r>
-              <a:rPr lang="ru-RU" dirty="0" smtClean="0"/>
-              <a:t>Планирование тестирования – это действия, направленные на определение целей тестирования и описание задач тестирования для достижения этих целей и миссии.</a:t>
-            </a:r>
-            <a:endParaRPr lang="en-US" dirty="0" smtClean="0"/>
-          </a:p>
-          <a:p>
-            <a:r>
-              <a:rPr lang="ru-RU" dirty="0" smtClean="0"/>
-              <a:t>Управление тестированием – это постоянное сопоставление текущего положения дел с планом и отчетность о состоянии дел, включая отклонения от плана.</a:t>
-            </a:r>
-            <a:endParaRPr lang="en-US" dirty="0" smtClean="0"/>
-          </a:p>
-          <a:p>
-            <a:endParaRPr lang="en-US" dirty="0" smtClean="0"/>
-          </a:p>
-          <a:p>
-            <a:r>
-              <a:rPr lang="ru-RU" dirty="0" smtClean="0"/>
-              <a:t>Анализ и проектирование тестов - это деятельность, во время которой общие цели тестирования материализуются в тестовые условия и тестовые сценарии. </a:t>
-            </a:r>
-            <a:endParaRPr lang="en-US" dirty="0" smtClean="0"/>
-          </a:p>
-          <a:p>
-            <a:endParaRPr lang="en-US" dirty="0" smtClean="0"/>
-          </a:p>
-          <a:p>
-            <a:r>
-              <a:rPr lang="ru-RU" dirty="0" smtClean="0"/>
-              <a:t>Реализация и выполнение тестов – это деятельность, где процедуры тестирования или автоматизированные сценарии задаются последовательностью тестовых сценариев, а также собирается любая информация, необходимая для выполнения тестов, разворачивается окружающая среда, и запускаются тесты.</a:t>
-            </a:r>
-            <a:endParaRPr lang="en-US" dirty="0" smtClean="0"/>
-          </a:p>
-          <a:p>
-            <a:endParaRPr lang="en-US" dirty="0" smtClean="0"/>
-          </a:p>
-          <a:p>
-            <a:r>
-              <a:rPr lang="ru-RU" dirty="0" smtClean="0"/>
-              <a:t>Оценка критериев выхода - это деятельность, где выполнение тестов оценивается согласно определенным целям. Она должна быть выполнена для каждого уровня тестирования</a:t>
-            </a:r>
-            <a:r>
-              <a:rPr lang="en-US" dirty="0" smtClean="0"/>
-              <a:t>.</a:t>
-            </a:r>
-          </a:p>
-          <a:p>
-            <a:endParaRPr lang="en-US" dirty="0" smtClean="0"/>
-          </a:p>
-          <a:p>
-            <a:r>
-              <a:rPr lang="ru-RU" dirty="0" smtClean="0"/>
-              <a:t>Действия по завершению тестирования собирают данные о завершенных испытаниях для  объединения опыта, тестового обеспечения, фактов и цифр. Действия по завершению тестирования происходят на тех этапах проекта, когда система программного обеспечения выпущена, тестирование завершено (или прервано), этап был завершен, или релиз по сопровождению был закончен.</a:t>
+              <a:t>Принцип 7 – Заблуждение об отсутствии ошибок. Обнаружение и исправление дефектов не помогут, если созданная система не подходит пользователю и не удовлетворяет его ожиданиям и потребностям. </a:t>
             </a:r>
             <a:endParaRPr lang="ru-RU" dirty="0"/>
           </a:p>
@@ -3343,67 +3580,127 @@
         <p:spPr/>
         <p:txBody>
           <a:bodyPr>
-            <a:normAutofit fontScale="92500"/>
+            <a:normAutofit fontScale="85000" lnSpcReduction="20000"/>
           </a:bodyPr>
           <a:lstStyle/>
           <a:p>
-            <a:pPr marL="0" marR="0" indent="0" algn="l" defTabSz="914400" rtl="0" eaLnBrk="1" fontAlgn="auto" latinLnBrk="0" hangingPunct="1">
-              <a:lnSpc>
-                <a:spcPct val="100000"/>
-              </a:lnSpc>
-              <a:spcBef>
-                <a:spcPts val="0"/>
-              </a:spcBef>
-              <a:spcAft>
-                <a:spcPts val="0"/>
-              </a:spcAft>
-              <a:buClrTx/>
-              <a:buSzTx/>
-              <a:buFontTx/>
-              <a:buNone/>
-              <a:tabLst/>
-              <a:defRPr/>
-            </a:pPr>
             <a:r>
               <a:rPr lang="ru-RU" dirty="0" smtClean="0"/>
-              <a:t>Русский перевод всех этих терминов можно посмотреть тут: </a:t>
+              <a:t>Активность тестирования, которую легче всего увидеть - это выполнение тестов. Но чтобы быть эффективным и рациональным, планы тестирования должны включать время, которое будет потрачено на планирование тестов, разработку тестовых сценариев, подготовку к выполнению и оценку результатов.</a:t>
+            </a:r>
+            <a:endParaRPr lang="en-US" dirty="0" smtClean="0"/>
+          </a:p>
+          <a:p>
+            <a:r>
+              <a:rPr lang="ru-RU" dirty="0" smtClean="0"/>
+              <a:t>Основной процесс тестирования состоит из следующих направлений деятельности: </a:t>
+            </a:r>
+            <a:endParaRPr lang="en-US" dirty="0" smtClean="0"/>
+          </a:p>
+          <a:p>
+            <a:r>
+              <a:rPr lang="ru-RU" dirty="0" smtClean="0"/>
+              <a:t> Планирование и управление </a:t>
+            </a:r>
+            <a:endParaRPr lang="en-US" dirty="0" smtClean="0"/>
+          </a:p>
+          <a:p>
+            <a:r>
+              <a:rPr lang="ru-RU" dirty="0" smtClean="0"/>
+              <a:t> Анализ и проектирование </a:t>
+            </a:r>
+            <a:endParaRPr lang="en-US" dirty="0" smtClean="0"/>
+          </a:p>
+          <a:p>
+            <a:r>
+              <a:rPr lang="ru-RU" dirty="0" smtClean="0"/>
+              <a:t> Внедрение и реализация </a:t>
+            </a:r>
+            <a:endParaRPr lang="en-US" dirty="0" smtClean="0"/>
+          </a:p>
+          <a:p>
+            <a:r>
+              <a:rPr lang="ru-RU" dirty="0" smtClean="0"/>
+              <a:t> Оценка критериев выхода и создание отчетов </a:t>
+            </a:r>
+            <a:endParaRPr lang="en-US" dirty="0" smtClean="0"/>
+          </a:p>
+          <a:p>
+            <a:r>
+              <a:rPr lang="ru-RU" dirty="0" smtClean="0"/>
+              <a:t> Действия по завершению тестов </a:t>
+            </a:r>
+            <a:endParaRPr lang="en-US" dirty="0" smtClean="0"/>
+          </a:p>
+          <a:p>
+            <a:endParaRPr lang="en-US" dirty="0" smtClean="0"/>
+          </a:p>
+          <a:p>
+            <a:r>
+              <a:rPr lang="ru-RU" dirty="0" smtClean="0"/>
+              <a:t>Несмотря на логическую последовательность, действия в процессе могут накладываться друг на друга или происходить одновременно. Для конкретных системы и проекта обычно требуется адаптация этих направлений деятельности.</a:t>
+            </a:r>
+            <a:endParaRPr lang="en-US" dirty="0" smtClean="0"/>
+          </a:p>
+          <a:p>
+            <a:endParaRPr lang="en-US" dirty="0" smtClean="0"/>
+          </a:p>
+          <a:p>
+            <a:r>
+              <a:rPr lang="ru-RU" dirty="0" smtClean="0"/>
+              <a:t>Планирование тестирования – это действия, направленные на определение целей тестирования и описание задач тестирования для достижения этих целей и миссии.</a:t>
+            </a:r>
+            <a:endParaRPr lang="en-US" dirty="0" smtClean="0"/>
+          </a:p>
+          <a:p>
+            <a:r>
+              <a:rPr lang="ru-RU" dirty="0" smtClean="0"/>
+              <a:t>Управление тестированием – это постоянное сопоставление текущего положения дел с планом и отчетность о состоянии дел, включая отклонения от плана.</a:t>
+            </a:r>
+            <a:endParaRPr lang="en-US" dirty="0" smtClean="0"/>
+          </a:p>
+          <a:p>
+            <a:endParaRPr lang="en-US" dirty="0" smtClean="0"/>
+          </a:p>
+          <a:p>
+            <a:r>
+              <a:rPr lang="ru-RU" dirty="0" smtClean="0"/>
+              <a:t>Анализ и проектирование тестов - это деятельность, во время которой общие цели тестирования материализуются в тестовые условия и тестовые сценарии. </a:t>
+            </a:r>
+            <a:endParaRPr lang="en-US" dirty="0" smtClean="0"/>
+          </a:p>
+          <a:p>
+            <a:endParaRPr lang="en-US" dirty="0" smtClean="0"/>
+          </a:p>
+          <a:p>
+            <a:r>
+              <a:rPr lang="ru-RU" dirty="0" smtClean="0"/>
+              <a:t>Реализация и выполнение тестов – это деятельность, где процедуры тестирования или автоматизированные сценарии задаются последовательностью тестовых сценариев, а также собирается любая информация, необходимая для выполнения тестов, разворачивается окружающая среда, и запускаются тесты.</a:t>
+            </a:r>
+            <a:endParaRPr lang="en-US" dirty="0" smtClean="0"/>
+          </a:p>
+          <a:p>
+            <a:endParaRPr lang="en-US" dirty="0" smtClean="0"/>
+          </a:p>
+          <a:p>
+            <a:r>
+              <a:rPr lang="ru-RU" dirty="0" smtClean="0"/>
+              <a:t>Оценка критериев выхода - это деятельность, где выполнение тестов оценивается согласно определенным целям. Она должна быть выполнена для каждого уровня тестирования</a:t>
             </a:r>
             <a:r>
               <a:rPr lang="en-US" dirty="0" smtClean="0"/>
-              <a:t>https://dl.dropboxusercontent.com/u/15190453/Published/Books%20about%20testing/ISTQB_Glossary_Russian_v2_2.pdf</a:t>
-            </a:r>
+              <a:t>.</a:t>
+            </a:r>
+          </a:p>
+          <a:p>
+            <a:endParaRPr lang="en-US" dirty="0" smtClean="0"/>
+          </a:p>
+          <a:p>
             <a:r>
               <a:rPr lang="ru-RU" dirty="0" smtClean="0"/>
-              <a:t>.</a:t>
-            </a:r>
-          </a:p>
-          <a:p>
-            <a:pPr marL="0" marR="0" indent="0" algn="l" defTabSz="914400" rtl="0" eaLnBrk="1" fontAlgn="auto" latinLnBrk="0" hangingPunct="1">
-              <a:lnSpc>
-                <a:spcPct val="100000"/>
-              </a:lnSpc>
-              <a:spcBef>
-                <a:spcPts val="0"/>
-              </a:spcBef>
-              <a:spcAft>
-                <a:spcPts val="0"/>
-              </a:spcAft>
-              <a:buClrTx/>
-              <a:buSzTx/>
-              <a:buFontTx/>
-              <a:buNone/>
-              <a:tabLst/>
-              <a:defRPr/>
-            </a:pPr>
-            <a:r>
-              <a:rPr lang="ru-RU" dirty="0" smtClean="0"/>
-              <a:t>См. политика тестирования, план тестирования, процедура тестирования, критерии выхода = </a:t>
-            </a:r>
-            <a:r>
-              <a:rPr lang="en-US" dirty="0" smtClean="0"/>
-              <a:t>test policy, test plan, test procedure, exit criteria</a:t>
-            </a:r>
-            <a:endParaRPr lang="ru-RU" dirty="0" smtClean="0"/>
+              <a:t>Действия по завершению тестирования собирают данные о завершенных испытаниях для  объединения опыта, тестового обеспечения, фактов и цифр. Действия по завершению тестирования происходят на тех этапах проекта, когда система программного обеспечения выпущена, тестирование завершено (или прервано), этап был завершен, или релиз по сопровождению был закончен.</a:t>
+            </a:r>
+            <a:endParaRPr lang="ru-RU" dirty="0"/>
           </a:p>
         </p:txBody>
       </p:sp>
@@ -3621,7 +3918,7 @@
             <a:fld id="{1D8BD707-D9CF-40AE-B4C6-C98DA3205C09}" type="datetimeFigureOut">
               <a:rPr lang="en-US" smtClean="0"/>
               <a:pPr/>
-              <a:t>24-Dec-14</a:t>
+              <a:t>09-Jan-15</a:t>
             </a:fld>
             <a:endParaRPr lang="en-US"/>
           </a:p>
@@ -3788,7 +4085,7 @@
             <a:fld id="{1D8BD707-D9CF-40AE-B4C6-C98DA3205C09}" type="datetimeFigureOut">
               <a:rPr lang="en-US" smtClean="0"/>
               <a:pPr/>
-              <a:t>24-Dec-14</a:t>
+              <a:t>09-Jan-15</a:t>
             </a:fld>
             <a:endParaRPr lang="en-US"/>
           </a:p>
@@ -3965,7 +4262,7 @@
             <a:fld id="{1D8BD707-D9CF-40AE-B4C6-C98DA3205C09}" type="datetimeFigureOut">
               <a:rPr lang="en-US" smtClean="0"/>
               <a:pPr/>
-              <a:t>24-Dec-14</a:t>
+              <a:t>09-Jan-15</a:t>
             </a:fld>
             <a:endParaRPr lang="en-US"/>
           </a:p>
@@ -4132,7 +4429,7 @@
             <a:fld id="{1D8BD707-D9CF-40AE-B4C6-C98DA3205C09}" type="datetimeFigureOut">
               <a:rPr lang="en-US" smtClean="0"/>
               <a:pPr/>
-              <a:t>24-Dec-14</a:t>
+              <a:t>09-Jan-15</a:t>
             </a:fld>
             <a:endParaRPr lang="en-US"/>
           </a:p>
@@ -4375,7 +4672,7 @@
             <a:fld id="{1D8BD707-D9CF-40AE-B4C6-C98DA3205C09}" type="datetimeFigureOut">
               <a:rPr lang="en-US" smtClean="0"/>
               <a:pPr/>
-              <a:t>24-Dec-14</a:t>
+              <a:t>09-Jan-15</a:t>
             </a:fld>
             <a:endParaRPr lang="en-US"/>
           </a:p>
@@ -4660,7 +4957,7 @@
             <a:fld id="{1D8BD707-D9CF-40AE-B4C6-C98DA3205C09}" type="datetimeFigureOut">
               <a:rPr lang="en-US" smtClean="0"/>
               <a:pPr/>
-              <a:t>24-Dec-14</a:t>
+              <a:t>09-Jan-15</a:t>
             </a:fld>
             <a:endParaRPr lang="en-US"/>
           </a:p>
@@ -5079,7 +5376,7 @@
             <a:fld id="{1D8BD707-D9CF-40AE-B4C6-C98DA3205C09}" type="datetimeFigureOut">
               <a:rPr lang="en-US" smtClean="0"/>
               <a:pPr/>
-              <a:t>24-Dec-14</a:t>
+              <a:t>09-Jan-15</a:t>
             </a:fld>
             <a:endParaRPr lang="en-US"/>
           </a:p>
@@ -5194,7 +5491,7 @@
             <a:fld id="{1D8BD707-D9CF-40AE-B4C6-C98DA3205C09}" type="datetimeFigureOut">
               <a:rPr lang="en-US" smtClean="0"/>
               <a:pPr/>
-              <a:t>24-Dec-14</a:t>
+              <a:t>09-Jan-15</a:t>
             </a:fld>
             <a:endParaRPr lang="en-US"/>
           </a:p>
@@ -5286,7 +5583,7 @@
             <a:fld id="{1D8BD707-D9CF-40AE-B4C6-C98DA3205C09}" type="datetimeFigureOut">
               <a:rPr lang="en-US" smtClean="0"/>
               <a:pPr/>
-              <a:t>24-Dec-14</a:t>
+              <a:t>09-Jan-15</a:t>
             </a:fld>
             <a:endParaRPr lang="en-US"/>
           </a:p>
@@ -5560,7 +5857,7 @@
             <a:fld id="{1D8BD707-D9CF-40AE-B4C6-C98DA3205C09}" type="datetimeFigureOut">
               <a:rPr lang="en-US" smtClean="0"/>
               <a:pPr/>
-              <a:t>24-Dec-14</a:t>
+              <a:t>09-Jan-15</a:t>
             </a:fld>
             <a:endParaRPr lang="en-US"/>
           </a:p>
@@ -5810,7 +6107,7 @@
             <a:fld id="{1D8BD707-D9CF-40AE-B4C6-C98DA3205C09}" type="datetimeFigureOut">
               <a:rPr lang="en-US" smtClean="0"/>
               <a:pPr/>
-              <a:t>24-Dec-14</a:t>
+              <a:t>09-Jan-15</a:t>
             </a:fld>
             <a:endParaRPr lang="en-US"/>
           </a:p>
@@ -6029,7 +6326,7 @@
             <a:fld id="{1D8BD707-D9CF-40AE-B4C6-C98DA3205C09}" type="datetimeFigureOut">
               <a:rPr lang="en-US" smtClean="0"/>
               <a:pPr/>
-              <a:t>24-Dec-14</a:t>
+              <a:t>09-Jan-15</a:t>
             </a:fld>
             <a:endParaRPr lang="en-US"/>
           </a:p>
@@ -6578,7 +6875,7 @@
         <p:spPr>
           <a:xfrm>
             <a:off x="457200" y="533400"/>
-            <a:ext cx="1278107" cy="630942"/>
+            <a:ext cx="2902141" cy="630942"/>
           </a:xfrm>
           <a:prstGeom prst="rect">
             <a:avLst/>
@@ -6607,7 +6904,7 @@
                   </a:outerShdw>
                 </a:effectLst>
               </a:rPr>
-              <a:t>Terms</a:t>
+              <a:t>What is testing</a:t>
             </a:r>
             <a:endParaRPr lang="en-US" sz="3500" dirty="0">
               <a:solidFill>
@@ -6636,7 +6933,7 @@
         <p:spPr>
           <a:xfrm>
             <a:off x="1249680" y="1362670"/>
-            <a:ext cx="7066736" cy="646331"/>
+            <a:ext cx="6634688" cy="646331"/>
           </a:xfrm>
           <a:prstGeom prst="rect">
             <a:avLst/>
@@ -6649,12 +6946,135 @@
           <a:lstStyle/>
           <a:p>
             <a:r>
-              <a:rPr lang="en-US" u="sng" dirty="0" smtClean="0"/>
-              <a:t>Debugging </a:t>
-            </a:r>
-            <a:r>
               <a:rPr lang="en-US" dirty="0" smtClean="0"/>
-              <a:t>- the process of finding, analyzing and removing the causes of failures in software</a:t>
+              <a:t>Running tests is not  all of the testing activities. Test activities exist before and after test execution </a:t>
+            </a:r>
+            <a:endParaRPr lang="en-US" dirty="0"/>
+          </a:p>
+        </p:txBody>
+      </p:sp>
+      <p:sp>
+        <p:nvSpPr>
+          <p:cNvPr id="5" name="Rectangle 4"/>
+          <p:cNvSpPr/>
+          <p:nvPr/>
+        </p:nvSpPr>
+        <p:spPr>
+          <a:xfrm>
+            <a:off x="1295400" y="4302388"/>
+            <a:ext cx="6477000" cy="369332"/>
+          </a:xfrm>
+          <a:prstGeom prst="rect">
+            <a:avLst/>
+          </a:prstGeom>
+        </p:spPr>
+        <p:txBody>
+          <a:bodyPr wrap="square">
+            <a:spAutoFit/>
+          </a:bodyPr>
+          <a:lstStyle/>
+          <a:p>
+            <a:r>
+              <a:rPr lang="en-US" dirty="0" smtClean="0"/>
+              <a:t>Debugging and testing are different</a:t>
+            </a:r>
+            <a:endParaRPr lang="en-US" dirty="0"/>
+          </a:p>
+        </p:txBody>
+      </p:sp>
+      <p:sp>
+        <p:nvSpPr>
+          <p:cNvPr id="6" name="Rectangle 5"/>
+          <p:cNvSpPr/>
+          <p:nvPr/>
+        </p:nvSpPr>
+        <p:spPr>
+          <a:xfrm>
+            <a:off x="1295400" y="3582308"/>
+            <a:ext cx="6300936" cy="646331"/>
+          </a:xfrm>
+          <a:prstGeom prst="rect">
+            <a:avLst/>
+          </a:prstGeom>
+        </p:spPr>
+        <p:txBody>
+          <a:bodyPr wrap="square">
+            <a:spAutoFit/>
+          </a:bodyPr>
+          <a:lstStyle/>
+          <a:p>
+            <a:r>
+              <a:rPr lang="en-US" dirty="0" smtClean="0"/>
+              <a:t>Different viewpoints in testing take different objectives into account</a:t>
+            </a:r>
+            <a:endParaRPr lang="en-US" dirty="0"/>
+          </a:p>
+        </p:txBody>
+      </p:sp>
+      <p:sp>
+        <p:nvSpPr>
+          <p:cNvPr id="7" name="Rectangle 6"/>
+          <p:cNvSpPr/>
+          <p:nvPr/>
+        </p:nvSpPr>
+        <p:spPr>
+          <a:xfrm>
+            <a:off x="1249680" y="2060848"/>
+            <a:ext cx="6346656" cy="1477328"/>
+          </a:xfrm>
+          <a:prstGeom prst="rect">
+            <a:avLst/>
+          </a:prstGeom>
+        </p:spPr>
+        <p:txBody>
+          <a:bodyPr wrap="square">
+            <a:spAutoFit/>
+          </a:bodyPr>
+          <a:lstStyle/>
+          <a:p>
+            <a:r>
+              <a:rPr lang="en-US" dirty="0" smtClean="0"/>
+              <a:t>Testing can have the following objectives:</a:t>
+            </a:r>
+          </a:p>
+          <a:p>
+            <a:pPr>
+              <a:buFont typeface="Wingdings" pitchFamily="2" charset="2"/>
+              <a:buChar char="Ø"/>
+            </a:pPr>
+            <a:r>
+              <a:rPr lang="en-US" dirty="0" smtClean="0"/>
+              <a:t>Finding defects</a:t>
+            </a:r>
+          </a:p>
+          <a:p>
+            <a:pPr>
+              <a:buFont typeface="Wingdings" pitchFamily="2" charset="2"/>
+              <a:buChar char="Ø"/>
+            </a:pPr>
+            <a:r>
+              <a:rPr lang="en-US" dirty="0" smtClean="0"/>
+              <a:t>Gaining confidence about the level of quality</a:t>
+            </a:r>
+          </a:p>
+          <a:p>
+            <a:pPr>
+              <a:buFont typeface="Wingdings" pitchFamily="2" charset="2"/>
+              <a:buChar char="Ø"/>
+            </a:pPr>
+            <a:r>
+              <a:rPr lang="en-US" dirty="0" smtClean="0"/>
+              <a:t>Providing information for decision-making</a:t>
+            </a:r>
+          </a:p>
+          <a:p>
+            <a:pPr>
+              <a:buFont typeface="Wingdings" pitchFamily="2" charset="2"/>
+              <a:buChar char="Ø"/>
+            </a:pPr>
+            <a:r>
+              <a:rPr lang="en-US" dirty="0" smtClean="0"/>
+              <a:t>Preventing defects</a:t>
             </a:r>
             <a:endParaRPr lang="en-US" dirty="0"/>
           </a:p>
@@ -6704,46 +7124,13 @@
       </p:sp>
       <p:sp>
         <p:nvSpPr>
-          <p:cNvPr id="21" name="Rectangle 3"/>
+          <p:cNvPr id="14" name="Flowchart: Connector 13"/>
           <p:cNvSpPr/>
           <p:nvPr/>
         </p:nvSpPr>
         <p:spPr>
           <a:xfrm>
-            <a:off x="1259632" y="2060848"/>
-            <a:ext cx="7066736" cy="1200329"/>
-          </a:xfrm>
-          <a:prstGeom prst="rect">
-            <a:avLst/>
-          </a:prstGeom>
-        </p:spPr>
-        <p:txBody>
-          <a:bodyPr wrap="square">
-            <a:spAutoFit/>
-          </a:bodyPr>
-          <a:lstStyle/>
-          <a:p>
-            <a:r>
-              <a:rPr lang="en-US" u="sng" dirty="0" smtClean="0"/>
-              <a:t>Requirement </a:t>
-            </a:r>
-            <a:r>
-              <a:rPr lang="en-US" dirty="0" smtClean="0"/>
-              <a:t>- a condition or capability needed by a user to solve a problem or achieve an objective that must be met or possessed by a system or system component to satisfy a contract, standard, specification, or other formally imposed document</a:t>
-            </a:r>
-            <a:endParaRPr lang="en-US" dirty="0"/>
-          </a:p>
-        </p:txBody>
-      </p:sp>
-      <p:sp>
-        <p:nvSpPr>
-          <p:cNvPr id="22" name="Flowchart: Connector 12"/>
-          <p:cNvSpPr/>
-          <p:nvPr/>
-        </p:nvSpPr>
-        <p:spPr>
-          <a:xfrm>
-            <a:off x="899592" y="2203470"/>
+            <a:off x="931779" y="2195746"/>
             <a:ext cx="84841" cy="99536"/>
           </a:xfrm>
           <a:prstGeom prst="flowChartConnector">
@@ -6779,46 +7166,13 @@
       </p:sp>
       <p:sp>
         <p:nvSpPr>
-          <p:cNvPr id="23" name="Rectangle 3"/>
+          <p:cNvPr id="15" name="Flowchart: Connector 14"/>
           <p:cNvSpPr/>
           <p:nvPr/>
         </p:nvSpPr>
         <p:spPr>
           <a:xfrm>
-            <a:off x="1259632" y="3214717"/>
-            <a:ext cx="7066736" cy="1200329"/>
-          </a:xfrm>
-          <a:prstGeom prst="rect">
-            <a:avLst/>
-          </a:prstGeom>
-        </p:spPr>
-        <p:txBody>
-          <a:bodyPr wrap="square">
-            <a:spAutoFit/>
-          </a:bodyPr>
-          <a:lstStyle/>
-          <a:p>
-            <a:r>
-              <a:rPr lang="en-US" u="sng" dirty="0" smtClean="0"/>
-              <a:t>Review </a:t>
-            </a:r>
-            <a:r>
-              <a:rPr lang="en-US" dirty="0" smtClean="0"/>
-              <a:t>- an evaluation of a product or project status to ascertain discrepancies from planned results and to recommend improvements. Examples include management review, informal review, technical review, inspection, and walkthrough</a:t>
-            </a:r>
-            <a:endParaRPr lang="en-US" dirty="0"/>
-          </a:p>
-        </p:txBody>
-      </p:sp>
-      <p:sp>
-        <p:nvSpPr>
-          <p:cNvPr id="24" name="Flowchart: Connector 12"/>
-          <p:cNvSpPr/>
-          <p:nvPr/>
-        </p:nvSpPr>
-        <p:spPr>
-          <a:xfrm>
-            <a:off x="899592" y="3357339"/>
+            <a:off x="945626" y="3717206"/>
             <a:ext cx="84841" cy="99536"/>
           </a:xfrm>
           <a:prstGeom prst="flowChartConnector">
@@ -6854,46 +7208,13 @@
       </p:sp>
       <p:sp>
         <p:nvSpPr>
-          <p:cNvPr id="25" name="Rectangle 3"/>
+          <p:cNvPr id="16" name="Flowchart: Connector 15"/>
           <p:cNvSpPr/>
           <p:nvPr/>
         </p:nvSpPr>
         <p:spPr>
           <a:xfrm>
-            <a:off x="1249680" y="4366845"/>
-            <a:ext cx="7066736" cy="1200329"/>
-          </a:xfrm>
-          <a:prstGeom prst="rect">
-            <a:avLst/>
-          </a:prstGeom>
-        </p:spPr>
-        <p:txBody>
-          <a:bodyPr wrap="square">
-            <a:spAutoFit/>
-          </a:bodyPr>
-          <a:lstStyle/>
-          <a:p>
-            <a:r>
-              <a:rPr lang="en-US" u="sng" dirty="0" smtClean="0"/>
-              <a:t>Test case </a:t>
-            </a:r>
-            <a:r>
-              <a:rPr lang="en-US" dirty="0" smtClean="0"/>
-              <a:t>- a set of input values, execution preconditions, expected results and execution post conditions, developed for a particular objective or test condition, such as to exercise a particular program path or to verify compliance with a specific requirement</a:t>
-            </a:r>
-            <a:endParaRPr lang="en-US" dirty="0"/>
-          </a:p>
-        </p:txBody>
-      </p:sp>
-      <p:sp>
-        <p:nvSpPr>
-          <p:cNvPr id="26" name="Flowchart: Connector 12"/>
-          <p:cNvSpPr/>
-          <p:nvPr/>
-        </p:nvSpPr>
-        <p:spPr>
-          <a:xfrm>
-            <a:off x="889640" y="4509467"/>
+            <a:off x="944742" y="4437286"/>
             <a:ext cx="84841" cy="99536"/>
           </a:xfrm>
           <a:prstGeom prst="flowChartConnector">
@@ -6924,6 +7245,39 @@
                 <a:schemeClr val="tx1"/>
               </a:solidFill>
             </a:endParaRPr>
+          </a:p>
+        </p:txBody>
+      </p:sp>
+      <p:sp>
+        <p:nvSpPr>
+          <p:cNvPr id="17" name="Rectangle 4"/>
+          <p:cNvSpPr/>
+          <p:nvPr/>
+        </p:nvSpPr>
+        <p:spPr>
+          <a:xfrm>
+            <a:off x="827584" y="4797152"/>
+            <a:ext cx="6624736" cy="1200329"/>
+          </a:xfrm>
+          <a:prstGeom prst="rect">
+            <a:avLst/>
+          </a:prstGeom>
+        </p:spPr>
+        <p:txBody>
+          <a:bodyPr wrap="square">
+            <a:spAutoFit/>
+          </a:bodyPr>
+          <a:lstStyle/>
+          <a:p>
+            <a:r>
+              <a:rPr lang="en-US" b="1" u="sng" dirty="0" smtClean="0"/>
+              <a:t>Software testing </a:t>
+            </a:r>
+            <a:r>
+              <a:rPr lang="en-US" b="1" dirty="0" smtClean="0"/>
+              <a:t>is the set of activities that involves planning and preparing on how to test&amp; what to test the software for and executing software with the intent of finding defects and validating the software against requirements</a:t>
+            </a:r>
+            <a:endParaRPr lang="en-US" b="1" dirty="0"/>
           </a:p>
         </p:txBody>
       </p:sp>
@@ -6981,7 +7335,7 @@
         <p:spPr>
           <a:xfrm>
             <a:off x="457200" y="533400"/>
-            <a:ext cx="3967112" cy="630942"/>
+            <a:ext cx="1278107" cy="630942"/>
           </a:xfrm>
           <a:prstGeom prst="rect">
             <a:avLst/>
@@ -7010,7 +7364,7 @@
                   </a:outerShdw>
                 </a:effectLst>
               </a:rPr>
-              <a:t>Terms (continuation)</a:t>
+              <a:t>Terms</a:t>
             </a:r>
             <a:endParaRPr lang="en-US" sz="3500" dirty="0">
               <a:solidFill>
@@ -7032,14 +7386,14 @@
       </p:sp>
       <p:sp>
         <p:nvSpPr>
-          <p:cNvPr id="27" name="Rectangle 3"/>
+          <p:cNvPr id="4" name="Rectangle 3"/>
           <p:cNvSpPr/>
           <p:nvPr/>
         </p:nvSpPr>
         <p:spPr>
           <a:xfrm>
-            <a:off x="1249680" y="1340768"/>
-            <a:ext cx="6634688" cy="1477328"/>
+            <a:off x="1249680" y="1362670"/>
+            <a:ext cx="7066736" cy="646331"/>
           </a:xfrm>
           <a:prstGeom prst="rect">
             <a:avLst/>
@@ -7053,11 +7407,11 @@
           <a:p>
             <a:r>
               <a:rPr lang="en-US" u="sng" dirty="0" smtClean="0"/>
-              <a:t>Testing </a:t>
+              <a:t>Debugging </a:t>
             </a:r>
             <a:r>
               <a:rPr lang="en-US" dirty="0" smtClean="0"/>
-              <a:t>- the process consisting of all life cycle activities, both static and dynamic, concerned with planning, preparation and evaluation of software products and related work products to determine that they satisfy specified requirements, to demonstrate that they are fit for purpose and to detect defects</a:t>
+              <a:t>- the process of finding, analyzing and removing the causes of failures in software</a:t>
             </a:r>
             <a:endParaRPr lang="en-US" dirty="0"/>
           </a:p>
@@ -7065,13 +7419,13 @@
       </p:sp>
       <p:sp>
         <p:nvSpPr>
-          <p:cNvPr id="28" name="Flowchart: Connector 12"/>
+          <p:cNvPr id="13" name="Flowchart: Connector 12"/>
           <p:cNvSpPr/>
           <p:nvPr/>
         </p:nvSpPr>
         <p:spPr>
           <a:xfrm>
-            <a:off x="889640" y="1483390"/>
+            <a:off x="944741" y="1488043"/>
             <a:ext cx="84841" cy="99536"/>
           </a:xfrm>
           <a:prstGeom prst="flowChartConnector">
@@ -7107,14 +7461,14 @@
       </p:sp>
       <p:sp>
         <p:nvSpPr>
-          <p:cNvPr id="14" name="Rectangle 3"/>
+          <p:cNvPr id="21" name="Rectangle 3"/>
           <p:cNvSpPr/>
           <p:nvPr/>
         </p:nvSpPr>
         <p:spPr>
           <a:xfrm>
-            <a:off x="1249680" y="2852936"/>
-            <a:ext cx="6634688" cy="646331"/>
+            <a:off x="1259632" y="2060848"/>
+            <a:ext cx="7066736" cy="1200329"/>
           </a:xfrm>
           <a:prstGeom prst="rect">
             <a:avLst/>
@@ -7128,11 +7482,11 @@
           <a:p>
             <a:r>
               <a:rPr lang="en-US" u="sng" dirty="0" smtClean="0"/>
-              <a:t>Test objective </a:t>
+              <a:t>Requirement </a:t>
             </a:r>
             <a:r>
               <a:rPr lang="en-US" dirty="0" smtClean="0"/>
-              <a:t>- a reason or purpose for designing and executing a test</a:t>
+              <a:t>- a condition or capability needed by a user to solve a problem or achieve an objective that must be met or possessed by a system or system component to satisfy a contract, standard, specification, or other formally imposed document</a:t>
             </a:r>
             <a:endParaRPr lang="en-US" dirty="0"/>
           </a:p>
@@ -7140,13 +7494,163 @@
       </p:sp>
       <p:sp>
         <p:nvSpPr>
-          <p:cNvPr id="15" name="Flowchart: Connector 12"/>
+          <p:cNvPr id="22" name="Flowchart: Connector 12"/>
           <p:cNvSpPr/>
           <p:nvPr/>
         </p:nvSpPr>
         <p:spPr>
           <a:xfrm>
-            <a:off x="889640" y="2995558"/>
+            <a:off x="899592" y="2203470"/>
+            <a:ext cx="84841" cy="99536"/>
+          </a:xfrm>
+          <a:prstGeom prst="flowChartConnector">
+            <a:avLst/>
+          </a:prstGeom>
+        </p:spPr>
+        <p:style>
+          <a:lnRef idx="1">
+            <a:schemeClr val="accent6"/>
+          </a:lnRef>
+          <a:fillRef idx="3">
+            <a:schemeClr val="accent6"/>
+          </a:fillRef>
+          <a:effectRef idx="2">
+            <a:schemeClr val="accent6"/>
+          </a:effectRef>
+          <a:fontRef idx="minor">
+            <a:schemeClr val="lt1"/>
+          </a:fontRef>
+        </p:style>
+        <p:txBody>
+          <a:bodyPr rtlCol="0" anchor="ctr"/>
+          <a:lstStyle/>
+          <a:p>
+            <a:pPr algn="ctr"/>
+            <a:endParaRPr lang="en-US">
+              <a:solidFill>
+                <a:schemeClr val="tx1"/>
+              </a:solidFill>
+            </a:endParaRPr>
+          </a:p>
+        </p:txBody>
+      </p:sp>
+      <p:sp>
+        <p:nvSpPr>
+          <p:cNvPr id="23" name="Rectangle 3"/>
+          <p:cNvSpPr/>
+          <p:nvPr/>
+        </p:nvSpPr>
+        <p:spPr>
+          <a:xfrm>
+            <a:off x="1259632" y="3214717"/>
+            <a:ext cx="7066736" cy="1200329"/>
+          </a:xfrm>
+          <a:prstGeom prst="rect">
+            <a:avLst/>
+          </a:prstGeom>
+        </p:spPr>
+        <p:txBody>
+          <a:bodyPr wrap="square">
+            <a:spAutoFit/>
+          </a:bodyPr>
+          <a:lstStyle/>
+          <a:p>
+            <a:r>
+              <a:rPr lang="en-US" u="sng" dirty="0" smtClean="0"/>
+              <a:t>Review </a:t>
+            </a:r>
+            <a:r>
+              <a:rPr lang="en-US" dirty="0" smtClean="0"/>
+              <a:t>- an evaluation of a product or project status to ascertain discrepancies from planned results and to recommend improvements. Examples include management review, informal review, technical review, inspection, and walkthrough</a:t>
+            </a:r>
+            <a:endParaRPr lang="en-US" dirty="0"/>
+          </a:p>
+        </p:txBody>
+      </p:sp>
+      <p:sp>
+        <p:nvSpPr>
+          <p:cNvPr id="24" name="Flowchart: Connector 12"/>
+          <p:cNvSpPr/>
+          <p:nvPr/>
+        </p:nvSpPr>
+        <p:spPr>
+          <a:xfrm>
+            <a:off x="899592" y="3357339"/>
+            <a:ext cx="84841" cy="99536"/>
+          </a:xfrm>
+          <a:prstGeom prst="flowChartConnector">
+            <a:avLst/>
+          </a:prstGeom>
+        </p:spPr>
+        <p:style>
+          <a:lnRef idx="1">
+            <a:schemeClr val="accent6"/>
+          </a:lnRef>
+          <a:fillRef idx="3">
+            <a:schemeClr val="accent6"/>
+          </a:fillRef>
+          <a:effectRef idx="2">
+            <a:schemeClr val="accent6"/>
+          </a:effectRef>
+          <a:fontRef idx="minor">
+            <a:schemeClr val="lt1"/>
+          </a:fontRef>
+        </p:style>
+        <p:txBody>
+          <a:bodyPr rtlCol="0" anchor="ctr"/>
+          <a:lstStyle/>
+          <a:p>
+            <a:pPr algn="ctr"/>
+            <a:endParaRPr lang="en-US">
+              <a:solidFill>
+                <a:schemeClr val="tx1"/>
+              </a:solidFill>
+            </a:endParaRPr>
+          </a:p>
+        </p:txBody>
+      </p:sp>
+      <p:sp>
+        <p:nvSpPr>
+          <p:cNvPr id="25" name="Rectangle 3"/>
+          <p:cNvSpPr/>
+          <p:nvPr/>
+        </p:nvSpPr>
+        <p:spPr>
+          <a:xfrm>
+            <a:off x="1249680" y="4366845"/>
+            <a:ext cx="7066736" cy="1200329"/>
+          </a:xfrm>
+          <a:prstGeom prst="rect">
+            <a:avLst/>
+          </a:prstGeom>
+        </p:spPr>
+        <p:txBody>
+          <a:bodyPr wrap="square">
+            <a:spAutoFit/>
+          </a:bodyPr>
+          <a:lstStyle/>
+          <a:p>
+            <a:r>
+              <a:rPr lang="en-US" u="sng" dirty="0" smtClean="0"/>
+              <a:t>Test case </a:t>
+            </a:r>
+            <a:r>
+              <a:rPr lang="en-US" dirty="0" smtClean="0"/>
+              <a:t>- a set of input values, execution preconditions, expected results and execution post conditions, developed for a particular objective or test condition, such as to exercise a particular program path or to verify compliance with a specific requirement</a:t>
+            </a:r>
+            <a:endParaRPr lang="en-US" dirty="0"/>
+          </a:p>
+        </p:txBody>
+      </p:sp>
+      <p:sp>
+        <p:nvSpPr>
+          <p:cNvPr id="26" name="Flowchart: Connector 12"/>
+          <p:cNvSpPr/>
+          <p:nvPr/>
+        </p:nvSpPr>
+        <p:spPr>
+          <a:xfrm>
+            <a:off x="889640" y="4509467"/>
             <a:ext cx="84841" cy="99536"/>
           </a:xfrm>
           <a:prstGeom prst="flowChartConnector">
@@ -7234,7 +7738,7 @@
         <p:spPr>
           <a:xfrm>
             <a:off x="457200" y="533400"/>
-            <a:ext cx="4499758" cy="630942"/>
+            <a:ext cx="3967112" cy="630942"/>
           </a:xfrm>
           <a:prstGeom prst="rect">
             <a:avLst/>
@@ -7263,7 +7767,7 @@
                   </a:outerShdw>
                 </a:effectLst>
               </a:rPr>
-              <a:t>Seven Testing Principles</a:t>
+              <a:t>Terms (continuation)</a:t>
             </a:r>
             <a:endParaRPr lang="en-US" sz="3500" dirty="0">
               <a:solidFill>
@@ -7285,43 +7789,14 @@
       </p:sp>
       <p:sp>
         <p:nvSpPr>
-          <p:cNvPr id="4" name="Rectangle 3"/>
+          <p:cNvPr id="27" name="Rectangle 3"/>
           <p:cNvSpPr/>
           <p:nvPr/>
         </p:nvSpPr>
         <p:spPr>
           <a:xfrm>
-            <a:off x="1249680" y="1362670"/>
-            <a:ext cx="4572000" cy="369332"/>
-          </a:xfrm>
-          <a:prstGeom prst="rect">
-            <a:avLst/>
-          </a:prstGeom>
-        </p:spPr>
-        <p:txBody>
-          <a:bodyPr>
-            <a:spAutoFit/>
-          </a:bodyPr>
-          <a:lstStyle/>
-          <a:p>
-            <a:r>
-              <a:rPr lang="en-US" dirty="0" smtClean="0"/>
-              <a:t>Principle 1 – Testing shows presence of defects </a:t>
-            </a:r>
-            <a:endParaRPr lang="en-US" dirty="0"/>
-          </a:p>
-        </p:txBody>
-      </p:sp>
-      <p:sp>
-        <p:nvSpPr>
-          <p:cNvPr id="5" name="Rectangle 4"/>
-          <p:cNvSpPr/>
-          <p:nvPr/>
-        </p:nvSpPr>
-        <p:spPr>
-          <a:xfrm>
-            <a:off x="1295400" y="3048000"/>
-            <a:ext cx="6477000" cy="369332"/>
+            <a:off x="1249680" y="1340768"/>
+            <a:ext cx="6634688" cy="1477328"/>
           </a:xfrm>
           <a:prstGeom prst="rect">
             <a:avLst/>
@@ -7334,8 +7809,12 @@
           <a:lstStyle/>
           <a:p>
             <a:r>
+              <a:rPr lang="en-US" u="sng" dirty="0" smtClean="0"/>
+              <a:t>Testing </a:t>
+            </a:r>
+            <a:r>
               <a:rPr lang="en-US" dirty="0" smtClean="0"/>
-              <a:t>Principle 4 – Defect clustering </a:t>
+              <a:t>- the process consisting of all life cycle activities, both static and dynamic, concerned with planning, preparation and evaluation of software products and related work products to determine that they satisfy specified requirements, to demonstrate that they are fit for purpose and to detect defects</a:t>
             </a:r>
             <a:endParaRPr lang="en-US" dirty="0"/>
           </a:p>
@@ -7343,71 +7822,13 @@
       </p:sp>
       <p:sp>
         <p:nvSpPr>
-          <p:cNvPr id="6" name="Rectangle 5"/>
+          <p:cNvPr id="28" name="Flowchart: Connector 12"/>
           <p:cNvSpPr/>
           <p:nvPr/>
         </p:nvSpPr>
         <p:spPr>
           <a:xfrm>
-            <a:off x="1295400" y="2450068"/>
-            <a:ext cx="4572000" cy="369332"/>
-          </a:xfrm>
-          <a:prstGeom prst="rect">
-            <a:avLst/>
-          </a:prstGeom>
-        </p:spPr>
-        <p:txBody>
-          <a:bodyPr>
-            <a:spAutoFit/>
-          </a:bodyPr>
-          <a:lstStyle/>
-          <a:p>
-            <a:r>
-              <a:rPr lang="en-US" dirty="0" smtClean="0"/>
-              <a:t>Principle 3 – Early testing </a:t>
-            </a:r>
-            <a:endParaRPr lang="en-US" dirty="0"/>
-          </a:p>
-        </p:txBody>
-      </p:sp>
-      <p:sp>
-        <p:nvSpPr>
-          <p:cNvPr id="7" name="Rectangle 6"/>
-          <p:cNvSpPr/>
-          <p:nvPr/>
-        </p:nvSpPr>
-        <p:spPr>
-          <a:xfrm>
-            <a:off x="1249680" y="1916668"/>
-            <a:ext cx="4385881" cy="369332"/>
-          </a:xfrm>
-          <a:prstGeom prst="rect">
-            <a:avLst/>
-          </a:prstGeom>
-        </p:spPr>
-        <p:txBody>
-          <a:bodyPr wrap="none">
-            <a:spAutoFit/>
-          </a:bodyPr>
-          <a:lstStyle/>
-          <a:p>
-            <a:r>
-              <a:rPr lang="en-US" dirty="0" smtClean="0"/>
-              <a:t>Principle 2 – Exhaustive testing is impossible </a:t>
-            </a:r>
-            <a:endParaRPr lang="en-US" dirty="0"/>
-          </a:p>
-        </p:txBody>
-      </p:sp>
-      <p:sp>
-        <p:nvSpPr>
-          <p:cNvPr id="13" name="Flowchart: Connector 12"/>
-          <p:cNvSpPr/>
-          <p:nvPr/>
-        </p:nvSpPr>
-        <p:spPr>
-          <a:xfrm>
-            <a:off x="944741" y="1488043"/>
+            <a:off x="889640" y="1483390"/>
             <a:ext cx="84841" cy="99536"/>
           </a:xfrm>
           <a:prstGeom prst="flowChartConnector">
@@ -7443,140 +7864,14 @@
       </p:sp>
       <p:sp>
         <p:nvSpPr>
-          <p:cNvPr id="14" name="Flowchart: Connector 13"/>
+          <p:cNvPr id="14" name="Rectangle 3"/>
           <p:cNvSpPr/>
           <p:nvPr/>
         </p:nvSpPr>
         <p:spPr>
           <a:xfrm>
-            <a:off x="931779" y="2051566"/>
-            <a:ext cx="84841" cy="99536"/>
-          </a:xfrm>
-          <a:prstGeom prst="flowChartConnector">
-            <a:avLst/>
-          </a:prstGeom>
-        </p:spPr>
-        <p:style>
-          <a:lnRef idx="1">
-            <a:schemeClr val="accent6"/>
-          </a:lnRef>
-          <a:fillRef idx="3">
-            <a:schemeClr val="accent6"/>
-          </a:fillRef>
-          <a:effectRef idx="2">
-            <a:schemeClr val="accent6"/>
-          </a:effectRef>
-          <a:fontRef idx="minor">
-            <a:schemeClr val="lt1"/>
-          </a:fontRef>
-        </p:style>
-        <p:txBody>
-          <a:bodyPr rtlCol="0" anchor="ctr"/>
-          <a:lstStyle/>
-          <a:p>
-            <a:pPr algn="ctr"/>
-            <a:endParaRPr lang="en-US">
-              <a:solidFill>
-                <a:schemeClr val="tx1"/>
-              </a:solidFill>
-            </a:endParaRPr>
-          </a:p>
-        </p:txBody>
-      </p:sp>
-      <p:sp>
-        <p:nvSpPr>
-          <p:cNvPr id="15" name="Flowchart: Connector 14"/>
-          <p:cNvSpPr/>
-          <p:nvPr/>
-        </p:nvSpPr>
-        <p:spPr>
-          <a:xfrm>
-            <a:off x="945626" y="2584966"/>
-            <a:ext cx="84841" cy="99536"/>
-          </a:xfrm>
-          <a:prstGeom prst="flowChartConnector">
-            <a:avLst/>
-          </a:prstGeom>
-        </p:spPr>
-        <p:style>
-          <a:lnRef idx="1">
-            <a:schemeClr val="accent6"/>
-          </a:lnRef>
-          <a:fillRef idx="3">
-            <a:schemeClr val="accent6"/>
-          </a:fillRef>
-          <a:effectRef idx="2">
-            <a:schemeClr val="accent6"/>
-          </a:effectRef>
-          <a:fontRef idx="minor">
-            <a:schemeClr val="lt1"/>
-          </a:fontRef>
-        </p:style>
-        <p:txBody>
-          <a:bodyPr rtlCol="0" anchor="ctr"/>
-          <a:lstStyle/>
-          <a:p>
-            <a:pPr algn="ctr"/>
-            <a:endParaRPr lang="en-US">
-              <a:solidFill>
-                <a:schemeClr val="tx1"/>
-              </a:solidFill>
-            </a:endParaRPr>
-          </a:p>
-        </p:txBody>
-      </p:sp>
-      <p:sp>
-        <p:nvSpPr>
-          <p:cNvPr id="16" name="Flowchart: Connector 15"/>
-          <p:cNvSpPr/>
-          <p:nvPr/>
-        </p:nvSpPr>
-        <p:spPr>
-          <a:xfrm>
-            <a:off x="944742" y="3182898"/>
-            <a:ext cx="84841" cy="99536"/>
-          </a:xfrm>
-          <a:prstGeom prst="flowChartConnector">
-            <a:avLst/>
-          </a:prstGeom>
-        </p:spPr>
-        <p:style>
-          <a:lnRef idx="1">
-            <a:schemeClr val="accent6"/>
-          </a:lnRef>
-          <a:fillRef idx="3">
-            <a:schemeClr val="accent6"/>
-          </a:fillRef>
-          <a:effectRef idx="2">
-            <a:schemeClr val="accent6"/>
-          </a:effectRef>
-          <a:fontRef idx="minor">
-            <a:schemeClr val="lt1"/>
-          </a:fontRef>
-        </p:style>
-        <p:txBody>
-          <a:bodyPr rtlCol="0" anchor="ctr"/>
-          <a:lstStyle/>
-          <a:p>
-            <a:pPr algn="ctr"/>
-            <a:endParaRPr lang="en-US">
-              <a:solidFill>
-                <a:schemeClr val="tx1"/>
-              </a:solidFill>
-            </a:endParaRPr>
-          </a:p>
-        </p:txBody>
-      </p:sp>
-      <p:sp>
-        <p:nvSpPr>
-          <p:cNvPr id="17" name="Rectangle 16"/>
-          <p:cNvSpPr/>
-          <p:nvPr/>
-        </p:nvSpPr>
-        <p:spPr>
-          <a:xfrm>
-            <a:off x="1295400" y="4211796"/>
-            <a:ext cx="6477000" cy="369332"/>
+            <a:off x="1249680" y="2852936"/>
+            <a:ext cx="6634688" cy="646331"/>
           </a:xfrm>
           <a:prstGeom prst="rect">
             <a:avLst/>
@@ -7589,8 +7884,12 @@
           <a:lstStyle/>
           <a:p>
             <a:r>
+              <a:rPr lang="en-US" u="sng" dirty="0" smtClean="0"/>
+              <a:t>Test objective </a:t>
+            </a:r>
+            <a:r>
               <a:rPr lang="en-US" dirty="0" smtClean="0"/>
-              <a:t>Principle 6 – Testing is context dependent </a:t>
+              <a:t>- a reason or purpose for designing and executing a test</a:t>
             </a:r>
             <a:endParaRPr lang="en-US" dirty="0"/>
           </a:p>
@@ -7598,155 +7897,13 @@
       </p:sp>
       <p:sp>
         <p:nvSpPr>
-          <p:cNvPr id="18" name="Flowchart: Connector 17"/>
+          <p:cNvPr id="15" name="Flowchart: Connector 12"/>
           <p:cNvSpPr/>
           <p:nvPr/>
         </p:nvSpPr>
         <p:spPr>
           <a:xfrm>
-            <a:off x="944742" y="4365744"/>
-            <a:ext cx="84841" cy="99536"/>
-          </a:xfrm>
-          <a:prstGeom prst="flowChartConnector">
-            <a:avLst/>
-          </a:prstGeom>
-        </p:spPr>
-        <p:style>
-          <a:lnRef idx="1">
-            <a:schemeClr val="accent6"/>
-          </a:lnRef>
-          <a:fillRef idx="3">
-            <a:schemeClr val="accent6"/>
-          </a:fillRef>
-          <a:effectRef idx="2">
-            <a:schemeClr val="accent6"/>
-          </a:effectRef>
-          <a:fontRef idx="minor">
-            <a:schemeClr val="lt1"/>
-          </a:fontRef>
-        </p:style>
-        <p:txBody>
-          <a:bodyPr rtlCol="0" anchor="ctr"/>
-          <a:lstStyle/>
-          <a:p>
-            <a:pPr algn="ctr"/>
-            <a:endParaRPr lang="en-US">
-              <a:solidFill>
-                <a:schemeClr val="tx1"/>
-              </a:solidFill>
-            </a:endParaRPr>
-          </a:p>
-        </p:txBody>
-      </p:sp>
-      <p:sp>
-        <p:nvSpPr>
-          <p:cNvPr id="19" name="Rectangle 18"/>
-          <p:cNvSpPr/>
-          <p:nvPr/>
-        </p:nvSpPr>
-        <p:spPr>
-          <a:xfrm>
-            <a:off x="1295400" y="3646666"/>
-            <a:ext cx="6444952" cy="369332"/>
-          </a:xfrm>
-          <a:prstGeom prst="rect">
-            <a:avLst/>
-          </a:prstGeom>
-        </p:spPr>
-        <p:txBody>
-          <a:bodyPr wrap="square">
-            <a:spAutoFit/>
-          </a:bodyPr>
-          <a:lstStyle/>
-          <a:p>
-            <a:r>
-              <a:rPr lang="en-US" dirty="0" smtClean="0"/>
-              <a:t>Principle 5 – Pesticide paradox </a:t>
-            </a:r>
-            <a:endParaRPr lang="en-US" dirty="0"/>
-          </a:p>
-        </p:txBody>
-      </p:sp>
-      <p:sp>
-        <p:nvSpPr>
-          <p:cNvPr id="20" name="Flowchart: Connector 19"/>
-          <p:cNvSpPr/>
-          <p:nvPr/>
-        </p:nvSpPr>
-        <p:spPr>
-          <a:xfrm>
-            <a:off x="944740" y="3781564"/>
-            <a:ext cx="84841" cy="99536"/>
-          </a:xfrm>
-          <a:prstGeom prst="flowChartConnector">
-            <a:avLst/>
-          </a:prstGeom>
-        </p:spPr>
-        <p:style>
-          <a:lnRef idx="1">
-            <a:schemeClr val="accent6"/>
-          </a:lnRef>
-          <a:fillRef idx="3">
-            <a:schemeClr val="accent6"/>
-          </a:fillRef>
-          <a:effectRef idx="2">
-            <a:schemeClr val="accent6"/>
-          </a:effectRef>
-          <a:fontRef idx="minor">
-            <a:schemeClr val="lt1"/>
-          </a:fontRef>
-        </p:style>
-        <p:txBody>
-          <a:bodyPr rtlCol="0" anchor="ctr"/>
-          <a:lstStyle/>
-          <a:p>
-            <a:pPr algn="ctr"/>
-            <a:endParaRPr lang="en-US">
-              <a:solidFill>
-                <a:schemeClr val="tx1"/>
-              </a:solidFill>
-            </a:endParaRPr>
-          </a:p>
-        </p:txBody>
-      </p:sp>
-      <p:sp>
-        <p:nvSpPr>
-          <p:cNvPr id="21" name="Rectangle 16"/>
-          <p:cNvSpPr/>
-          <p:nvPr/>
-        </p:nvSpPr>
-        <p:spPr>
-          <a:xfrm>
-            <a:off x="1322258" y="4715852"/>
-            <a:ext cx="6477000" cy="369332"/>
-          </a:xfrm>
-          <a:prstGeom prst="rect">
-            <a:avLst/>
-          </a:prstGeom>
-        </p:spPr>
-        <p:txBody>
-          <a:bodyPr wrap="square">
-            <a:spAutoFit/>
-          </a:bodyPr>
-          <a:lstStyle/>
-          <a:p>
-            <a:r>
-              <a:rPr lang="en-US" dirty="0" smtClean="0"/>
-              <a:t>Principle 7 – Absence-of-errors fallacy </a:t>
-            </a:r>
-            <a:endParaRPr lang="en-US" dirty="0"/>
-          </a:p>
-        </p:txBody>
-      </p:sp>
-      <p:sp>
-        <p:nvSpPr>
-          <p:cNvPr id="22" name="Flowchart: Connector 17"/>
-          <p:cNvSpPr/>
-          <p:nvPr/>
-        </p:nvSpPr>
-        <p:spPr>
-          <a:xfrm>
-            <a:off x="971600" y="4869800"/>
+            <a:off x="889640" y="2995558"/>
             <a:ext cx="84841" cy="99536"/>
           </a:xfrm>
           <a:prstGeom prst="flowChartConnector">
@@ -7834,7 +7991,7 @@
         <p:spPr>
           <a:xfrm>
             <a:off x="457200" y="533400"/>
-            <a:ext cx="4898200" cy="630942"/>
+            <a:ext cx="4499758" cy="630942"/>
           </a:xfrm>
           <a:prstGeom prst="rect">
             <a:avLst/>
@@ -7863,7 +8020,7 @@
                   </a:outerShdw>
                 </a:effectLst>
               </a:rPr>
-              <a:t>Fundamental Test Process</a:t>
+              <a:t>Seven Testing Principles</a:t>
             </a:r>
             <a:endParaRPr lang="en-US" sz="3500" dirty="0">
               <a:solidFill>
@@ -7906,7 +8063,7 @@
           <a:p>
             <a:r>
               <a:rPr lang="en-US" dirty="0" smtClean="0"/>
-              <a:t>Test planning and control</a:t>
+              <a:t>Principle 1 – Testing shows presence of defects </a:t>
             </a:r>
             <a:endParaRPr lang="en-US" dirty="0"/>
           </a:p>
@@ -7935,7 +8092,7 @@
           <a:p>
             <a:r>
               <a:rPr lang="en-US" dirty="0" smtClean="0"/>
-              <a:t>Evaluating exit criteria and reporting</a:t>
+              <a:t>Principle 4 – Defect clustering </a:t>
             </a:r>
             <a:endParaRPr lang="en-US" dirty="0"/>
           </a:p>
@@ -7964,7 +8121,7 @@
           <a:p>
             <a:r>
               <a:rPr lang="en-US" dirty="0" smtClean="0"/>
-              <a:t>Test implementation and execution</a:t>
+              <a:t>Principle 3 – Early testing </a:t>
             </a:r>
             <a:endParaRPr lang="en-US" dirty="0"/>
           </a:p>
@@ -7979,7 +8136,7 @@
         <p:spPr>
           <a:xfrm>
             <a:off x="1249680" y="1916668"/>
-            <a:ext cx="2410083" cy="369332"/>
+            <a:ext cx="4385881" cy="369332"/>
           </a:xfrm>
           <a:prstGeom prst="rect">
             <a:avLst/>
@@ -7993,7 +8150,7 @@
           <a:p>
             <a:r>
               <a:rPr lang="en-US" dirty="0" smtClean="0"/>
-              <a:t>Test analysis and design</a:t>
+              <a:t>Principle 2 – Exhaustive testing is impossible </a:t>
             </a:r>
             <a:endParaRPr lang="en-US" dirty="0"/>
           </a:p>
@@ -8169,6 +8326,77 @@
       </p:sp>
       <p:sp>
         <p:nvSpPr>
+          <p:cNvPr id="17" name="Rectangle 16"/>
+          <p:cNvSpPr/>
+          <p:nvPr/>
+        </p:nvSpPr>
+        <p:spPr>
+          <a:xfrm>
+            <a:off x="1295400" y="4211796"/>
+            <a:ext cx="6477000" cy="369332"/>
+          </a:xfrm>
+          <a:prstGeom prst="rect">
+            <a:avLst/>
+          </a:prstGeom>
+        </p:spPr>
+        <p:txBody>
+          <a:bodyPr wrap="square">
+            <a:spAutoFit/>
+          </a:bodyPr>
+          <a:lstStyle/>
+          <a:p>
+            <a:r>
+              <a:rPr lang="en-US" dirty="0" smtClean="0"/>
+              <a:t>Principle 6 – Testing is context dependent </a:t>
+            </a:r>
+            <a:endParaRPr lang="en-US" dirty="0"/>
+          </a:p>
+        </p:txBody>
+      </p:sp>
+      <p:sp>
+        <p:nvSpPr>
+          <p:cNvPr id="18" name="Flowchart: Connector 17"/>
+          <p:cNvSpPr/>
+          <p:nvPr/>
+        </p:nvSpPr>
+        <p:spPr>
+          <a:xfrm>
+            <a:off x="944742" y="4365744"/>
+            <a:ext cx="84841" cy="99536"/>
+          </a:xfrm>
+          <a:prstGeom prst="flowChartConnector">
+            <a:avLst/>
+          </a:prstGeom>
+        </p:spPr>
+        <p:style>
+          <a:lnRef idx="1">
+            <a:schemeClr val="accent6"/>
+          </a:lnRef>
+          <a:fillRef idx="3">
+            <a:schemeClr val="accent6"/>
+          </a:fillRef>
+          <a:effectRef idx="2">
+            <a:schemeClr val="accent6"/>
+          </a:effectRef>
+          <a:fontRef idx="minor">
+            <a:schemeClr val="lt1"/>
+          </a:fontRef>
+        </p:style>
+        <p:txBody>
+          <a:bodyPr rtlCol="0" anchor="ctr"/>
+          <a:lstStyle/>
+          <a:p>
+            <a:pPr algn="ctr"/>
+            <a:endParaRPr lang="en-US">
+              <a:solidFill>
+                <a:schemeClr val="tx1"/>
+              </a:solidFill>
+            </a:endParaRPr>
+          </a:p>
+        </p:txBody>
+      </p:sp>
+      <p:sp>
+        <p:nvSpPr>
           <p:cNvPr id="19" name="Rectangle 18"/>
           <p:cNvSpPr/>
           <p:nvPr/>
@@ -8190,7 +8418,7 @@
           <a:p>
             <a:r>
               <a:rPr lang="en-US" dirty="0" smtClean="0"/>
-              <a:t>Test closure activities</a:t>
+              <a:t>Principle 5 – Pesticide paradox </a:t>
             </a:r>
             <a:endParaRPr lang="en-US" dirty="0"/>
           </a:p>
@@ -8205,6 +8433,77 @@
         <p:spPr>
           <a:xfrm>
             <a:off x="944740" y="3781564"/>
+            <a:ext cx="84841" cy="99536"/>
+          </a:xfrm>
+          <a:prstGeom prst="flowChartConnector">
+            <a:avLst/>
+          </a:prstGeom>
+        </p:spPr>
+        <p:style>
+          <a:lnRef idx="1">
+            <a:schemeClr val="accent6"/>
+          </a:lnRef>
+          <a:fillRef idx="3">
+            <a:schemeClr val="accent6"/>
+          </a:fillRef>
+          <a:effectRef idx="2">
+            <a:schemeClr val="accent6"/>
+          </a:effectRef>
+          <a:fontRef idx="minor">
+            <a:schemeClr val="lt1"/>
+          </a:fontRef>
+        </p:style>
+        <p:txBody>
+          <a:bodyPr rtlCol="0" anchor="ctr"/>
+          <a:lstStyle/>
+          <a:p>
+            <a:pPr algn="ctr"/>
+            <a:endParaRPr lang="en-US">
+              <a:solidFill>
+                <a:schemeClr val="tx1"/>
+              </a:solidFill>
+            </a:endParaRPr>
+          </a:p>
+        </p:txBody>
+      </p:sp>
+      <p:sp>
+        <p:nvSpPr>
+          <p:cNvPr id="21" name="Rectangle 16"/>
+          <p:cNvSpPr/>
+          <p:nvPr/>
+        </p:nvSpPr>
+        <p:spPr>
+          <a:xfrm>
+            <a:off x="1322258" y="4715852"/>
+            <a:ext cx="6477000" cy="369332"/>
+          </a:xfrm>
+          <a:prstGeom prst="rect">
+            <a:avLst/>
+          </a:prstGeom>
+        </p:spPr>
+        <p:txBody>
+          <a:bodyPr wrap="square">
+            <a:spAutoFit/>
+          </a:bodyPr>
+          <a:lstStyle/>
+          <a:p>
+            <a:r>
+              <a:rPr lang="en-US" dirty="0" smtClean="0"/>
+              <a:t>Principle 7 – Absence-of-errors fallacy </a:t>
+            </a:r>
+            <a:endParaRPr lang="en-US" dirty="0"/>
+          </a:p>
+        </p:txBody>
+      </p:sp>
+      <p:sp>
+        <p:nvSpPr>
+          <p:cNvPr id="22" name="Flowchart: Connector 17"/>
+          <p:cNvSpPr/>
+          <p:nvPr/>
+        </p:nvSpPr>
+        <p:spPr>
+          <a:xfrm>
+            <a:off x="971600" y="4869800"/>
             <a:ext cx="84841" cy="99536"/>
           </a:xfrm>
           <a:prstGeom prst="flowChartConnector">
@@ -8292,7 +8591,7 @@
         <p:spPr>
           <a:xfrm>
             <a:off x="457200" y="533400"/>
-            <a:ext cx="1278107" cy="630942"/>
+            <a:ext cx="4898200" cy="630942"/>
           </a:xfrm>
           <a:prstGeom prst="rect">
             <a:avLst/>
@@ -8321,7 +8620,7 @@
                   </a:outerShdw>
                 </a:effectLst>
               </a:rPr>
-              <a:t>Terms</a:t>
+              <a:t>Fundamental Test Process</a:t>
             </a:r>
             <a:endParaRPr lang="en-US" sz="3500" dirty="0">
               <a:solidFill>
@@ -8343,14 +8642,43 @@
       </p:sp>
       <p:sp>
         <p:nvSpPr>
-          <p:cNvPr id="21" name="Rectangle 3"/>
+          <p:cNvPr id="4" name="Rectangle 3"/>
           <p:cNvSpPr/>
           <p:nvPr/>
         </p:nvSpPr>
         <p:spPr>
           <a:xfrm>
-            <a:off x="1259632" y="2492896"/>
-            <a:ext cx="7066736" cy="2031325"/>
+            <a:off x="1249680" y="1362670"/>
+            <a:ext cx="4572000" cy="369332"/>
+          </a:xfrm>
+          <a:prstGeom prst="rect">
+            <a:avLst/>
+          </a:prstGeom>
+        </p:spPr>
+        <p:txBody>
+          <a:bodyPr>
+            <a:spAutoFit/>
+          </a:bodyPr>
+          <a:lstStyle/>
+          <a:p>
+            <a:r>
+              <a:rPr lang="en-US" dirty="0" smtClean="0"/>
+              <a:t>Test planning and control</a:t>
+            </a:r>
+            <a:endParaRPr lang="en-US" dirty="0"/>
+          </a:p>
+        </p:txBody>
+      </p:sp>
+      <p:sp>
+        <p:nvSpPr>
+          <p:cNvPr id="5" name="Rectangle 4"/>
+          <p:cNvSpPr/>
+          <p:nvPr/>
+        </p:nvSpPr>
+        <p:spPr>
+          <a:xfrm>
+            <a:off x="1295400" y="3048000"/>
+            <a:ext cx="6477000" cy="369332"/>
           </a:xfrm>
           <a:prstGeom prst="rect">
             <a:avLst/>
@@ -8363,12 +8691,8 @@
           <a:lstStyle/>
           <a:p>
             <a:r>
-              <a:rPr lang="en-US" u="sng" dirty="0" smtClean="0"/>
-              <a:t>Test plan</a:t>
-            </a:r>
-            <a:r>
               <a:rPr lang="en-US" dirty="0" smtClean="0"/>
-              <a:t>- a document describing the scope, approach, resources and schedule of intended test activities. It identifies amongst others test items, the features to be tested, the testing tasks, who will do each task, degree of tester independence, the test environment, the test design techniques and entry and exit criteria to be used, and the rationale for their choice, and any risks requiring contingency planning. It is a record of the test planning process</a:t>
+              <a:t>Evaluating exit criteria and reporting</a:t>
             </a:r>
             <a:endParaRPr lang="en-US" dirty="0"/>
           </a:p>
@@ -8376,13 +8700,71 @@
       </p:sp>
       <p:sp>
         <p:nvSpPr>
-          <p:cNvPr id="22" name="Flowchart: Connector 12"/>
+          <p:cNvPr id="6" name="Rectangle 5"/>
           <p:cNvSpPr/>
           <p:nvPr/>
         </p:nvSpPr>
         <p:spPr>
           <a:xfrm>
-            <a:off x="899592" y="2635518"/>
+            <a:off x="1295400" y="2450068"/>
+            <a:ext cx="4572000" cy="369332"/>
+          </a:xfrm>
+          <a:prstGeom prst="rect">
+            <a:avLst/>
+          </a:prstGeom>
+        </p:spPr>
+        <p:txBody>
+          <a:bodyPr>
+            <a:spAutoFit/>
+          </a:bodyPr>
+          <a:lstStyle/>
+          <a:p>
+            <a:r>
+              <a:rPr lang="en-US" dirty="0" smtClean="0"/>
+              <a:t>Test implementation and execution</a:t>
+            </a:r>
+            <a:endParaRPr lang="en-US" dirty="0"/>
+          </a:p>
+        </p:txBody>
+      </p:sp>
+      <p:sp>
+        <p:nvSpPr>
+          <p:cNvPr id="7" name="Rectangle 6"/>
+          <p:cNvSpPr/>
+          <p:nvPr/>
+        </p:nvSpPr>
+        <p:spPr>
+          <a:xfrm>
+            <a:off x="1249680" y="1916668"/>
+            <a:ext cx="2410083" cy="369332"/>
+          </a:xfrm>
+          <a:prstGeom prst="rect">
+            <a:avLst/>
+          </a:prstGeom>
+        </p:spPr>
+        <p:txBody>
+          <a:bodyPr wrap="none">
+            <a:spAutoFit/>
+          </a:bodyPr>
+          <a:lstStyle/>
+          <a:p>
+            <a:r>
+              <a:rPr lang="en-US" dirty="0" smtClean="0"/>
+              <a:t>Test analysis and design</a:t>
+            </a:r>
+            <a:endParaRPr lang="en-US" dirty="0"/>
+          </a:p>
+        </p:txBody>
+      </p:sp>
+      <p:sp>
+        <p:nvSpPr>
+          <p:cNvPr id="13" name="Flowchart: Connector 12"/>
+          <p:cNvSpPr/>
+          <p:nvPr/>
+        </p:nvSpPr>
+        <p:spPr>
+          <a:xfrm>
+            <a:off x="944741" y="1488043"/>
             <a:ext cx="84841" cy="99536"/>
           </a:xfrm>
           <a:prstGeom prst="flowChartConnector">
@@ -8418,14 +8800,140 @@
       </p:sp>
       <p:sp>
         <p:nvSpPr>
-          <p:cNvPr id="11" name="Rectangle 3"/>
+          <p:cNvPr id="14" name="Flowchart: Connector 13"/>
           <p:cNvSpPr/>
           <p:nvPr/>
         </p:nvSpPr>
         <p:spPr>
           <a:xfrm>
-            <a:off x="1249680" y="1556792"/>
-            <a:ext cx="7066736" cy="646331"/>
+            <a:off x="931779" y="2051566"/>
+            <a:ext cx="84841" cy="99536"/>
+          </a:xfrm>
+          <a:prstGeom prst="flowChartConnector">
+            <a:avLst/>
+          </a:prstGeom>
+        </p:spPr>
+        <p:style>
+          <a:lnRef idx="1">
+            <a:schemeClr val="accent6"/>
+          </a:lnRef>
+          <a:fillRef idx="3">
+            <a:schemeClr val="accent6"/>
+          </a:fillRef>
+          <a:effectRef idx="2">
+            <a:schemeClr val="accent6"/>
+          </a:effectRef>
+          <a:fontRef idx="minor">
+            <a:schemeClr val="lt1"/>
+          </a:fontRef>
+        </p:style>
+        <p:txBody>
+          <a:bodyPr rtlCol="0" anchor="ctr"/>
+          <a:lstStyle/>
+          <a:p>
+            <a:pPr algn="ctr"/>
+            <a:endParaRPr lang="en-US">
+              <a:solidFill>
+                <a:schemeClr val="tx1"/>
+              </a:solidFill>
+            </a:endParaRPr>
+          </a:p>
+        </p:txBody>
+      </p:sp>
+      <p:sp>
+        <p:nvSpPr>
+          <p:cNvPr id="15" name="Flowchart: Connector 14"/>
+          <p:cNvSpPr/>
+          <p:nvPr/>
+        </p:nvSpPr>
+        <p:spPr>
+          <a:xfrm>
+            <a:off x="945626" y="2584966"/>
+            <a:ext cx="84841" cy="99536"/>
+          </a:xfrm>
+          <a:prstGeom prst="flowChartConnector">
+            <a:avLst/>
+          </a:prstGeom>
+        </p:spPr>
+        <p:style>
+          <a:lnRef idx="1">
+            <a:schemeClr val="accent6"/>
+          </a:lnRef>
+          <a:fillRef idx="3">
+            <a:schemeClr val="accent6"/>
+          </a:fillRef>
+          <a:effectRef idx="2">
+            <a:schemeClr val="accent6"/>
+          </a:effectRef>
+          <a:fontRef idx="minor">
+            <a:schemeClr val="lt1"/>
+          </a:fontRef>
+        </p:style>
+        <p:txBody>
+          <a:bodyPr rtlCol="0" anchor="ctr"/>
+          <a:lstStyle/>
+          <a:p>
+            <a:pPr algn="ctr"/>
+            <a:endParaRPr lang="en-US">
+              <a:solidFill>
+                <a:schemeClr val="tx1"/>
+              </a:solidFill>
+            </a:endParaRPr>
+          </a:p>
+        </p:txBody>
+      </p:sp>
+      <p:sp>
+        <p:nvSpPr>
+          <p:cNvPr id="16" name="Flowchart: Connector 15"/>
+          <p:cNvSpPr/>
+          <p:nvPr/>
+        </p:nvSpPr>
+        <p:spPr>
+          <a:xfrm>
+            <a:off x="944742" y="3182898"/>
+            <a:ext cx="84841" cy="99536"/>
+          </a:xfrm>
+          <a:prstGeom prst="flowChartConnector">
+            <a:avLst/>
+          </a:prstGeom>
+        </p:spPr>
+        <p:style>
+          <a:lnRef idx="1">
+            <a:schemeClr val="accent6"/>
+          </a:lnRef>
+          <a:fillRef idx="3">
+            <a:schemeClr val="accent6"/>
+          </a:fillRef>
+          <a:effectRef idx="2">
+            <a:schemeClr val="accent6"/>
+          </a:effectRef>
+          <a:fontRef idx="minor">
+            <a:schemeClr val="lt1"/>
+          </a:fontRef>
+        </p:style>
+        <p:txBody>
+          <a:bodyPr rtlCol="0" anchor="ctr"/>
+          <a:lstStyle/>
+          <a:p>
+            <a:pPr algn="ctr"/>
+            <a:endParaRPr lang="en-US">
+              <a:solidFill>
+                <a:schemeClr val="tx1"/>
+              </a:solidFill>
+            </a:endParaRPr>
+          </a:p>
+        </p:txBody>
+      </p:sp>
+      <p:sp>
+        <p:nvSpPr>
+          <p:cNvPr id="19" name="Rectangle 18"/>
+          <p:cNvSpPr/>
+          <p:nvPr/>
+        </p:nvSpPr>
+        <p:spPr>
+          <a:xfrm>
+            <a:off x="1295400" y="3646666"/>
+            <a:ext cx="6444952" cy="369332"/>
           </a:xfrm>
           <a:prstGeom prst="rect">
             <a:avLst/>
@@ -8438,12 +8946,8 @@
           <a:lstStyle/>
           <a:p>
             <a:r>
-              <a:rPr lang="en-US" u="sng" dirty="0" smtClean="0"/>
-              <a:t>Test policy </a:t>
-            </a:r>
-            <a:r>
               <a:rPr lang="en-US" dirty="0" smtClean="0"/>
-              <a:t>- a high level document describing the principles, approach and major objectives of the organization regarding testing</a:t>
+              <a:t>Test closure activities</a:t>
             </a:r>
             <a:endParaRPr lang="en-US" dirty="0"/>
           </a:p>
@@ -8451,13 +8955,13 @@
       </p:sp>
       <p:sp>
         <p:nvSpPr>
-          <p:cNvPr id="12" name="Flowchart: Connector 12"/>
+          <p:cNvPr id="20" name="Flowchart: Connector 19"/>
           <p:cNvSpPr/>
           <p:nvPr/>
         </p:nvSpPr>
         <p:spPr>
           <a:xfrm>
-            <a:off x="889640" y="1699414"/>
+            <a:off x="944740" y="3781564"/>
             <a:ext cx="84841" cy="99536"/>
           </a:xfrm>
           <a:prstGeom prst="flowChartConnector">
@@ -8545,7 +9049,7 @@
         <p:spPr>
           <a:xfrm>
             <a:off x="457200" y="533400"/>
-            <a:ext cx="3967112" cy="630942"/>
+            <a:ext cx="1278107" cy="630942"/>
           </a:xfrm>
           <a:prstGeom prst="rect">
             <a:avLst/>
@@ -8574,7 +9078,7 @@
                   </a:outerShdw>
                 </a:effectLst>
               </a:rPr>
-              <a:t>Terms (continuation)</a:t>
+              <a:t>Terms</a:t>
             </a:r>
             <a:endParaRPr lang="en-US" sz="3500" dirty="0">
               <a:solidFill>
@@ -8596,14 +9100,14 @@
       </p:sp>
       <p:sp>
         <p:nvSpPr>
-          <p:cNvPr id="23" name="Rectangle 3"/>
+          <p:cNvPr id="21" name="Rectangle 3"/>
           <p:cNvSpPr/>
           <p:nvPr/>
         </p:nvSpPr>
         <p:spPr>
           <a:xfrm>
-            <a:off x="1259632" y="1412776"/>
-            <a:ext cx="7066736" cy="923330"/>
+            <a:off x="1259632" y="2492896"/>
+            <a:ext cx="7066736" cy="2031325"/>
           </a:xfrm>
           <a:prstGeom prst="rect">
             <a:avLst/>
@@ -8617,19 +9121,11 @@
           <a:p>
             <a:r>
               <a:rPr lang="en-US" u="sng" dirty="0" smtClean="0"/>
-              <a:t>Test procedure (test procedure </a:t>
-            </a:r>
-            <a:r>
-              <a:rPr lang="en-US" u="sng" dirty="0" err="1" smtClean="0"/>
-              <a:t>spacification</a:t>
-            </a:r>
-            <a:r>
-              <a:rPr lang="en-US" u="sng" dirty="0" smtClean="0"/>
-              <a:t>) </a:t>
+              <a:t>Test plan</a:t>
             </a:r>
             <a:r>
               <a:rPr lang="en-US" dirty="0" smtClean="0"/>
-              <a:t>- a document specifying a sequence of actions for the execution of a test. Also known as test script or manual test script</a:t>
+              <a:t>- a document describing the scope, approach, resources and schedule of intended test activities. It identifies amongst others test items, the features to be tested, the testing tasks, who will do each task, degree of tester independence, the test environment, the test design techniques and entry and exit criteria to be used, and the rationale for their choice, and any risks requiring contingency planning. It is a record of the test planning process</a:t>
             </a:r>
             <a:endParaRPr lang="en-US" dirty="0"/>
           </a:p>
@@ -8637,13 +9133,13 @@
       </p:sp>
       <p:sp>
         <p:nvSpPr>
-          <p:cNvPr id="24" name="Flowchart: Connector 12"/>
+          <p:cNvPr id="22" name="Flowchart: Connector 12"/>
           <p:cNvSpPr/>
           <p:nvPr/>
         </p:nvSpPr>
         <p:spPr>
           <a:xfrm>
-            <a:off x="899592" y="1555398"/>
+            <a:off x="899592" y="2635518"/>
             <a:ext cx="84841" cy="99536"/>
           </a:xfrm>
           <a:prstGeom prst="flowChartConnector">
@@ -8685,8 +9181,8 @@
         </p:nvSpPr>
         <p:spPr>
           <a:xfrm>
-            <a:off x="1249680" y="2492896"/>
-            <a:ext cx="7354768" cy="1754326"/>
+            <a:off x="1249680" y="1556792"/>
+            <a:ext cx="7066736" cy="646331"/>
           </a:xfrm>
           <a:prstGeom prst="rect">
             <a:avLst/>
@@ -8700,11 +9196,11 @@
           <a:p>
             <a:r>
               <a:rPr lang="en-US" u="sng" dirty="0" smtClean="0"/>
-              <a:t>Exit criteria </a:t>
+              <a:t>Test policy </a:t>
             </a:r>
             <a:r>
               <a:rPr lang="en-US" dirty="0" smtClean="0"/>
-              <a:t>- the set of generic and specific conditions, agreed upon with the stakeholders, for permitting a process to be officially completed. The purpose of exit criteria is to prevent a task from being considered completed when there are still outstanding parts of the task which have not been finished. Exit criteria are used to report against and to plan when to stop testing</a:t>
+              <a:t>- a high level document describing the principles, approach and major objectives of the organization regarding testing</a:t>
             </a:r>
             <a:endParaRPr lang="en-US" dirty="0"/>
           </a:p>
@@ -8718,7 +9214,7 @@
         </p:nvSpPr>
         <p:spPr>
           <a:xfrm>
-            <a:off x="944741" y="2618269"/>
+            <a:off x="889640" y="1699414"/>
             <a:ext cx="84841" cy="99536"/>
           </a:xfrm>
           <a:prstGeom prst="flowChartConnector">
@@ -8806,7 +9302,7 @@
         <p:spPr>
           <a:xfrm>
             <a:off x="457200" y="533400"/>
-            <a:ext cx="4818948" cy="630942"/>
+            <a:ext cx="3967112" cy="630942"/>
           </a:xfrm>
           <a:prstGeom prst="rect">
             <a:avLst/>
@@ -8835,7 +9331,7 @@
                   </a:outerShdw>
                 </a:effectLst>
               </a:rPr>
-              <a:t>The Psychology of Testing</a:t>
+              <a:t>Terms (continuation)</a:t>
             </a:r>
             <a:endParaRPr lang="en-US" sz="3500" dirty="0">
               <a:solidFill>
@@ -8857,14 +9353,14 @@
       </p:sp>
       <p:sp>
         <p:nvSpPr>
-          <p:cNvPr id="19" name="Rectangle 18"/>
+          <p:cNvPr id="23" name="Rectangle 3"/>
           <p:cNvSpPr/>
           <p:nvPr/>
         </p:nvSpPr>
         <p:spPr>
           <a:xfrm>
-            <a:off x="1295400" y="2060848"/>
-            <a:ext cx="6444952" cy="646331"/>
+            <a:off x="1259632" y="1412776"/>
+            <a:ext cx="7066736" cy="923330"/>
           </a:xfrm>
           <a:prstGeom prst="rect">
             <a:avLst/>
@@ -8877,8 +9373,20 @@
           <a:lstStyle/>
           <a:p>
             <a:r>
+              <a:rPr lang="en-US" u="sng" dirty="0" smtClean="0"/>
+              <a:t>Test procedure (test procedure </a:t>
+            </a:r>
+            <a:r>
+              <a:rPr lang="en-US" u="sng" dirty="0" err="1" smtClean="0"/>
+              <a:t>spacification</a:t>
+            </a:r>
+            <a:r>
+              <a:rPr lang="en-US" u="sng" dirty="0" smtClean="0"/>
+              <a:t>) </a:t>
+            </a:r>
+            <a:r>
               <a:rPr lang="en-US" dirty="0" smtClean="0"/>
-              <a:t>Tests designed by the person(s) who wrote the software under test (low level of independence)</a:t>
+              <a:t>- a document specifying a sequence of actions for the execution of a test. Also known as test script or manual test script</a:t>
             </a:r>
             <a:endParaRPr lang="en-US" dirty="0"/>
           </a:p>
@@ -8886,13 +9394,13 @@
       </p:sp>
       <p:sp>
         <p:nvSpPr>
-          <p:cNvPr id="20" name="Flowchart: Connector 19"/>
+          <p:cNvPr id="24" name="Flowchart: Connector 12"/>
           <p:cNvSpPr/>
           <p:nvPr/>
         </p:nvSpPr>
         <p:spPr>
           <a:xfrm>
-            <a:off x="944740" y="2195746"/>
+            <a:off x="899592" y="1555398"/>
             <a:ext cx="84841" cy="99536"/>
           </a:xfrm>
           <a:prstGeom prst="flowChartConnector">
@@ -8928,14 +9436,14 @@
       </p:sp>
       <p:sp>
         <p:nvSpPr>
-          <p:cNvPr id="7" name="Rectangle 18"/>
+          <p:cNvPr id="11" name="Rectangle 3"/>
           <p:cNvSpPr/>
           <p:nvPr/>
         </p:nvSpPr>
         <p:spPr>
           <a:xfrm>
-            <a:off x="683568" y="1414517"/>
-            <a:ext cx="7165032" cy="369332"/>
+            <a:off x="1249680" y="2492896"/>
+            <a:ext cx="7354768" cy="1754326"/>
           </a:xfrm>
           <a:prstGeom prst="rect">
             <a:avLst/>
@@ -8948,192 +9456,26 @@
           <a:lstStyle/>
           <a:p>
             <a:r>
-              <a:rPr lang="en-US" b="1" dirty="0" smtClean="0"/>
-              <a:t>Levels of testing independence from low to high</a:t>
-            </a:r>
-          </a:p>
-        </p:txBody>
-      </p:sp>
-      <p:sp>
-        <p:nvSpPr>
-          <p:cNvPr id="8" name="Rectangle 18"/>
+              <a:rPr lang="en-US" u="sng" dirty="0" smtClean="0"/>
+              <a:t>Exit criteria </a:t>
+            </a:r>
+            <a:r>
+              <a:rPr lang="en-US" dirty="0" smtClean="0"/>
+              <a:t>- the set of generic and specific conditions, agreed upon with the stakeholders, for permitting a process to be officially completed. The purpose of exit criteria is to prevent a task from being considered completed when there are still outstanding parts of the task which have not been finished. Exit criteria are used to report against and to plan when to stop testing</a:t>
+            </a:r>
+            <a:endParaRPr lang="en-US" dirty="0"/>
+          </a:p>
+        </p:txBody>
+      </p:sp>
+      <p:sp>
+        <p:nvSpPr>
+          <p:cNvPr id="12" name="Flowchart: Connector 12"/>
           <p:cNvSpPr/>
           <p:nvPr/>
         </p:nvSpPr>
         <p:spPr>
           <a:xfrm>
-            <a:off x="1295400" y="2708920"/>
-            <a:ext cx="6444952" cy="646331"/>
-          </a:xfrm>
-          <a:prstGeom prst="rect">
-            <a:avLst/>
-          </a:prstGeom>
-        </p:spPr>
-        <p:txBody>
-          <a:bodyPr wrap="square">
-            <a:spAutoFit/>
-          </a:bodyPr>
-          <a:lstStyle/>
-          <a:p>
-            <a:r>
-              <a:rPr lang="en-US" dirty="0" smtClean="0"/>
-              <a:t>Tests designed by another person(s) (e.g., from the development team)</a:t>
-            </a:r>
-            <a:endParaRPr lang="en-US" dirty="0"/>
-          </a:p>
-        </p:txBody>
-      </p:sp>
-      <p:sp>
-        <p:nvSpPr>
-          <p:cNvPr id="9" name="Flowchart: Connector 19"/>
-          <p:cNvSpPr/>
-          <p:nvPr/>
-        </p:nvSpPr>
-        <p:spPr>
-          <a:xfrm>
-            <a:off x="944740" y="2843818"/>
-            <a:ext cx="84841" cy="99536"/>
-          </a:xfrm>
-          <a:prstGeom prst="flowChartConnector">
-            <a:avLst/>
-          </a:prstGeom>
-        </p:spPr>
-        <p:style>
-          <a:lnRef idx="1">
-            <a:schemeClr val="accent6"/>
-          </a:lnRef>
-          <a:fillRef idx="3">
-            <a:schemeClr val="accent6"/>
-          </a:fillRef>
-          <a:effectRef idx="2">
-            <a:schemeClr val="accent6"/>
-          </a:effectRef>
-          <a:fontRef idx="minor">
-            <a:schemeClr val="lt1"/>
-          </a:fontRef>
-        </p:style>
-        <p:txBody>
-          <a:bodyPr rtlCol="0" anchor="ctr"/>
-          <a:lstStyle/>
-          <a:p>
-            <a:pPr algn="ctr"/>
-            <a:endParaRPr lang="en-US">
-              <a:solidFill>
-                <a:schemeClr val="tx1"/>
-              </a:solidFill>
-            </a:endParaRPr>
-          </a:p>
-        </p:txBody>
-      </p:sp>
-      <p:sp>
-        <p:nvSpPr>
-          <p:cNvPr id="10" name="Rectangle 18"/>
-          <p:cNvSpPr/>
-          <p:nvPr/>
-        </p:nvSpPr>
-        <p:spPr>
-          <a:xfrm>
-            <a:off x="1295400" y="3284984"/>
-            <a:ext cx="6444952" cy="923330"/>
-          </a:xfrm>
-          <a:prstGeom prst="rect">
-            <a:avLst/>
-          </a:prstGeom>
-        </p:spPr>
-        <p:txBody>
-          <a:bodyPr wrap="square">
-            <a:spAutoFit/>
-          </a:bodyPr>
-          <a:lstStyle/>
-          <a:p>
-            <a:r>
-              <a:rPr lang="en-US" dirty="0" smtClean="0"/>
-              <a:t>Tests designed by a person(s) from a different organizational group (e.g., an independent test team) or test specialists (e.g., usability or performance test specialists)</a:t>
-            </a:r>
-            <a:endParaRPr lang="en-US" dirty="0"/>
-          </a:p>
-        </p:txBody>
-      </p:sp>
-      <p:sp>
-        <p:nvSpPr>
-          <p:cNvPr id="11" name="Flowchart: Connector 19"/>
-          <p:cNvSpPr/>
-          <p:nvPr/>
-        </p:nvSpPr>
-        <p:spPr>
-          <a:xfrm>
-            <a:off x="944740" y="3419882"/>
-            <a:ext cx="84841" cy="99536"/>
-          </a:xfrm>
-          <a:prstGeom prst="flowChartConnector">
-            <a:avLst/>
-          </a:prstGeom>
-        </p:spPr>
-        <p:style>
-          <a:lnRef idx="1">
-            <a:schemeClr val="accent6"/>
-          </a:lnRef>
-          <a:fillRef idx="3">
-            <a:schemeClr val="accent6"/>
-          </a:fillRef>
-          <a:effectRef idx="2">
-            <a:schemeClr val="accent6"/>
-          </a:effectRef>
-          <a:fontRef idx="minor">
-            <a:schemeClr val="lt1"/>
-          </a:fontRef>
-        </p:style>
-        <p:txBody>
-          <a:bodyPr rtlCol="0" anchor="ctr"/>
-          <a:lstStyle/>
-          <a:p>
-            <a:pPr algn="ctr"/>
-            <a:endParaRPr lang="en-US">
-              <a:solidFill>
-                <a:schemeClr val="tx1"/>
-              </a:solidFill>
-            </a:endParaRPr>
-          </a:p>
-        </p:txBody>
-      </p:sp>
-      <p:sp>
-        <p:nvSpPr>
-          <p:cNvPr id="12" name="Rectangle 18"/>
-          <p:cNvSpPr/>
-          <p:nvPr/>
-        </p:nvSpPr>
-        <p:spPr>
-          <a:xfrm>
-            <a:off x="1295400" y="4222829"/>
-            <a:ext cx="6444952" cy="646331"/>
-          </a:xfrm>
-          <a:prstGeom prst="rect">
-            <a:avLst/>
-          </a:prstGeom>
-        </p:spPr>
-        <p:txBody>
-          <a:bodyPr wrap="square">
-            <a:spAutoFit/>
-          </a:bodyPr>
-          <a:lstStyle/>
-          <a:p>
-            <a:r>
-              <a:rPr lang="en-US" dirty="0" smtClean="0"/>
-              <a:t>Tests designed by a person(s) from a different organization or company (i.e. outsourcing or certification by an external body)</a:t>
-            </a:r>
-            <a:endParaRPr lang="en-US" dirty="0"/>
-          </a:p>
-        </p:txBody>
-      </p:sp>
-      <p:sp>
-        <p:nvSpPr>
-          <p:cNvPr id="14" name="Flowchart: Connector 19"/>
-          <p:cNvSpPr/>
-          <p:nvPr/>
-        </p:nvSpPr>
-        <p:spPr>
-          <a:xfrm>
-            <a:off x="944740" y="4357727"/>
+            <a:off x="944741" y="2618269"/>
             <a:ext cx="84841" cy="99536"/>
           </a:xfrm>
           <a:prstGeom prst="flowChartConnector">
@@ -9221,7 +9563,7 @@
         <p:spPr>
           <a:xfrm>
             <a:off x="457200" y="533400"/>
-            <a:ext cx="7507953" cy="630942"/>
+            <a:ext cx="4818948" cy="630942"/>
           </a:xfrm>
           <a:prstGeom prst="rect">
             <a:avLst/>
@@ -9250,7 +9592,7 @@
                   </a:outerShdw>
                 </a:effectLst>
               </a:rPr>
-              <a:t>The Psychology of Testing (continuation)</a:t>
+              <a:t>The Psychology of Testing</a:t>
             </a:r>
             <a:endParaRPr lang="en-US" sz="3500" dirty="0">
               <a:solidFill>
@@ -9293,7 +9635,7 @@
           <a:p>
             <a:r>
               <a:rPr lang="en-US" dirty="0" smtClean="0"/>
-              <a:t>Start with collaboration rather than battles – remind everyone of the common goal of better quality</a:t>
+              <a:t>Tests designed by the person(s) who wrote the software under test (low level of independence)</a:t>
             </a:r>
             <a:endParaRPr lang="en-US" dirty="0"/>
           </a:p>
@@ -9350,7 +9692,7 @@
         <p:spPr>
           <a:xfrm>
             <a:off x="683568" y="1414517"/>
-            <a:ext cx="7165032" cy="646331"/>
+            <a:ext cx="7165032" cy="369332"/>
           </a:xfrm>
           <a:prstGeom prst="rect">
             <a:avLst/>
@@ -9364,7 +9706,7 @@
           <a:p>
             <a:r>
               <a:rPr lang="en-US" b="1" dirty="0" smtClean="0"/>
-              <a:t>Ways to improve communication and relationships between testers and others</a:t>
+              <a:t>Levels of testing independence from low to high</a:t>
             </a:r>
           </a:p>
         </p:txBody>
@@ -9378,7 +9720,7 @@
         <p:spPr>
           <a:xfrm>
             <a:off x="1295400" y="2708920"/>
-            <a:ext cx="6444952" cy="923330"/>
+            <a:ext cx="6444952" cy="646331"/>
           </a:xfrm>
           <a:prstGeom prst="rect">
             <a:avLst/>
@@ -9392,7 +9734,7 @@
           <a:p>
             <a:r>
               <a:rPr lang="en-US" dirty="0" smtClean="0"/>
-              <a:t>Communicate findings on the product in a neutral, fact-focused way without criticizing the person who created it, for example, write objective and factual incident reports and review findings</a:t>
+              <a:t>Tests designed by another person(s) (e.g., from the development team)</a:t>
             </a:r>
             <a:endParaRPr lang="en-US" dirty="0"/>
           </a:p>
@@ -9448,8 +9790,8 @@
         </p:nvSpPr>
         <p:spPr>
           <a:xfrm>
-            <a:off x="1295400" y="3585790"/>
-            <a:ext cx="6444952" cy="646331"/>
+            <a:off x="1295400" y="3284984"/>
+            <a:ext cx="6444952" cy="923330"/>
           </a:xfrm>
           <a:prstGeom prst="rect">
             <a:avLst/>
@@ -9463,7 +9805,7 @@
           <a:p>
             <a:r>
               <a:rPr lang="en-US" dirty="0" smtClean="0"/>
-              <a:t>Try to understand how the other person feels and why they react as they do</a:t>
+              <a:t>Tests designed by a person(s) from a different organizational group (e.g., an independent test team) or test specialists (e.g., usability or performance test specialists)</a:t>
             </a:r>
             <a:endParaRPr lang="en-US" dirty="0"/>
           </a:p>
@@ -9477,7 +9819,7 @@
         </p:nvSpPr>
         <p:spPr>
           <a:xfrm>
-            <a:off x="944740" y="3720688"/>
+            <a:off x="944740" y="3419882"/>
             <a:ext cx="84841" cy="99536"/>
           </a:xfrm>
           <a:prstGeom prst="flowChartConnector">
@@ -9534,7 +9876,7 @@
           <a:p>
             <a:r>
               <a:rPr lang="en-US" dirty="0" smtClean="0"/>
-              <a:t>Confirm that the other person has understood what you have said and vice versa</a:t>
+              <a:t>Tests designed by a person(s) from a different organization or company (i.e. outsourcing or certification by an external body)</a:t>
             </a:r>
             <a:endParaRPr lang="en-US" dirty="0"/>
           </a:p>
@@ -9636,7 +9978,7 @@
         <p:spPr>
           <a:xfrm>
             <a:off x="457200" y="533400"/>
-            <a:ext cx="2838662" cy="646331"/>
+            <a:ext cx="7507953" cy="630942"/>
           </a:xfrm>
           <a:prstGeom prst="rect">
             <a:avLst/>
@@ -9665,21 +10007,36 @@
                   </a:outerShdw>
                 </a:effectLst>
               </a:rPr>
-              <a:t>Code of Ethics</a:t>
-            </a:r>
-          </a:p>
-        </p:txBody>
-      </p:sp>
-      <p:sp>
-        <p:nvSpPr>
-          <p:cNvPr id="4" name="Rectangle 3"/>
+              <a:t>The Psychology of Testing (continuation)</a:t>
+            </a:r>
+            <a:endParaRPr lang="en-US" sz="3500" dirty="0">
+              <a:solidFill>
+                <a:schemeClr val="tx1">
+                  <a:lumMod val="65000"/>
+                  <a:lumOff val="35000"/>
+                </a:schemeClr>
+              </a:solidFill>
+              <a:effectLst>
+                <a:outerShdw blurRad="38100" dist="38100" dir="2700000" algn="tl">
+                  <a:srgbClr val="000000">
+                    <a:alpha val="43137"/>
+                  </a:srgbClr>
+                </a:outerShdw>
+              </a:effectLst>
+            </a:endParaRPr>
+          </a:p>
+        </p:txBody>
+      </p:sp>
+      <p:sp>
+        <p:nvSpPr>
+          <p:cNvPr id="19" name="Rectangle 18"/>
           <p:cNvSpPr/>
           <p:nvPr/>
         </p:nvSpPr>
         <p:spPr>
           <a:xfrm>
-            <a:off x="1249680" y="1362670"/>
-            <a:ext cx="6778704" cy="646331"/>
+            <a:off x="1295400" y="2060848"/>
+            <a:ext cx="6444952" cy="646331"/>
           </a:xfrm>
           <a:prstGeom prst="rect">
             <a:avLst/>
@@ -9693,7 +10050,7 @@
           <a:p>
             <a:r>
               <a:rPr lang="en-US" dirty="0" smtClean="0"/>
-              <a:t>PUBLIC - Certified software testers shall act consistently with the public interest </a:t>
+              <a:t>Start with collaboration rather than battles – remind everyone of the common goal of better quality</a:t>
             </a:r>
             <a:endParaRPr lang="en-US" dirty="0"/>
           </a:p>
@@ -9701,71 +10058,13 @@
       </p:sp>
       <p:sp>
         <p:nvSpPr>
-          <p:cNvPr id="6" name="Rectangle 5"/>
+          <p:cNvPr id="20" name="Flowchart: Connector 19"/>
           <p:cNvSpPr/>
           <p:nvPr/>
         </p:nvSpPr>
         <p:spPr>
           <a:xfrm>
-            <a:off x="1295400" y="2924944"/>
-            <a:ext cx="6804992" cy="923330"/>
-          </a:xfrm>
-          <a:prstGeom prst="rect">
-            <a:avLst/>
-          </a:prstGeom>
-        </p:spPr>
-        <p:txBody>
-          <a:bodyPr wrap="square">
-            <a:spAutoFit/>
-          </a:bodyPr>
-          <a:lstStyle/>
-          <a:p>
-            <a:r>
-              <a:rPr lang="en-US" dirty="0" smtClean="0"/>
-              <a:t>PRODUCT - Certified software testers shall ensure that the deliverables they provide (on the products and systems they test) meet the highest professional standards possible </a:t>
-            </a:r>
-            <a:endParaRPr lang="en-US" dirty="0"/>
-          </a:p>
-        </p:txBody>
-      </p:sp>
-      <p:sp>
-        <p:nvSpPr>
-          <p:cNvPr id="7" name="Rectangle 6"/>
-          <p:cNvSpPr/>
-          <p:nvPr/>
-        </p:nvSpPr>
-        <p:spPr>
-          <a:xfrm>
-            <a:off x="1259632" y="1988840"/>
-            <a:ext cx="7128792" cy="923330"/>
-          </a:xfrm>
-          <a:prstGeom prst="rect">
-            <a:avLst/>
-          </a:prstGeom>
-        </p:spPr>
-        <p:txBody>
-          <a:bodyPr wrap="square">
-            <a:spAutoFit/>
-          </a:bodyPr>
-          <a:lstStyle/>
-          <a:p>
-            <a:r>
-              <a:rPr lang="en-US" dirty="0" smtClean="0"/>
-              <a:t>CLIENT AND EMPLOYER - Certified software testers shall act in a manner that is in the best interests of their client and employer, consistent with the public interest </a:t>
-            </a:r>
-            <a:endParaRPr lang="en-US" dirty="0"/>
-          </a:p>
-        </p:txBody>
-      </p:sp>
-      <p:sp>
-        <p:nvSpPr>
-          <p:cNvPr id="13" name="Flowchart: Connector 12"/>
-          <p:cNvSpPr/>
-          <p:nvPr/>
-        </p:nvSpPr>
-        <p:spPr>
-          <a:xfrm>
-            <a:off x="944741" y="1488043"/>
+            <a:off x="944740" y="2195746"/>
             <a:ext cx="84841" cy="99536"/>
           </a:xfrm>
           <a:prstGeom prst="flowChartConnector">
@@ -9801,13 +10100,70 @@
       </p:sp>
       <p:sp>
         <p:nvSpPr>
-          <p:cNvPr id="14" name="Flowchart: Connector 13"/>
+          <p:cNvPr id="7" name="Rectangle 18"/>
           <p:cNvSpPr/>
           <p:nvPr/>
         </p:nvSpPr>
         <p:spPr>
           <a:xfrm>
-            <a:off x="931779" y="2114446"/>
+            <a:off x="683568" y="1414517"/>
+            <a:ext cx="7165032" cy="646331"/>
+          </a:xfrm>
+          <a:prstGeom prst="rect">
+            <a:avLst/>
+          </a:prstGeom>
+        </p:spPr>
+        <p:txBody>
+          <a:bodyPr wrap="square">
+            <a:spAutoFit/>
+          </a:bodyPr>
+          <a:lstStyle/>
+          <a:p>
+            <a:r>
+              <a:rPr lang="en-US" b="1" dirty="0" smtClean="0"/>
+              <a:t>Ways to improve communication and relationships between testers and others</a:t>
+            </a:r>
+          </a:p>
+        </p:txBody>
+      </p:sp>
+      <p:sp>
+        <p:nvSpPr>
+          <p:cNvPr id="8" name="Rectangle 18"/>
+          <p:cNvSpPr/>
+          <p:nvPr/>
+        </p:nvSpPr>
+        <p:spPr>
+          <a:xfrm>
+            <a:off x="1295400" y="2708920"/>
+            <a:ext cx="6444952" cy="923330"/>
+          </a:xfrm>
+          <a:prstGeom prst="rect">
+            <a:avLst/>
+          </a:prstGeom>
+        </p:spPr>
+        <p:txBody>
+          <a:bodyPr wrap="square">
+            <a:spAutoFit/>
+          </a:bodyPr>
+          <a:lstStyle/>
+          <a:p>
+            <a:r>
+              <a:rPr lang="en-US" dirty="0" smtClean="0"/>
+              <a:t>Communicate findings on the product in a neutral, fact-focused way without criticizing the person who created it, for example, write objective and factual incident reports and review findings</a:t>
+            </a:r>
+            <a:endParaRPr lang="en-US" dirty="0"/>
+          </a:p>
+        </p:txBody>
+      </p:sp>
+      <p:sp>
+        <p:nvSpPr>
+          <p:cNvPr id="9" name="Flowchart: Connector 19"/>
+          <p:cNvSpPr/>
+          <p:nvPr/>
+        </p:nvSpPr>
+        <p:spPr>
+          <a:xfrm>
+            <a:off x="944740" y="2843818"/>
             <a:ext cx="84841" cy="99536"/>
           </a:xfrm>
           <a:prstGeom prst="flowChartConnector">
@@ -9843,13 +10199,42 @@
       </p:sp>
       <p:sp>
         <p:nvSpPr>
-          <p:cNvPr id="15" name="Flowchart: Connector 14"/>
+          <p:cNvPr id="10" name="Rectangle 18"/>
           <p:cNvSpPr/>
           <p:nvPr/>
         </p:nvSpPr>
         <p:spPr>
           <a:xfrm>
-            <a:off x="945626" y="3059842"/>
+            <a:off x="1295400" y="3585790"/>
+            <a:ext cx="6444952" cy="646331"/>
+          </a:xfrm>
+          <a:prstGeom prst="rect">
+            <a:avLst/>
+          </a:prstGeom>
+        </p:spPr>
+        <p:txBody>
+          <a:bodyPr wrap="square">
+            <a:spAutoFit/>
+          </a:bodyPr>
+          <a:lstStyle/>
+          <a:p>
+            <a:r>
+              <a:rPr lang="en-US" dirty="0" smtClean="0"/>
+              <a:t>Try to understand how the other person feels and why they react as they do</a:t>
+            </a:r>
+            <a:endParaRPr lang="en-US" dirty="0"/>
+          </a:p>
+        </p:txBody>
+      </p:sp>
+      <p:sp>
+        <p:nvSpPr>
+          <p:cNvPr id="11" name="Flowchart: Connector 19"/>
+          <p:cNvSpPr/>
+          <p:nvPr/>
+        </p:nvSpPr>
+        <p:spPr>
+          <a:xfrm>
+            <a:off x="944740" y="3720688"/>
             <a:ext cx="84841" cy="99536"/>
           </a:xfrm>
           <a:prstGeom prst="flowChartConnector">
@@ -9885,14 +10270,14 @@
       </p:sp>
       <p:sp>
         <p:nvSpPr>
-          <p:cNvPr id="17" name="Rectangle 16"/>
+          <p:cNvPr id="12" name="Rectangle 18"/>
           <p:cNvSpPr/>
           <p:nvPr/>
         </p:nvSpPr>
         <p:spPr>
           <a:xfrm>
-            <a:off x="1295400" y="4581128"/>
-            <a:ext cx="6477000" cy="923330"/>
+            <a:off x="1295400" y="4222829"/>
+            <a:ext cx="6444952" cy="646331"/>
           </a:xfrm>
           <a:prstGeom prst="rect">
             <a:avLst/>
@@ -9906,7 +10291,7 @@
           <a:p>
             <a:r>
               <a:rPr lang="en-US" dirty="0" smtClean="0"/>
-              <a:t>MANAGEMENT - Certified software test managers and leaders shall subscribe to and promote an ethical approach to the management of software testing </a:t>
+              <a:t>Confirm that the other person has understood what you have said and vice versa</a:t>
             </a:r>
             <a:endParaRPr lang="en-US" dirty="0"/>
           </a:p>
@@ -9914,84 +10299,13 @@
       </p:sp>
       <p:sp>
         <p:nvSpPr>
-          <p:cNvPr id="18" name="Flowchart: Connector 17"/>
+          <p:cNvPr id="14" name="Flowchart: Connector 19"/>
           <p:cNvSpPr/>
           <p:nvPr/>
         </p:nvSpPr>
         <p:spPr>
           <a:xfrm>
-            <a:off x="944742" y="4735076"/>
-            <a:ext cx="84841" cy="99536"/>
-          </a:xfrm>
-          <a:prstGeom prst="flowChartConnector">
-            <a:avLst/>
-          </a:prstGeom>
-        </p:spPr>
-        <p:style>
-          <a:lnRef idx="1">
-            <a:schemeClr val="accent6"/>
-          </a:lnRef>
-          <a:fillRef idx="3">
-            <a:schemeClr val="accent6"/>
-          </a:fillRef>
-          <a:effectRef idx="2">
-            <a:schemeClr val="accent6"/>
-          </a:effectRef>
-          <a:fontRef idx="minor">
-            <a:schemeClr val="lt1"/>
-          </a:fontRef>
-        </p:style>
-        <p:txBody>
-          <a:bodyPr rtlCol="0" anchor="ctr"/>
-          <a:lstStyle/>
-          <a:p>
-            <a:pPr algn="ctr"/>
-            <a:endParaRPr lang="en-US">
-              <a:solidFill>
-                <a:schemeClr val="tx1"/>
-              </a:solidFill>
-            </a:endParaRPr>
-          </a:p>
-        </p:txBody>
-      </p:sp>
-      <p:sp>
-        <p:nvSpPr>
-          <p:cNvPr id="19" name="Rectangle 18"/>
-          <p:cNvSpPr/>
-          <p:nvPr/>
-        </p:nvSpPr>
-        <p:spPr>
-          <a:xfrm>
-            <a:off x="1295400" y="3933056"/>
-            <a:ext cx="6660976" cy="646331"/>
-          </a:xfrm>
-          <a:prstGeom prst="rect">
-            <a:avLst/>
-          </a:prstGeom>
-        </p:spPr>
-        <p:txBody>
-          <a:bodyPr wrap="square">
-            <a:spAutoFit/>
-          </a:bodyPr>
-          <a:lstStyle/>
-          <a:p>
-            <a:r>
-              <a:rPr lang="en-US" dirty="0" smtClean="0"/>
-              <a:t>JUDGMENT- Certified software testers shall maintain integrity and independence in their professional judgment </a:t>
-            </a:r>
-            <a:endParaRPr lang="en-US" dirty="0"/>
-          </a:p>
-        </p:txBody>
-      </p:sp>
-      <p:sp>
-        <p:nvSpPr>
-          <p:cNvPr id="20" name="Flowchart: Connector 19"/>
-          <p:cNvSpPr/>
-          <p:nvPr/>
-        </p:nvSpPr>
-        <p:spPr>
-          <a:xfrm>
-            <a:off x="944740" y="4067954"/>
+            <a:off x="944740" y="4357727"/>
             <a:ext cx="84841" cy="99536"/>
           </a:xfrm>
           <a:prstGeom prst="flowChartConnector">
@@ -10079,7 +10393,7 @@
         <p:spPr>
           <a:xfrm>
             <a:off x="457200" y="533400"/>
-            <a:ext cx="7859216" cy="646331"/>
+            <a:ext cx="2838662" cy="646331"/>
           </a:xfrm>
           <a:prstGeom prst="rect">
             <a:avLst/>
@@ -10087,13 +10401,13 @@
           <a:noFill/>
         </p:spPr>
         <p:txBody>
-          <a:bodyPr wrap="square" rtlCol="0">
+          <a:bodyPr wrap="none" rtlCol="0">
             <a:spAutoFit/>
           </a:bodyPr>
           <a:lstStyle/>
           <a:p>
             <a:r>
-              <a:rPr lang="en-US" sz="3600" dirty="0" smtClean="0">
+              <a:rPr lang="en-US" sz="3500" dirty="0" smtClean="0">
                 <a:solidFill>
                   <a:schemeClr val="tx1">
                     <a:lumMod val="65000"/>
@@ -10108,9 +10422,8 @@
                   </a:outerShdw>
                 </a:effectLst>
               </a:rPr>
-              <a:t>Code of Ethics (continuation)</a:t>
-            </a:r>
-            <a:endParaRPr lang="en-US" sz="3600" dirty="0"/>
+              <a:t>Code of Ethics</a:t>
+            </a:r>
           </a:p>
         </p:txBody>
       </p:sp>
@@ -10137,7 +10450,36 @@
           <a:p>
             <a:r>
               <a:rPr lang="en-US" dirty="0" smtClean="0"/>
-              <a:t>PROFESSION - Certified software testers shall advance the integrity and reputation of the profession consistent with the public interest </a:t>
+              <a:t>PUBLIC - Certified software testers shall act consistently with the public interest </a:t>
+            </a:r>
+            <a:endParaRPr lang="en-US" dirty="0"/>
+          </a:p>
+        </p:txBody>
+      </p:sp>
+      <p:sp>
+        <p:nvSpPr>
+          <p:cNvPr id="6" name="Rectangle 5"/>
+          <p:cNvSpPr/>
+          <p:nvPr/>
+        </p:nvSpPr>
+        <p:spPr>
+          <a:xfrm>
+            <a:off x="1295400" y="2924944"/>
+            <a:ext cx="6804992" cy="923330"/>
+          </a:xfrm>
+          <a:prstGeom prst="rect">
+            <a:avLst/>
+          </a:prstGeom>
+        </p:spPr>
+        <p:txBody>
+          <a:bodyPr wrap="square">
+            <a:spAutoFit/>
+          </a:bodyPr>
+          <a:lstStyle/>
+          <a:p>
+            <a:r>
+              <a:rPr lang="en-US" dirty="0" smtClean="0"/>
+              <a:t>PRODUCT - Certified software testers shall ensure that the deliverables they provide (on the products and systems they test) meet the highest professional standards possible </a:t>
             </a:r>
             <a:endParaRPr lang="en-US" dirty="0"/>
           </a:p>
@@ -10152,7 +10494,7 @@
         <p:spPr>
           <a:xfrm>
             <a:off x="1259632" y="1988840"/>
-            <a:ext cx="7128792" cy="646331"/>
+            <a:ext cx="7128792" cy="923330"/>
           </a:xfrm>
           <a:prstGeom prst="rect">
             <a:avLst/>
@@ -10166,7 +10508,7 @@
           <a:p>
             <a:r>
               <a:rPr lang="en-US" dirty="0" smtClean="0"/>
-              <a:t>COLLEAGUES - Certified software testers shall be fair to and supportive of their colleagues, and promote cooperation with software developers</a:t>
+              <a:t>CLIENT AND EMPLOYER - Certified software testers shall act in a manner that is in the best interests of their client and employer, consistent with the public interest </a:t>
             </a:r>
             <a:endParaRPr lang="en-US" dirty="0"/>
           </a:p>
@@ -10258,14 +10600,56 @@
       </p:sp>
       <p:sp>
         <p:nvSpPr>
-          <p:cNvPr id="16" name="Rectangle 6"/>
+          <p:cNvPr id="15" name="Flowchart: Connector 14"/>
           <p:cNvSpPr/>
           <p:nvPr/>
         </p:nvSpPr>
         <p:spPr>
           <a:xfrm>
-            <a:off x="1259632" y="2636912"/>
-            <a:ext cx="7128792" cy="923330"/>
+            <a:off x="945626" y="3059842"/>
+            <a:ext cx="84841" cy="99536"/>
+          </a:xfrm>
+          <a:prstGeom prst="flowChartConnector">
+            <a:avLst/>
+          </a:prstGeom>
+        </p:spPr>
+        <p:style>
+          <a:lnRef idx="1">
+            <a:schemeClr val="accent6"/>
+          </a:lnRef>
+          <a:fillRef idx="3">
+            <a:schemeClr val="accent6"/>
+          </a:fillRef>
+          <a:effectRef idx="2">
+            <a:schemeClr val="accent6"/>
+          </a:effectRef>
+          <a:fontRef idx="minor">
+            <a:schemeClr val="lt1"/>
+          </a:fontRef>
+        </p:style>
+        <p:txBody>
+          <a:bodyPr rtlCol="0" anchor="ctr"/>
+          <a:lstStyle/>
+          <a:p>
+            <a:pPr algn="ctr"/>
+            <a:endParaRPr lang="en-US">
+              <a:solidFill>
+                <a:schemeClr val="tx1"/>
+              </a:solidFill>
+            </a:endParaRPr>
+          </a:p>
+        </p:txBody>
+      </p:sp>
+      <p:sp>
+        <p:nvSpPr>
+          <p:cNvPr id="17" name="Rectangle 16"/>
+          <p:cNvSpPr/>
+          <p:nvPr/>
+        </p:nvSpPr>
+        <p:spPr>
+          <a:xfrm>
+            <a:off x="1295400" y="4581128"/>
+            <a:ext cx="6477000" cy="923330"/>
           </a:xfrm>
           <a:prstGeom prst="rect">
             <a:avLst/>
@@ -10279,7 +10663,7 @@
           <a:p>
             <a:r>
               <a:rPr lang="en-US" dirty="0" smtClean="0"/>
-              <a:t>SELF - Certified software testers shall participate in lifelong learning regarding the practice of their profession and shall promote an ethical approach to the practice of the profession</a:t>
+              <a:t>MANAGEMENT - Certified software test managers and leaders shall subscribe to and promote an ethical approach to the management of software testing </a:t>
             </a:r>
             <a:endParaRPr lang="en-US" dirty="0"/>
           </a:p>
@@ -10287,13 +10671,84 @@
       </p:sp>
       <p:sp>
         <p:nvSpPr>
-          <p:cNvPr id="21" name="Flowchart: Connector 13"/>
+          <p:cNvPr id="18" name="Flowchart: Connector 17"/>
           <p:cNvSpPr/>
           <p:nvPr/>
         </p:nvSpPr>
         <p:spPr>
           <a:xfrm>
-            <a:off x="931779" y="2762518"/>
+            <a:off x="944742" y="4735076"/>
+            <a:ext cx="84841" cy="99536"/>
+          </a:xfrm>
+          <a:prstGeom prst="flowChartConnector">
+            <a:avLst/>
+          </a:prstGeom>
+        </p:spPr>
+        <p:style>
+          <a:lnRef idx="1">
+            <a:schemeClr val="accent6"/>
+          </a:lnRef>
+          <a:fillRef idx="3">
+            <a:schemeClr val="accent6"/>
+          </a:fillRef>
+          <a:effectRef idx="2">
+            <a:schemeClr val="accent6"/>
+          </a:effectRef>
+          <a:fontRef idx="minor">
+            <a:schemeClr val="lt1"/>
+          </a:fontRef>
+        </p:style>
+        <p:txBody>
+          <a:bodyPr rtlCol="0" anchor="ctr"/>
+          <a:lstStyle/>
+          <a:p>
+            <a:pPr algn="ctr"/>
+            <a:endParaRPr lang="en-US">
+              <a:solidFill>
+                <a:schemeClr val="tx1"/>
+              </a:solidFill>
+            </a:endParaRPr>
+          </a:p>
+        </p:txBody>
+      </p:sp>
+      <p:sp>
+        <p:nvSpPr>
+          <p:cNvPr id="19" name="Rectangle 18"/>
+          <p:cNvSpPr/>
+          <p:nvPr/>
+        </p:nvSpPr>
+        <p:spPr>
+          <a:xfrm>
+            <a:off x="1295400" y="3933056"/>
+            <a:ext cx="6660976" cy="646331"/>
+          </a:xfrm>
+          <a:prstGeom prst="rect">
+            <a:avLst/>
+          </a:prstGeom>
+        </p:spPr>
+        <p:txBody>
+          <a:bodyPr wrap="square">
+            <a:spAutoFit/>
+          </a:bodyPr>
+          <a:lstStyle/>
+          <a:p>
+            <a:r>
+              <a:rPr lang="en-US" dirty="0" smtClean="0"/>
+              <a:t>JUDGMENT- Certified software testers shall maintain integrity and independence in their professional judgment </a:t>
+            </a:r>
+            <a:endParaRPr lang="en-US" dirty="0"/>
+          </a:p>
+        </p:txBody>
+      </p:sp>
+      <p:sp>
+        <p:nvSpPr>
+          <p:cNvPr id="20" name="Flowchart: Connector 19"/>
+          <p:cNvSpPr/>
+          <p:nvPr/>
+        </p:nvSpPr>
+        <p:spPr>
+          <a:xfrm>
+            <a:off x="944740" y="4067954"/>
             <a:ext cx="84841" cy="99536"/>
           </a:xfrm>
           <a:prstGeom prst="flowChartConnector">
@@ -10849,6 +11304,308 @@
           <a:chExt cx="0" cy="0"/>
         </a:xfrm>
       </p:grpSpPr>
+      <p:sp>
+        <p:nvSpPr>
+          <p:cNvPr id="3" name="TextBox 2"/>
+          <p:cNvSpPr txBox="1"/>
+          <p:nvPr/>
+        </p:nvSpPr>
+        <p:spPr>
+          <a:xfrm>
+            <a:off x="457200" y="533400"/>
+            <a:ext cx="7859216" cy="646331"/>
+          </a:xfrm>
+          <a:prstGeom prst="rect">
+            <a:avLst/>
+          </a:prstGeom>
+          <a:noFill/>
+        </p:spPr>
+        <p:txBody>
+          <a:bodyPr wrap="square" rtlCol="0">
+            <a:spAutoFit/>
+          </a:bodyPr>
+          <a:lstStyle/>
+          <a:p>
+            <a:r>
+              <a:rPr lang="en-US" sz="3600" dirty="0" smtClean="0">
+                <a:solidFill>
+                  <a:schemeClr val="tx1">
+                    <a:lumMod val="65000"/>
+                    <a:lumOff val="35000"/>
+                  </a:schemeClr>
+                </a:solidFill>
+                <a:effectLst>
+                  <a:outerShdw blurRad="38100" dist="38100" dir="2700000" algn="tl">
+                    <a:srgbClr val="000000">
+                      <a:alpha val="43137"/>
+                    </a:srgbClr>
+                  </a:outerShdw>
+                </a:effectLst>
+              </a:rPr>
+              <a:t>Code of Ethics (continuation)</a:t>
+            </a:r>
+            <a:endParaRPr lang="en-US" sz="3600" dirty="0"/>
+          </a:p>
+        </p:txBody>
+      </p:sp>
+      <p:sp>
+        <p:nvSpPr>
+          <p:cNvPr id="4" name="Rectangle 3"/>
+          <p:cNvSpPr/>
+          <p:nvPr/>
+        </p:nvSpPr>
+        <p:spPr>
+          <a:xfrm>
+            <a:off x="1249680" y="1362670"/>
+            <a:ext cx="6778704" cy="646331"/>
+          </a:xfrm>
+          <a:prstGeom prst="rect">
+            <a:avLst/>
+          </a:prstGeom>
+        </p:spPr>
+        <p:txBody>
+          <a:bodyPr wrap="square">
+            <a:spAutoFit/>
+          </a:bodyPr>
+          <a:lstStyle/>
+          <a:p>
+            <a:r>
+              <a:rPr lang="en-US" dirty="0" smtClean="0"/>
+              <a:t>PROFESSION - Certified software testers shall advance the integrity and reputation of the profession consistent with the public interest </a:t>
+            </a:r>
+            <a:endParaRPr lang="en-US" dirty="0"/>
+          </a:p>
+        </p:txBody>
+      </p:sp>
+      <p:sp>
+        <p:nvSpPr>
+          <p:cNvPr id="7" name="Rectangle 6"/>
+          <p:cNvSpPr/>
+          <p:nvPr/>
+        </p:nvSpPr>
+        <p:spPr>
+          <a:xfrm>
+            <a:off x="1259632" y="1988840"/>
+            <a:ext cx="7128792" cy="646331"/>
+          </a:xfrm>
+          <a:prstGeom prst="rect">
+            <a:avLst/>
+          </a:prstGeom>
+        </p:spPr>
+        <p:txBody>
+          <a:bodyPr wrap="square">
+            <a:spAutoFit/>
+          </a:bodyPr>
+          <a:lstStyle/>
+          <a:p>
+            <a:r>
+              <a:rPr lang="en-US" dirty="0" smtClean="0"/>
+              <a:t>COLLEAGUES - Certified software testers shall be fair to and supportive of their colleagues, and promote cooperation with software developers</a:t>
+            </a:r>
+            <a:endParaRPr lang="en-US" dirty="0"/>
+          </a:p>
+        </p:txBody>
+      </p:sp>
+      <p:sp>
+        <p:nvSpPr>
+          <p:cNvPr id="13" name="Flowchart: Connector 12"/>
+          <p:cNvSpPr/>
+          <p:nvPr/>
+        </p:nvSpPr>
+        <p:spPr>
+          <a:xfrm>
+            <a:off x="944741" y="1488043"/>
+            <a:ext cx="84841" cy="99536"/>
+          </a:xfrm>
+          <a:prstGeom prst="flowChartConnector">
+            <a:avLst/>
+          </a:prstGeom>
+        </p:spPr>
+        <p:style>
+          <a:lnRef idx="1">
+            <a:schemeClr val="accent6"/>
+          </a:lnRef>
+          <a:fillRef idx="3">
+            <a:schemeClr val="accent6"/>
+          </a:fillRef>
+          <a:effectRef idx="2">
+            <a:schemeClr val="accent6"/>
+          </a:effectRef>
+          <a:fontRef idx="minor">
+            <a:schemeClr val="lt1"/>
+          </a:fontRef>
+        </p:style>
+        <p:txBody>
+          <a:bodyPr rtlCol="0" anchor="ctr"/>
+          <a:lstStyle/>
+          <a:p>
+            <a:pPr algn="ctr"/>
+            <a:endParaRPr lang="en-US">
+              <a:solidFill>
+                <a:schemeClr val="tx1"/>
+              </a:solidFill>
+            </a:endParaRPr>
+          </a:p>
+        </p:txBody>
+      </p:sp>
+      <p:sp>
+        <p:nvSpPr>
+          <p:cNvPr id="14" name="Flowchart: Connector 13"/>
+          <p:cNvSpPr/>
+          <p:nvPr/>
+        </p:nvSpPr>
+        <p:spPr>
+          <a:xfrm>
+            <a:off x="931779" y="2114446"/>
+            <a:ext cx="84841" cy="99536"/>
+          </a:xfrm>
+          <a:prstGeom prst="flowChartConnector">
+            <a:avLst/>
+          </a:prstGeom>
+        </p:spPr>
+        <p:style>
+          <a:lnRef idx="1">
+            <a:schemeClr val="accent6"/>
+          </a:lnRef>
+          <a:fillRef idx="3">
+            <a:schemeClr val="accent6"/>
+          </a:fillRef>
+          <a:effectRef idx="2">
+            <a:schemeClr val="accent6"/>
+          </a:effectRef>
+          <a:fontRef idx="minor">
+            <a:schemeClr val="lt1"/>
+          </a:fontRef>
+        </p:style>
+        <p:txBody>
+          <a:bodyPr rtlCol="0" anchor="ctr"/>
+          <a:lstStyle/>
+          <a:p>
+            <a:pPr algn="ctr"/>
+            <a:endParaRPr lang="en-US">
+              <a:solidFill>
+                <a:schemeClr val="tx1"/>
+              </a:solidFill>
+            </a:endParaRPr>
+          </a:p>
+        </p:txBody>
+      </p:sp>
+      <p:sp>
+        <p:nvSpPr>
+          <p:cNvPr id="16" name="Rectangle 6"/>
+          <p:cNvSpPr/>
+          <p:nvPr/>
+        </p:nvSpPr>
+        <p:spPr>
+          <a:xfrm>
+            <a:off x="1259632" y="2636912"/>
+            <a:ext cx="7128792" cy="923330"/>
+          </a:xfrm>
+          <a:prstGeom prst="rect">
+            <a:avLst/>
+          </a:prstGeom>
+        </p:spPr>
+        <p:txBody>
+          <a:bodyPr wrap="square">
+            <a:spAutoFit/>
+          </a:bodyPr>
+          <a:lstStyle/>
+          <a:p>
+            <a:r>
+              <a:rPr lang="en-US" dirty="0" smtClean="0"/>
+              <a:t>SELF - Certified software testers shall participate in lifelong learning regarding the practice of their profession and shall promote an ethical approach to the practice of the profession</a:t>
+            </a:r>
+            <a:endParaRPr lang="en-US" dirty="0"/>
+          </a:p>
+        </p:txBody>
+      </p:sp>
+      <p:sp>
+        <p:nvSpPr>
+          <p:cNvPr id="21" name="Flowchart: Connector 13"/>
+          <p:cNvSpPr/>
+          <p:nvPr/>
+        </p:nvSpPr>
+        <p:spPr>
+          <a:xfrm>
+            <a:off x="931779" y="2762518"/>
+            <a:ext cx="84841" cy="99536"/>
+          </a:xfrm>
+          <a:prstGeom prst="flowChartConnector">
+            <a:avLst/>
+          </a:prstGeom>
+        </p:spPr>
+        <p:style>
+          <a:lnRef idx="1">
+            <a:schemeClr val="accent6"/>
+          </a:lnRef>
+          <a:fillRef idx="3">
+            <a:schemeClr val="accent6"/>
+          </a:fillRef>
+          <a:effectRef idx="2">
+            <a:schemeClr val="accent6"/>
+          </a:effectRef>
+          <a:fontRef idx="minor">
+            <a:schemeClr val="lt1"/>
+          </a:fontRef>
+        </p:style>
+        <p:txBody>
+          <a:bodyPr rtlCol="0" anchor="ctr"/>
+          <a:lstStyle/>
+          <a:p>
+            <a:pPr algn="ctr"/>
+            <a:endParaRPr lang="en-US">
+              <a:solidFill>
+                <a:schemeClr val="tx1"/>
+              </a:solidFill>
+            </a:endParaRPr>
+          </a:p>
+        </p:txBody>
+      </p:sp>
+    </p:spTree>
+    <p:extLst>
+      <p:ext uri="{BB962C8B-B14F-4D97-AF65-F5344CB8AC3E}">
+        <p14:creationId xmlns:p14="http://schemas.microsoft.com/office/powerpoint/2010/main" xmlns="" val="4060775951"/>
+      </p:ext>
+    </p:extLst>
+  </p:cSld>
+  <p:clrMapOvr>
+    <a:masterClrMapping/>
+  </p:clrMapOvr>
+  <mc:AlternateContent xmlns:mc="http://schemas.openxmlformats.org/markup-compatibility/2006">
+    <mc:Choice xmlns:p14="http://schemas.microsoft.com/office/powerpoint/2010/main" xmlns="" Requires="p14">
+      <p:transition spd="slow" p14:dur="2000"/>
+    </mc:Choice>
+    <mc:Fallback>
+      <p:transition spd="slow"/>
+    </mc:Fallback>
+  </mc:AlternateContent>
+  <p:timing>
+    <p:tnLst>
+      <p:par>
+        <p:cTn id="1" dur="indefinite" restart="never" nodeType="tmRoot"/>
+      </p:par>
+    </p:tnLst>
+  </p:timing>
+</p:sld>
+</file>
+
+<file path=ppt/slides/slide21.xml><?xml version="1.0" encoding="utf-8"?>
+<p:sld xmlns:a="http://schemas.openxmlformats.org/drawingml/2006/main" xmlns:r="http://schemas.openxmlformats.org/officeDocument/2006/relationships" xmlns:p="http://schemas.openxmlformats.org/presentationml/2006/main">
+  <p:cSld>
+    <p:spTree>
+      <p:nvGrpSpPr>
+        <p:cNvPr id="1" name=""/>
+        <p:cNvGrpSpPr/>
+        <p:nvPr/>
+      </p:nvGrpSpPr>
+      <p:grpSpPr>
+        <a:xfrm>
+          <a:off x="0" y="0"/>
+          <a:ext cx="0" cy="0"/>
+          <a:chOff x="0" y="0"/>
+          <a:chExt cx="0" cy="0"/>
+        </a:xfrm>
+      </p:grpSpPr>
       <p:pic>
         <p:nvPicPr>
           <p:cNvPr id="1026" name="Picture 2" descr="C:\Users\jkad\Desktop\Trainings\SoftReports\Pictures\1238776843_pic_id14985.jpeg"/>
@@ -11037,7 +11794,15 @@
           <a:p>
             <a:r>
               <a:rPr lang="en-US" b="1" dirty="0" smtClean="0"/>
-              <a:t>Remember and understand terms from the lesson</a:t>
+              <a:t>Remember </a:t>
+            </a:r>
+            <a:r>
+              <a:rPr lang="en-US" b="1" dirty="0" smtClean="0"/>
+              <a:t>the terms </a:t>
+            </a:r>
+            <a:r>
+              <a:rPr lang="en-US" b="1" dirty="0" smtClean="0"/>
+              <a:t>from the lesson</a:t>
             </a:r>
           </a:p>
           <a:p>
@@ -11400,7 +12165,7 @@
         <p:spPr>
           <a:xfrm>
             <a:off x="457200" y="533400"/>
-            <a:ext cx="2075761" cy="630942"/>
+            <a:ext cx="3516091" cy="630942"/>
           </a:xfrm>
           <a:prstGeom prst="rect">
             <a:avLst/>
@@ -11429,8 +12194,41 @@
                   </a:outerShdw>
                 </a:effectLst>
               </a:rPr>
-              <a:t>About you</a:t>
-            </a:r>
+              <a:t>About </a:t>
+            </a:r>
+            <a:r>
+              <a:rPr lang="en-US" sz="3500" dirty="0" smtClean="0">
+                <a:solidFill>
+                  <a:schemeClr val="tx1">
+                    <a:lumMod val="65000"/>
+                    <a:lumOff val="35000"/>
+                  </a:schemeClr>
+                </a:solidFill>
+                <a:effectLst>
+                  <a:outerShdw blurRad="38100" dist="38100" dir="2700000" algn="tl">
+                    <a:srgbClr val="000000">
+                      <a:alpha val="43137"/>
+                    </a:srgbClr>
+                  </a:outerShdw>
+                </a:effectLst>
+              </a:rPr>
+              <a:t>the training</a:t>
+            </a:r>
+            <a:endParaRPr lang="en-US" sz="3500" dirty="0" smtClean="0">
+              <a:solidFill>
+                <a:schemeClr val="tx1">
+                  <a:lumMod val="65000"/>
+                  <a:lumOff val="35000"/>
+                </a:schemeClr>
+              </a:solidFill>
+              <a:effectLst>
+                <a:outerShdw blurRad="38100" dist="38100" dir="2700000" algn="tl">
+                  <a:srgbClr val="000000">
+                    <a:alpha val="43137"/>
+                  </a:srgbClr>
+                </a:outerShdw>
+              </a:effectLst>
+            </a:endParaRPr>
           </a:p>
         </p:txBody>
       </p:sp>
@@ -11442,8 +12240,8 @@
         </p:nvSpPr>
         <p:spPr>
           <a:xfrm>
-            <a:off x="1547664" y="1628800"/>
-            <a:ext cx="5688632" cy="2862322"/>
+            <a:off x="1475656" y="1412776"/>
+            <a:ext cx="6408712" cy="4708981"/>
           </a:xfrm>
           <a:prstGeom prst="rect">
             <a:avLst/>
@@ -11455,81 +12253,129 @@
           </a:bodyPr>
           <a:lstStyle/>
           <a:p>
-            <a:pPr>
+            <a:r>
+              <a:rPr lang="en-US" sz="2000" b="1" dirty="0" smtClean="0"/>
+              <a:t>Aimed at:</a:t>
+            </a:r>
+          </a:p>
+          <a:p>
+            <a:pPr lvl="1">
               <a:buFont typeface="Wingdings" pitchFamily="2" charset="2"/>
-              <a:buChar char="ü"/>
+              <a:buChar char="Ø"/>
             </a:pPr>
             <a:r>
               <a:rPr lang="en-US" sz="2000" i="1" dirty="0" smtClean="0"/>
-              <a:t>Education</a:t>
-            </a:r>
-          </a:p>
-          <a:p>
-            <a:pPr>
+              <a:t>New in IT and going to work as a software tester</a:t>
+            </a:r>
+          </a:p>
+          <a:p>
+            <a:pPr lvl="1">
               <a:buFont typeface="Wingdings" pitchFamily="2" charset="2"/>
-              <a:buChar char="ü"/>
+              <a:buChar char="Ø"/>
             </a:pPr>
+            <a:r>
+              <a:rPr lang="en-US" sz="2000" i="1" dirty="0" smtClean="0"/>
+              <a:t>Anyone who involved in software development and wish to know more about testers’ work</a:t>
+            </a:r>
+          </a:p>
+          <a:p>
             <a:endParaRPr lang="en-US" sz="2000" i="1" dirty="0" smtClean="0"/>
           </a:p>
           <a:p>
-            <a:pPr>
+            <a:r>
+              <a:rPr lang="en-US" sz="2000" b="1" dirty="0" smtClean="0"/>
+              <a:t>Benefits:</a:t>
+            </a:r>
+          </a:p>
+          <a:p>
+            <a:pPr lvl="1">
               <a:buFont typeface="Wingdings" pitchFamily="2" charset="2"/>
-              <a:buChar char="ü"/>
+              <a:buChar char="Ø"/>
             </a:pPr>
             <a:r>
               <a:rPr lang="en-US" sz="2000" i="1" dirty="0" smtClean="0"/>
-              <a:t>Experience</a:t>
-            </a:r>
-          </a:p>
-          <a:p>
-            <a:pPr>
+              <a:t>Basic knowledge in software testing</a:t>
+            </a:r>
+            <a:endParaRPr lang="ru-RU" sz="2000" i="1" dirty="0" smtClean="0"/>
+          </a:p>
+          <a:p>
+            <a:pPr lvl="1">
               <a:buFont typeface="Wingdings" pitchFamily="2" charset="2"/>
-              <a:buChar char="ü"/>
+              <a:buChar char="Ø"/>
             </a:pPr>
+            <a:r>
+              <a:rPr lang="en-US" sz="2000" i="1" dirty="0" smtClean="0"/>
+              <a:t>P</a:t>
+            </a:r>
+            <a:r>
+              <a:rPr lang="en-US" sz="2000" i="1" dirty="0" smtClean="0"/>
+              <a:t>ractical </a:t>
+            </a:r>
+            <a:r>
+              <a:rPr lang="en-US" sz="2000" i="1" dirty="0" smtClean="0"/>
+              <a:t>skills</a:t>
+            </a:r>
             <a:endParaRPr lang="en-US" sz="2000" i="1" dirty="0" smtClean="0"/>
           </a:p>
           <a:p>
-            <a:pPr>
+            <a:pPr lvl="1">
               <a:buFont typeface="Wingdings" pitchFamily="2" charset="2"/>
-              <a:buChar char="ü"/>
+              <a:buChar char="Ø"/>
             </a:pPr>
             <a:r>
               <a:rPr lang="en-US" sz="2000" i="1" dirty="0" smtClean="0"/>
-              <a:t>English</a:t>
-            </a:r>
-          </a:p>
-          <a:p>
-            <a:pPr>
+              <a:t>Help with interview to get a software tester position</a:t>
+            </a:r>
+          </a:p>
+          <a:p>
+            <a:pPr lvl="1">
               <a:buFont typeface="Wingdings" pitchFamily="2" charset="2"/>
-              <a:buChar char="ü"/>
+              <a:buChar char="Ø"/>
             </a:pPr>
+            <a:r>
+              <a:rPr lang="en-US" sz="2000" i="1" dirty="0" smtClean="0"/>
+              <a:t>Base for further </a:t>
+            </a:r>
+            <a:r>
+              <a:rPr lang="en-US" sz="2000" i="1" dirty="0" smtClean="0"/>
+              <a:t>improvement</a:t>
+            </a:r>
+            <a:r>
+              <a:rPr lang="ru-RU" sz="2000" i="1" dirty="0" smtClean="0"/>
+              <a:t> </a:t>
+            </a:r>
+            <a:r>
+              <a:rPr lang="en-US" sz="2000" i="1" dirty="0" smtClean="0"/>
+              <a:t>your knowledge (by oneself or by visiting the next training)</a:t>
+            </a:r>
+          </a:p>
+          <a:p>
             <a:endParaRPr lang="en-US" sz="2000" i="1" dirty="0" smtClean="0"/>
           </a:p>
           <a:p>
-            <a:pPr>
+            <a:r>
+              <a:rPr lang="en-US" sz="2000" b="1" dirty="0" smtClean="0"/>
+              <a:t>Trainings you may be interested in:</a:t>
+            </a:r>
+          </a:p>
+          <a:p>
+            <a:pPr lvl="1">
               <a:buFont typeface="Wingdings" pitchFamily="2" charset="2"/>
-              <a:buChar char="ü"/>
+              <a:buChar char="Ø"/>
             </a:pPr>
             <a:r>
               <a:rPr lang="en-US" sz="2000" i="1" dirty="0" smtClean="0"/>
-              <a:t>Goals in this training</a:t>
-            </a:r>
-          </a:p>
-          <a:p>
-            <a:pPr>
+              <a:t>Automation testing (Selenium)</a:t>
+            </a:r>
+          </a:p>
+          <a:p>
+            <a:pPr lvl="1">
               <a:buFont typeface="Wingdings" pitchFamily="2" charset="2"/>
-              <a:buChar char="ü"/>
+              <a:buChar char="Ø"/>
             </a:pPr>
-            <a:endParaRPr lang="en-US" sz="2000" i="1" dirty="0" smtClean="0"/>
-          </a:p>
-          <a:p>
-            <a:pPr>
-              <a:buFont typeface="Wingdings" pitchFamily="2" charset="2"/>
-              <a:buChar char="ü"/>
-            </a:pPr>
             <a:r>
               <a:rPr lang="en-US" sz="2000" i="1" dirty="0" smtClean="0"/>
-              <a:t>Knowledge in software testing</a:t>
+              <a:t>Testing of web-oriented applications</a:t>
             </a:r>
             <a:endParaRPr lang="en-US" sz="2000" i="1" dirty="0"/>
           </a:p>
@@ -11660,7 +12506,7 @@
         <p:spPr>
           <a:xfrm>
             <a:off x="457200" y="533400"/>
-            <a:ext cx="4217693" cy="630942"/>
+            <a:ext cx="2075761" cy="630942"/>
           </a:xfrm>
           <a:prstGeom prst="rect">
             <a:avLst/>
@@ -11689,36 +12535,21 @@
                   </a:outerShdw>
                 </a:effectLst>
               </a:rPr>
-              <a:t>Resources&amp; Literature</a:t>
-            </a:r>
-            <a:endParaRPr lang="en-US" sz="3500" dirty="0">
-              <a:solidFill>
-                <a:schemeClr val="tx1">
-                  <a:lumMod val="65000"/>
-                  <a:lumOff val="35000"/>
-                </a:schemeClr>
-              </a:solidFill>
-              <a:effectLst>
-                <a:outerShdw blurRad="38100" dist="38100" dir="2700000" algn="tl">
-                  <a:srgbClr val="000000">
-                    <a:alpha val="43137"/>
-                  </a:srgbClr>
-                </a:outerShdw>
-              </a:effectLst>
-            </a:endParaRPr>
-          </a:p>
-        </p:txBody>
-      </p:sp>
-      <p:sp>
-        <p:nvSpPr>
-          <p:cNvPr id="6" name="Прямоугольник 5"/>
+              <a:t>About you</a:t>
+            </a:r>
+          </a:p>
+        </p:txBody>
+      </p:sp>
+      <p:sp>
+        <p:nvSpPr>
+          <p:cNvPr id="6" name="Rectangle 5"/>
           <p:cNvSpPr/>
           <p:nvPr/>
         </p:nvSpPr>
         <p:spPr>
           <a:xfrm>
-            <a:off x="1187624" y="1340769"/>
-            <a:ext cx="6984776" cy="3416320"/>
+            <a:off x="1547664" y="1628800"/>
+            <a:ext cx="5688632" cy="2862322"/>
           </a:xfrm>
           <a:prstGeom prst="rect">
             <a:avLst/>
@@ -11730,86 +12561,90 @@
           </a:bodyPr>
           <a:lstStyle/>
           <a:p>
-            <a:r>
-              <a:rPr lang="en-US" dirty="0" smtClean="0">
-                <a:hlinkClick r:id="rId2"/>
-              </a:rPr>
-              <a:t>http://www.istqb.org/downloads/viewdownload/16/15.html</a:t>
-            </a:r>
-            <a:endParaRPr lang="en-US" dirty="0" smtClean="0"/>
-          </a:p>
-          <a:p>
-            <a:r>
-              <a:rPr lang="en-US" dirty="0" smtClean="0">
-                <a:hlinkClick r:id="rId3"/>
-              </a:rPr>
-              <a:t>http://www.istqb.org/downloads/viewcategory/20.html</a:t>
-            </a:r>
-            <a:endParaRPr lang="en-US" dirty="0" smtClean="0"/>
-          </a:p>
-          <a:p>
-            <a:r>
-              <a:rPr lang="en-US" dirty="0" smtClean="0">
-                <a:hlinkClick r:id="rId4"/>
-              </a:rPr>
-              <a:t>http://www.software-testing.ru/</a:t>
-            </a:r>
-            <a:endParaRPr lang="ru-RU" dirty="0" smtClean="0"/>
-          </a:p>
-          <a:p>
-            <a:r>
-              <a:rPr lang="en-US" dirty="0" smtClean="0">
-                <a:hlinkClick r:id="rId5"/>
-              </a:rPr>
-              <a:t>http://testingforall.com/blog/</a:t>
-            </a:r>
-            <a:endParaRPr lang="ru-RU" smtClean="0"/>
-          </a:p>
-          <a:p>
-            <a:endParaRPr lang="en-US" dirty="0" smtClean="0"/>
-          </a:p>
-          <a:p>
-            <a:r>
-              <a:rPr lang="en-US" dirty="0" smtClean="0"/>
-              <a:t>SQL?</a:t>
-            </a:r>
-          </a:p>
-          <a:p>
-            <a:r>
-              <a:rPr lang="en-US" dirty="0" smtClean="0"/>
-              <a:t>Any tool for auto testing link</a:t>
-            </a:r>
-          </a:p>
-          <a:p>
-            <a:r>
-              <a:rPr lang="en-US" dirty="0" smtClean="0"/>
-              <a:t>Any bug tracking system link</a:t>
-            </a:r>
-          </a:p>
-          <a:p>
-            <a:r>
-              <a:rPr lang="en-US" dirty="0" smtClean="0"/>
-              <a:t>Any test cases management tool link</a:t>
-            </a:r>
-          </a:p>
-          <a:p>
-            <a:endParaRPr lang="en-US" dirty="0" smtClean="0"/>
-          </a:p>
-          <a:p>
-            <a:r>
-              <a:rPr lang="en-US" dirty="0" smtClean="0"/>
-              <a:t>Books???</a:t>
-            </a:r>
-          </a:p>
-          <a:p>
-            <a:endParaRPr lang="en-US" dirty="0" smtClean="0"/>
+            <a:pPr>
+              <a:buFont typeface="Wingdings" pitchFamily="2" charset="2"/>
+              <a:buChar char="ü"/>
+            </a:pPr>
+            <a:r>
+              <a:rPr lang="en-US" sz="2000" i="1" dirty="0" smtClean="0"/>
+              <a:t>Education</a:t>
+            </a:r>
+          </a:p>
+          <a:p>
+            <a:pPr>
+              <a:buFont typeface="Wingdings" pitchFamily="2" charset="2"/>
+              <a:buChar char="ü"/>
+            </a:pPr>
+            <a:endParaRPr lang="en-US" sz="2000" i="1" dirty="0" smtClean="0"/>
+          </a:p>
+          <a:p>
+            <a:pPr>
+              <a:buFont typeface="Wingdings" pitchFamily="2" charset="2"/>
+              <a:buChar char="ü"/>
+            </a:pPr>
+            <a:r>
+              <a:rPr lang="en-US" sz="2000" i="1" dirty="0" smtClean="0"/>
+              <a:t>Experience</a:t>
+            </a:r>
+          </a:p>
+          <a:p>
+            <a:pPr>
+              <a:buFont typeface="Wingdings" pitchFamily="2" charset="2"/>
+              <a:buChar char="ü"/>
+            </a:pPr>
+            <a:endParaRPr lang="en-US" sz="2000" i="1" dirty="0" smtClean="0"/>
+          </a:p>
+          <a:p>
+            <a:pPr>
+              <a:buFont typeface="Wingdings" pitchFamily="2" charset="2"/>
+              <a:buChar char="ü"/>
+            </a:pPr>
+            <a:r>
+              <a:rPr lang="en-US" sz="2000" i="1" dirty="0" smtClean="0"/>
+              <a:t>English</a:t>
+            </a:r>
+          </a:p>
+          <a:p>
+            <a:pPr>
+              <a:buFont typeface="Wingdings" pitchFamily="2" charset="2"/>
+              <a:buChar char="ü"/>
+            </a:pPr>
+            <a:endParaRPr lang="en-US" sz="2000" i="1" dirty="0" smtClean="0"/>
+          </a:p>
+          <a:p>
+            <a:pPr>
+              <a:buFont typeface="Wingdings" pitchFamily="2" charset="2"/>
+              <a:buChar char="ü"/>
+            </a:pPr>
+            <a:r>
+              <a:rPr lang="en-US" sz="2000" i="1" dirty="0" smtClean="0"/>
+              <a:t>Goals in this training</a:t>
+            </a:r>
+          </a:p>
+          <a:p>
+            <a:pPr>
+              <a:buFont typeface="Wingdings" pitchFamily="2" charset="2"/>
+              <a:buChar char="ü"/>
+            </a:pPr>
+            <a:endParaRPr lang="en-US" sz="2000" i="1" dirty="0" smtClean="0"/>
+          </a:p>
+          <a:p>
+            <a:pPr>
+              <a:buFont typeface="Wingdings" pitchFamily="2" charset="2"/>
+              <a:buChar char="ü"/>
+            </a:pPr>
+            <a:r>
+              <a:rPr lang="en-US" sz="2000" i="1" dirty="0" smtClean="0"/>
+              <a:t>Knowledge in software testing</a:t>
+            </a:r>
+            <a:endParaRPr lang="en-US" sz="2000" i="1" dirty="0"/>
           </a:p>
         </p:txBody>
       </p:sp>
     </p:spTree>
     <p:extLst>
       <p:ext uri="{BB962C8B-B14F-4D97-AF65-F5344CB8AC3E}">
-        <p14:creationId xmlns:p14="http://schemas.microsoft.com/office/powerpoint/2010/main" xmlns="" val="1923330547"/>
+        <p14:creationId xmlns:p14="http://schemas.microsoft.com/office/powerpoint/2010/main" xmlns="" val="3292176594"/>
       </p:ext>
     </p:extLst>
   </p:cSld>
@@ -11819,9 +12654,88 @@
   <p:timing>
     <p:tnLst>
       <p:par>
-        <p:cTn id="1" dur="indefinite" restart="never" nodeType="tmRoot"/>
+        <p:cTn id="1" dur="indefinite" restart="never" nodeType="tmRoot">
+          <p:childTnLst>
+            <p:seq concurrent="1" nextAc="seek">
+              <p:cTn id="2" dur="indefinite" nodeType="mainSeq">
+                <p:childTnLst>
+                  <p:par>
+                    <p:cTn id="3" fill="hold">
+                      <p:stCondLst>
+                        <p:cond delay="indefinite"/>
+                      </p:stCondLst>
+                      <p:childTnLst>
+                        <p:par>
+                          <p:cTn id="4" fill="hold">
+                            <p:stCondLst>
+                              <p:cond delay="0"/>
+                            </p:stCondLst>
+                            <p:childTnLst>
+                              <p:par>
+                                <p:cTn id="5" presetID="10" presetClass="entr" presetSubtype="0" fill="hold" grpId="0" nodeType="clickEffect">
+                                  <p:stCondLst>
+                                    <p:cond delay="0"/>
+                                  </p:stCondLst>
+                                  <p:childTnLst>
+                                    <p:set>
+                                      <p:cBhvr>
+                                        <p:cTn id="6" dur="1" fill="hold">
+                                          <p:stCondLst>
+                                            <p:cond delay="0"/>
+                                          </p:stCondLst>
+                                        </p:cTn>
+                                        <p:tgtEl>
+                                          <p:spTgt spid="6"/>
+                                        </p:tgtEl>
+                                        <p:attrNameLst>
+                                          <p:attrName>style.visibility</p:attrName>
+                                        </p:attrNameLst>
+                                      </p:cBhvr>
+                                      <p:to>
+                                        <p:strVal val="visible"/>
+                                      </p:to>
+                                    </p:set>
+                                    <p:animEffect transition="in" filter="fade">
+                                      <p:cBhvr>
+                                        <p:cTn id="7" dur="500"/>
+                                        <p:tgtEl>
+                                          <p:spTgt spid="6"/>
+                                        </p:tgtEl>
+                                      </p:cBhvr>
+                                    </p:animEffect>
+                                  </p:childTnLst>
+                                </p:cTn>
+                              </p:par>
+                            </p:childTnLst>
+                          </p:cTn>
+                        </p:par>
+                      </p:childTnLst>
+                    </p:cTn>
+                  </p:par>
+                </p:childTnLst>
+              </p:cTn>
+              <p:prevCondLst>
+                <p:cond evt="onPrev" delay="0">
+                  <p:tgtEl>
+                    <p:sldTgt/>
+                  </p:tgtEl>
+                </p:cond>
+              </p:prevCondLst>
+              <p:nextCondLst>
+                <p:cond evt="onNext" delay="0">
+                  <p:tgtEl>
+                    <p:sldTgt/>
+                  </p:tgtEl>
+                </p:cond>
+              </p:nextCondLst>
+            </p:seq>
+          </p:childTnLst>
+        </p:cTn>
       </p:par>
     </p:tnLst>
+    <p:bldLst>
+      <p:bldP spid="6" grpId="0"/>
+    </p:bldLst>
   </p:timing>
 </p:sld>
 </file>
@@ -11845,28 +12759,28 @@
       </p:grpSpPr>
       <p:sp>
         <p:nvSpPr>
-          <p:cNvPr id="4" name="Заголовок 3"/>
-          <p:cNvSpPr>
-            <a:spLocks noGrp="1"/>
-          </p:cNvSpPr>
-          <p:nvPr>
-            <p:ph type="title"/>
-          </p:nvPr>
-        </p:nvSpPr>
-        <p:spPr>
-          <a:xfrm>
-            <a:off x="899592" y="274638"/>
-            <a:ext cx="7787208" cy="1143000"/>
-          </a:xfrm>
-        </p:spPr>
-        <p:txBody>
-          <a:bodyPr>
-            <a:normAutofit/>
+          <p:cNvPr id="3" name="TextBox 2"/>
+          <p:cNvSpPr txBox="1"/>
+          <p:nvPr/>
+        </p:nvSpPr>
+        <p:spPr>
+          <a:xfrm>
+            <a:off x="457200" y="533400"/>
+            <a:ext cx="4217693" cy="630942"/>
+          </a:xfrm>
+          <a:prstGeom prst="rect">
+            <a:avLst/>
+          </a:prstGeom>
+          <a:noFill/>
+        </p:spPr>
+        <p:txBody>
+          <a:bodyPr wrap="none" rtlCol="0">
+            <a:spAutoFit/>
           </a:bodyPr>
           <a:lstStyle/>
           <a:p>
             <a:r>
-              <a:rPr lang="en-US" dirty="0" smtClean="0">
+              <a:rPr lang="en-US" sz="3500" dirty="0" smtClean="0">
                 <a:solidFill>
                   <a:schemeClr val="tx1">
                     <a:lumMod val="65000"/>
@@ -11881,58 +12795,168 @@
                   </a:outerShdw>
                 </a:effectLst>
               </a:rPr>
-              <a:t>Example from life</a:t>
-            </a:r>
-            <a:endParaRPr lang="ru-RU" dirty="0"/>
-          </a:p>
-        </p:txBody>
-      </p:sp>
-      <p:pic>
-        <p:nvPicPr>
-          <p:cNvPr id="7" name="Содержимое 6" descr="повара.jpg"/>
-          <p:cNvPicPr>
-            <a:picLocks noGrp="1" noChangeAspect="1"/>
-          </p:cNvPicPr>
-          <p:nvPr>
-            <p:ph sz="half" idx="1"/>
-          </p:nvPr>
-        </p:nvPicPr>
-        <p:blipFill>
-          <a:blip r:embed="rId3" cstate="print"/>
-          <a:stretch>
-            <a:fillRect/>
-          </a:stretch>
-        </p:blipFill>
-        <p:spPr>
-          <a:xfrm>
-            <a:off x="457200" y="2732136"/>
-            <a:ext cx="3682752" cy="2262090"/>
-          </a:xfrm>
-        </p:spPr>
-      </p:pic>
-      <p:pic>
-        <p:nvPicPr>
-          <p:cNvPr id="8" name="Содержимое 7" descr="разработчики.jpg"/>
-          <p:cNvPicPr>
-            <a:picLocks noGrp="1" noChangeAspect="1"/>
-          </p:cNvPicPr>
-          <p:nvPr>
-            <p:ph sz="half" idx="2"/>
-          </p:nvPr>
-        </p:nvPicPr>
-        <p:blipFill>
-          <a:blip r:embed="rId4" cstate="print"/>
-          <a:stretch>
-            <a:fillRect/>
-          </a:stretch>
-        </p:blipFill>
-        <p:spPr>
-          <a:xfrm>
-            <a:off x="4716016" y="2708920"/>
-            <a:ext cx="3616077" cy="2337185"/>
-          </a:xfrm>
-        </p:spPr>
-      </p:pic>
+              <a:t>Resources&amp; Literature</a:t>
+            </a:r>
+            <a:endParaRPr lang="en-US" sz="3500" dirty="0">
+              <a:solidFill>
+                <a:schemeClr val="tx1">
+                  <a:lumMod val="65000"/>
+                  <a:lumOff val="35000"/>
+                </a:schemeClr>
+              </a:solidFill>
+              <a:effectLst>
+                <a:outerShdw blurRad="38100" dist="38100" dir="2700000" algn="tl">
+                  <a:srgbClr val="000000">
+                    <a:alpha val="43137"/>
+                  </a:srgbClr>
+                </a:outerShdw>
+              </a:effectLst>
+            </a:endParaRPr>
+          </a:p>
+        </p:txBody>
+      </p:sp>
+      <p:sp>
+        <p:nvSpPr>
+          <p:cNvPr id="6" name="Прямоугольник 5"/>
+          <p:cNvSpPr/>
+          <p:nvPr/>
+        </p:nvSpPr>
+        <p:spPr>
+          <a:xfrm>
+            <a:off x="1187624" y="1340769"/>
+            <a:ext cx="6984776" cy="3970318"/>
+          </a:xfrm>
+          <a:prstGeom prst="rect">
+            <a:avLst/>
+          </a:prstGeom>
+        </p:spPr>
+        <p:txBody>
+          <a:bodyPr wrap="square">
+            <a:spAutoFit/>
+          </a:bodyPr>
+          <a:lstStyle/>
+          <a:p>
+            <a:r>
+              <a:rPr lang="en-US" dirty="0" smtClean="0"/>
+              <a:t>Links:</a:t>
+            </a:r>
+            <a:endParaRPr lang="en-US" dirty="0" smtClean="0"/>
+          </a:p>
+          <a:p>
+            <a:r>
+              <a:rPr lang="en-US" dirty="0" smtClean="0">
+                <a:hlinkClick r:id="rId2"/>
+              </a:rPr>
+              <a:t>http</a:t>
+            </a:r>
+            <a:r>
+              <a:rPr lang="en-US" dirty="0" smtClean="0">
+                <a:hlinkClick r:id="rId2"/>
+              </a:rPr>
+              <a:t>://www.istqb.org/downloads/viewdownload/16/15.html</a:t>
+            </a:r>
+            <a:endParaRPr lang="en-US" dirty="0" smtClean="0"/>
+          </a:p>
+          <a:p>
+            <a:r>
+              <a:rPr lang="en-US" dirty="0" smtClean="0">
+                <a:hlinkClick r:id="rId3"/>
+              </a:rPr>
+              <a:t>http://www.istqb.org/downloads/viewcategory/20.html</a:t>
+            </a:r>
+            <a:endParaRPr lang="en-US" dirty="0" smtClean="0"/>
+          </a:p>
+          <a:p>
+            <a:r>
+              <a:rPr lang="en-US" dirty="0" smtClean="0">
+                <a:hlinkClick r:id="rId4"/>
+              </a:rPr>
+              <a:t>http://www.software-testing.ru/</a:t>
+            </a:r>
+            <a:endParaRPr lang="ru-RU" dirty="0" smtClean="0"/>
+          </a:p>
+          <a:p>
+            <a:r>
+              <a:rPr lang="en-US" dirty="0" smtClean="0">
+                <a:hlinkClick r:id="rId5"/>
+              </a:rPr>
+              <a:t>http://testingforall.com/blog/</a:t>
+            </a:r>
+            <a:endParaRPr lang="ru-RU" dirty="0" smtClean="0"/>
+          </a:p>
+          <a:p>
+            <a:r>
+              <a:rPr lang="en-US" dirty="0" smtClean="0">
+                <a:hlinkClick r:id="rId6"/>
+              </a:rPr>
+              <a:t>http://www.protesting.ru/</a:t>
+            </a:r>
+            <a:endParaRPr lang="ru-RU" dirty="0" smtClean="0"/>
+          </a:p>
+          <a:p>
+            <a:endParaRPr lang="ru-RU" dirty="0" smtClean="0"/>
+          </a:p>
+          <a:p>
+            <a:r>
+              <a:rPr lang="en-US" dirty="0" smtClean="0"/>
+              <a:t>B</a:t>
+            </a:r>
+            <a:r>
+              <a:rPr lang="en-US" dirty="0" smtClean="0"/>
+              <a:t>ooks:</a:t>
+            </a:r>
+            <a:endParaRPr lang="en-US" dirty="0" smtClean="0"/>
+          </a:p>
+          <a:p>
+            <a:r>
+              <a:rPr lang="en-US" dirty="0" smtClean="0">
+                <a:hlinkClick r:id="rId7"/>
+              </a:rPr>
+              <a:t>http://</a:t>
+            </a:r>
+            <a:r>
+              <a:rPr lang="en-US" dirty="0" smtClean="0">
+                <a:hlinkClick r:id="rId7"/>
+              </a:rPr>
+              <a:t>adm-lib.ru/programmirovanie/kalbertson-braun-kobb-byistroe-testirovanie.html</a:t>
+            </a:r>
+            <a:endParaRPr lang="ru-RU" dirty="0" smtClean="0"/>
+          </a:p>
+          <a:p>
+            <a:r>
+              <a:rPr lang="en-US" dirty="0" smtClean="0">
+                <a:hlinkClick r:id="rId8"/>
+              </a:rPr>
+              <a:t>http://</a:t>
+            </a:r>
+            <a:r>
+              <a:rPr lang="en-US" dirty="0" smtClean="0">
+                <a:hlinkClick r:id="rId8"/>
+              </a:rPr>
+              <a:t>diamail.com.ua/book/6502.html</a:t>
+            </a:r>
+            <a:endParaRPr lang="ru-RU" dirty="0" smtClean="0"/>
+          </a:p>
+          <a:p>
+            <a:r>
+              <a:rPr lang="en-US" dirty="0" smtClean="0">
+                <a:hlinkClick r:id="rId9"/>
+              </a:rPr>
+              <a:t>http://</a:t>
+            </a:r>
+            <a:r>
+              <a:rPr lang="en-US" dirty="0" smtClean="0">
+                <a:hlinkClick r:id="rId9"/>
+              </a:rPr>
+              <a:t>forcoder.ru/testing/testirovanie-obektno-orientirovannogo-programmnogo-obespecheniya-943</a:t>
+            </a:r>
+            <a:endParaRPr lang="ru-RU" dirty="0" smtClean="0"/>
+          </a:p>
+          <a:p>
+            <a:endParaRPr lang="en-US" dirty="0" smtClean="0"/>
+          </a:p>
+        </p:txBody>
+      </p:sp>
     </p:spTree>
     <p:extLst>
       <p:ext uri="{BB962C8B-B14F-4D97-AF65-F5344CB8AC3E}">
@@ -11972,28 +12996,28 @@
       </p:grpSpPr>
       <p:sp>
         <p:nvSpPr>
-          <p:cNvPr id="3" name="TextBox 2"/>
-          <p:cNvSpPr txBox="1"/>
-          <p:nvPr/>
-        </p:nvSpPr>
-        <p:spPr>
-          <a:xfrm>
-            <a:off x="457200" y="533400"/>
-            <a:ext cx="4437369" cy="630942"/>
-          </a:xfrm>
-          <a:prstGeom prst="rect">
-            <a:avLst/>
-          </a:prstGeom>
-          <a:noFill/>
-        </p:spPr>
-        <p:txBody>
-          <a:bodyPr wrap="none" rtlCol="0">
-            <a:spAutoFit/>
+          <p:cNvPr id="4" name="Заголовок 3"/>
+          <p:cNvSpPr>
+            <a:spLocks noGrp="1"/>
+          </p:cNvSpPr>
+          <p:nvPr>
+            <p:ph type="title"/>
+          </p:nvPr>
+        </p:nvSpPr>
+        <p:spPr>
+          <a:xfrm>
+            <a:off x="899592" y="274638"/>
+            <a:ext cx="7787208" cy="1143000"/>
+          </a:xfrm>
+        </p:spPr>
+        <p:txBody>
+          <a:bodyPr>
+            <a:normAutofit/>
           </a:bodyPr>
           <a:lstStyle/>
           <a:p>
             <a:r>
-              <a:rPr lang="en-US" sz="3500" dirty="0" smtClean="0">
+              <a:rPr lang="en-US" dirty="0" smtClean="0">
                 <a:solidFill>
                   <a:schemeClr val="tx1">
                     <a:lumMod val="65000"/>
@@ -12008,470 +13032,68 @@
                   </a:outerShdw>
                 </a:effectLst>
               </a:rPr>
-              <a:t>Fundamental of Testing</a:t>
-            </a:r>
-            <a:endParaRPr lang="en-US" sz="3500" dirty="0">
-              <a:solidFill>
-                <a:schemeClr val="tx1">
-                  <a:lumMod val="65000"/>
-                  <a:lumOff val="35000"/>
-                </a:schemeClr>
-              </a:solidFill>
-              <a:effectLst>
-                <a:outerShdw blurRad="38100" dist="38100" dir="2700000" algn="tl">
-                  <a:srgbClr val="000000">
-                    <a:alpha val="43137"/>
-                  </a:srgbClr>
-                </a:outerShdw>
-              </a:effectLst>
-            </a:endParaRPr>
-          </a:p>
-        </p:txBody>
-      </p:sp>
-      <p:sp>
-        <p:nvSpPr>
-          <p:cNvPr id="4" name="Rectangle 3"/>
-          <p:cNvSpPr/>
-          <p:nvPr/>
-        </p:nvSpPr>
-        <p:spPr>
-          <a:xfrm>
-            <a:off x="1249680" y="1362670"/>
-            <a:ext cx="4572000" cy="369332"/>
-          </a:xfrm>
-          <a:prstGeom prst="rect">
-            <a:avLst/>
-          </a:prstGeom>
-        </p:spPr>
-        <p:txBody>
-          <a:bodyPr>
-            <a:spAutoFit/>
-          </a:bodyPr>
-          <a:lstStyle/>
-          <a:p>
-            <a:r>
-              <a:rPr lang="en-US" dirty="0" smtClean="0"/>
-              <a:t>Why is testing necessary</a:t>
-            </a:r>
-            <a:endParaRPr lang="en-US" dirty="0"/>
-          </a:p>
-        </p:txBody>
-      </p:sp>
-      <p:sp>
-        <p:nvSpPr>
-          <p:cNvPr id="6" name="Rectangle 5"/>
-          <p:cNvSpPr/>
-          <p:nvPr/>
-        </p:nvSpPr>
-        <p:spPr>
-          <a:xfrm>
-            <a:off x="1295400" y="2450068"/>
-            <a:ext cx="4572000" cy="369332"/>
-          </a:xfrm>
-          <a:prstGeom prst="rect">
-            <a:avLst/>
-          </a:prstGeom>
-        </p:spPr>
-        <p:txBody>
-          <a:bodyPr>
-            <a:spAutoFit/>
-          </a:bodyPr>
-          <a:lstStyle/>
-          <a:p>
-            <a:r>
-              <a:rPr lang="en-US" dirty="0" smtClean="0"/>
-              <a:t>Seven testing principles</a:t>
-            </a:r>
-            <a:endParaRPr lang="en-US" dirty="0"/>
-          </a:p>
-        </p:txBody>
-      </p:sp>
-      <p:sp>
-        <p:nvSpPr>
-          <p:cNvPr id="7" name="Rectangle 6"/>
-          <p:cNvSpPr/>
-          <p:nvPr/>
-        </p:nvSpPr>
-        <p:spPr>
-          <a:xfrm>
-            <a:off x="1249680" y="1916668"/>
-            <a:ext cx="1583319" cy="369332"/>
-          </a:xfrm>
-          <a:prstGeom prst="rect">
-            <a:avLst/>
-          </a:prstGeom>
-        </p:spPr>
-        <p:txBody>
-          <a:bodyPr wrap="none">
-            <a:spAutoFit/>
-          </a:bodyPr>
-          <a:lstStyle/>
-          <a:p>
-            <a:r>
-              <a:rPr lang="en-US" dirty="0" smtClean="0"/>
-              <a:t>What is testing</a:t>
-            </a:r>
-            <a:endParaRPr lang="en-US" dirty="0"/>
-          </a:p>
-        </p:txBody>
-      </p:sp>
-      <p:sp>
-        <p:nvSpPr>
-          <p:cNvPr id="13" name="Flowchart: Connector 12"/>
-          <p:cNvSpPr/>
-          <p:nvPr/>
-        </p:nvSpPr>
-        <p:spPr>
-          <a:xfrm>
-            <a:off x="944741" y="1488043"/>
-            <a:ext cx="84841" cy="99536"/>
-          </a:xfrm>
-          <a:prstGeom prst="flowChartConnector">
-            <a:avLst/>
-          </a:prstGeom>
-        </p:spPr>
-        <p:style>
-          <a:lnRef idx="1">
-            <a:schemeClr val="accent6"/>
-          </a:lnRef>
-          <a:fillRef idx="3">
-            <a:schemeClr val="accent6"/>
-          </a:fillRef>
-          <a:effectRef idx="2">
-            <a:schemeClr val="accent6"/>
-          </a:effectRef>
-          <a:fontRef idx="minor">
-            <a:schemeClr val="lt1"/>
-          </a:fontRef>
-        </p:style>
-        <p:txBody>
-          <a:bodyPr rtlCol="0" anchor="ctr"/>
-          <a:lstStyle/>
-          <a:p>
-            <a:pPr algn="ctr"/>
-            <a:endParaRPr lang="en-US">
-              <a:solidFill>
-                <a:schemeClr val="tx1"/>
-              </a:solidFill>
-            </a:endParaRPr>
-          </a:p>
-        </p:txBody>
-      </p:sp>
-      <p:sp>
-        <p:nvSpPr>
-          <p:cNvPr id="14" name="Flowchart: Connector 13"/>
-          <p:cNvSpPr/>
-          <p:nvPr/>
-        </p:nvSpPr>
-        <p:spPr>
-          <a:xfrm>
-            <a:off x="931779" y="2051566"/>
-            <a:ext cx="84841" cy="99536"/>
-          </a:xfrm>
-          <a:prstGeom prst="flowChartConnector">
-            <a:avLst/>
-          </a:prstGeom>
-        </p:spPr>
-        <p:style>
-          <a:lnRef idx="1">
-            <a:schemeClr val="accent6"/>
-          </a:lnRef>
-          <a:fillRef idx="3">
-            <a:schemeClr val="accent6"/>
-          </a:fillRef>
-          <a:effectRef idx="2">
-            <a:schemeClr val="accent6"/>
-          </a:effectRef>
-          <a:fontRef idx="minor">
-            <a:schemeClr val="lt1"/>
-          </a:fontRef>
-        </p:style>
-        <p:txBody>
-          <a:bodyPr rtlCol="0" anchor="ctr"/>
-          <a:lstStyle/>
-          <a:p>
-            <a:pPr algn="ctr"/>
-            <a:endParaRPr lang="en-US">
-              <a:solidFill>
-                <a:schemeClr val="tx1"/>
-              </a:solidFill>
-            </a:endParaRPr>
-          </a:p>
-        </p:txBody>
-      </p:sp>
-      <p:sp>
-        <p:nvSpPr>
-          <p:cNvPr id="15" name="Flowchart: Connector 14"/>
-          <p:cNvSpPr/>
-          <p:nvPr/>
-        </p:nvSpPr>
-        <p:spPr>
-          <a:xfrm>
-            <a:off x="945626" y="2584966"/>
-            <a:ext cx="84841" cy="99536"/>
-          </a:xfrm>
-          <a:prstGeom prst="flowChartConnector">
-            <a:avLst/>
-          </a:prstGeom>
-        </p:spPr>
-        <p:style>
-          <a:lnRef idx="1">
-            <a:schemeClr val="accent6"/>
-          </a:lnRef>
-          <a:fillRef idx="3">
-            <a:schemeClr val="accent6"/>
-          </a:fillRef>
-          <a:effectRef idx="2">
-            <a:schemeClr val="accent6"/>
-          </a:effectRef>
-          <a:fontRef idx="minor">
-            <a:schemeClr val="lt1"/>
-          </a:fontRef>
-        </p:style>
-        <p:txBody>
-          <a:bodyPr rtlCol="0" anchor="ctr"/>
-          <a:lstStyle/>
-          <a:p>
-            <a:pPr algn="ctr"/>
-            <a:endParaRPr lang="en-US">
-              <a:solidFill>
-                <a:schemeClr val="tx1"/>
-              </a:solidFill>
-            </a:endParaRPr>
-          </a:p>
-        </p:txBody>
-      </p:sp>
-      <p:sp>
-        <p:nvSpPr>
-          <p:cNvPr id="17" name="Rectangle 16"/>
-          <p:cNvSpPr/>
-          <p:nvPr/>
-        </p:nvSpPr>
-        <p:spPr>
-          <a:xfrm>
-            <a:off x="1295400" y="3995772"/>
-            <a:ext cx="6477000" cy="369332"/>
-          </a:xfrm>
-          <a:prstGeom prst="rect">
-            <a:avLst/>
-          </a:prstGeom>
-        </p:spPr>
-        <p:txBody>
-          <a:bodyPr wrap="square">
-            <a:spAutoFit/>
-          </a:bodyPr>
-          <a:lstStyle/>
-          <a:p>
-            <a:r>
-              <a:rPr lang="en-US" dirty="0" smtClean="0"/>
-              <a:t>Code of ethics</a:t>
-            </a:r>
-            <a:endParaRPr lang="en-US" dirty="0"/>
-          </a:p>
-        </p:txBody>
-      </p:sp>
-      <p:sp>
-        <p:nvSpPr>
-          <p:cNvPr id="18" name="Flowchart: Connector 17"/>
-          <p:cNvSpPr/>
-          <p:nvPr/>
-        </p:nvSpPr>
-        <p:spPr>
-          <a:xfrm>
-            <a:off x="944742" y="4149720"/>
-            <a:ext cx="84841" cy="99536"/>
-          </a:xfrm>
-          <a:prstGeom prst="flowChartConnector">
-            <a:avLst/>
-          </a:prstGeom>
-        </p:spPr>
-        <p:style>
-          <a:lnRef idx="1">
-            <a:schemeClr val="accent6"/>
-          </a:lnRef>
-          <a:fillRef idx="3">
-            <a:schemeClr val="accent6"/>
-          </a:fillRef>
-          <a:effectRef idx="2">
-            <a:schemeClr val="accent6"/>
-          </a:effectRef>
-          <a:fontRef idx="minor">
-            <a:schemeClr val="lt1"/>
-          </a:fontRef>
-        </p:style>
-        <p:txBody>
-          <a:bodyPr rtlCol="0" anchor="ctr"/>
-          <a:lstStyle/>
-          <a:p>
-            <a:pPr algn="ctr"/>
-            <a:endParaRPr lang="en-US">
-              <a:solidFill>
-                <a:schemeClr val="tx1"/>
-              </a:solidFill>
-            </a:endParaRPr>
-          </a:p>
-        </p:txBody>
-      </p:sp>
-      <p:sp>
-        <p:nvSpPr>
-          <p:cNvPr id="19" name="Rectangle 18"/>
-          <p:cNvSpPr/>
-          <p:nvPr/>
-        </p:nvSpPr>
-        <p:spPr>
-          <a:xfrm>
-            <a:off x="1295400" y="2998594"/>
-            <a:ext cx="6444952" cy="369332"/>
-          </a:xfrm>
-          <a:prstGeom prst="rect">
-            <a:avLst/>
-          </a:prstGeom>
-        </p:spPr>
-        <p:txBody>
-          <a:bodyPr wrap="square">
-            <a:spAutoFit/>
-          </a:bodyPr>
-          <a:lstStyle/>
-          <a:p>
-            <a:r>
-              <a:rPr lang="en-US" dirty="0" smtClean="0"/>
-              <a:t>Fundamental Test Process</a:t>
-            </a:r>
-            <a:endParaRPr lang="en-US" dirty="0"/>
-          </a:p>
-        </p:txBody>
-      </p:sp>
-      <p:sp>
-        <p:nvSpPr>
-          <p:cNvPr id="20" name="Flowchart: Connector 19"/>
-          <p:cNvSpPr/>
-          <p:nvPr/>
-        </p:nvSpPr>
-        <p:spPr>
-          <a:xfrm>
-            <a:off x="944740" y="3133492"/>
-            <a:ext cx="84841" cy="99536"/>
-          </a:xfrm>
-          <a:prstGeom prst="flowChartConnector">
-            <a:avLst/>
-          </a:prstGeom>
-        </p:spPr>
-        <p:style>
-          <a:lnRef idx="1">
-            <a:schemeClr val="accent6"/>
-          </a:lnRef>
-          <a:fillRef idx="3">
-            <a:schemeClr val="accent6"/>
-          </a:fillRef>
-          <a:effectRef idx="2">
-            <a:schemeClr val="accent6"/>
-          </a:effectRef>
-          <a:fontRef idx="minor">
-            <a:schemeClr val="lt1"/>
-          </a:fontRef>
-        </p:style>
-        <p:txBody>
-          <a:bodyPr rtlCol="0" anchor="ctr"/>
-          <a:lstStyle/>
-          <a:p>
-            <a:pPr algn="ctr"/>
-            <a:endParaRPr lang="en-US">
-              <a:solidFill>
-                <a:schemeClr val="tx1"/>
-              </a:solidFill>
-            </a:endParaRPr>
-          </a:p>
-        </p:txBody>
-      </p:sp>
-      <p:sp>
-        <p:nvSpPr>
-          <p:cNvPr id="16" name="Rectangle 18"/>
-          <p:cNvSpPr/>
-          <p:nvPr/>
-        </p:nvSpPr>
-        <p:spPr>
-          <a:xfrm>
-            <a:off x="1295400" y="3491716"/>
-            <a:ext cx="6444952" cy="369332"/>
-          </a:xfrm>
-          <a:prstGeom prst="rect">
-            <a:avLst/>
-          </a:prstGeom>
-        </p:spPr>
-        <p:txBody>
-          <a:bodyPr wrap="square">
-            <a:spAutoFit/>
-          </a:bodyPr>
-          <a:lstStyle/>
-          <a:p>
-            <a:r>
-              <a:rPr lang="en-US" dirty="0" smtClean="0"/>
-              <a:t>The psychology of testing</a:t>
-            </a:r>
-            <a:endParaRPr lang="en-US" dirty="0"/>
-          </a:p>
-        </p:txBody>
-      </p:sp>
-      <p:sp>
-        <p:nvSpPr>
-          <p:cNvPr id="21" name="Flowchart: Connector 19"/>
-          <p:cNvSpPr/>
-          <p:nvPr/>
-        </p:nvSpPr>
-        <p:spPr>
-          <a:xfrm>
-            <a:off x="944740" y="3626614"/>
-            <a:ext cx="84841" cy="99536"/>
-          </a:xfrm>
-          <a:prstGeom prst="flowChartConnector">
-            <a:avLst/>
-          </a:prstGeom>
-        </p:spPr>
-        <p:style>
-          <a:lnRef idx="1">
-            <a:schemeClr val="accent6"/>
-          </a:lnRef>
-          <a:fillRef idx="3">
-            <a:schemeClr val="accent6"/>
-          </a:fillRef>
-          <a:effectRef idx="2">
-            <a:schemeClr val="accent6"/>
-          </a:effectRef>
-          <a:fontRef idx="minor">
-            <a:schemeClr val="lt1"/>
-          </a:fontRef>
-        </p:style>
-        <p:txBody>
-          <a:bodyPr rtlCol="0" anchor="ctr"/>
-          <a:lstStyle/>
-          <a:p>
-            <a:pPr algn="ctr"/>
-            <a:endParaRPr lang="en-US">
-              <a:solidFill>
-                <a:schemeClr val="tx1"/>
-              </a:solidFill>
-            </a:endParaRPr>
-          </a:p>
-        </p:txBody>
-      </p:sp>
+              <a:t>Example from life</a:t>
+            </a:r>
+            <a:endParaRPr lang="ru-RU" dirty="0"/>
+          </a:p>
+        </p:txBody>
+      </p:sp>
+      <p:pic>
+        <p:nvPicPr>
+          <p:cNvPr id="7" name="Содержимое 6" descr="повара.jpg"/>
+          <p:cNvPicPr>
+            <a:picLocks noGrp="1" noChangeAspect="1"/>
+          </p:cNvPicPr>
+          <p:nvPr>
+            <p:ph sz="half" idx="1"/>
+          </p:nvPr>
+        </p:nvPicPr>
+        <p:blipFill>
+          <a:blip r:embed="rId3" cstate="print"/>
+          <a:stretch>
+            <a:fillRect/>
+          </a:stretch>
+        </p:blipFill>
+        <p:spPr>
+          <a:xfrm>
+            <a:off x="457200" y="2732136"/>
+            <a:ext cx="3682752" cy="2262090"/>
+          </a:xfrm>
+        </p:spPr>
+      </p:pic>
+      <p:pic>
+        <p:nvPicPr>
+          <p:cNvPr id="8" name="Содержимое 7" descr="разработчики.jpg"/>
+          <p:cNvPicPr>
+            <a:picLocks noGrp="1" noChangeAspect="1"/>
+          </p:cNvPicPr>
+          <p:nvPr>
+            <p:ph sz="half" idx="2"/>
+          </p:nvPr>
+        </p:nvPicPr>
+        <p:blipFill>
+          <a:blip r:embed="rId4" cstate="print"/>
+          <a:stretch>
+            <a:fillRect/>
+          </a:stretch>
+        </p:blipFill>
+        <p:spPr>
+          <a:xfrm>
+            <a:off x="4716016" y="2708920"/>
+            <a:ext cx="3616077" cy="2337185"/>
+          </a:xfrm>
+        </p:spPr>
+      </p:pic>
     </p:spTree>
     <p:extLst>
       <p:ext uri="{BB962C8B-B14F-4D97-AF65-F5344CB8AC3E}">
-        <p14:creationId xmlns:p14="http://schemas.microsoft.com/office/powerpoint/2010/main" xmlns="" val="4060775951"/>
+        <p14:creationId xmlns:p14="http://schemas.microsoft.com/office/powerpoint/2010/main" xmlns="" val="1923330547"/>
       </p:ext>
     </p:extLst>
   </p:cSld>
   <p:clrMapOvr>
     <a:masterClrMapping/>
   </p:clrMapOvr>
-  <mc:AlternateContent xmlns:mc="http://schemas.openxmlformats.org/markup-compatibility/2006">
-    <mc:Choice xmlns:p14="http://schemas.microsoft.com/office/powerpoint/2010/main" xmlns="" Requires="p14">
-      <p:transition spd="slow" p14:dur="2000"/>
-    </mc:Choice>
-    <mc:Fallback>
-      <p:transition spd="slow"/>
-    </mc:Fallback>
-  </mc:AlternateContent>
   <p:timing>
     <p:tnLst>
       <p:par>
@@ -12508,7 +13130,7 @@
         <p:spPr>
           <a:xfrm>
             <a:off x="457200" y="533400"/>
-            <a:ext cx="4637808" cy="630942"/>
+            <a:ext cx="4437369" cy="630942"/>
           </a:xfrm>
           <a:prstGeom prst="rect">
             <a:avLst/>
@@ -12537,7 +13159,7 @@
                   </a:outerShdw>
                 </a:effectLst>
               </a:rPr>
-              <a:t>Why is testing necessary</a:t>
+              <a:t>Fundamental of Testing</a:t>
             </a:r>
             <a:endParaRPr lang="en-US" sz="3500" dirty="0">
               <a:solidFill>
@@ -12580,36 +13202,7 @@
           <a:p>
             <a:r>
               <a:rPr lang="en-US" dirty="0" smtClean="0"/>
-              <a:t>Causes of software defects</a:t>
-            </a:r>
-            <a:endParaRPr lang="en-US" dirty="0"/>
-          </a:p>
-        </p:txBody>
-      </p:sp>
-      <p:sp>
-        <p:nvSpPr>
-          <p:cNvPr id="5" name="Rectangle 4"/>
-          <p:cNvSpPr/>
-          <p:nvPr/>
-        </p:nvSpPr>
-        <p:spPr>
-          <a:xfrm>
-            <a:off x="1295400" y="3203684"/>
-            <a:ext cx="6477000" cy="369332"/>
-          </a:xfrm>
-          <a:prstGeom prst="rect">
-            <a:avLst/>
-          </a:prstGeom>
-        </p:spPr>
-        <p:txBody>
-          <a:bodyPr wrap="square">
-            <a:spAutoFit/>
-          </a:bodyPr>
-          <a:lstStyle/>
-          <a:p>
-            <a:r>
-              <a:rPr lang="en-US" dirty="0" smtClean="0"/>
-              <a:t>Testing and quality</a:t>
+              <a:t>Why is testing necessary</a:t>
             </a:r>
             <a:endParaRPr lang="en-US" dirty="0"/>
           </a:p>
@@ -12624,7 +13217,7 @@
         <p:spPr>
           <a:xfrm>
             <a:off x="1295400" y="2450068"/>
-            <a:ext cx="4572000" cy="646331"/>
+            <a:ext cx="4572000" cy="369332"/>
           </a:xfrm>
           <a:prstGeom prst="rect">
             <a:avLst/>
@@ -12638,7 +13231,7 @@
           <a:p>
             <a:r>
               <a:rPr lang="en-US" dirty="0" smtClean="0"/>
-              <a:t>Role of testing in software development, maintenance and operations</a:t>
+              <a:t>Seven testing principles</a:t>
             </a:r>
             <a:endParaRPr lang="en-US" dirty="0"/>
           </a:p>
@@ -12801,13 +13394,42 @@
       </p:sp>
       <p:sp>
         <p:nvSpPr>
-          <p:cNvPr id="16" name="Flowchart: Connector 15"/>
+          <p:cNvPr id="17" name="Rectangle 16"/>
           <p:cNvSpPr/>
           <p:nvPr/>
         </p:nvSpPr>
         <p:spPr>
           <a:xfrm>
-            <a:off x="944742" y="3338582"/>
+            <a:off x="1295400" y="3995772"/>
+            <a:ext cx="6477000" cy="369332"/>
+          </a:xfrm>
+          <a:prstGeom prst="rect">
+            <a:avLst/>
+          </a:prstGeom>
+        </p:spPr>
+        <p:txBody>
+          <a:bodyPr wrap="square">
+            <a:spAutoFit/>
+          </a:bodyPr>
+          <a:lstStyle/>
+          <a:p>
+            <a:r>
+              <a:rPr lang="en-US" dirty="0" smtClean="0"/>
+              <a:t>Code of ethics</a:t>
+            </a:r>
+            <a:endParaRPr lang="en-US" dirty="0"/>
+          </a:p>
+        </p:txBody>
+      </p:sp>
+      <p:sp>
+        <p:nvSpPr>
+          <p:cNvPr id="18" name="Flowchart: Connector 17"/>
+          <p:cNvSpPr/>
+          <p:nvPr/>
+        </p:nvSpPr>
+        <p:spPr>
+          <a:xfrm>
+            <a:off x="944742" y="4149720"/>
             <a:ext cx="84841" cy="99536"/>
           </a:xfrm>
           <a:prstGeom prst="flowChartConnector">
@@ -12849,7 +13471,7 @@
         </p:nvSpPr>
         <p:spPr>
           <a:xfrm>
-            <a:off x="1295400" y="3646666"/>
+            <a:off x="1295400" y="2998594"/>
             <a:ext cx="6444952" cy="369332"/>
           </a:xfrm>
           <a:prstGeom prst="rect">
@@ -12864,7 +13486,7 @@
           <a:p>
             <a:r>
               <a:rPr lang="en-US" dirty="0" smtClean="0"/>
-              <a:t>How much testing is enough</a:t>
+              <a:t>Fundamental Test Process</a:t>
             </a:r>
             <a:endParaRPr lang="en-US" dirty="0"/>
           </a:p>
@@ -12878,7 +13500,78 @@
         </p:nvSpPr>
         <p:spPr>
           <a:xfrm>
-            <a:off x="944740" y="3781564"/>
+            <a:off x="944740" y="3133492"/>
+            <a:ext cx="84841" cy="99536"/>
+          </a:xfrm>
+          <a:prstGeom prst="flowChartConnector">
+            <a:avLst/>
+          </a:prstGeom>
+        </p:spPr>
+        <p:style>
+          <a:lnRef idx="1">
+            <a:schemeClr val="accent6"/>
+          </a:lnRef>
+          <a:fillRef idx="3">
+            <a:schemeClr val="accent6"/>
+          </a:fillRef>
+          <a:effectRef idx="2">
+            <a:schemeClr val="accent6"/>
+          </a:effectRef>
+          <a:fontRef idx="minor">
+            <a:schemeClr val="lt1"/>
+          </a:fontRef>
+        </p:style>
+        <p:txBody>
+          <a:bodyPr rtlCol="0" anchor="ctr"/>
+          <a:lstStyle/>
+          <a:p>
+            <a:pPr algn="ctr"/>
+            <a:endParaRPr lang="en-US">
+              <a:solidFill>
+                <a:schemeClr val="tx1"/>
+              </a:solidFill>
+            </a:endParaRPr>
+          </a:p>
+        </p:txBody>
+      </p:sp>
+      <p:sp>
+        <p:nvSpPr>
+          <p:cNvPr id="16" name="Rectangle 18"/>
+          <p:cNvSpPr/>
+          <p:nvPr/>
+        </p:nvSpPr>
+        <p:spPr>
+          <a:xfrm>
+            <a:off x="1295400" y="3491716"/>
+            <a:ext cx="6444952" cy="369332"/>
+          </a:xfrm>
+          <a:prstGeom prst="rect">
+            <a:avLst/>
+          </a:prstGeom>
+        </p:spPr>
+        <p:txBody>
+          <a:bodyPr wrap="square">
+            <a:spAutoFit/>
+          </a:bodyPr>
+          <a:lstStyle/>
+          <a:p>
+            <a:r>
+              <a:rPr lang="en-US" dirty="0" smtClean="0"/>
+              <a:t>The psychology of testing</a:t>
+            </a:r>
+            <a:endParaRPr lang="en-US" dirty="0"/>
+          </a:p>
+        </p:txBody>
+      </p:sp>
+      <p:sp>
+        <p:nvSpPr>
+          <p:cNvPr id="21" name="Flowchart: Connector 19"/>
+          <p:cNvSpPr/>
+          <p:nvPr/>
+        </p:nvSpPr>
+        <p:spPr>
+          <a:xfrm>
+            <a:off x="944740" y="3626614"/>
             <a:ext cx="84841" cy="99536"/>
           </a:xfrm>
           <a:prstGeom prst="flowChartConnector">
@@ -12966,7 +13659,7 @@
         <p:spPr>
           <a:xfrm>
             <a:off x="457200" y="533400"/>
-            <a:ext cx="1278107" cy="630942"/>
+            <a:ext cx="4637808" cy="630942"/>
           </a:xfrm>
           <a:prstGeom prst="rect">
             <a:avLst/>
@@ -12995,7 +13688,7 @@
                   </a:outerShdw>
                 </a:effectLst>
               </a:rPr>
-              <a:t>Terms</a:t>
+              <a:t>Why is testing necessary</a:t>
             </a:r>
             <a:endParaRPr lang="en-US" sz="3500" dirty="0">
               <a:solidFill>
@@ -13024,7 +13717,36 @@
         <p:spPr>
           <a:xfrm>
             <a:off x="1249680" y="1362670"/>
-            <a:ext cx="7066736" cy="2031325"/>
+            <a:ext cx="4572000" cy="369332"/>
+          </a:xfrm>
+          <a:prstGeom prst="rect">
+            <a:avLst/>
+          </a:prstGeom>
+        </p:spPr>
+        <p:txBody>
+          <a:bodyPr>
+            <a:spAutoFit/>
+          </a:bodyPr>
+          <a:lstStyle/>
+          <a:p>
+            <a:r>
+              <a:rPr lang="en-US" dirty="0" smtClean="0"/>
+              <a:t>Causes of software defects</a:t>
+            </a:r>
+            <a:endParaRPr lang="en-US" dirty="0"/>
+          </a:p>
+        </p:txBody>
+      </p:sp>
+      <p:sp>
+        <p:nvSpPr>
+          <p:cNvPr id="5" name="Rectangle 4"/>
+          <p:cNvSpPr/>
+          <p:nvPr/>
+        </p:nvSpPr>
+        <p:spPr>
+          <a:xfrm>
+            <a:off x="1295400" y="3203684"/>
+            <a:ext cx="6477000" cy="369332"/>
           </a:xfrm>
           <a:prstGeom prst="rect">
             <a:avLst/>
@@ -13037,18 +13759,66 @@
           <a:lstStyle/>
           <a:p>
             <a:r>
-              <a:rPr lang="en-US" u="sng" dirty="0" smtClean="0"/>
-              <a:t>Bug (defect, defect report, fault) </a:t>
-            </a:r>
-            <a:r>
               <a:rPr lang="en-US" dirty="0" smtClean="0"/>
-              <a:t>- a flaw in a component or system that can cause the component or system to fail to perform its required function, e.g. an incorrect statement or data definition. A defect, if encountered during execution, may cause a failure of the component or system.</a:t>
-            </a:r>
-          </a:p>
+              <a:t>Testing and quality</a:t>
+            </a:r>
+            <a:endParaRPr lang="en-US" dirty="0"/>
+          </a:p>
+        </p:txBody>
+      </p:sp>
+      <p:sp>
+        <p:nvSpPr>
+          <p:cNvPr id="6" name="Rectangle 5"/>
+          <p:cNvSpPr/>
+          <p:nvPr/>
+        </p:nvSpPr>
+        <p:spPr>
+          <a:xfrm>
+            <a:off x="1295400" y="2450068"/>
+            <a:ext cx="4572000" cy="646331"/>
+          </a:xfrm>
+          <a:prstGeom prst="rect">
+            <a:avLst/>
+          </a:prstGeom>
+        </p:spPr>
+        <p:txBody>
+          <a:bodyPr>
+            <a:spAutoFit/>
+          </a:bodyPr>
+          <a:lstStyle/>
           <a:p>
             <a:r>
               <a:rPr lang="en-US" dirty="0" smtClean="0"/>
-              <a:t>A document reporting on any flaw in a component or system that can cause the component or system to fail to perform its required function</a:t>
+              <a:t>Role of testing in software development, maintenance and operations</a:t>
+            </a:r>
+            <a:endParaRPr lang="en-US" dirty="0"/>
+          </a:p>
+        </p:txBody>
+      </p:sp>
+      <p:sp>
+        <p:nvSpPr>
+          <p:cNvPr id="7" name="Rectangle 6"/>
+          <p:cNvSpPr/>
+          <p:nvPr/>
+        </p:nvSpPr>
+        <p:spPr>
+          <a:xfrm>
+            <a:off x="1249680" y="1916668"/>
+            <a:ext cx="1583319" cy="369332"/>
+          </a:xfrm>
+          <a:prstGeom prst="rect">
+            <a:avLst/>
+          </a:prstGeom>
+        </p:spPr>
+        <p:txBody>
+          <a:bodyPr wrap="none">
+            <a:spAutoFit/>
+          </a:bodyPr>
+          <a:lstStyle/>
+          <a:p>
+            <a:r>
+              <a:rPr lang="en-US" dirty="0" smtClean="0"/>
+              <a:t>What is testing</a:t>
             </a:r>
             <a:endParaRPr lang="en-US" dirty="0"/>
           </a:p>
@@ -13098,46 +13868,13 @@
       </p:sp>
       <p:sp>
         <p:nvSpPr>
-          <p:cNvPr id="21" name="Rectangle 3"/>
+          <p:cNvPr id="14" name="Flowchart: Connector 13"/>
           <p:cNvSpPr/>
           <p:nvPr/>
         </p:nvSpPr>
         <p:spPr>
           <a:xfrm>
-            <a:off x="1259632" y="3347700"/>
-            <a:ext cx="7066736" cy="369332"/>
-          </a:xfrm>
-          <a:prstGeom prst="rect">
-            <a:avLst/>
-          </a:prstGeom>
-        </p:spPr>
-        <p:txBody>
-          <a:bodyPr wrap="square">
-            <a:spAutoFit/>
-          </a:bodyPr>
-          <a:lstStyle/>
-          <a:p>
-            <a:r>
-              <a:rPr lang="en-US" u="sng" dirty="0" smtClean="0"/>
-              <a:t>Error (mistake)</a:t>
-            </a:r>
-            <a:r>
-              <a:rPr lang="en-US" dirty="0" smtClean="0"/>
-              <a:t>- a human action that produces an incorrect result</a:t>
-            </a:r>
-            <a:endParaRPr lang="en-US" dirty="0"/>
-          </a:p>
-        </p:txBody>
-      </p:sp>
-      <p:sp>
-        <p:nvSpPr>
-          <p:cNvPr id="22" name="Flowchart: Connector 12"/>
-          <p:cNvSpPr/>
-          <p:nvPr/>
-        </p:nvSpPr>
-        <p:spPr>
-          <a:xfrm>
-            <a:off x="899592" y="3490322"/>
+            <a:off x="931779" y="2051566"/>
             <a:ext cx="84841" cy="99536"/>
           </a:xfrm>
           <a:prstGeom prst="flowChartConnector">
@@ -13173,46 +13910,13 @@
       </p:sp>
       <p:sp>
         <p:nvSpPr>
-          <p:cNvPr id="23" name="Rectangle 3"/>
+          <p:cNvPr id="15" name="Flowchart: Connector 14"/>
           <p:cNvSpPr/>
           <p:nvPr/>
         </p:nvSpPr>
         <p:spPr>
           <a:xfrm>
-            <a:off x="1259632" y="3717032"/>
-            <a:ext cx="7066736" cy="646331"/>
-          </a:xfrm>
-          <a:prstGeom prst="rect">
-            <a:avLst/>
-          </a:prstGeom>
-        </p:spPr>
-        <p:txBody>
-          <a:bodyPr wrap="square">
-            <a:spAutoFit/>
-          </a:bodyPr>
-          <a:lstStyle/>
-          <a:p>
-            <a:r>
-              <a:rPr lang="en-US" u="sng" dirty="0" smtClean="0"/>
-              <a:t>Failure</a:t>
-            </a:r>
-            <a:r>
-              <a:rPr lang="en-US" dirty="0" smtClean="0"/>
-              <a:t>- deviation of the component or system from its expected delivery, service or result</a:t>
-            </a:r>
-            <a:endParaRPr lang="en-US" dirty="0"/>
-          </a:p>
-        </p:txBody>
-      </p:sp>
-      <p:sp>
-        <p:nvSpPr>
-          <p:cNvPr id="24" name="Flowchart: Connector 12"/>
-          <p:cNvSpPr/>
-          <p:nvPr/>
-        </p:nvSpPr>
-        <p:spPr>
-          <a:xfrm>
-            <a:off x="899592" y="3859654"/>
+            <a:off x="945626" y="2584966"/>
             <a:ext cx="84841" cy="99536"/>
           </a:xfrm>
           <a:prstGeom prst="flowChartConnector">
@@ -13248,46 +13952,13 @@
       </p:sp>
       <p:sp>
         <p:nvSpPr>
-          <p:cNvPr id="25" name="Rectangle 3"/>
+          <p:cNvPr id="16" name="Flowchart: Connector 15"/>
           <p:cNvSpPr/>
           <p:nvPr/>
         </p:nvSpPr>
         <p:spPr>
           <a:xfrm>
-            <a:off x="1249680" y="4366845"/>
-            <a:ext cx="7066736" cy="646331"/>
-          </a:xfrm>
-          <a:prstGeom prst="rect">
-            <a:avLst/>
-          </a:prstGeom>
-        </p:spPr>
-        <p:txBody>
-          <a:bodyPr wrap="square">
-            <a:spAutoFit/>
-          </a:bodyPr>
-          <a:lstStyle/>
-          <a:p>
-            <a:r>
-              <a:rPr lang="en-US" u="sng" dirty="0" smtClean="0"/>
-              <a:t>Quality </a:t>
-            </a:r>
-            <a:r>
-              <a:rPr lang="en-US" dirty="0" smtClean="0"/>
-              <a:t>- the degree to which a component, system or process meets specified requirements and/or user/customer needs and expectations </a:t>
-            </a:r>
-            <a:endParaRPr lang="en-US" dirty="0"/>
-          </a:p>
-        </p:txBody>
-      </p:sp>
-      <p:sp>
-        <p:nvSpPr>
-          <p:cNvPr id="26" name="Flowchart: Connector 12"/>
-          <p:cNvSpPr/>
-          <p:nvPr/>
-        </p:nvSpPr>
-        <p:spPr>
-          <a:xfrm>
-            <a:off x="889640" y="4509467"/>
+            <a:off x="944742" y="3338582"/>
             <a:ext cx="84841" cy="99536"/>
           </a:xfrm>
           <a:prstGeom prst="flowChartConnector">
@@ -13323,14 +13994,14 @@
       </p:sp>
       <p:sp>
         <p:nvSpPr>
-          <p:cNvPr id="27" name="Rectangle 3"/>
+          <p:cNvPr id="19" name="Rectangle 18"/>
           <p:cNvSpPr/>
           <p:nvPr/>
         </p:nvSpPr>
         <p:spPr>
           <a:xfrm>
-            <a:off x="1249680" y="5014917"/>
-            <a:ext cx="6634688" cy="646331"/>
+            <a:off x="1295400" y="3646666"/>
+            <a:ext cx="6444952" cy="369332"/>
           </a:xfrm>
           <a:prstGeom prst="rect">
             <a:avLst/>
@@ -13343,12 +14014,8 @@
           <a:lstStyle/>
           <a:p>
             <a:r>
-              <a:rPr lang="en-US" u="sng" dirty="0" smtClean="0"/>
-              <a:t>Risk </a:t>
-            </a:r>
-            <a:r>
               <a:rPr lang="en-US" dirty="0" smtClean="0"/>
-              <a:t>- a factor that could result in future negative consequences; usually expressed as impact and likelihood</a:t>
+              <a:t>How much testing is enough</a:t>
             </a:r>
             <a:endParaRPr lang="en-US" dirty="0"/>
           </a:p>
@@ -13356,13 +14023,13 @@
       </p:sp>
       <p:sp>
         <p:nvSpPr>
-          <p:cNvPr id="28" name="Flowchart: Connector 12"/>
+          <p:cNvPr id="20" name="Flowchart: Connector 19"/>
           <p:cNvSpPr/>
           <p:nvPr/>
         </p:nvSpPr>
         <p:spPr>
           <a:xfrm>
-            <a:off x="889640" y="5157539"/>
+            <a:off x="944740" y="3781564"/>
             <a:ext cx="84841" cy="99536"/>
           </a:xfrm>
           <a:prstGeom prst="flowChartConnector">
@@ -13450,7 +14117,7 @@
         <p:spPr>
           <a:xfrm>
             <a:off x="457200" y="533400"/>
-            <a:ext cx="2902141" cy="630942"/>
+            <a:ext cx="1278107" cy="630942"/>
           </a:xfrm>
           <a:prstGeom prst="rect">
             <a:avLst/>
@@ -13479,7 +14146,7 @@
                   </a:outerShdw>
                 </a:effectLst>
               </a:rPr>
-              <a:t>What is testing</a:t>
+              <a:t>Terms</a:t>
             </a:r>
             <a:endParaRPr lang="en-US" sz="3500" dirty="0">
               <a:solidFill>
@@ -13508,7 +14175,7 @@
         <p:spPr>
           <a:xfrm>
             <a:off x="1249680" y="1362670"/>
-            <a:ext cx="6634688" cy="646331"/>
+            <a:ext cx="7066736" cy="2031325"/>
           </a:xfrm>
           <a:prstGeom prst="rect">
             <a:avLst/>
@@ -13521,135 +14188,18 @@
           <a:lstStyle/>
           <a:p>
             <a:r>
+              <a:rPr lang="en-US" u="sng" dirty="0" smtClean="0"/>
+              <a:t>Bug (defect, defect report, fault) </a:t>
+            </a:r>
+            <a:r>
               <a:rPr lang="en-US" dirty="0" smtClean="0"/>
-              <a:t>Running tests is not  all of the testing activities. Test activities exist before and after test execution </a:t>
-            </a:r>
-            <a:endParaRPr lang="en-US" dirty="0"/>
-          </a:p>
-        </p:txBody>
-      </p:sp>
-      <p:sp>
-        <p:nvSpPr>
-          <p:cNvPr id="5" name="Rectangle 4"/>
-          <p:cNvSpPr/>
-          <p:nvPr/>
-        </p:nvSpPr>
-        <p:spPr>
-          <a:xfrm>
-            <a:off x="1295400" y="4302388"/>
-            <a:ext cx="6477000" cy="369332"/>
-          </a:xfrm>
-          <a:prstGeom prst="rect">
-            <a:avLst/>
-          </a:prstGeom>
-        </p:spPr>
-        <p:txBody>
-          <a:bodyPr wrap="square">
-            <a:spAutoFit/>
-          </a:bodyPr>
-          <a:lstStyle/>
+              <a:t>- a flaw in a component or system that can cause the component or system to fail to perform its required function, e.g. an incorrect statement or data definition. A defect, if encountered during execution, may cause a failure of the component or system.</a:t>
+            </a:r>
+          </a:p>
           <a:p>
             <a:r>
               <a:rPr lang="en-US" dirty="0" smtClean="0"/>
-              <a:t>Debugging and testing are different</a:t>
-            </a:r>
-            <a:endParaRPr lang="en-US" dirty="0"/>
-          </a:p>
-        </p:txBody>
-      </p:sp>
-      <p:sp>
-        <p:nvSpPr>
-          <p:cNvPr id="6" name="Rectangle 5"/>
-          <p:cNvSpPr/>
-          <p:nvPr/>
-        </p:nvSpPr>
-        <p:spPr>
-          <a:xfrm>
-            <a:off x="1295400" y="3582308"/>
-            <a:ext cx="6300936" cy="646331"/>
-          </a:xfrm>
-          <a:prstGeom prst="rect">
-            <a:avLst/>
-          </a:prstGeom>
-        </p:spPr>
-        <p:txBody>
-          <a:bodyPr wrap="square">
-            <a:spAutoFit/>
-          </a:bodyPr>
-          <a:lstStyle/>
-          <a:p>
-            <a:r>
-              <a:rPr lang="en-US" dirty="0" smtClean="0"/>
-              <a:t>Different viewpoints in testing take different objectives into account</a:t>
-            </a:r>
-            <a:endParaRPr lang="en-US" dirty="0"/>
-          </a:p>
-        </p:txBody>
-      </p:sp>
-      <p:sp>
-        <p:nvSpPr>
-          <p:cNvPr id="7" name="Rectangle 6"/>
-          <p:cNvSpPr/>
-          <p:nvPr/>
-        </p:nvSpPr>
-        <p:spPr>
-          <a:xfrm>
-            <a:off x="1249680" y="2060848"/>
-            <a:ext cx="6346656" cy="1477328"/>
-          </a:xfrm>
-          <a:prstGeom prst="rect">
-            <a:avLst/>
-          </a:prstGeom>
-        </p:spPr>
-        <p:txBody>
-          <a:bodyPr wrap="square">
-            <a:spAutoFit/>
-          </a:bodyPr>
-          <a:lstStyle/>
-          <a:p>
-            <a:r>
-              <a:rPr lang="en-US" dirty="0" smtClean="0"/>
-              <a:t>Testing can have the following objectives:</a:t>
-            </a:r>
-          </a:p>
-          <a:p>
-            <a:pPr>
-              <a:buFont typeface="Wingdings" pitchFamily="2" charset="2"/>
-              <a:buChar char="Ø"/>
-            </a:pPr>
-            <a:r>
-              <a:rPr lang="en-US" dirty="0" smtClean="0"/>
-              <a:t>Finding defects</a:t>
-            </a:r>
-          </a:p>
-          <a:p>
-            <a:pPr>
-              <a:buFont typeface="Wingdings" pitchFamily="2" charset="2"/>
-              <a:buChar char="Ø"/>
-            </a:pPr>
-            <a:r>
-              <a:rPr lang="en-US" dirty="0" smtClean="0"/>
-              <a:t>Gaining confidence about the level of quality</a:t>
-            </a:r>
-          </a:p>
-          <a:p>
-            <a:pPr>
-              <a:buFont typeface="Wingdings" pitchFamily="2" charset="2"/>
-              <a:buChar char="Ø"/>
-            </a:pPr>
-            <a:r>
-              <a:rPr lang="en-US" dirty="0" smtClean="0"/>
-              <a:t>Providing information for decision-making</a:t>
-            </a:r>
-          </a:p>
-          <a:p>
-            <a:pPr>
-              <a:buFont typeface="Wingdings" pitchFamily="2" charset="2"/>
-              <a:buChar char="Ø"/>
-            </a:pPr>
-            <a:r>
-              <a:rPr lang="en-US" dirty="0" smtClean="0"/>
-              <a:t>Preventing defects</a:t>
+              <a:t>A document reporting on any flaw in a component or system that can cause the component or system to fail to perform its required function</a:t>
             </a:r>
             <a:endParaRPr lang="en-US" dirty="0"/>
           </a:p>
@@ -13699,13 +14249,46 @@
       </p:sp>
       <p:sp>
         <p:nvSpPr>
-          <p:cNvPr id="14" name="Flowchart: Connector 13"/>
+          <p:cNvPr id="21" name="Rectangle 3"/>
           <p:cNvSpPr/>
           <p:nvPr/>
         </p:nvSpPr>
         <p:spPr>
           <a:xfrm>
-            <a:off x="931779" y="2195746"/>
+            <a:off x="1259632" y="3347700"/>
+            <a:ext cx="7066736" cy="369332"/>
+          </a:xfrm>
+          <a:prstGeom prst="rect">
+            <a:avLst/>
+          </a:prstGeom>
+        </p:spPr>
+        <p:txBody>
+          <a:bodyPr wrap="square">
+            <a:spAutoFit/>
+          </a:bodyPr>
+          <a:lstStyle/>
+          <a:p>
+            <a:r>
+              <a:rPr lang="en-US" u="sng" dirty="0" smtClean="0"/>
+              <a:t>Error (mistake)</a:t>
+            </a:r>
+            <a:r>
+              <a:rPr lang="en-US" dirty="0" smtClean="0"/>
+              <a:t>- a human action that produces an incorrect result</a:t>
+            </a:r>
+            <a:endParaRPr lang="en-US" dirty="0"/>
+          </a:p>
+        </p:txBody>
+      </p:sp>
+      <p:sp>
+        <p:nvSpPr>
+          <p:cNvPr id="22" name="Flowchart: Connector 12"/>
+          <p:cNvSpPr/>
+          <p:nvPr/>
+        </p:nvSpPr>
+        <p:spPr>
+          <a:xfrm>
+            <a:off x="899592" y="3490322"/>
             <a:ext cx="84841" cy="99536"/>
           </a:xfrm>
           <a:prstGeom prst="flowChartConnector">
@@ -13741,13 +14324,46 @@
       </p:sp>
       <p:sp>
         <p:nvSpPr>
-          <p:cNvPr id="15" name="Flowchart: Connector 14"/>
+          <p:cNvPr id="23" name="Rectangle 3"/>
           <p:cNvSpPr/>
           <p:nvPr/>
         </p:nvSpPr>
         <p:spPr>
           <a:xfrm>
-            <a:off x="945626" y="3717206"/>
+            <a:off x="1259632" y="3717032"/>
+            <a:ext cx="7066736" cy="646331"/>
+          </a:xfrm>
+          <a:prstGeom prst="rect">
+            <a:avLst/>
+          </a:prstGeom>
+        </p:spPr>
+        <p:txBody>
+          <a:bodyPr wrap="square">
+            <a:spAutoFit/>
+          </a:bodyPr>
+          <a:lstStyle/>
+          <a:p>
+            <a:r>
+              <a:rPr lang="en-US" u="sng" dirty="0" smtClean="0"/>
+              <a:t>Failure</a:t>
+            </a:r>
+            <a:r>
+              <a:rPr lang="en-US" dirty="0" smtClean="0"/>
+              <a:t>- deviation of the component or system from its expected delivery, service or result</a:t>
+            </a:r>
+            <a:endParaRPr lang="en-US" dirty="0"/>
+          </a:p>
+        </p:txBody>
+      </p:sp>
+      <p:sp>
+        <p:nvSpPr>
+          <p:cNvPr id="24" name="Flowchart: Connector 12"/>
+          <p:cNvSpPr/>
+          <p:nvPr/>
+        </p:nvSpPr>
+        <p:spPr>
+          <a:xfrm>
+            <a:off x="899592" y="3859654"/>
             <a:ext cx="84841" cy="99536"/>
           </a:xfrm>
           <a:prstGeom prst="flowChartConnector">
@@ -13783,13 +14399,46 @@
       </p:sp>
       <p:sp>
         <p:nvSpPr>
-          <p:cNvPr id="16" name="Flowchart: Connector 15"/>
+          <p:cNvPr id="25" name="Rectangle 3"/>
           <p:cNvSpPr/>
           <p:nvPr/>
         </p:nvSpPr>
         <p:spPr>
           <a:xfrm>
-            <a:off x="944742" y="4437286"/>
+            <a:off x="1249680" y="4366845"/>
+            <a:ext cx="7066736" cy="646331"/>
+          </a:xfrm>
+          <a:prstGeom prst="rect">
+            <a:avLst/>
+          </a:prstGeom>
+        </p:spPr>
+        <p:txBody>
+          <a:bodyPr wrap="square">
+            <a:spAutoFit/>
+          </a:bodyPr>
+          <a:lstStyle/>
+          <a:p>
+            <a:r>
+              <a:rPr lang="en-US" u="sng" dirty="0" smtClean="0"/>
+              <a:t>Quality </a:t>
+            </a:r>
+            <a:r>
+              <a:rPr lang="en-US" dirty="0" smtClean="0"/>
+              <a:t>- the degree to which a component, system or process meets specified requirements and/or user/customer needs and expectations </a:t>
+            </a:r>
+            <a:endParaRPr lang="en-US" dirty="0"/>
+          </a:p>
+        </p:txBody>
+      </p:sp>
+      <p:sp>
+        <p:nvSpPr>
+          <p:cNvPr id="26" name="Flowchart: Connector 12"/>
+          <p:cNvSpPr/>
+          <p:nvPr/>
+        </p:nvSpPr>
+        <p:spPr>
+          <a:xfrm>
+            <a:off x="889640" y="4509467"/>
             <a:ext cx="84841" cy="99536"/>
           </a:xfrm>
           <a:prstGeom prst="flowChartConnector">
@@ -13825,14 +14474,14 @@
       </p:sp>
       <p:sp>
         <p:nvSpPr>
-          <p:cNvPr id="17" name="Rectangle 4"/>
+          <p:cNvPr id="27" name="Rectangle 3"/>
           <p:cNvSpPr/>
           <p:nvPr/>
         </p:nvSpPr>
         <p:spPr>
           <a:xfrm>
-            <a:off x="827584" y="4797152"/>
-            <a:ext cx="6624736" cy="1200329"/>
+            <a:off x="1249680" y="5014917"/>
+            <a:ext cx="6634688" cy="646331"/>
           </a:xfrm>
           <a:prstGeom prst="rect">
             <a:avLst/>
@@ -13845,14 +14494,56 @@
           <a:lstStyle/>
           <a:p>
             <a:r>
-              <a:rPr lang="en-US" b="1" u="sng" dirty="0" smtClean="0"/>
-              <a:t>Software testing </a:t>
-            </a:r>
-            <a:r>
-              <a:rPr lang="en-US" b="1" dirty="0" smtClean="0"/>
-              <a:t>is the set of activities that involves planning and preparing on how to test&amp; what to test the software for and executing software with the intent of finding defects and validating the software against requirements</a:t>
-            </a:r>
-            <a:endParaRPr lang="en-US" b="1" dirty="0"/>
+              <a:rPr lang="en-US" u="sng" dirty="0" smtClean="0"/>
+              <a:t>Risk </a:t>
+            </a:r>
+            <a:r>
+              <a:rPr lang="en-US" dirty="0" smtClean="0"/>
+              <a:t>- a factor that could result in future negative consequences; usually expressed as impact and likelihood</a:t>
+            </a:r>
+            <a:endParaRPr lang="en-US" dirty="0"/>
+          </a:p>
+        </p:txBody>
+      </p:sp>
+      <p:sp>
+        <p:nvSpPr>
+          <p:cNvPr id="28" name="Flowchart: Connector 12"/>
+          <p:cNvSpPr/>
+          <p:nvPr/>
+        </p:nvSpPr>
+        <p:spPr>
+          <a:xfrm>
+            <a:off x="889640" y="5157539"/>
+            <a:ext cx="84841" cy="99536"/>
+          </a:xfrm>
+          <a:prstGeom prst="flowChartConnector">
+            <a:avLst/>
+          </a:prstGeom>
+        </p:spPr>
+        <p:style>
+          <a:lnRef idx="1">
+            <a:schemeClr val="accent6"/>
+          </a:lnRef>
+          <a:fillRef idx="3">
+            <a:schemeClr val="accent6"/>
+          </a:fillRef>
+          <a:effectRef idx="2">
+            <a:schemeClr val="accent6"/>
+          </a:effectRef>
+          <a:fontRef idx="minor">
+            <a:schemeClr val="lt1"/>
+          </a:fontRef>
+        </p:style>
+        <p:txBody>
+          <a:bodyPr rtlCol="0" anchor="ctr"/>
+          <a:lstStyle/>
+          <a:p>
+            <a:pPr algn="ctr"/>
+            <a:endParaRPr lang="en-US">
+              <a:solidFill>
+                <a:schemeClr val="tx1"/>
+              </a:solidFill>
+            </a:endParaRPr>
           </a:p>
         </p:txBody>
       </p:sp>

--- a/inna/Занятие 1.pptx
+++ b/inna/Занятие 1.pptx
@@ -129,7 +129,7 @@
   </p:defaultTextStyle>
   <p:extLst>
     <p:ext uri="{EFAFB233-063F-42B5-8137-9DF3F51BA10A}">
-      <p15:sldGuideLst xmlns:p15="http://schemas.microsoft.com/office/powerpoint/2012/main" xmlns="">
+      <p15:sldGuideLst xmlns="" xmlns:p15="http://schemas.microsoft.com/office/powerpoint/2012/main">
         <p15:guide id="1" orient="horz" pos="2160">
           <p15:clr>
             <a:srgbClr val="A4A3A4"/>
@@ -398,7 +398,7 @@
     </p:spTree>
     <p:extLst>
       <p:ext uri="{BB962C8B-B14F-4D97-AF65-F5344CB8AC3E}">
-        <p14:creationId xmlns:p14="http://schemas.microsoft.com/office/powerpoint/2010/main" xmlns="" val="616035265"/>
+        <p14:creationId xmlns="" xmlns:p14="http://schemas.microsoft.com/office/powerpoint/2010/main" val="616035265"/>
       </p:ext>
     </p:extLst>
   </p:cSld>
@@ -2362,18 +2362,7 @@
                 <a:ea typeface="+mn-ea"/>
                 <a:cs typeface="+mn-cs"/>
               </a:rPr>
-              <a:t>Сравнение приготовления еды и создания </a:t>
-            </a:r>
-            <a:r>
-              <a:rPr lang="ru-RU" sz="1200" kern="1200" dirty="0" smtClean="0">
-                <a:solidFill>
-                  <a:schemeClr val="tx1"/>
-                </a:solidFill>
-                <a:latin typeface="+mn-lt"/>
-                <a:ea typeface="+mn-ea"/>
-                <a:cs typeface="+mn-cs"/>
-              </a:rPr>
-              <a:t>ПО, для того, чтобы</a:t>
+              <a:t>Сравнение приготовления еды и создания ПО, для того, чтобы</a:t>
             </a:r>
             <a:r>
               <a:rPr lang="ru-RU" sz="1200" kern="1200" baseline="0" dirty="0" smtClean="0">
@@ -2570,27 +2559,8 @@
                 <a:ea typeface="+mn-ea"/>
                 <a:cs typeface="+mn-cs"/>
               </a:rPr>
-              <a:t>Не зависеть от шеф-повара и его </a:t>
-            </a:r>
-            <a:r>
-              <a:rPr lang="ru-RU" sz="1200" kern="1200" dirty="0" smtClean="0">
-                <a:solidFill>
-                  <a:schemeClr val="tx1"/>
-                </a:solidFill>
-                <a:latin typeface="+mn-lt"/>
-                <a:ea typeface="+mn-ea"/>
-                <a:cs typeface="+mn-cs"/>
-              </a:rPr>
-              <a:t>команды, а быть с ними заодно</a:t>
-            </a:r>
-            <a:endParaRPr lang="ru-RU" sz="1200" kern="1200" dirty="0" smtClean="0">
-              <a:solidFill>
-                <a:schemeClr val="tx1"/>
-              </a:solidFill>
-              <a:latin typeface="+mn-lt"/>
-              <a:ea typeface="+mn-ea"/>
-              <a:cs typeface="+mn-cs"/>
-            </a:endParaRPr>
+              <a:t>Не зависеть от шеф-повара и его команды, а быть с ними заодно</a:t>
+            </a:r>
           </a:p>
           <a:p>
             <a:r>
@@ -2706,18 +2676,7 @@
                 <a:ea typeface="+mn-ea"/>
                 <a:cs typeface="+mn-cs"/>
               </a:rPr>
-              <a:t>Учиться </a:t>
-            </a:r>
-            <a:r>
-              <a:rPr lang="ru-RU" sz="1200" kern="1200" dirty="0" smtClean="0">
-                <a:solidFill>
-                  <a:schemeClr val="tx1"/>
-                </a:solidFill>
-                <a:latin typeface="+mn-lt"/>
-                <a:ea typeface="+mn-ea"/>
-                <a:cs typeface="+mn-cs"/>
-              </a:rPr>
-              <a:t>на ошибках</a:t>
+              <a:t>Учиться на ошибках</a:t>
             </a:r>
           </a:p>
           <a:p>
@@ -6832,7 +6791,7 @@
     </p:spTree>
     <p:extLst>
       <p:ext uri="{BB962C8B-B14F-4D97-AF65-F5344CB8AC3E}">
-        <p14:creationId xmlns:p14="http://schemas.microsoft.com/office/powerpoint/2010/main" xmlns="" val="1766645597"/>
+        <p14:creationId xmlns="" xmlns:p14="http://schemas.microsoft.com/office/powerpoint/2010/main" val="1766645597"/>
       </p:ext>
     </p:extLst>
   </p:cSld>
@@ -7284,7 +7243,7 @@
     </p:spTree>
     <p:extLst>
       <p:ext uri="{BB962C8B-B14F-4D97-AF65-F5344CB8AC3E}">
-        <p14:creationId xmlns:p14="http://schemas.microsoft.com/office/powerpoint/2010/main" xmlns="" val="4060775951"/>
+        <p14:creationId xmlns="" xmlns:p14="http://schemas.microsoft.com/office/powerpoint/2010/main" val="4060775951"/>
       </p:ext>
     </p:extLst>
   </p:cSld>
@@ -7292,7 +7251,7 @@
     <a:masterClrMapping/>
   </p:clrMapOvr>
   <mc:AlternateContent xmlns:mc="http://schemas.openxmlformats.org/markup-compatibility/2006">
-    <mc:Choice xmlns:p14="http://schemas.microsoft.com/office/powerpoint/2010/main" xmlns="" Requires="p14">
+    <mc:Choice xmlns="" xmlns:p14="http://schemas.microsoft.com/office/powerpoint/2010/main" Requires="p14">
       <p:transition spd="slow" p14:dur="2000"/>
     </mc:Choice>
     <mc:Fallback>
@@ -7687,7 +7646,7 @@
     </p:spTree>
     <p:extLst>
       <p:ext uri="{BB962C8B-B14F-4D97-AF65-F5344CB8AC3E}">
-        <p14:creationId xmlns:p14="http://schemas.microsoft.com/office/powerpoint/2010/main" xmlns="" val="4060775951"/>
+        <p14:creationId xmlns="" xmlns:p14="http://schemas.microsoft.com/office/powerpoint/2010/main" val="4060775951"/>
       </p:ext>
     </p:extLst>
   </p:cSld>
@@ -7695,7 +7654,7 @@
     <a:masterClrMapping/>
   </p:clrMapOvr>
   <mc:AlternateContent xmlns:mc="http://schemas.openxmlformats.org/markup-compatibility/2006">
-    <mc:Choice xmlns:p14="http://schemas.microsoft.com/office/powerpoint/2010/main" xmlns="" Requires="p14">
+    <mc:Choice xmlns="" xmlns:p14="http://schemas.microsoft.com/office/powerpoint/2010/main" Requires="p14">
       <p:transition spd="slow" p14:dur="2000"/>
     </mc:Choice>
     <mc:Fallback>
@@ -7940,7 +7899,7 @@
     </p:spTree>
     <p:extLst>
       <p:ext uri="{BB962C8B-B14F-4D97-AF65-F5344CB8AC3E}">
-        <p14:creationId xmlns:p14="http://schemas.microsoft.com/office/powerpoint/2010/main" xmlns="" val="4060775951"/>
+        <p14:creationId xmlns="" xmlns:p14="http://schemas.microsoft.com/office/powerpoint/2010/main" val="4060775951"/>
       </p:ext>
     </p:extLst>
   </p:cSld>
@@ -7948,7 +7907,7 @@
     <a:masterClrMapping/>
   </p:clrMapOvr>
   <mc:AlternateContent xmlns:mc="http://schemas.openxmlformats.org/markup-compatibility/2006">
-    <mc:Choice xmlns:p14="http://schemas.microsoft.com/office/powerpoint/2010/main" xmlns="" Requires="p14">
+    <mc:Choice xmlns="" xmlns:p14="http://schemas.microsoft.com/office/powerpoint/2010/main" Requires="p14">
       <p:transition spd="slow" p14:dur="2000"/>
     </mc:Choice>
     <mc:Fallback>
@@ -8540,7 +8499,7 @@
     </p:spTree>
     <p:extLst>
       <p:ext uri="{BB962C8B-B14F-4D97-AF65-F5344CB8AC3E}">
-        <p14:creationId xmlns:p14="http://schemas.microsoft.com/office/powerpoint/2010/main" xmlns="" val="4060775951"/>
+        <p14:creationId xmlns="" xmlns:p14="http://schemas.microsoft.com/office/powerpoint/2010/main" val="4060775951"/>
       </p:ext>
     </p:extLst>
   </p:cSld>
@@ -8548,7 +8507,7 @@
     <a:masterClrMapping/>
   </p:clrMapOvr>
   <mc:AlternateContent xmlns:mc="http://schemas.openxmlformats.org/markup-compatibility/2006">
-    <mc:Choice xmlns:p14="http://schemas.microsoft.com/office/powerpoint/2010/main" xmlns="" Requires="p14">
+    <mc:Choice xmlns="" xmlns:p14="http://schemas.microsoft.com/office/powerpoint/2010/main" Requires="p14">
       <p:transition spd="slow" p14:dur="2000"/>
     </mc:Choice>
     <mc:Fallback>
@@ -8998,7 +8957,7 @@
     </p:spTree>
     <p:extLst>
       <p:ext uri="{BB962C8B-B14F-4D97-AF65-F5344CB8AC3E}">
-        <p14:creationId xmlns:p14="http://schemas.microsoft.com/office/powerpoint/2010/main" xmlns="" val="4060775951"/>
+        <p14:creationId xmlns="" xmlns:p14="http://schemas.microsoft.com/office/powerpoint/2010/main" val="4060775951"/>
       </p:ext>
     </p:extLst>
   </p:cSld>
@@ -9006,7 +8965,7 @@
     <a:masterClrMapping/>
   </p:clrMapOvr>
   <mc:AlternateContent xmlns:mc="http://schemas.openxmlformats.org/markup-compatibility/2006">
-    <mc:Choice xmlns:p14="http://schemas.microsoft.com/office/powerpoint/2010/main" xmlns="" Requires="p14">
+    <mc:Choice xmlns="" xmlns:p14="http://schemas.microsoft.com/office/powerpoint/2010/main" Requires="p14">
       <p:transition spd="slow" p14:dur="2000"/>
     </mc:Choice>
     <mc:Fallback>
@@ -9251,7 +9210,7 @@
     </p:spTree>
     <p:extLst>
       <p:ext uri="{BB962C8B-B14F-4D97-AF65-F5344CB8AC3E}">
-        <p14:creationId xmlns:p14="http://schemas.microsoft.com/office/powerpoint/2010/main" xmlns="" val="4060775951"/>
+        <p14:creationId xmlns="" xmlns:p14="http://schemas.microsoft.com/office/powerpoint/2010/main" val="4060775951"/>
       </p:ext>
     </p:extLst>
   </p:cSld>
@@ -9259,7 +9218,7 @@
     <a:masterClrMapping/>
   </p:clrMapOvr>
   <mc:AlternateContent xmlns:mc="http://schemas.openxmlformats.org/markup-compatibility/2006">
-    <mc:Choice xmlns:p14="http://schemas.microsoft.com/office/powerpoint/2010/main" xmlns="" Requires="p14">
+    <mc:Choice xmlns="" xmlns:p14="http://schemas.microsoft.com/office/powerpoint/2010/main" Requires="p14">
       <p:transition spd="slow" p14:dur="2000"/>
     </mc:Choice>
     <mc:Fallback>
@@ -9512,7 +9471,7 @@
     </p:spTree>
     <p:extLst>
       <p:ext uri="{BB962C8B-B14F-4D97-AF65-F5344CB8AC3E}">
-        <p14:creationId xmlns:p14="http://schemas.microsoft.com/office/powerpoint/2010/main" xmlns="" val="4060775951"/>
+        <p14:creationId xmlns="" xmlns:p14="http://schemas.microsoft.com/office/powerpoint/2010/main" val="4060775951"/>
       </p:ext>
     </p:extLst>
   </p:cSld>
@@ -9520,7 +9479,7 @@
     <a:masterClrMapping/>
   </p:clrMapOvr>
   <mc:AlternateContent xmlns:mc="http://schemas.openxmlformats.org/markup-compatibility/2006">
-    <mc:Choice xmlns:p14="http://schemas.microsoft.com/office/powerpoint/2010/main" xmlns="" Requires="p14">
+    <mc:Choice xmlns="" xmlns:p14="http://schemas.microsoft.com/office/powerpoint/2010/main" Requires="p14">
       <p:transition spd="slow" p14:dur="2000"/>
     </mc:Choice>
     <mc:Fallback>
@@ -9927,7 +9886,7 @@
     </p:spTree>
     <p:extLst>
       <p:ext uri="{BB962C8B-B14F-4D97-AF65-F5344CB8AC3E}">
-        <p14:creationId xmlns:p14="http://schemas.microsoft.com/office/powerpoint/2010/main" xmlns="" val="4060775951"/>
+        <p14:creationId xmlns="" xmlns:p14="http://schemas.microsoft.com/office/powerpoint/2010/main" val="4060775951"/>
       </p:ext>
     </p:extLst>
   </p:cSld>
@@ -9935,7 +9894,7 @@
     <a:masterClrMapping/>
   </p:clrMapOvr>
   <mc:AlternateContent xmlns:mc="http://schemas.openxmlformats.org/markup-compatibility/2006">
-    <mc:Choice xmlns:p14="http://schemas.microsoft.com/office/powerpoint/2010/main" xmlns="" Requires="p14">
+    <mc:Choice xmlns="" xmlns:p14="http://schemas.microsoft.com/office/powerpoint/2010/main" Requires="p14">
       <p:transition spd="slow" p14:dur="2000"/>
     </mc:Choice>
     <mc:Fallback>
@@ -10342,7 +10301,7 @@
     </p:spTree>
     <p:extLst>
       <p:ext uri="{BB962C8B-B14F-4D97-AF65-F5344CB8AC3E}">
-        <p14:creationId xmlns:p14="http://schemas.microsoft.com/office/powerpoint/2010/main" xmlns="" val="4060775951"/>
+        <p14:creationId xmlns="" xmlns:p14="http://schemas.microsoft.com/office/powerpoint/2010/main" val="4060775951"/>
       </p:ext>
     </p:extLst>
   </p:cSld>
@@ -10350,7 +10309,7 @@
     <a:masterClrMapping/>
   </p:clrMapOvr>
   <mc:AlternateContent xmlns:mc="http://schemas.openxmlformats.org/markup-compatibility/2006">
-    <mc:Choice xmlns:p14="http://schemas.microsoft.com/office/powerpoint/2010/main" xmlns="" Requires="p14">
+    <mc:Choice xmlns="" xmlns:p14="http://schemas.microsoft.com/office/powerpoint/2010/main" Requires="p14">
       <p:transition spd="slow" p14:dur="2000"/>
     </mc:Choice>
     <mc:Fallback>
@@ -10785,7 +10744,7 @@
     </p:spTree>
     <p:extLst>
       <p:ext uri="{BB962C8B-B14F-4D97-AF65-F5344CB8AC3E}">
-        <p14:creationId xmlns:p14="http://schemas.microsoft.com/office/powerpoint/2010/main" xmlns="" val="4060775951"/>
+        <p14:creationId xmlns="" xmlns:p14="http://schemas.microsoft.com/office/powerpoint/2010/main" val="4060775951"/>
       </p:ext>
     </p:extLst>
   </p:cSld>
@@ -10793,7 +10752,7 @@
     <a:masterClrMapping/>
   </p:clrMapOvr>
   <mc:AlternateContent xmlns:mc="http://schemas.openxmlformats.org/markup-compatibility/2006">
-    <mc:Choice xmlns:p14="http://schemas.microsoft.com/office/powerpoint/2010/main" xmlns="" Requires="p14">
+    <mc:Choice xmlns="" xmlns:p14="http://schemas.microsoft.com/office/powerpoint/2010/main" Requires="p14">
       <p:transition spd="slow" p14:dur="2000"/>
     </mc:Choice>
     <mc:Fallback>
@@ -11083,7 +11042,7 @@
     </p:spTree>
     <p:extLst>
       <p:ext uri="{BB962C8B-B14F-4D97-AF65-F5344CB8AC3E}">
-        <p14:creationId xmlns:p14="http://schemas.microsoft.com/office/powerpoint/2010/main" xmlns="" val="3292176594"/>
+        <p14:creationId xmlns="" xmlns:p14="http://schemas.microsoft.com/office/powerpoint/2010/main" val="3292176594"/>
       </p:ext>
     </p:extLst>
   </p:cSld>
@@ -11564,7 +11523,7 @@
     </p:spTree>
     <p:extLst>
       <p:ext uri="{BB962C8B-B14F-4D97-AF65-F5344CB8AC3E}">
-        <p14:creationId xmlns:p14="http://schemas.microsoft.com/office/powerpoint/2010/main" xmlns="" val="4060775951"/>
+        <p14:creationId xmlns="" xmlns:p14="http://schemas.microsoft.com/office/powerpoint/2010/main" val="4060775951"/>
       </p:ext>
     </p:extLst>
   </p:cSld>
@@ -11572,7 +11531,7 @@
     <a:masterClrMapping/>
   </p:clrMapOvr>
   <mc:AlternateContent xmlns:mc="http://schemas.openxmlformats.org/markup-compatibility/2006">
-    <mc:Choice xmlns:p14="http://schemas.microsoft.com/office/powerpoint/2010/main" xmlns="" Requires="p14">
+    <mc:Choice xmlns="" xmlns:p14="http://schemas.microsoft.com/office/powerpoint/2010/main" Requires="p14">
       <p:transition spd="slow" p14:dur="2000"/>
     </mc:Choice>
     <mc:Fallback>
@@ -11618,7 +11577,7 @@
           <a:blip r:embed="rId3" cstate="print">
             <a:extLst>
               <a:ext uri="{28A0092B-C50C-407E-A947-70E740481C1C}">
-                <a14:useLocalDpi xmlns:a14="http://schemas.microsoft.com/office/drawing/2010/main" xmlns="" val="0"/>
+                <a14:useLocalDpi xmlns="" xmlns:a14="http://schemas.microsoft.com/office/drawing/2010/main" val="0"/>
               </a:ext>
             </a:extLst>
           </a:blip>
@@ -11638,7 +11597,7 @@
           <a:noFill/>
           <a:extLst>
             <a:ext uri="{909E8E84-426E-40DD-AFC4-6F175D3DCCD1}">
-              <a14:hiddenFill xmlns:a14="http://schemas.microsoft.com/office/drawing/2010/main" xmlns="">
+              <a14:hiddenFill xmlns="" xmlns:a14="http://schemas.microsoft.com/office/drawing/2010/main">
                 <a:solidFill>
                   <a:srgbClr val="FFFFFF"/>
                 </a:solidFill>
@@ -11728,7 +11687,15 @@
           <a:p>
             <a:r>
               <a:rPr lang="en-US" b="1" dirty="0" smtClean="0"/>
-              <a:t>Test any household appliances</a:t>
+              <a:t>Think about t</a:t>
+            </a:r>
+            <a:r>
+              <a:rPr lang="en-US" b="1" dirty="0" smtClean="0"/>
+              <a:t>esting of </a:t>
+            </a:r>
+            <a:r>
+              <a:rPr lang="en-US" b="1" dirty="0" smtClean="0"/>
+              <a:t>any household appliances</a:t>
             </a:r>
             <a:r>
               <a:rPr lang="ru-RU" b="1" dirty="0" smtClean="0"/>
@@ -11736,7 +11703,15 @@
             </a:r>
             <a:r>
               <a:rPr lang="en-US" b="1" dirty="0" smtClean="0"/>
-              <a:t>Think which aspects of its work can be tested and which cannot</a:t>
+              <a:t>Think which aspects of its work </a:t>
+            </a:r>
+            <a:r>
+              <a:rPr lang="en-US" b="1" dirty="0" smtClean="0"/>
+              <a:t>can </a:t>
+            </a:r>
+            <a:r>
+              <a:rPr lang="en-US" b="1" dirty="0" smtClean="0"/>
+              <a:t>be tested and which cannot</a:t>
             </a:r>
             <a:endParaRPr lang="en-US" b="1" dirty="0"/>
           </a:p>
@@ -11794,16 +11769,13 @@
           <a:p>
             <a:r>
               <a:rPr lang="en-US" b="1" dirty="0" smtClean="0"/>
-              <a:t>Remember </a:t>
+              <a:t>Remember the terms from the </a:t>
             </a:r>
             <a:r>
               <a:rPr lang="en-US" b="1" dirty="0" smtClean="0"/>
-              <a:t>the terms </a:t>
-            </a:r>
-            <a:r>
-              <a:rPr lang="en-US" b="1" dirty="0" smtClean="0"/>
-              <a:t>from the lesson</a:t>
-            </a:r>
+              <a:t>lesson:</a:t>
+            </a:r>
+            <a:endParaRPr lang="en-US" b="1" dirty="0" smtClean="0"/>
           </a:p>
           <a:p>
             <a:r>
@@ -11815,13 +11787,68 @@
               <a:t>bug, error, failure, quality, risk, debugging, requirement, review, test case, testing, test plan</a:t>
             </a:r>
             <a:endParaRPr lang="en-US" b="1" i="1" dirty="0"/>
+          </a:p>
+        </p:txBody>
+      </p:sp>
+      <p:sp>
+        <p:nvSpPr>
+          <p:cNvPr id="7" name="Rectangle 1"/>
+          <p:cNvSpPr/>
+          <p:nvPr/>
+        </p:nvSpPr>
+        <p:spPr>
+          <a:xfrm>
+            <a:off x="3203848" y="5229200"/>
+            <a:ext cx="3960440" cy="646331"/>
+          </a:xfrm>
+          <a:prstGeom prst="rect">
+            <a:avLst/>
+          </a:prstGeom>
+        </p:spPr>
+        <p:txBody>
+          <a:bodyPr wrap="square">
+            <a:spAutoFit/>
+          </a:bodyPr>
+          <a:lstStyle/>
+          <a:p>
+            <a:r>
+              <a:rPr lang="en-US" i="1" dirty="0" smtClean="0"/>
+              <a:t>Answers on the 2</a:t>
+            </a:r>
+            <a:r>
+              <a:rPr lang="en-US" i="1" baseline="30000" dirty="0" smtClean="0"/>
+              <a:t>nd</a:t>
+            </a:r>
+            <a:r>
+              <a:rPr lang="en-US" i="1" dirty="0" smtClean="0"/>
+              <a:t> and 3</a:t>
+            </a:r>
+            <a:r>
+              <a:rPr lang="en-US" i="1" baseline="30000" dirty="0" smtClean="0"/>
+              <a:t>rd</a:t>
+            </a:r>
+            <a:r>
+              <a:rPr lang="en-US" i="1" dirty="0" smtClean="0"/>
+              <a:t>  questions send to </a:t>
+            </a:r>
+            <a:r>
+              <a:rPr lang="en-US" i="1" dirty="0" smtClean="0">
+                <a:hlinkClick r:id="rId4"/>
+              </a:rPr>
+              <a:t>kinnao@ua.fm</a:t>
+            </a:r>
+            <a:r>
+              <a:rPr lang="en-US" i="1" dirty="0" smtClean="0"/>
+              <a:t> </a:t>
+            </a:r>
+            <a:endParaRPr lang="en-US" i="1" dirty="0"/>
           </a:p>
         </p:txBody>
       </p:sp>
     </p:spTree>
     <p:extLst>
       <p:ext uri="{BB962C8B-B14F-4D97-AF65-F5344CB8AC3E}">
-        <p14:creationId xmlns:p14="http://schemas.microsoft.com/office/powerpoint/2010/main" xmlns="" val="3400026356"/>
+        <p14:creationId xmlns="" xmlns:p14="http://schemas.microsoft.com/office/powerpoint/2010/main" val="3400026356"/>
       </p:ext>
     </p:extLst>
   </p:cSld>
@@ -12109,6 +12136,97 @@
                       </p:childTnLst>
                     </p:cTn>
                   </p:par>
+                  <p:par>
+                    <p:cTn id="21" fill="hold">
+                      <p:stCondLst>
+                        <p:cond delay="indefinite"/>
+                      </p:stCondLst>
+                      <p:childTnLst>
+                        <p:par>
+                          <p:cTn id="22" fill="hold">
+                            <p:stCondLst>
+                              <p:cond delay="0"/>
+                            </p:stCondLst>
+                            <p:childTnLst>
+                              <p:par>
+                                <p:cTn id="23" presetID="2" presetClass="entr" presetSubtype="4" fill="hold" grpId="0" nodeType="clickEffect">
+                                  <p:stCondLst>
+                                    <p:cond delay="0"/>
+                                  </p:stCondLst>
+                                  <p:childTnLst>
+                                    <p:set>
+                                      <p:cBhvr>
+                                        <p:cTn id="24" dur="1" fill="hold">
+                                          <p:stCondLst>
+                                            <p:cond delay="0"/>
+                                          </p:stCondLst>
+                                        </p:cTn>
+                                        <p:tgtEl>
+                                          <p:spTgt spid="7"/>
+                                        </p:tgtEl>
+                                        <p:attrNameLst>
+                                          <p:attrName>style.visibility</p:attrName>
+                                        </p:attrNameLst>
+                                      </p:cBhvr>
+                                      <p:to>
+                                        <p:strVal val="visible"/>
+                                      </p:to>
+                                    </p:set>
+                                    <p:anim calcmode="lin" valueType="num">
+                                      <p:cBhvr additive="base">
+                                        <p:cTn id="25" dur="500" fill="hold"/>
+                                        <p:tgtEl>
+                                          <p:spTgt spid="7"/>
+                                        </p:tgtEl>
+                                        <p:attrNameLst>
+                                          <p:attrName>ppt_x</p:attrName>
+                                        </p:attrNameLst>
+                                      </p:cBhvr>
+                                      <p:tavLst>
+                                        <p:tav tm="0">
+                                          <p:val>
+                                            <p:strVal val="#ppt_x"/>
+                                          </p:val>
+                                        </p:tav>
+                                        <p:tav tm="100000">
+                                          <p:val>
+                                            <p:strVal val="#ppt_x"/>
+                                          </p:val>
+                                        </p:tav>
+                                      </p:tavLst>
+                                    </p:anim>
+                                    <p:anim calcmode="lin" valueType="num">
+                                      <p:cBhvr additive="base">
+                                        <p:cTn id="26" dur="500" fill="hold"/>
+                                        <p:tgtEl>
+                                          <p:spTgt spid="7"/>
+                                        </p:tgtEl>
+                                        <p:attrNameLst>
+                                          <p:attrName>ppt_y</p:attrName>
+                                        </p:attrNameLst>
+                                      </p:cBhvr>
+                                      <p:tavLst>
+                                        <p:tav tm="0">
+                                          <p:val>
+                                            <p:strVal val="1+#ppt_h/2"/>
+                                          </p:val>
+                                        </p:tav>
+                                        <p:tav tm="100000">
+                                          <p:val>
+                                            <p:strVal val="#ppt_y"/>
+                                          </p:val>
+                                        </p:tav>
+                                      </p:tavLst>
+                                    </p:anim>
+                                  </p:childTnLst>
+                                </p:cTn>
+                              </p:par>
+                            </p:childTnLst>
+                          </p:cTn>
+                        </p:par>
+                      </p:childTnLst>
+                    </p:cTn>
+                  </p:par>
                 </p:childTnLst>
               </p:cTn>
               <p:prevCondLst>
@@ -12134,6 +12252,7 @@
       <p:bldP spid="2" grpId="0"/>
       <p:bldP spid="6" grpId="0"/>
       <p:bldP spid="8" grpId="0"/>
+      <p:bldP spid="7" grpId="0"/>
     </p:bldLst>
   </p:timing>
 </p:sld>
@@ -12194,41 +12313,8 @@
                   </a:outerShdw>
                 </a:effectLst>
               </a:rPr>
-              <a:t>About </a:t>
-            </a:r>
-            <a:r>
-              <a:rPr lang="en-US" sz="3500" dirty="0" smtClean="0">
-                <a:solidFill>
-                  <a:schemeClr val="tx1">
-                    <a:lumMod val="65000"/>
-                    <a:lumOff val="35000"/>
-                  </a:schemeClr>
-                </a:solidFill>
-                <a:effectLst>
-                  <a:outerShdw blurRad="38100" dist="38100" dir="2700000" algn="tl">
-                    <a:srgbClr val="000000">
-                      <a:alpha val="43137"/>
-                    </a:srgbClr>
-                  </a:outerShdw>
-                </a:effectLst>
-              </a:rPr>
-              <a:t>the training</a:t>
-            </a:r>
-            <a:endParaRPr lang="en-US" sz="3500" dirty="0" smtClean="0">
-              <a:solidFill>
-                <a:schemeClr val="tx1">
-                  <a:lumMod val="65000"/>
-                  <a:lumOff val="35000"/>
-                </a:schemeClr>
-              </a:solidFill>
-              <a:effectLst>
-                <a:outerShdw blurRad="38100" dist="38100" dir="2700000" algn="tl">
-                  <a:srgbClr val="000000">
-                    <a:alpha val="43137"/>
-                  </a:srgbClr>
-                </a:outerShdw>
-              </a:effectLst>
-            </a:endParaRPr>
+              <a:t>About the training</a:t>
+            </a:r>
           </a:p>
         </p:txBody>
       </p:sp>
@@ -12305,17 +12391,8 @@
             </a:pPr>
             <a:r>
               <a:rPr lang="en-US" sz="2000" i="1" dirty="0" smtClean="0"/>
-              <a:t>P</a:t>
-            </a:r>
-            <a:r>
-              <a:rPr lang="en-US" sz="2000" i="1" dirty="0" smtClean="0"/>
-              <a:t>ractical </a:t>
-            </a:r>
-            <a:r>
-              <a:rPr lang="en-US" sz="2000" i="1" dirty="0" smtClean="0"/>
-              <a:t>skills</a:t>
-            </a:r>
-            <a:endParaRPr lang="en-US" sz="2000" i="1" dirty="0" smtClean="0"/>
+              <a:t>Practical skills</a:t>
+            </a:r>
           </a:p>
           <a:p>
             <a:pPr lvl="1">
@@ -12334,11 +12411,7 @@
             </a:pPr>
             <a:r>
               <a:rPr lang="en-US" sz="2000" i="1" dirty="0" smtClean="0"/>
-              <a:t>Base for further </a:t>
-            </a:r>
-            <a:r>
-              <a:rPr lang="en-US" sz="2000" i="1" dirty="0" smtClean="0"/>
-              <a:t>improvement</a:t>
+              <a:t>Base for further improvement</a:t>
             </a:r>
             <a:r>
               <a:rPr lang="ru-RU" sz="2000" i="1" dirty="0" smtClean="0"/>
@@ -12384,7 +12457,7 @@
     </p:spTree>
     <p:extLst>
       <p:ext uri="{BB962C8B-B14F-4D97-AF65-F5344CB8AC3E}">
-        <p14:creationId xmlns:p14="http://schemas.microsoft.com/office/powerpoint/2010/main" xmlns="" val="3292176594"/>
+        <p14:creationId xmlns="" xmlns:p14="http://schemas.microsoft.com/office/powerpoint/2010/main" val="3292176594"/>
       </p:ext>
     </p:extLst>
   </p:cSld>
@@ -12644,7 +12717,7 @@
     </p:spTree>
     <p:extLst>
       <p:ext uri="{BB962C8B-B14F-4D97-AF65-F5344CB8AC3E}">
-        <p14:creationId xmlns:p14="http://schemas.microsoft.com/office/powerpoint/2010/main" xmlns="" val="3292176594"/>
+        <p14:creationId xmlns="" xmlns:p14="http://schemas.microsoft.com/office/powerpoint/2010/main" val="3292176594"/>
       </p:ext>
     </p:extLst>
   </p:cSld>
@@ -12840,20 +12913,13 @@
               <a:rPr lang="en-US" dirty="0" smtClean="0"/>
               <a:t>Links:</a:t>
             </a:r>
-            <a:endParaRPr lang="en-US" dirty="0" smtClean="0"/>
           </a:p>
           <a:p>
             <a:r>
               <a:rPr lang="en-US" dirty="0" smtClean="0">
                 <a:hlinkClick r:id="rId2"/>
               </a:rPr>
-              <a:t>http</a:t>
-            </a:r>
-            <a:r>
-              <a:rPr lang="en-US" dirty="0" smtClean="0">
-                <a:hlinkClick r:id="rId2"/>
-              </a:rPr>
-              <a:t>://www.istqb.org/downloads/viewdownload/16/15.html</a:t>
+              <a:t>http://www.istqb.org/downloads/viewdownload/16/15.html</a:t>
             </a:r>
             <a:endParaRPr lang="en-US" dirty="0" smtClean="0"/>
           </a:p>
@@ -12899,26 +12965,15 @@
           <a:p>
             <a:r>
               <a:rPr lang="en-US" dirty="0" smtClean="0"/>
-              <a:t>B</a:t>
-            </a:r>
-            <a:r>
-              <a:rPr lang="en-US" dirty="0" smtClean="0"/>
-              <a:t>ooks:</a:t>
-            </a:r>
-            <a:endParaRPr lang="en-US" dirty="0" smtClean="0"/>
+              <a:t>Books:</a:t>
+            </a:r>
           </a:p>
           <a:p>
             <a:r>
               <a:rPr lang="en-US" dirty="0" smtClean="0">
                 <a:hlinkClick r:id="rId7"/>
               </a:rPr>
-              <a:t>http://</a:t>
-            </a:r>
-            <a:r>
-              <a:rPr lang="en-US" dirty="0" smtClean="0">
-                <a:hlinkClick r:id="rId7"/>
-              </a:rPr>
-              <a:t>adm-lib.ru/programmirovanie/kalbertson-braun-kobb-byistroe-testirovanie.html</a:t>
+              <a:t>http://adm-lib.ru/programmirovanie/kalbertson-braun-kobb-byistroe-testirovanie.html</a:t>
             </a:r>
             <a:endParaRPr lang="ru-RU" dirty="0" smtClean="0"/>
           </a:p>
@@ -12927,13 +12982,7 @@
               <a:rPr lang="en-US" dirty="0" smtClean="0">
                 <a:hlinkClick r:id="rId8"/>
               </a:rPr>
-              <a:t>http://</a:t>
-            </a:r>
-            <a:r>
-              <a:rPr lang="en-US" dirty="0" smtClean="0">
-                <a:hlinkClick r:id="rId8"/>
-              </a:rPr>
-              <a:t>diamail.com.ua/book/6502.html</a:t>
+              <a:t>http://diamail.com.ua/book/6502.html</a:t>
             </a:r>
             <a:endParaRPr lang="ru-RU" dirty="0" smtClean="0"/>
           </a:p>
@@ -12942,13 +12991,7 @@
               <a:rPr lang="en-US" dirty="0" smtClean="0">
                 <a:hlinkClick r:id="rId9"/>
               </a:rPr>
-              <a:t>http://</a:t>
-            </a:r>
-            <a:r>
-              <a:rPr lang="en-US" dirty="0" smtClean="0">
-                <a:hlinkClick r:id="rId9"/>
-              </a:rPr>
-              <a:t>forcoder.ru/testing/testirovanie-obektno-orientirovannogo-programmnogo-obespecheniya-943</a:t>
+              <a:t>http://forcoder.ru/testing/testirovanie-obektno-orientirovannogo-programmnogo-obespecheniya-943</a:t>
             </a:r>
             <a:endParaRPr lang="ru-RU" dirty="0" smtClean="0"/>
           </a:p>
@@ -12960,7 +13003,7 @@
     </p:spTree>
     <p:extLst>
       <p:ext uri="{BB962C8B-B14F-4D97-AF65-F5344CB8AC3E}">
-        <p14:creationId xmlns:p14="http://schemas.microsoft.com/office/powerpoint/2010/main" xmlns="" val="1923330547"/>
+        <p14:creationId xmlns="" xmlns:p14="http://schemas.microsoft.com/office/powerpoint/2010/main" val="1923330547"/>
       </p:ext>
     </p:extLst>
   </p:cSld>
@@ -13087,7 +13130,7 @@
     </p:spTree>
     <p:extLst>
       <p:ext uri="{BB962C8B-B14F-4D97-AF65-F5344CB8AC3E}">
-        <p14:creationId xmlns:p14="http://schemas.microsoft.com/office/powerpoint/2010/main" xmlns="" val="1923330547"/>
+        <p14:creationId xmlns="" xmlns:p14="http://schemas.microsoft.com/office/powerpoint/2010/main" val="1923330547"/>
       </p:ext>
     </p:extLst>
   </p:cSld>
@@ -13608,7 +13651,7 @@
     </p:spTree>
     <p:extLst>
       <p:ext uri="{BB962C8B-B14F-4D97-AF65-F5344CB8AC3E}">
-        <p14:creationId xmlns:p14="http://schemas.microsoft.com/office/powerpoint/2010/main" xmlns="" val="4060775951"/>
+        <p14:creationId xmlns="" xmlns:p14="http://schemas.microsoft.com/office/powerpoint/2010/main" val="4060775951"/>
       </p:ext>
     </p:extLst>
   </p:cSld>
@@ -13616,7 +13659,7 @@
     <a:masterClrMapping/>
   </p:clrMapOvr>
   <mc:AlternateContent xmlns:mc="http://schemas.openxmlformats.org/markup-compatibility/2006">
-    <mc:Choice xmlns:p14="http://schemas.microsoft.com/office/powerpoint/2010/main" xmlns="" Requires="p14">
+    <mc:Choice xmlns="" xmlns:p14="http://schemas.microsoft.com/office/powerpoint/2010/main" Requires="p14">
       <p:transition spd="slow" p14:dur="2000"/>
     </mc:Choice>
     <mc:Fallback>
@@ -14066,7 +14109,7 @@
     </p:spTree>
     <p:extLst>
       <p:ext uri="{BB962C8B-B14F-4D97-AF65-F5344CB8AC3E}">
-        <p14:creationId xmlns:p14="http://schemas.microsoft.com/office/powerpoint/2010/main" xmlns="" val="4060775951"/>
+        <p14:creationId xmlns="" xmlns:p14="http://schemas.microsoft.com/office/powerpoint/2010/main" val="4060775951"/>
       </p:ext>
     </p:extLst>
   </p:cSld>
@@ -14074,7 +14117,7 @@
     <a:masterClrMapping/>
   </p:clrMapOvr>
   <mc:AlternateContent xmlns:mc="http://schemas.openxmlformats.org/markup-compatibility/2006">
-    <mc:Choice xmlns:p14="http://schemas.microsoft.com/office/powerpoint/2010/main" xmlns="" Requires="p14">
+    <mc:Choice xmlns="" xmlns:p14="http://schemas.microsoft.com/office/powerpoint/2010/main" Requires="p14">
       <p:transition spd="slow" p14:dur="2000"/>
     </mc:Choice>
     <mc:Fallback>
@@ -14550,7 +14593,7 @@
     </p:spTree>
     <p:extLst>
       <p:ext uri="{BB962C8B-B14F-4D97-AF65-F5344CB8AC3E}">
-        <p14:creationId xmlns:p14="http://schemas.microsoft.com/office/powerpoint/2010/main" xmlns="" val="4060775951"/>
+        <p14:creationId xmlns="" xmlns:p14="http://schemas.microsoft.com/office/powerpoint/2010/main" val="4060775951"/>
       </p:ext>
     </p:extLst>
   </p:cSld>
@@ -14558,7 +14601,7 @@
     <a:masterClrMapping/>
   </p:clrMapOvr>
   <mc:AlternateContent xmlns:mc="http://schemas.openxmlformats.org/markup-compatibility/2006">
-    <mc:Choice xmlns:p14="http://schemas.microsoft.com/office/powerpoint/2010/main" xmlns="" Requires="p14">
+    <mc:Choice xmlns="" xmlns:p14="http://schemas.microsoft.com/office/powerpoint/2010/main" Requires="p14">
       <p:transition spd="slow" p14:dur="2000"/>
     </mc:Choice>
     <mc:Fallback>

--- a/inna/Занятие 1.pptx
+++ b/inna/Занятие 1.pptx
@@ -129,7 +129,7 @@
   </p:defaultTextStyle>
   <p:extLst>
     <p:ext uri="{EFAFB233-063F-42B5-8137-9DF3F51BA10A}">
-      <p15:sldGuideLst xmlns="" xmlns:p15="http://schemas.microsoft.com/office/powerpoint/2012/main">
+      <p15:sldGuideLst xmlns:p15="http://schemas.microsoft.com/office/powerpoint/2012/main" xmlns="">
         <p15:guide id="1" orient="horz" pos="2160">
           <p15:clr>
             <a:srgbClr val="A4A3A4"/>
@@ -229,7 +229,7 @@
             <a:fld id="{7FCDCAFE-ED6D-40DE-BB2A-6C2FAE0E1B23}" type="datetimeFigureOut">
               <a:rPr lang="en-US" smtClean="0"/>
               <a:pPr/>
-              <a:t>09-Jan-15</a:t>
+              <a:t>12-Jan-15</a:t>
             </a:fld>
             <a:endParaRPr lang="en-US"/>
           </a:p>
@@ -398,7 +398,7 @@
     </p:spTree>
     <p:extLst>
       <p:ext uri="{BB962C8B-B14F-4D97-AF65-F5344CB8AC3E}">
-        <p14:creationId xmlns="" xmlns:p14="http://schemas.microsoft.com/office/powerpoint/2010/main" val="616035265"/>
+        <p14:creationId xmlns:p14="http://schemas.microsoft.com/office/powerpoint/2010/main" xmlns="" val="616035265"/>
       </p:ext>
     </p:extLst>
   </p:cSld>
@@ -2980,7 +2980,15 @@
           <a:p>
             <a:r>
               <a:rPr lang="ru-RU" dirty="0" smtClean="0"/>
-              <a:t>См. помеха, дефект, ошибка, недочет, просчет, качество, риск = </a:t>
+              <a:t>См. помеха, дефект, ошибка</a:t>
+            </a:r>
+            <a:r>
+              <a:rPr lang="ru-RU" smtClean="0"/>
+              <a:t>, отказ, </a:t>
+            </a:r>
+            <a:r>
+              <a:rPr lang="ru-RU" dirty="0" smtClean="0"/>
+              <a:t>недочет, просчет, качество, риск = </a:t>
             </a:r>
             <a:r>
               <a:rPr lang="en-US" dirty="0" smtClean="0"/>
@@ -3877,7 +3885,7 @@
             <a:fld id="{1D8BD707-D9CF-40AE-B4C6-C98DA3205C09}" type="datetimeFigureOut">
               <a:rPr lang="en-US" smtClean="0"/>
               <a:pPr/>
-              <a:t>09-Jan-15</a:t>
+              <a:t>12-Jan-15</a:t>
             </a:fld>
             <a:endParaRPr lang="en-US"/>
           </a:p>
@@ -4044,7 +4052,7 @@
             <a:fld id="{1D8BD707-D9CF-40AE-B4C6-C98DA3205C09}" type="datetimeFigureOut">
               <a:rPr lang="en-US" smtClean="0"/>
               <a:pPr/>
-              <a:t>09-Jan-15</a:t>
+              <a:t>12-Jan-15</a:t>
             </a:fld>
             <a:endParaRPr lang="en-US"/>
           </a:p>
@@ -4221,7 +4229,7 @@
             <a:fld id="{1D8BD707-D9CF-40AE-B4C6-C98DA3205C09}" type="datetimeFigureOut">
               <a:rPr lang="en-US" smtClean="0"/>
               <a:pPr/>
-              <a:t>09-Jan-15</a:t>
+              <a:t>12-Jan-15</a:t>
             </a:fld>
             <a:endParaRPr lang="en-US"/>
           </a:p>
@@ -4388,7 +4396,7 @@
             <a:fld id="{1D8BD707-D9CF-40AE-B4C6-C98DA3205C09}" type="datetimeFigureOut">
               <a:rPr lang="en-US" smtClean="0"/>
               <a:pPr/>
-              <a:t>09-Jan-15</a:t>
+              <a:t>12-Jan-15</a:t>
             </a:fld>
             <a:endParaRPr lang="en-US"/>
           </a:p>
@@ -4631,7 +4639,7 @@
             <a:fld id="{1D8BD707-D9CF-40AE-B4C6-C98DA3205C09}" type="datetimeFigureOut">
               <a:rPr lang="en-US" smtClean="0"/>
               <a:pPr/>
-              <a:t>09-Jan-15</a:t>
+              <a:t>12-Jan-15</a:t>
             </a:fld>
             <a:endParaRPr lang="en-US"/>
           </a:p>
@@ -4916,7 +4924,7 @@
             <a:fld id="{1D8BD707-D9CF-40AE-B4C6-C98DA3205C09}" type="datetimeFigureOut">
               <a:rPr lang="en-US" smtClean="0"/>
               <a:pPr/>
-              <a:t>09-Jan-15</a:t>
+              <a:t>12-Jan-15</a:t>
             </a:fld>
             <a:endParaRPr lang="en-US"/>
           </a:p>
@@ -5335,7 +5343,7 @@
             <a:fld id="{1D8BD707-D9CF-40AE-B4C6-C98DA3205C09}" type="datetimeFigureOut">
               <a:rPr lang="en-US" smtClean="0"/>
               <a:pPr/>
-              <a:t>09-Jan-15</a:t>
+              <a:t>12-Jan-15</a:t>
             </a:fld>
             <a:endParaRPr lang="en-US"/>
           </a:p>
@@ -5450,7 +5458,7 @@
             <a:fld id="{1D8BD707-D9CF-40AE-B4C6-C98DA3205C09}" type="datetimeFigureOut">
               <a:rPr lang="en-US" smtClean="0"/>
               <a:pPr/>
-              <a:t>09-Jan-15</a:t>
+              <a:t>12-Jan-15</a:t>
             </a:fld>
             <a:endParaRPr lang="en-US"/>
           </a:p>
@@ -5542,7 +5550,7 @@
             <a:fld id="{1D8BD707-D9CF-40AE-B4C6-C98DA3205C09}" type="datetimeFigureOut">
               <a:rPr lang="en-US" smtClean="0"/>
               <a:pPr/>
-              <a:t>09-Jan-15</a:t>
+              <a:t>12-Jan-15</a:t>
             </a:fld>
             <a:endParaRPr lang="en-US"/>
           </a:p>
@@ -5816,7 +5824,7 @@
             <a:fld id="{1D8BD707-D9CF-40AE-B4C6-C98DA3205C09}" type="datetimeFigureOut">
               <a:rPr lang="en-US" smtClean="0"/>
               <a:pPr/>
-              <a:t>09-Jan-15</a:t>
+              <a:t>12-Jan-15</a:t>
             </a:fld>
             <a:endParaRPr lang="en-US"/>
           </a:p>
@@ -6066,7 +6074,7 @@
             <a:fld id="{1D8BD707-D9CF-40AE-B4C6-C98DA3205C09}" type="datetimeFigureOut">
               <a:rPr lang="en-US" smtClean="0"/>
               <a:pPr/>
-              <a:t>09-Jan-15</a:t>
+              <a:t>12-Jan-15</a:t>
             </a:fld>
             <a:endParaRPr lang="en-US"/>
           </a:p>
@@ -6285,7 +6293,7 @@
             <a:fld id="{1D8BD707-D9CF-40AE-B4C6-C98DA3205C09}" type="datetimeFigureOut">
               <a:rPr lang="en-US" smtClean="0"/>
               <a:pPr/>
-              <a:t>09-Jan-15</a:t>
+              <a:t>12-Jan-15</a:t>
             </a:fld>
             <a:endParaRPr lang="en-US"/>
           </a:p>
@@ -6791,7 +6799,7 @@
     </p:spTree>
     <p:extLst>
       <p:ext uri="{BB962C8B-B14F-4D97-AF65-F5344CB8AC3E}">
-        <p14:creationId xmlns="" xmlns:p14="http://schemas.microsoft.com/office/powerpoint/2010/main" val="1766645597"/>
+        <p14:creationId xmlns:p14="http://schemas.microsoft.com/office/powerpoint/2010/main" xmlns="" val="1766645597"/>
       </p:ext>
     </p:extLst>
   </p:cSld>
@@ -7243,7 +7251,7 @@
     </p:spTree>
     <p:extLst>
       <p:ext uri="{BB962C8B-B14F-4D97-AF65-F5344CB8AC3E}">
-        <p14:creationId xmlns="" xmlns:p14="http://schemas.microsoft.com/office/powerpoint/2010/main" val="4060775951"/>
+        <p14:creationId xmlns:p14="http://schemas.microsoft.com/office/powerpoint/2010/main" xmlns="" val="4060775951"/>
       </p:ext>
     </p:extLst>
   </p:cSld>
@@ -7251,7 +7259,7 @@
     <a:masterClrMapping/>
   </p:clrMapOvr>
   <mc:AlternateContent xmlns:mc="http://schemas.openxmlformats.org/markup-compatibility/2006">
-    <mc:Choice xmlns="" xmlns:p14="http://schemas.microsoft.com/office/powerpoint/2010/main" Requires="p14">
+    <mc:Choice xmlns:p14="http://schemas.microsoft.com/office/powerpoint/2010/main" xmlns="" Requires="p14">
       <p:transition spd="slow" p14:dur="2000"/>
     </mc:Choice>
     <mc:Fallback>
@@ -7646,7 +7654,7 @@
     </p:spTree>
     <p:extLst>
       <p:ext uri="{BB962C8B-B14F-4D97-AF65-F5344CB8AC3E}">
-        <p14:creationId xmlns="" xmlns:p14="http://schemas.microsoft.com/office/powerpoint/2010/main" val="4060775951"/>
+        <p14:creationId xmlns:p14="http://schemas.microsoft.com/office/powerpoint/2010/main" xmlns="" val="4060775951"/>
       </p:ext>
     </p:extLst>
   </p:cSld>
@@ -7654,7 +7662,7 @@
     <a:masterClrMapping/>
   </p:clrMapOvr>
   <mc:AlternateContent xmlns:mc="http://schemas.openxmlformats.org/markup-compatibility/2006">
-    <mc:Choice xmlns="" xmlns:p14="http://schemas.microsoft.com/office/powerpoint/2010/main" Requires="p14">
+    <mc:Choice xmlns:p14="http://schemas.microsoft.com/office/powerpoint/2010/main" xmlns="" Requires="p14">
       <p:transition spd="slow" p14:dur="2000"/>
     </mc:Choice>
     <mc:Fallback>
@@ -7899,7 +7907,7 @@
     </p:spTree>
     <p:extLst>
       <p:ext uri="{BB962C8B-B14F-4D97-AF65-F5344CB8AC3E}">
-        <p14:creationId xmlns="" xmlns:p14="http://schemas.microsoft.com/office/powerpoint/2010/main" val="4060775951"/>
+        <p14:creationId xmlns:p14="http://schemas.microsoft.com/office/powerpoint/2010/main" xmlns="" val="4060775951"/>
       </p:ext>
     </p:extLst>
   </p:cSld>
@@ -7907,7 +7915,7 @@
     <a:masterClrMapping/>
   </p:clrMapOvr>
   <mc:AlternateContent xmlns:mc="http://schemas.openxmlformats.org/markup-compatibility/2006">
-    <mc:Choice xmlns="" xmlns:p14="http://schemas.microsoft.com/office/powerpoint/2010/main" Requires="p14">
+    <mc:Choice xmlns:p14="http://schemas.microsoft.com/office/powerpoint/2010/main" xmlns="" Requires="p14">
       <p:transition spd="slow" p14:dur="2000"/>
     </mc:Choice>
     <mc:Fallback>
@@ -8499,7 +8507,7 @@
     </p:spTree>
     <p:extLst>
       <p:ext uri="{BB962C8B-B14F-4D97-AF65-F5344CB8AC3E}">
-        <p14:creationId xmlns="" xmlns:p14="http://schemas.microsoft.com/office/powerpoint/2010/main" val="4060775951"/>
+        <p14:creationId xmlns:p14="http://schemas.microsoft.com/office/powerpoint/2010/main" xmlns="" val="4060775951"/>
       </p:ext>
     </p:extLst>
   </p:cSld>
@@ -8507,7 +8515,7 @@
     <a:masterClrMapping/>
   </p:clrMapOvr>
   <mc:AlternateContent xmlns:mc="http://schemas.openxmlformats.org/markup-compatibility/2006">
-    <mc:Choice xmlns="" xmlns:p14="http://schemas.microsoft.com/office/powerpoint/2010/main" Requires="p14">
+    <mc:Choice xmlns:p14="http://schemas.microsoft.com/office/powerpoint/2010/main" xmlns="" Requires="p14">
       <p:transition spd="slow" p14:dur="2000"/>
     </mc:Choice>
     <mc:Fallback>
@@ -8957,7 +8965,7 @@
     </p:spTree>
     <p:extLst>
       <p:ext uri="{BB962C8B-B14F-4D97-AF65-F5344CB8AC3E}">
-        <p14:creationId xmlns="" xmlns:p14="http://schemas.microsoft.com/office/powerpoint/2010/main" val="4060775951"/>
+        <p14:creationId xmlns:p14="http://schemas.microsoft.com/office/powerpoint/2010/main" xmlns="" val="4060775951"/>
       </p:ext>
     </p:extLst>
   </p:cSld>
@@ -8965,7 +8973,7 @@
     <a:masterClrMapping/>
   </p:clrMapOvr>
   <mc:AlternateContent xmlns:mc="http://schemas.openxmlformats.org/markup-compatibility/2006">
-    <mc:Choice xmlns="" xmlns:p14="http://schemas.microsoft.com/office/powerpoint/2010/main" Requires="p14">
+    <mc:Choice xmlns:p14="http://schemas.microsoft.com/office/powerpoint/2010/main" xmlns="" Requires="p14">
       <p:transition spd="slow" p14:dur="2000"/>
     </mc:Choice>
     <mc:Fallback>
@@ -9210,7 +9218,7 @@
     </p:spTree>
     <p:extLst>
       <p:ext uri="{BB962C8B-B14F-4D97-AF65-F5344CB8AC3E}">
-        <p14:creationId xmlns="" xmlns:p14="http://schemas.microsoft.com/office/powerpoint/2010/main" val="4060775951"/>
+        <p14:creationId xmlns:p14="http://schemas.microsoft.com/office/powerpoint/2010/main" xmlns="" val="4060775951"/>
       </p:ext>
     </p:extLst>
   </p:cSld>
@@ -9218,7 +9226,7 @@
     <a:masterClrMapping/>
   </p:clrMapOvr>
   <mc:AlternateContent xmlns:mc="http://schemas.openxmlformats.org/markup-compatibility/2006">
-    <mc:Choice xmlns="" xmlns:p14="http://schemas.microsoft.com/office/powerpoint/2010/main" Requires="p14">
+    <mc:Choice xmlns:p14="http://schemas.microsoft.com/office/powerpoint/2010/main" xmlns="" Requires="p14">
       <p:transition spd="slow" p14:dur="2000"/>
     </mc:Choice>
     <mc:Fallback>
@@ -9471,7 +9479,7 @@
     </p:spTree>
     <p:extLst>
       <p:ext uri="{BB962C8B-B14F-4D97-AF65-F5344CB8AC3E}">
-        <p14:creationId xmlns="" xmlns:p14="http://schemas.microsoft.com/office/powerpoint/2010/main" val="4060775951"/>
+        <p14:creationId xmlns:p14="http://schemas.microsoft.com/office/powerpoint/2010/main" xmlns="" val="4060775951"/>
       </p:ext>
     </p:extLst>
   </p:cSld>
@@ -9479,7 +9487,7 @@
     <a:masterClrMapping/>
   </p:clrMapOvr>
   <mc:AlternateContent xmlns:mc="http://schemas.openxmlformats.org/markup-compatibility/2006">
-    <mc:Choice xmlns="" xmlns:p14="http://schemas.microsoft.com/office/powerpoint/2010/main" Requires="p14">
+    <mc:Choice xmlns:p14="http://schemas.microsoft.com/office/powerpoint/2010/main" xmlns="" Requires="p14">
       <p:transition spd="slow" p14:dur="2000"/>
     </mc:Choice>
     <mc:Fallback>
@@ -9886,7 +9894,7 @@
     </p:spTree>
     <p:extLst>
       <p:ext uri="{BB962C8B-B14F-4D97-AF65-F5344CB8AC3E}">
-        <p14:creationId xmlns="" xmlns:p14="http://schemas.microsoft.com/office/powerpoint/2010/main" val="4060775951"/>
+        <p14:creationId xmlns:p14="http://schemas.microsoft.com/office/powerpoint/2010/main" xmlns="" val="4060775951"/>
       </p:ext>
     </p:extLst>
   </p:cSld>
@@ -9894,7 +9902,7 @@
     <a:masterClrMapping/>
   </p:clrMapOvr>
   <mc:AlternateContent xmlns:mc="http://schemas.openxmlformats.org/markup-compatibility/2006">
-    <mc:Choice xmlns="" xmlns:p14="http://schemas.microsoft.com/office/powerpoint/2010/main" Requires="p14">
+    <mc:Choice xmlns:p14="http://schemas.microsoft.com/office/powerpoint/2010/main" xmlns="" Requires="p14">
       <p:transition spd="slow" p14:dur="2000"/>
     </mc:Choice>
     <mc:Fallback>
@@ -10301,7 +10309,7 @@
     </p:spTree>
     <p:extLst>
       <p:ext uri="{BB962C8B-B14F-4D97-AF65-F5344CB8AC3E}">
-        <p14:creationId xmlns="" xmlns:p14="http://schemas.microsoft.com/office/powerpoint/2010/main" val="4060775951"/>
+        <p14:creationId xmlns:p14="http://schemas.microsoft.com/office/powerpoint/2010/main" xmlns="" val="4060775951"/>
       </p:ext>
     </p:extLst>
   </p:cSld>
@@ -10309,7 +10317,7 @@
     <a:masterClrMapping/>
   </p:clrMapOvr>
   <mc:AlternateContent xmlns:mc="http://schemas.openxmlformats.org/markup-compatibility/2006">
-    <mc:Choice xmlns="" xmlns:p14="http://schemas.microsoft.com/office/powerpoint/2010/main" Requires="p14">
+    <mc:Choice xmlns:p14="http://schemas.microsoft.com/office/powerpoint/2010/main" xmlns="" Requires="p14">
       <p:transition spd="slow" p14:dur="2000"/>
     </mc:Choice>
     <mc:Fallback>
@@ -10744,7 +10752,7 @@
     </p:spTree>
     <p:extLst>
       <p:ext uri="{BB962C8B-B14F-4D97-AF65-F5344CB8AC3E}">
-        <p14:creationId xmlns="" xmlns:p14="http://schemas.microsoft.com/office/powerpoint/2010/main" val="4060775951"/>
+        <p14:creationId xmlns:p14="http://schemas.microsoft.com/office/powerpoint/2010/main" xmlns="" val="4060775951"/>
       </p:ext>
     </p:extLst>
   </p:cSld>
@@ -10752,7 +10760,7 @@
     <a:masterClrMapping/>
   </p:clrMapOvr>
   <mc:AlternateContent xmlns:mc="http://schemas.openxmlformats.org/markup-compatibility/2006">
-    <mc:Choice xmlns="" xmlns:p14="http://schemas.microsoft.com/office/powerpoint/2010/main" Requires="p14">
+    <mc:Choice xmlns:p14="http://schemas.microsoft.com/office/powerpoint/2010/main" xmlns="" Requires="p14">
       <p:transition spd="slow" p14:dur="2000"/>
     </mc:Choice>
     <mc:Fallback>
@@ -11042,7 +11050,7 @@
     </p:spTree>
     <p:extLst>
       <p:ext uri="{BB962C8B-B14F-4D97-AF65-F5344CB8AC3E}">
-        <p14:creationId xmlns="" xmlns:p14="http://schemas.microsoft.com/office/powerpoint/2010/main" val="3292176594"/>
+        <p14:creationId xmlns:p14="http://schemas.microsoft.com/office/powerpoint/2010/main" xmlns="" val="3292176594"/>
       </p:ext>
     </p:extLst>
   </p:cSld>
@@ -11523,7 +11531,7 @@
     </p:spTree>
     <p:extLst>
       <p:ext uri="{BB962C8B-B14F-4D97-AF65-F5344CB8AC3E}">
-        <p14:creationId xmlns="" xmlns:p14="http://schemas.microsoft.com/office/powerpoint/2010/main" val="4060775951"/>
+        <p14:creationId xmlns:p14="http://schemas.microsoft.com/office/powerpoint/2010/main" xmlns="" val="4060775951"/>
       </p:ext>
     </p:extLst>
   </p:cSld>
@@ -11531,7 +11539,7 @@
     <a:masterClrMapping/>
   </p:clrMapOvr>
   <mc:AlternateContent xmlns:mc="http://schemas.openxmlformats.org/markup-compatibility/2006">
-    <mc:Choice xmlns="" xmlns:p14="http://schemas.microsoft.com/office/powerpoint/2010/main" Requires="p14">
+    <mc:Choice xmlns:p14="http://schemas.microsoft.com/office/powerpoint/2010/main" xmlns="" Requires="p14">
       <p:transition spd="slow" p14:dur="2000"/>
     </mc:Choice>
     <mc:Fallback>
@@ -11577,7 +11585,7 @@
           <a:blip r:embed="rId3" cstate="print">
             <a:extLst>
               <a:ext uri="{28A0092B-C50C-407E-A947-70E740481C1C}">
-                <a14:useLocalDpi xmlns="" xmlns:a14="http://schemas.microsoft.com/office/drawing/2010/main" val="0"/>
+                <a14:useLocalDpi xmlns:a14="http://schemas.microsoft.com/office/drawing/2010/main" xmlns="" val="0"/>
               </a:ext>
             </a:extLst>
           </a:blip>
@@ -11597,7 +11605,7 @@
           <a:noFill/>
           <a:extLst>
             <a:ext uri="{909E8E84-426E-40DD-AFC4-6F175D3DCCD1}">
-              <a14:hiddenFill xmlns="" xmlns:a14="http://schemas.microsoft.com/office/drawing/2010/main">
+              <a14:hiddenFill xmlns:a14="http://schemas.microsoft.com/office/drawing/2010/main" xmlns="">
                 <a:solidFill>
                   <a:srgbClr val="FFFFFF"/>
                 </a:solidFill>
@@ -11687,15 +11695,7 @@
           <a:p>
             <a:r>
               <a:rPr lang="en-US" b="1" dirty="0" smtClean="0"/>
-              <a:t>Think about t</a:t>
-            </a:r>
-            <a:r>
-              <a:rPr lang="en-US" b="1" dirty="0" smtClean="0"/>
-              <a:t>esting of </a:t>
-            </a:r>
-            <a:r>
-              <a:rPr lang="en-US" b="1" dirty="0" smtClean="0"/>
-              <a:t>any household appliances</a:t>
+              <a:t>Think about testing of any household appliances</a:t>
             </a:r>
             <a:r>
               <a:rPr lang="ru-RU" b="1" dirty="0" smtClean="0"/>
@@ -11703,15 +11703,7 @@
             </a:r>
             <a:r>
               <a:rPr lang="en-US" b="1" dirty="0" smtClean="0"/>
-              <a:t>Think which aspects of its work </a:t>
-            </a:r>
-            <a:r>
-              <a:rPr lang="en-US" b="1" dirty="0" smtClean="0"/>
-              <a:t>can </a:t>
-            </a:r>
-            <a:r>
-              <a:rPr lang="en-US" b="1" dirty="0" smtClean="0"/>
-              <a:t>be tested and which cannot</a:t>
+              <a:t>Think which aspects of its work can be tested and which cannot</a:t>
             </a:r>
             <a:endParaRPr lang="en-US" b="1" dirty="0"/>
           </a:p>
@@ -11769,13 +11761,8 @@
           <a:p>
             <a:r>
               <a:rPr lang="en-US" b="1" dirty="0" smtClean="0"/>
-              <a:t>Remember the terms from the </a:t>
-            </a:r>
-            <a:r>
-              <a:rPr lang="en-US" b="1" dirty="0" smtClean="0"/>
-              <a:t>lesson:</a:t>
-            </a:r>
-            <a:endParaRPr lang="en-US" b="1" dirty="0" smtClean="0"/>
+              <a:t>Remember the terms from the lesson:</a:t>
+            </a:r>
           </a:p>
           <a:p>
             <a:r>
@@ -11848,7 +11835,7 @@
     </p:spTree>
     <p:extLst>
       <p:ext uri="{BB962C8B-B14F-4D97-AF65-F5344CB8AC3E}">
-        <p14:creationId xmlns="" xmlns:p14="http://schemas.microsoft.com/office/powerpoint/2010/main" val="3400026356"/>
+        <p14:creationId xmlns:p14="http://schemas.microsoft.com/office/powerpoint/2010/main" xmlns="" val="3400026356"/>
       </p:ext>
     </p:extLst>
   </p:cSld>
@@ -12457,7 +12444,7 @@
     </p:spTree>
     <p:extLst>
       <p:ext uri="{BB962C8B-B14F-4D97-AF65-F5344CB8AC3E}">
-        <p14:creationId xmlns="" xmlns:p14="http://schemas.microsoft.com/office/powerpoint/2010/main" val="3292176594"/>
+        <p14:creationId xmlns:p14="http://schemas.microsoft.com/office/powerpoint/2010/main" xmlns="" val="3292176594"/>
       </p:ext>
     </p:extLst>
   </p:cSld>
@@ -12717,7 +12704,7 @@
     </p:spTree>
     <p:extLst>
       <p:ext uri="{BB962C8B-B14F-4D97-AF65-F5344CB8AC3E}">
-        <p14:creationId xmlns="" xmlns:p14="http://schemas.microsoft.com/office/powerpoint/2010/main" val="3292176594"/>
+        <p14:creationId xmlns:p14="http://schemas.microsoft.com/office/powerpoint/2010/main" xmlns="" val="3292176594"/>
       </p:ext>
     </p:extLst>
   </p:cSld>
@@ -13003,7 +12990,7 @@
     </p:spTree>
     <p:extLst>
       <p:ext uri="{BB962C8B-B14F-4D97-AF65-F5344CB8AC3E}">
-        <p14:creationId xmlns="" xmlns:p14="http://schemas.microsoft.com/office/powerpoint/2010/main" val="1923330547"/>
+        <p14:creationId xmlns:p14="http://schemas.microsoft.com/office/powerpoint/2010/main" xmlns="" val="1923330547"/>
       </p:ext>
     </p:extLst>
   </p:cSld>
@@ -13130,7 +13117,7 @@
     </p:spTree>
     <p:extLst>
       <p:ext uri="{BB962C8B-B14F-4D97-AF65-F5344CB8AC3E}">
-        <p14:creationId xmlns="" xmlns:p14="http://schemas.microsoft.com/office/powerpoint/2010/main" val="1923330547"/>
+        <p14:creationId xmlns:p14="http://schemas.microsoft.com/office/powerpoint/2010/main" xmlns="" val="1923330547"/>
       </p:ext>
     </p:extLst>
   </p:cSld>
@@ -13651,7 +13638,7 @@
     </p:spTree>
     <p:extLst>
       <p:ext uri="{BB962C8B-B14F-4D97-AF65-F5344CB8AC3E}">
-        <p14:creationId xmlns="" xmlns:p14="http://schemas.microsoft.com/office/powerpoint/2010/main" val="4060775951"/>
+        <p14:creationId xmlns:p14="http://schemas.microsoft.com/office/powerpoint/2010/main" xmlns="" val="4060775951"/>
       </p:ext>
     </p:extLst>
   </p:cSld>
@@ -13659,7 +13646,7 @@
     <a:masterClrMapping/>
   </p:clrMapOvr>
   <mc:AlternateContent xmlns:mc="http://schemas.openxmlformats.org/markup-compatibility/2006">
-    <mc:Choice xmlns="" xmlns:p14="http://schemas.microsoft.com/office/powerpoint/2010/main" Requires="p14">
+    <mc:Choice xmlns:p14="http://schemas.microsoft.com/office/powerpoint/2010/main" xmlns="" Requires="p14">
       <p:transition spd="slow" p14:dur="2000"/>
     </mc:Choice>
     <mc:Fallback>
@@ -14109,7 +14096,7 @@
     </p:spTree>
     <p:extLst>
       <p:ext uri="{BB962C8B-B14F-4D97-AF65-F5344CB8AC3E}">
-        <p14:creationId xmlns="" xmlns:p14="http://schemas.microsoft.com/office/powerpoint/2010/main" val="4060775951"/>
+        <p14:creationId xmlns:p14="http://schemas.microsoft.com/office/powerpoint/2010/main" xmlns="" val="4060775951"/>
       </p:ext>
     </p:extLst>
   </p:cSld>
@@ -14117,7 +14104,7 @@
     <a:masterClrMapping/>
   </p:clrMapOvr>
   <mc:AlternateContent xmlns:mc="http://schemas.openxmlformats.org/markup-compatibility/2006">
-    <mc:Choice xmlns="" xmlns:p14="http://schemas.microsoft.com/office/powerpoint/2010/main" Requires="p14">
+    <mc:Choice xmlns:p14="http://schemas.microsoft.com/office/powerpoint/2010/main" xmlns="" Requires="p14">
       <p:transition spd="slow" p14:dur="2000"/>
     </mc:Choice>
     <mc:Fallback>
@@ -14593,7 +14580,7 @@
     </p:spTree>
     <p:extLst>
       <p:ext uri="{BB962C8B-B14F-4D97-AF65-F5344CB8AC3E}">
-        <p14:creationId xmlns="" xmlns:p14="http://schemas.microsoft.com/office/powerpoint/2010/main" val="4060775951"/>
+        <p14:creationId xmlns:p14="http://schemas.microsoft.com/office/powerpoint/2010/main" xmlns="" val="4060775951"/>
       </p:ext>
     </p:extLst>
   </p:cSld>
@@ -14601,7 +14588,7 @@
     <a:masterClrMapping/>
   </p:clrMapOvr>
   <mc:AlternateContent xmlns:mc="http://schemas.openxmlformats.org/markup-compatibility/2006">
-    <mc:Choice xmlns="" xmlns:p14="http://schemas.microsoft.com/office/powerpoint/2010/main" Requires="p14">
+    <mc:Choice xmlns:p14="http://schemas.microsoft.com/office/powerpoint/2010/main" xmlns="" Requires="p14">
       <p:transition spd="slow" p14:dur="2000"/>
     </mc:Choice>
     <mc:Fallback>
